--- a/Kubernetes基础/Kubernetes技术交流.pptx
+++ b/Kubernetes基础/Kubernetes技术交流.pptx
@@ -12,15 +12,15 @@
     <p:sldId id="260" r:id="rId7"/>
     <p:sldId id="261" r:id="rId8"/>
     <p:sldId id="262" r:id="rId9"/>
-    <p:sldId id="263" r:id="rId10"/>
-    <p:sldId id="264" r:id="rId11"/>
-    <p:sldId id="269" r:id="rId12"/>
-    <p:sldId id="265" r:id="rId13"/>
-    <p:sldId id="270" r:id="rId14"/>
-    <p:sldId id="266" r:id="rId15"/>
-    <p:sldId id="271" r:id="rId16"/>
-    <p:sldId id="267" r:id="rId17"/>
-    <p:sldId id="272" r:id="rId18"/>
+    <p:sldId id="278" r:id="rId10"/>
+    <p:sldId id="263" r:id="rId11"/>
+    <p:sldId id="264" r:id="rId12"/>
+    <p:sldId id="269" r:id="rId13"/>
+    <p:sldId id="277" r:id="rId14"/>
+    <p:sldId id="270" r:id="rId15"/>
+    <p:sldId id="266" r:id="rId16"/>
+    <p:sldId id="271" r:id="rId17"/>
+    <p:sldId id="267" r:id="rId18"/>
     <p:sldId id="268" r:id="rId19"/>
   </p:sldIdLst>
   <p:sldSz cx="12192000" cy="6858000"/>
@@ -3026,14 +3026,59 @@
       <p:grpSpPr/>
       <p:sp>
         <p:nvSpPr>
-          <p:cNvPr id="4" name="文本框 3"/>
+          <p:cNvPr id="2" name="标题 1"/>
+          <p:cNvSpPr>
+            <a:spLocks noGrp="1"/>
+          </p:cNvSpPr>
+          <p:nvPr>
+            <p:ph type="ctrTitle"/>
+          </p:nvPr>
+        </p:nvSpPr>
+        <p:spPr>
+          <a:xfrm>
+            <a:off x="1256030" y="336550"/>
+            <a:ext cx="9267825" cy="557530"/>
+          </a:xfrm>
+        </p:spPr>
+        <p:txBody>
+          <a:bodyPr>
+            <a:normAutofit/>
+          </a:bodyPr>
+          <a:p>
+            <a:r>
+              <a:rPr lang="en-US" altLang="zh-CN" sz="2800">
+                <a:latin typeface="宋体" panose="02010600030101010101" pitchFamily="2" charset="-122"/>
+                <a:ea typeface="宋体" panose="02010600030101010101" pitchFamily="2" charset="-122"/>
+                <a:cs typeface="宋体" panose="02010600030101010101" pitchFamily="2" charset="-122"/>
+              </a:rPr>
+              <a:t>Node</a:t>
+            </a:r>
+            <a:r>
+              <a:rPr lang="zh-CN" altLang="en-US" sz="2800">
+                <a:latin typeface="宋体" panose="02010600030101010101" pitchFamily="2" charset="-122"/>
+                <a:ea typeface="宋体" panose="02010600030101010101" pitchFamily="2" charset="-122"/>
+                <a:cs typeface="宋体" panose="02010600030101010101" pitchFamily="2" charset="-122"/>
+              </a:rPr>
+              <a:t>组件</a:t>
+            </a:r>
+            <a:endParaRPr lang="zh-CN" altLang="en-US" sz="2800">
+              <a:latin typeface="宋体" panose="02010600030101010101" pitchFamily="2" charset="-122"/>
+              <a:ea typeface="宋体" panose="02010600030101010101" pitchFamily="2" charset="-122"/>
+              <a:cs typeface="宋体" panose="02010600030101010101" pitchFamily="2" charset="-122"/>
+            </a:endParaRPr>
+          </a:p>
+        </p:txBody>
+      </p:sp>
+      <p:sp>
+        <p:nvSpPr>
+          <p:cNvPr id="3" name="文本框 2"/>
           <p:cNvSpPr txBox="1"/>
           <p:nvPr/>
         </p:nvSpPr>
         <p:spPr>
           <a:xfrm>
-            <a:off x="900430" y="461645"/>
-            <a:ext cx="10025380" cy="368300"/>
+            <a:off x="190500" y="1122680"/>
+            <a:ext cx="11885295" cy="4523105"/>
           </a:xfrm>
           <a:prstGeom prst="rect">
             <a:avLst/>
@@ -3045,81 +3090,57 @@
             <a:spAutoFit/>
           </a:bodyPr>
           <a:p>
-            <a:pPr algn="ctr"/>
-            <a:r>
-              <a:rPr lang="zh-CN" altLang="en-US">
-                <a:latin typeface="宋体" panose="02010600030101010101" pitchFamily="2" charset="-122"/>
-                <a:ea typeface="宋体" panose="02010600030101010101" pitchFamily="2" charset="-122"/>
-              </a:rPr>
-              <a:t>其他的核心附件</a:t>
-            </a:r>
-            <a:endParaRPr lang="zh-CN" altLang="en-US">
-              <a:latin typeface="宋体" panose="02010600030101010101" pitchFamily="2" charset="-122"/>
-              <a:ea typeface="宋体" panose="02010600030101010101" pitchFamily="2" charset="-122"/>
-            </a:endParaRPr>
-          </a:p>
-        </p:txBody>
-      </p:sp>
-      <p:sp>
-        <p:nvSpPr>
-          <p:cNvPr id="5" name="文本框 4"/>
-          <p:cNvSpPr txBox="1"/>
-          <p:nvPr/>
-        </p:nvSpPr>
-        <p:spPr>
-          <a:xfrm>
-            <a:off x="449580" y="1056005"/>
-            <a:ext cx="11530330" cy="3692525"/>
-          </a:xfrm>
-          <a:prstGeom prst="rect">
-            <a:avLst/>
-          </a:prstGeom>
-          <a:noFill/>
-        </p:spPr>
-        <p:txBody>
-          <a:bodyPr wrap="square" rtlCol="0">
-            <a:spAutoFit/>
-          </a:bodyPr>
-          <a:p>
-            <a:r>
-              <a:rPr lang="zh-CN" altLang="en-US">
-                <a:latin typeface="宋体" panose="02010600030101010101" pitchFamily="2" charset="-122"/>
-                <a:ea typeface="宋体" panose="02010600030101010101" pitchFamily="2" charset="-122"/>
-                <a:cs typeface="宋体" panose="02010600030101010101" pitchFamily="2" charset="-122"/>
-              </a:rPr>
-              <a:t>附件是用于扩展</a:t>
+            <a:r>
+              <a:rPr lang="zh-CN" altLang="en-US">
+                <a:solidFill>
+                  <a:srgbClr val="FF0000"/>
+                </a:solidFill>
+                <a:latin typeface="宋体" panose="02010600030101010101" pitchFamily="2" charset="-122"/>
+                <a:ea typeface="宋体" panose="02010600030101010101" pitchFamily="2" charset="-122"/>
+                <a:cs typeface="宋体" panose="02010600030101010101" pitchFamily="2" charset="-122"/>
+              </a:rPr>
+              <a:t>（</a:t>
             </a:r>
             <a:r>
               <a:rPr lang="en-US" altLang="zh-CN">
-                <a:latin typeface="宋体" panose="02010600030101010101" pitchFamily="2" charset="-122"/>
-                <a:ea typeface="宋体" panose="02010600030101010101" pitchFamily="2" charset="-122"/>
-                <a:cs typeface="宋体" panose="02010600030101010101" pitchFamily="2" charset="-122"/>
-              </a:rPr>
-              <a:t>K8s,</a:t>
-            </a:r>
-            <a:r>
-              <a:rPr lang="zh-CN" altLang="en-US">
-                <a:latin typeface="宋体" panose="02010600030101010101" pitchFamily="2" charset="-122"/>
-                <a:ea typeface="宋体" panose="02010600030101010101" pitchFamily="2" charset="-122"/>
-                <a:cs typeface="宋体" panose="02010600030101010101" pitchFamily="2" charset="-122"/>
-              </a:rPr>
-              <a:t>通常运行在</a:t>
+                <a:solidFill>
+                  <a:srgbClr val="FF0000"/>
+                </a:solidFill>
+                <a:latin typeface="宋体" panose="02010600030101010101" pitchFamily="2" charset="-122"/>
+                <a:ea typeface="宋体" panose="02010600030101010101" pitchFamily="2" charset="-122"/>
+                <a:cs typeface="宋体" panose="02010600030101010101" pitchFamily="2" charset="-122"/>
+              </a:rPr>
+              <a:t>1</a:t>
+            </a:r>
+            <a:r>
+              <a:rPr lang="zh-CN" altLang="en-US">
+                <a:solidFill>
+                  <a:srgbClr val="FF0000"/>
+                </a:solidFill>
+                <a:latin typeface="宋体" panose="02010600030101010101" pitchFamily="2" charset="-122"/>
+                <a:ea typeface="宋体" panose="02010600030101010101" pitchFamily="2" charset="-122"/>
+                <a:cs typeface="宋体" panose="02010600030101010101" pitchFamily="2" charset="-122"/>
+              </a:rPr>
+              <a:t>）</a:t>
             </a:r>
             <a:r>
               <a:rPr lang="en-US" altLang="zh-CN">
-                <a:latin typeface="宋体" panose="02010600030101010101" pitchFamily="2" charset="-122"/>
-                <a:ea typeface="宋体" panose="02010600030101010101" pitchFamily="2" charset="-122"/>
-                <a:cs typeface="宋体" panose="02010600030101010101" pitchFamily="2" charset="-122"/>
-              </a:rPr>
-              <a:t>K8s</a:t>
-            </a:r>
-            <a:r>
-              <a:rPr lang="zh-CN" altLang="en-US">
-                <a:latin typeface="宋体" panose="02010600030101010101" pitchFamily="2" charset="-122"/>
-                <a:ea typeface="宋体" panose="02010600030101010101" pitchFamily="2" charset="-122"/>
-                <a:cs typeface="宋体" panose="02010600030101010101" pitchFamily="2" charset="-122"/>
-              </a:rPr>
-              <a:t>集群之上</a:t>
+                <a:solidFill>
+                  <a:srgbClr val="FF0000"/>
+                </a:solidFill>
+                <a:latin typeface="宋体" panose="02010600030101010101" pitchFamily="2" charset="-122"/>
+                <a:ea typeface="宋体" panose="02010600030101010101" pitchFamily="2" charset="-122"/>
+                <a:cs typeface="宋体" panose="02010600030101010101" pitchFamily="2" charset="-122"/>
+              </a:rPr>
+              <a:t>kubelet</a:t>
+            </a:r>
+            <a:r>
+              <a:rPr lang="zh-CN" altLang="en-US">
+                <a:latin typeface="宋体" panose="02010600030101010101" pitchFamily="2" charset="-122"/>
+                <a:ea typeface="宋体" panose="02010600030101010101" pitchFamily="2" charset="-122"/>
+                <a:cs typeface="宋体" panose="02010600030101010101" pitchFamily="2" charset="-122"/>
+              </a:rPr>
+              <a:t>：</a:t>
             </a:r>
             <a:endParaRPr lang="zh-CN" altLang="en-US">
               <a:latin typeface="宋体" panose="02010600030101010101" pitchFamily="2" charset="-122"/>
@@ -3128,6 +3149,89 @@
             </a:endParaRPr>
           </a:p>
           <a:p>
+            <a:r>
+              <a:rPr lang="zh-CN" altLang="en-US">
+                <a:latin typeface="宋体" panose="02010600030101010101" pitchFamily="2" charset="-122"/>
+                <a:ea typeface="宋体" panose="02010600030101010101" pitchFamily="2" charset="-122"/>
+                <a:cs typeface="宋体" panose="02010600030101010101" pitchFamily="2" charset="-122"/>
+              </a:rPr>
+              <a:t>最重要的组件之一，运作在每个</a:t>
+            </a:r>
+            <a:r>
+              <a:rPr lang="en-US" altLang="zh-CN">
+                <a:latin typeface="宋体" panose="02010600030101010101" pitchFamily="2" charset="-122"/>
+                <a:ea typeface="宋体" panose="02010600030101010101" pitchFamily="2" charset="-122"/>
+                <a:cs typeface="宋体" panose="02010600030101010101" pitchFamily="2" charset="-122"/>
+              </a:rPr>
+              <a:t>Node</a:t>
+            </a:r>
+            <a:r>
+              <a:rPr lang="zh-CN" altLang="en-US">
+                <a:latin typeface="宋体" panose="02010600030101010101" pitchFamily="2" charset="-122"/>
+                <a:ea typeface="宋体" panose="02010600030101010101" pitchFamily="2" charset="-122"/>
+                <a:cs typeface="宋体" panose="02010600030101010101" pitchFamily="2" charset="-122"/>
+              </a:rPr>
+              <a:t>之上的</a:t>
+            </a:r>
+            <a:r>
+              <a:rPr lang="en-US" altLang="zh-CN">
+                <a:latin typeface="宋体" panose="02010600030101010101" pitchFamily="2" charset="-122"/>
+                <a:ea typeface="宋体" panose="02010600030101010101" pitchFamily="2" charset="-122"/>
+                <a:cs typeface="宋体" panose="02010600030101010101" pitchFamily="2" charset="-122"/>
+              </a:rPr>
+              <a:t>“</a:t>
+            </a:r>
+            <a:r>
+              <a:rPr lang="zh-CN" altLang="en-US">
+                <a:latin typeface="宋体" panose="02010600030101010101" pitchFamily="2" charset="-122"/>
+                <a:ea typeface="宋体" panose="02010600030101010101" pitchFamily="2" charset="-122"/>
+                <a:cs typeface="宋体" panose="02010600030101010101" pitchFamily="2" charset="-122"/>
+              </a:rPr>
+              <a:t>节点代理</a:t>
+            </a:r>
+            <a:r>
+              <a:rPr lang="en-US" altLang="zh-CN">
+                <a:latin typeface="宋体" panose="02010600030101010101" pitchFamily="2" charset="-122"/>
+                <a:ea typeface="宋体" panose="02010600030101010101" pitchFamily="2" charset="-122"/>
+                <a:cs typeface="宋体" panose="02010600030101010101" pitchFamily="2" charset="-122"/>
+              </a:rPr>
+              <a:t>”</a:t>
+            </a:r>
+            <a:r>
+              <a:rPr lang="zh-CN" altLang="en-US">
+                <a:latin typeface="宋体" panose="02010600030101010101" pitchFamily="2" charset="-122"/>
+                <a:ea typeface="宋体" panose="02010600030101010101" pitchFamily="2" charset="-122"/>
+                <a:cs typeface="宋体" panose="02010600030101010101" pitchFamily="2" charset="-122"/>
+              </a:rPr>
+              <a:t>服务，负责</a:t>
+            </a:r>
+            <a:r>
+              <a:rPr lang="zh-CN" altLang="en-US">
+                <a:solidFill>
+                  <a:srgbClr val="FF0000"/>
+                </a:solidFill>
+                <a:latin typeface="宋体" panose="02010600030101010101" pitchFamily="2" charset="-122"/>
+                <a:ea typeface="宋体" panose="02010600030101010101" pitchFamily="2" charset="-122"/>
+                <a:cs typeface="宋体" panose="02010600030101010101" pitchFamily="2" charset="-122"/>
+              </a:rPr>
+              <a:t>接收并执行</a:t>
+            </a:r>
+            <a:r>
+              <a:rPr lang="en-US" altLang="zh-CN">
+                <a:latin typeface="宋体" panose="02010600030101010101" pitchFamily="2" charset="-122"/>
+                <a:ea typeface="宋体" panose="02010600030101010101" pitchFamily="2" charset="-122"/>
+                <a:cs typeface="宋体" panose="02010600030101010101" pitchFamily="2" charset="-122"/>
+              </a:rPr>
+              <a:t>Master</a:t>
+            </a:r>
+            <a:r>
+              <a:rPr lang="zh-CN" altLang="en-US">
+                <a:latin typeface="宋体" panose="02010600030101010101" pitchFamily="2" charset="-122"/>
+                <a:ea typeface="宋体" panose="02010600030101010101" pitchFamily="2" charset="-122"/>
+                <a:cs typeface="宋体" panose="02010600030101010101" pitchFamily="2" charset="-122"/>
+              </a:rPr>
+              <a:t>发来的指令；</a:t>
+            </a:r>
             <a:endParaRPr lang="zh-CN" altLang="en-US">
               <a:latin typeface="宋体" panose="02010600030101010101" pitchFamily="2" charset="-122"/>
               <a:ea typeface="宋体" panose="02010600030101010101" pitchFamily="2" charset="-122"/>
@@ -3136,20 +3240,39 @@
           </a:p>
           <a:p>
             <a:r>
+              <a:rPr lang="zh-CN" altLang="en-US">
+                <a:solidFill>
+                  <a:srgbClr val="FF0000"/>
+                </a:solidFill>
+                <a:latin typeface="宋体" panose="02010600030101010101" pitchFamily="2" charset="-122"/>
+                <a:ea typeface="宋体" panose="02010600030101010101" pitchFamily="2" charset="-122"/>
+                <a:cs typeface="宋体" panose="02010600030101010101" pitchFamily="2" charset="-122"/>
+              </a:rPr>
+              <a:t>管理</a:t>
+            </a:r>
+            <a:r>
+              <a:rPr lang="zh-CN" altLang="en-US">
+                <a:latin typeface="宋体" panose="02010600030101010101" pitchFamily="2" charset="-122"/>
+                <a:ea typeface="宋体" panose="02010600030101010101" pitchFamily="2" charset="-122"/>
+                <a:cs typeface="宋体" panose="02010600030101010101" pitchFamily="2" charset="-122"/>
+              </a:rPr>
+              <a:t>当前</a:t>
+            </a:r>
+            <a:r>
               <a:rPr lang="en-US" altLang="zh-CN">
                 <a:latin typeface="宋体" panose="02010600030101010101" pitchFamily="2" charset="-122"/>
                 <a:ea typeface="宋体" panose="02010600030101010101" pitchFamily="2" charset="-122"/>
                 <a:cs typeface="宋体" panose="02010600030101010101" pitchFamily="2" charset="-122"/>
               </a:rPr>
-              <a:t>■CoreDNS</a:t>
-            </a:r>
-            <a:r>
-              <a:rPr lang="zh-CN" altLang="en-US">
-                <a:latin typeface="宋体" panose="02010600030101010101" pitchFamily="2" charset="-122"/>
-                <a:ea typeface="宋体" panose="02010600030101010101" pitchFamily="2" charset="-122"/>
-                <a:cs typeface="宋体" panose="02010600030101010101" pitchFamily="2" charset="-122"/>
-              </a:rPr>
-              <a:t>：</a:t>
+              <a:t>Node</a:t>
+            </a:r>
+            <a:r>
+              <a:rPr lang="zh-CN" altLang="en-US">
+                <a:latin typeface="宋体" panose="02010600030101010101" pitchFamily="2" charset="-122"/>
+                <a:ea typeface="宋体" panose="02010600030101010101" pitchFamily="2" charset="-122"/>
+                <a:cs typeface="宋体" panose="02010600030101010101" pitchFamily="2" charset="-122"/>
+              </a:rPr>
+              <a:t>上</a:t>
             </a:r>
             <a:r>
               <a:rPr lang="en-US" altLang="zh-CN">
@@ -3157,15 +3280,45 @@
                 <a:ea typeface="宋体" panose="02010600030101010101" pitchFamily="2" charset="-122"/>
                 <a:cs typeface="宋体" panose="02010600030101010101" pitchFamily="2" charset="-122"/>
               </a:rPr>
-              <a:t>Kubernetes</a:t>
-            </a:r>
-            <a:r>
-              <a:rPr lang="zh-CN" altLang="en-US">
-                <a:latin typeface="宋体" panose="02010600030101010101" pitchFamily="2" charset="-122"/>
-                <a:ea typeface="宋体" panose="02010600030101010101" pitchFamily="2" charset="-122"/>
-                <a:cs typeface="宋体" panose="02010600030101010101" pitchFamily="2" charset="-122"/>
-              </a:rPr>
-              <a:t>使用定制的</a:t>
+              <a:t>Pod</a:t>
+            </a:r>
+            <a:r>
+              <a:rPr lang="zh-CN" altLang="en-US">
+                <a:latin typeface="宋体" panose="02010600030101010101" pitchFamily="2" charset="-122"/>
+                <a:ea typeface="宋体" panose="02010600030101010101" pitchFamily="2" charset="-122"/>
+                <a:cs typeface="宋体" panose="02010600030101010101" pitchFamily="2" charset="-122"/>
+              </a:rPr>
+              <a:t>对象的</a:t>
+            </a:r>
+            <a:r>
+              <a:rPr lang="zh-CN" altLang="en-US">
+                <a:solidFill>
+                  <a:srgbClr val="FF0000"/>
+                </a:solidFill>
+                <a:latin typeface="宋体" panose="02010600030101010101" pitchFamily="2" charset="-122"/>
+                <a:ea typeface="宋体" panose="02010600030101010101" pitchFamily="2" charset="-122"/>
+                <a:cs typeface="宋体" panose="02010600030101010101" pitchFamily="2" charset="-122"/>
+              </a:rPr>
+              <a:t>容器</a:t>
+            </a:r>
+            <a:r>
+              <a:rPr lang="zh-CN" altLang="en-US">
+                <a:latin typeface="宋体" panose="02010600030101010101" pitchFamily="2" charset="-122"/>
+                <a:ea typeface="宋体" panose="02010600030101010101" pitchFamily="2" charset="-122"/>
+                <a:cs typeface="宋体" panose="02010600030101010101" pitchFamily="2" charset="-122"/>
+              </a:rPr>
+              <a:t>等任务，</a:t>
+            </a:r>
+            <a:r>
+              <a:rPr lang="zh-CN" altLang="en-US">
+                <a:solidFill>
+                  <a:srgbClr val="FF0000"/>
+                </a:solidFill>
+                <a:latin typeface="宋体" panose="02010600030101010101" pitchFamily="2" charset="-122"/>
+                <a:ea typeface="宋体" panose="02010600030101010101" pitchFamily="2" charset="-122"/>
+                <a:cs typeface="宋体" panose="02010600030101010101" pitchFamily="2" charset="-122"/>
+              </a:rPr>
+              <a:t>监视</a:t>
             </a:r>
             <a:r>
               <a:rPr lang="en-US" altLang="zh-CN">
@@ -3173,15 +3326,23 @@
                 <a:ea typeface="宋体" panose="02010600030101010101" pitchFamily="2" charset="-122"/>
                 <a:cs typeface="宋体" panose="02010600030101010101" pitchFamily="2" charset="-122"/>
               </a:rPr>
-              <a:t>DNS</a:t>
-            </a:r>
-            <a:r>
-              <a:rPr lang="zh-CN" altLang="en-US">
-                <a:latin typeface="宋体" panose="02010600030101010101" pitchFamily="2" charset="-122"/>
-                <a:ea typeface="宋体" panose="02010600030101010101" pitchFamily="2" charset="-122"/>
-                <a:cs typeface="宋体" panose="02010600030101010101" pitchFamily="2" charset="-122"/>
-              </a:rPr>
-              <a:t>应用程序实现名称解析和服务发现功能。</a:t>
+              <a:t>Pod</a:t>
+            </a:r>
+            <a:r>
+              <a:rPr lang="zh-CN" altLang="en-US">
+                <a:latin typeface="宋体" panose="02010600030101010101" pitchFamily="2" charset="-122"/>
+                <a:ea typeface="宋体" panose="02010600030101010101" pitchFamily="2" charset="-122"/>
+                <a:cs typeface="宋体" panose="02010600030101010101" pitchFamily="2" charset="-122"/>
+              </a:rPr>
+              <a:t>的监控状态，探针</a:t>
+            </a:r>
+            <a:r>
+              <a:rPr lang="zh-CN" altLang="en-US">
+                <a:latin typeface="宋体" panose="02010600030101010101" pitchFamily="2" charset="-122"/>
+                <a:ea typeface="宋体" panose="02010600030101010101" pitchFamily="2" charset="-122"/>
+                <a:cs typeface="宋体" panose="02010600030101010101" pitchFamily="2" charset="-122"/>
+              </a:rPr>
+              <a:t>等；</a:t>
             </a:r>
             <a:endParaRPr lang="zh-CN" altLang="en-US">
               <a:latin typeface="宋体" panose="02010600030101010101" pitchFamily="2" charset="-122"/>
@@ -3190,7 +3351,54 @@
             </a:endParaRPr>
           </a:p>
           <a:p>
+            <a:r>
+              <a:rPr lang="zh-CN" altLang="en-US">
+                <a:solidFill>
+                  <a:srgbClr val="FF0000"/>
+                </a:solidFill>
+                <a:latin typeface="宋体" panose="02010600030101010101" pitchFamily="2" charset="-122"/>
+                <a:ea typeface="宋体" panose="02010600030101010101" pitchFamily="2" charset="-122"/>
+                <a:cs typeface="宋体" panose="02010600030101010101" pitchFamily="2" charset="-122"/>
+              </a:rPr>
+              <a:t>（</a:t>
+            </a:r>
+            <a:r>
+              <a:rPr lang="en-US" altLang="zh-CN">
+                <a:solidFill>
+                  <a:srgbClr val="FF0000"/>
+                </a:solidFill>
+                <a:latin typeface="宋体" panose="02010600030101010101" pitchFamily="2" charset="-122"/>
+                <a:ea typeface="宋体" panose="02010600030101010101" pitchFamily="2" charset="-122"/>
+                <a:cs typeface="宋体" panose="02010600030101010101" pitchFamily="2" charset="-122"/>
+              </a:rPr>
+              <a:t>2</a:t>
+            </a:r>
+            <a:r>
+              <a:rPr lang="zh-CN" altLang="en-US">
+                <a:solidFill>
+                  <a:srgbClr val="FF0000"/>
+                </a:solidFill>
+                <a:latin typeface="宋体" panose="02010600030101010101" pitchFamily="2" charset="-122"/>
+                <a:ea typeface="宋体" panose="02010600030101010101" pitchFamily="2" charset="-122"/>
+                <a:cs typeface="宋体" panose="02010600030101010101" pitchFamily="2" charset="-122"/>
+              </a:rPr>
+              <a:t>）容器运行时环境</a:t>
+            </a:r>
+            <a:r>
+              <a:rPr lang="en-US" altLang="zh-CN">
+                <a:solidFill>
+                  <a:srgbClr val="FF0000"/>
+                </a:solidFill>
+                <a:latin typeface="宋体" panose="02010600030101010101" pitchFamily="2" charset="-122"/>
+                <a:ea typeface="宋体" panose="02010600030101010101" pitchFamily="2" charset="-122"/>
+                <a:cs typeface="宋体" panose="02010600030101010101" pitchFamily="2" charset="-122"/>
+              </a:rPr>
+              <a:t>:</a:t>
+            </a:r>
             <a:endParaRPr lang="zh-CN" altLang="en-US">
+              <a:solidFill>
+                <a:srgbClr val="FF0000"/>
+              </a:solidFill>
               <a:latin typeface="宋体" panose="02010600030101010101" pitchFamily="2" charset="-122"/>
               <a:ea typeface="宋体" panose="02010600030101010101" pitchFamily="2" charset="-122"/>
               <a:cs typeface="宋体" panose="02010600030101010101" pitchFamily="2" charset="-122"/>
@@ -3198,460 +3406,556 @@
           </a:p>
           <a:p>
             <a:r>
+              <a:rPr lang="zh-CN" altLang="en-US">
+                <a:solidFill>
+                  <a:srgbClr val="FF0000"/>
+                </a:solidFill>
+                <a:latin typeface="宋体" panose="02010600030101010101" pitchFamily="2" charset="-122"/>
+                <a:ea typeface="宋体" panose="02010600030101010101" pitchFamily="2" charset="-122"/>
+                <a:cs typeface="宋体" panose="02010600030101010101" pitchFamily="2" charset="-122"/>
+              </a:rPr>
+              <a:t>负责运行容器</a:t>
+            </a:r>
+            <a:r>
+              <a:rPr lang="zh-CN" altLang="en-US">
+                <a:solidFill>
+                  <a:schemeClr val="tx1"/>
+                </a:solidFill>
+                <a:latin typeface="宋体" panose="02010600030101010101" pitchFamily="2" charset="-122"/>
+                <a:ea typeface="宋体" panose="02010600030101010101" pitchFamily="2" charset="-122"/>
+                <a:cs typeface="宋体" panose="02010600030101010101" pitchFamily="2" charset="-122"/>
+              </a:rPr>
+              <a:t>的依然是底层的容器运行时，</a:t>
+            </a:r>
+            <a:r>
               <a:rPr lang="en-US" altLang="zh-CN">
-                <a:latin typeface="宋体" panose="02010600030101010101" pitchFamily="2" charset="-122"/>
-                <a:ea typeface="宋体" panose="02010600030101010101" pitchFamily="2" charset="-122"/>
-                <a:cs typeface="宋体" panose="02010600030101010101" pitchFamily="2" charset="-122"/>
-                <a:sym typeface="+mn-ea"/>
-              </a:rPr>
-              <a:t>■Dashboard</a:t>
-            </a:r>
-            <a:r>
-              <a:rPr lang="zh-CN" altLang="en-US">
-                <a:latin typeface="宋体" panose="02010600030101010101" pitchFamily="2" charset="-122"/>
-                <a:ea typeface="宋体" panose="02010600030101010101" pitchFamily="2" charset="-122"/>
-                <a:cs typeface="宋体" panose="02010600030101010101" pitchFamily="2" charset="-122"/>
-                <a:sym typeface="+mn-ea"/>
-              </a:rPr>
-              <a:t>：可视化</a:t>
+                <a:solidFill>
+                  <a:schemeClr val="tx1"/>
+                </a:solidFill>
+                <a:latin typeface="宋体" panose="02010600030101010101" pitchFamily="2" charset="-122"/>
+                <a:ea typeface="宋体" panose="02010600030101010101" pitchFamily="2" charset="-122"/>
+                <a:cs typeface="宋体" panose="02010600030101010101" pitchFamily="2" charset="-122"/>
+              </a:rPr>
+              <a:t>kubelet</a:t>
+            </a:r>
+            <a:r>
+              <a:rPr lang="zh-CN" altLang="en-US">
+                <a:solidFill>
+                  <a:schemeClr val="tx1"/>
+                </a:solidFill>
+                <a:latin typeface="宋体" panose="02010600030101010101" pitchFamily="2" charset="-122"/>
+                <a:ea typeface="宋体" panose="02010600030101010101" pitchFamily="2" charset="-122"/>
+                <a:cs typeface="宋体" panose="02010600030101010101" pitchFamily="2" charset="-122"/>
+              </a:rPr>
+              <a:t>通过</a:t>
             </a:r>
             <a:r>
               <a:rPr lang="en-US" altLang="zh-CN">
-                <a:latin typeface="宋体" panose="02010600030101010101" pitchFamily="2" charset="-122"/>
-                <a:ea typeface="宋体" panose="02010600030101010101" pitchFamily="2" charset="-122"/>
-                <a:cs typeface="宋体" panose="02010600030101010101" pitchFamily="2" charset="-122"/>
-                <a:sym typeface="+mn-ea"/>
-              </a:rPr>
-              <a:t>UI K8s</a:t>
-            </a:r>
-            <a:r>
-              <a:rPr lang="zh-CN" altLang="en-US">
-                <a:latin typeface="宋体" panose="02010600030101010101" pitchFamily="2" charset="-122"/>
-                <a:ea typeface="宋体" panose="02010600030101010101" pitchFamily="2" charset="-122"/>
-                <a:cs typeface="宋体" panose="02010600030101010101" pitchFamily="2" charset="-122"/>
-                <a:sym typeface="+mn-ea"/>
-              </a:rPr>
-              <a:t>集群面板</a:t>
+                <a:solidFill>
+                  <a:schemeClr val="tx1"/>
+                </a:solidFill>
+                <a:latin typeface="宋体" panose="02010600030101010101" pitchFamily="2" charset="-122"/>
+                <a:ea typeface="宋体" panose="02010600030101010101" pitchFamily="2" charset="-122"/>
+                <a:cs typeface="宋体" panose="02010600030101010101" pitchFamily="2" charset="-122"/>
+              </a:rPr>
+              <a:t>CRI</a:t>
+            </a:r>
+            <a:r>
+              <a:rPr lang="zh-CN" altLang="en-US">
+                <a:solidFill>
+                  <a:schemeClr val="tx1"/>
+                </a:solidFill>
+                <a:latin typeface="宋体" panose="02010600030101010101" pitchFamily="2" charset="-122"/>
+                <a:ea typeface="宋体" panose="02010600030101010101" pitchFamily="2" charset="-122"/>
+                <a:cs typeface="宋体" panose="02010600030101010101" pitchFamily="2" charset="-122"/>
+              </a:rPr>
+              <a:t>可支持多种类型的</a:t>
+            </a:r>
+            <a:r>
+              <a:rPr lang="en-US" altLang="zh-CN">
+                <a:solidFill>
+                  <a:schemeClr val="tx1"/>
+                </a:solidFill>
+                <a:latin typeface="宋体" panose="02010600030101010101" pitchFamily="2" charset="-122"/>
+                <a:ea typeface="宋体" panose="02010600030101010101" pitchFamily="2" charset="-122"/>
+                <a:cs typeface="宋体" panose="02010600030101010101" pitchFamily="2" charset="-122"/>
+              </a:rPr>
+              <a:t>OCI</a:t>
+            </a:r>
+            <a:r>
+              <a:rPr lang="zh-CN" altLang="en-US">
+                <a:solidFill>
+                  <a:schemeClr val="tx1"/>
+                </a:solidFill>
+                <a:latin typeface="宋体" panose="02010600030101010101" pitchFamily="2" charset="-122"/>
+                <a:ea typeface="宋体" panose="02010600030101010101" pitchFamily="2" charset="-122"/>
+                <a:cs typeface="宋体" panose="02010600030101010101" pitchFamily="2" charset="-122"/>
+              </a:rPr>
+              <a:t>容器运行时，例如：</a:t>
+            </a:r>
+            <a:r>
+              <a:rPr lang="en-US" altLang="zh-CN">
+                <a:solidFill>
+                  <a:schemeClr val="tx1"/>
+                </a:solidFill>
+                <a:latin typeface="宋体" panose="02010600030101010101" pitchFamily="2" charset="-122"/>
+                <a:ea typeface="宋体" panose="02010600030101010101" pitchFamily="2" charset="-122"/>
+                <a:cs typeface="宋体" panose="02010600030101010101" pitchFamily="2" charset="-122"/>
+              </a:rPr>
+              <a:t>docker</a:t>
+            </a:r>
+            <a:r>
+              <a:rPr lang="zh-CN" altLang="en-US">
+                <a:solidFill>
+                  <a:schemeClr val="tx1"/>
+                </a:solidFill>
+                <a:latin typeface="宋体" panose="02010600030101010101" pitchFamily="2" charset="-122"/>
+                <a:ea typeface="宋体" panose="02010600030101010101" pitchFamily="2" charset="-122"/>
+                <a:cs typeface="宋体" panose="02010600030101010101" pitchFamily="2" charset="-122"/>
+              </a:rPr>
+              <a:t>、</a:t>
+            </a:r>
+            <a:r>
+              <a:rPr lang="en-US" altLang="zh-CN">
+                <a:solidFill>
+                  <a:schemeClr val="tx1"/>
+                </a:solidFill>
+                <a:latin typeface="宋体" panose="02010600030101010101" pitchFamily="2" charset="-122"/>
+                <a:ea typeface="宋体" panose="02010600030101010101" pitchFamily="2" charset="-122"/>
+                <a:cs typeface="宋体" panose="02010600030101010101" pitchFamily="2" charset="-122"/>
+              </a:rPr>
+              <a:t>containerd</a:t>
+            </a:r>
+            <a:r>
+              <a:rPr lang="zh-CN" altLang="en-US">
+                <a:solidFill>
+                  <a:schemeClr val="tx1"/>
+                </a:solidFill>
+                <a:latin typeface="宋体" panose="02010600030101010101" pitchFamily="2" charset="-122"/>
+                <a:ea typeface="宋体" panose="02010600030101010101" pitchFamily="2" charset="-122"/>
+                <a:cs typeface="宋体" panose="02010600030101010101" pitchFamily="2" charset="-122"/>
+              </a:rPr>
+              <a:t>、</a:t>
+            </a:r>
+            <a:r>
+              <a:rPr lang="en-US" altLang="zh-CN">
+                <a:solidFill>
+                  <a:schemeClr val="tx1"/>
+                </a:solidFill>
+                <a:latin typeface="宋体" panose="02010600030101010101" pitchFamily="2" charset="-122"/>
+                <a:ea typeface="宋体" panose="02010600030101010101" pitchFamily="2" charset="-122"/>
+                <a:cs typeface="宋体" panose="02010600030101010101" pitchFamily="2" charset="-122"/>
+              </a:rPr>
+              <a:t>CRI-O</a:t>
+            </a:r>
+            <a:r>
+              <a:rPr lang="zh-CN" altLang="en-US">
+                <a:solidFill>
+                  <a:schemeClr val="tx1"/>
+                </a:solidFill>
+                <a:latin typeface="宋体" panose="02010600030101010101" pitchFamily="2" charset="-122"/>
+                <a:ea typeface="宋体" panose="02010600030101010101" pitchFamily="2" charset="-122"/>
+                <a:cs typeface="宋体" panose="02010600030101010101" pitchFamily="2" charset="-122"/>
+              </a:rPr>
+              <a:t>等。</a:t>
             </a:r>
             <a:endParaRPr lang="zh-CN" altLang="en-US">
+              <a:solidFill>
+                <a:schemeClr val="tx1"/>
+              </a:solidFill>
               <a:latin typeface="宋体" panose="02010600030101010101" pitchFamily="2" charset="-122"/>
               <a:ea typeface="宋体" panose="02010600030101010101" pitchFamily="2" charset="-122"/>
               <a:cs typeface="宋体" panose="02010600030101010101" pitchFamily="2" charset="-122"/>
-              <a:sym typeface="+mn-ea"/>
             </a:endParaRPr>
           </a:p>
           <a:p>
+            <a:r>
+              <a:rPr lang="zh-CN" altLang="en-US">
+                <a:solidFill>
+                  <a:schemeClr val="tx1"/>
+                </a:solidFill>
+                <a:latin typeface="宋体" panose="02010600030101010101" pitchFamily="2" charset="-122"/>
+                <a:ea typeface="宋体" panose="02010600030101010101" pitchFamily="2" charset="-122"/>
+                <a:cs typeface="宋体" panose="02010600030101010101" pitchFamily="2" charset="-122"/>
+              </a:rPr>
+              <a:t>近日 K8s 官方称最早将在 1.23版本弃用 docker 作为容器运行时，并在博客中强调可以使用如 containerd 等 CRI 运行时来代替 docker。</a:t>
+            </a:r>
             <a:endParaRPr lang="zh-CN" altLang="en-US">
+              <a:solidFill>
+                <a:schemeClr val="tx1"/>
+              </a:solidFill>
               <a:latin typeface="宋体" panose="02010600030101010101" pitchFamily="2" charset="-122"/>
               <a:ea typeface="宋体" panose="02010600030101010101" pitchFamily="2" charset="-122"/>
               <a:cs typeface="宋体" panose="02010600030101010101" pitchFamily="2" charset="-122"/>
-              <a:sym typeface="+mn-ea"/>
             </a:endParaRPr>
           </a:p>
           <a:p>
             <a:r>
-              <a:rPr lang="en-US" altLang="zh-CN">
-                <a:latin typeface="宋体" panose="02010600030101010101" pitchFamily="2" charset="-122"/>
-                <a:ea typeface="宋体" panose="02010600030101010101" pitchFamily="2" charset="-122"/>
-                <a:cs typeface="宋体" panose="02010600030101010101" pitchFamily="2" charset="-122"/>
-                <a:sym typeface="+mn-ea"/>
-              </a:rPr>
-              <a:t>■</a:t>
-            </a:r>
-            <a:r>
-              <a:rPr lang="zh-CN" altLang="en-US">
-                <a:latin typeface="宋体" panose="02010600030101010101" pitchFamily="2" charset="-122"/>
-                <a:ea typeface="宋体" panose="02010600030101010101" pitchFamily="2" charset="-122"/>
-                <a:cs typeface="宋体" panose="02010600030101010101" pitchFamily="2" charset="-122"/>
-                <a:sym typeface="+mn-ea"/>
-              </a:rPr>
-              <a:t>容器资源监控系统：</a:t>
-            </a:r>
-            <a:r>
-              <a:rPr lang="en-US" altLang="zh-CN">
-                <a:latin typeface="宋体" panose="02010600030101010101" pitchFamily="2" charset="-122"/>
-                <a:ea typeface="宋体" panose="02010600030101010101" pitchFamily="2" charset="-122"/>
-                <a:cs typeface="宋体" panose="02010600030101010101" pitchFamily="2" charset="-122"/>
-                <a:sym typeface="+mn-ea"/>
-              </a:rPr>
-              <a:t> Metrics-Server</a:t>
-            </a:r>
-            <a:r>
-              <a:rPr lang="zh-CN" altLang="en-US">
-                <a:latin typeface="宋体" panose="02010600030101010101" pitchFamily="2" charset="-122"/>
-                <a:ea typeface="宋体" panose="02010600030101010101" pitchFamily="2" charset="-122"/>
-                <a:cs typeface="宋体" panose="02010600030101010101" pitchFamily="2" charset="-122"/>
-                <a:sym typeface="+mn-ea"/>
-              </a:rPr>
-              <a:t>、</a:t>
-            </a:r>
-            <a:r>
-              <a:rPr lang="en-US" altLang="zh-CN">
-                <a:solidFill>
-                  <a:srgbClr val="FF0000"/>
-                </a:solidFill>
-                <a:latin typeface="宋体" panose="02010600030101010101" pitchFamily="2" charset="-122"/>
-                <a:ea typeface="宋体" panose="02010600030101010101" pitchFamily="2" charset="-122"/>
-                <a:cs typeface="宋体" panose="02010600030101010101" pitchFamily="2" charset="-122"/>
-                <a:sym typeface="+mn-ea"/>
-              </a:rPr>
-              <a:t>Prometheus</a:t>
-            </a:r>
-            <a:r>
-              <a:rPr lang="zh-CN" altLang="en-US">
-                <a:latin typeface="宋体" panose="02010600030101010101" pitchFamily="2" charset="-122"/>
-                <a:ea typeface="宋体" panose="02010600030101010101" pitchFamily="2" charset="-122"/>
-                <a:cs typeface="宋体" panose="02010600030101010101" pitchFamily="2" charset="-122"/>
-                <a:sym typeface="+mn-ea"/>
-              </a:rPr>
-              <a:t>等</a:t>
+              <a:rPr lang="zh-CN" altLang="en-US">
+                <a:solidFill>
+                  <a:schemeClr val="tx1"/>
+                </a:solidFill>
+                <a:latin typeface="宋体" panose="02010600030101010101" pitchFamily="2" charset="-122"/>
+                <a:ea typeface="宋体" panose="02010600030101010101" pitchFamily="2" charset="-122"/>
+                <a:cs typeface="宋体" panose="02010600030101010101" pitchFamily="2" charset="-122"/>
+                <a:hlinkClick r:id="rId1" action="ppaction://hlinkfile"/>
+              </a:rPr>
+              <a:t>https://kubernetes.io/zh/blog/2020/12/02/dockershim-faq/</a:t>
             </a:r>
             <a:endParaRPr lang="zh-CN" altLang="en-US">
+              <a:solidFill>
+                <a:schemeClr val="tx1"/>
+              </a:solidFill>
               <a:latin typeface="宋体" panose="02010600030101010101" pitchFamily="2" charset="-122"/>
               <a:ea typeface="宋体" panose="02010600030101010101" pitchFamily="2" charset="-122"/>
               <a:cs typeface="宋体" panose="02010600030101010101" pitchFamily="2" charset="-122"/>
-              <a:sym typeface="+mn-ea"/>
             </a:endParaRPr>
           </a:p>
           <a:p>
+            <a:r>
+              <a:rPr lang="zh-CN" altLang="en-US">
+                <a:solidFill>
+                  <a:schemeClr val="tx1"/>
+                </a:solidFill>
+                <a:latin typeface="宋体" panose="02010600030101010101" pitchFamily="2" charset="-122"/>
+                <a:ea typeface="宋体" panose="02010600030101010101" pitchFamily="2" charset="-122"/>
+                <a:cs typeface="宋体" panose="02010600030101010101" pitchFamily="2" charset="-122"/>
+                <a:hlinkClick r:id="rId2" action="ppaction://hlinkfile"/>
+              </a:rPr>
+              <a:t>https://www.cnblogs.com/tencent-cloud-native/p/14134164.html</a:t>
+            </a:r>
             <a:endParaRPr lang="zh-CN" altLang="en-US">
+              <a:solidFill>
+                <a:schemeClr val="tx1"/>
+              </a:solidFill>
               <a:latin typeface="宋体" panose="02010600030101010101" pitchFamily="2" charset="-122"/>
               <a:ea typeface="宋体" panose="02010600030101010101" pitchFamily="2" charset="-122"/>
               <a:cs typeface="宋体" panose="02010600030101010101" pitchFamily="2" charset="-122"/>
-              <a:sym typeface="+mn-ea"/>
             </a:endParaRPr>
           </a:p>
           <a:p>
             <a:r>
+              <a:rPr lang="zh-CN" altLang="en-US">
+                <a:solidFill>
+                  <a:srgbClr val="FF0000"/>
+                </a:solidFill>
+                <a:latin typeface="宋体" panose="02010600030101010101" pitchFamily="2" charset="-122"/>
+                <a:ea typeface="宋体" panose="02010600030101010101" pitchFamily="2" charset="-122"/>
+                <a:cs typeface="宋体" panose="02010600030101010101" pitchFamily="2" charset="-122"/>
+              </a:rPr>
+              <a:t>（</a:t>
+            </a:r>
+            <a:r>
               <a:rPr lang="en-US" altLang="zh-CN">
-                <a:latin typeface="宋体" panose="02010600030101010101" pitchFamily="2" charset="-122"/>
-                <a:ea typeface="宋体" panose="02010600030101010101" pitchFamily="2" charset="-122"/>
-                <a:cs typeface="宋体" panose="02010600030101010101" pitchFamily="2" charset="-122"/>
-                <a:sym typeface="+mn-ea"/>
-              </a:rPr>
-              <a:t>■</a:t>
-            </a:r>
-            <a:r>
-              <a:rPr lang="zh-CN" altLang="en-US">
-                <a:latin typeface="宋体" panose="02010600030101010101" pitchFamily="2" charset="-122"/>
-                <a:ea typeface="宋体" panose="02010600030101010101" pitchFamily="2" charset="-122"/>
-                <a:cs typeface="宋体" panose="02010600030101010101" pitchFamily="2" charset="-122"/>
-                <a:sym typeface="+mn-ea"/>
-              </a:rPr>
-              <a:t>集群日志系统：</a:t>
+                <a:solidFill>
+                  <a:srgbClr val="FF0000"/>
+                </a:solidFill>
+                <a:latin typeface="宋体" panose="02010600030101010101" pitchFamily="2" charset="-122"/>
+                <a:ea typeface="宋体" panose="02010600030101010101" pitchFamily="2" charset="-122"/>
+                <a:cs typeface="宋体" panose="02010600030101010101" pitchFamily="2" charset="-122"/>
+              </a:rPr>
+              <a:t>3</a:t>
+            </a:r>
+            <a:r>
+              <a:rPr lang="zh-CN" altLang="en-US">
+                <a:solidFill>
+                  <a:srgbClr val="FF0000"/>
+                </a:solidFill>
+                <a:latin typeface="宋体" panose="02010600030101010101" pitchFamily="2" charset="-122"/>
+                <a:ea typeface="宋体" panose="02010600030101010101" pitchFamily="2" charset="-122"/>
+                <a:cs typeface="宋体" panose="02010600030101010101" pitchFamily="2" charset="-122"/>
+              </a:rPr>
+              <a:t>）</a:t>
             </a:r>
             <a:r>
               <a:rPr lang="en-US" altLang="zh-CN">
-                <a:latin typeface="宋体" panose="02010600030101010101" pitchFamily="2" charset="-122"/>
-                <a:ea typeface="宋体" panose="02010600030101010101" pitchFamily="2" charset="-122"/>
-                <a:cs typeface="宋体" panose="02010600030101010101" pitchFamily="2" charset="-122"/>
-                <a:sym typeface="+mn-ea"/>
-              </a:rPr>
-              <a:t>ElasticSearch</a:t>
-            </a:r>
-            <a:r>
-              <a:rPr lang="zh-CN" altLang="en-US">
-                <a:latin typeface="宋体" panose="02010600030101010101" pitchFamily="2" charset="-122"/>
-                <a:ea typeface="宋体" panose="02010600030101010101" pitchFamily="2" charset="-122"/>
-                <a:cs typeface="宋体" panose="02010600030101010101" pitchFamily="2" charset="-122"/>
-                <a:sym typeface="+mn-ea"/>
-              </a:rPr>
-              <a:t>、</a:t>
-            </a:r>
-            <a:r>
-              <a:rPr lang="en-US" altLang="zh-CN">
-                <a:latin typeface="宋体" panose="02010600030101010101" pitchFamily="2" charset="-122"/>
-                <a:ea typeface="宋体" panose="02010600030101010101" pitchFamily="2" charset="-122"/>
-                <a:cs typeface="宋体" panose="02010600030101010101" pitchFamily="2" charset="-122"/>
-                <a:sym typeface="+mn-ea"/>
-              </a:rPr>
-              <a:t>Fluend/</a:t>
-            </a:r>
-            <a:r>
-              <a:rPr lang="en-US" altLang="zh-CN">
-                <a:latin typeface="宋体" panose="02010600030101010101" pitchFamily="2" charset="-122"/>
-                <a:ea typeface="宋体" panose="02010600030101010101" pitchFamily="2" charset="-122"/>
-                <a:cs typeface="宋体" panose="02010600030101010101" pitchFamily="2" charset="-122"/>
-                <a:sym typeface="+mn-ea"/>
-              </a:rPr>
-              <a:t>Logstash </a:t>
-            </a:r>
-            <a:r>
-              <a:rPr lang="zh-CN" altLang="en-US">
-                <a:latin typeface="宋体" panose="02010600030101010101" pitchFamily="2" charset="-122"/>
-                <a:ea typeface="宋体" panose="02010600030101010101" pitchFamily="2" charset="-122"/>
-                <a:cs typeface="宋体" panose="02010600030101010101" pitchFamily="2" charset="-122"/>
-                <a:sym typeface="+mn-ea"/>
-              </a:rPr>
-              <a:t>和</a:t>
-            </a:r>
-            <a:r>
-              <a:rPr lang="en-US" altLang="zh-CN">
-                <a:latin typeface="宋体" panose="02010600030101010101" pitchFamily="2" charset="-122"/>
-                <a:ea typeface="宋体" panose="02010600030101010101" pitchFamily="2" charset="-122"/>
-                <a:cs typeface="宋体" panose="02010600030101010101" pitchFamily="2" charset="-122"/>
-                <a:sym typeface="+mn-ea"/>
-              </a:rPr>
-              <a:t>Kibana</a:t>
-            </a:r>
-            <a:r>
-              <a:rPr lang="zh-CN" altLang="en-US">
-                <a:latin typeface="宋体" panose="02010600030101010101" pitchFamily="2" charset="-122"/>
-                <a:ea typeface="宋体" panose="02010600030101010101" pitchFamily="2" charset="-122"/>
-                <a:cs typeface="宋体" panose="02010600030101010101" pitchFamily="2" charset="-122"/>
-                <a:sym typeface="+mn-ea"/>
-              </a:rPr>
-              <a:t>（</a:t>
-            </a:r>
-            <a:r>
-              <a:rPr lang="en-US" altLang="zh-CN">
-                <a:latin typeface="宋体" panose="02010600030101010101" pitchFamily="2" charset="-122"/>
-                <a:ea typeface="宋体" panose="02010600030101010101" pitchFamily="2" charset="-122"/>
-                <a:cs typeface="宋体" panose="02010600030101010101" pitchFamily="2" charset="-122"/>
-                <a:sym typeface="+mn-ea"/>
-              </a:rPr>
-              <a:t>EFK/</a:t>
-            </a:r>
-            <a:r>
-              <a:rPr lang="en-US" altLang="zh-CN">
                 <a:solidFill>
                   <a:srgbClr val="FF0000"/>
                 </a:solidFill>
                 <a:latin typeface="宋体" panose="02010600030101010101" pitchFamily="2" charset="-122"/>
                 <a:ea typeface="宋体" panose="02010600030101010101" pitchFamily="2" charset="-122"/>
                 <a:cs typeface="宋体" panose="02010600030101010101" pitchFamily="2" charset="-122"/>
-                <a:sym typeface="+mn-ea"/>
-              </a:rPr>
-              <a:t>ELK</a:t>
-            </a:r>
-            <a:r>
-              <a:rPr lang="zh-CN" altLang="en-US">
-                <a:latin typeface="宋体" panose="02010600030101010101" pitchFamily="2" charset="-122"/>
-                <a:ea typeface="宋体" panose="02010600030101010101" pitchFamily="2" charset="-122"/>
-                <a:cs typeface="宋体" panose="02010600030101010101" pitchFamily="2" charset="-122"/>
-                <a:sym typeface="+mn-ea"/>
-              </a:rPr>
-              <a:t>）</a:t>
+              </a:rPr>
+              <a:t>kube-proxy</a:t>
+            </a:r>
+            <a:r>
+              <a:rPr lang="zh-CN" altLang="en-US">
+                <a:solidFill>
+                  <a:srgbClr val="FF0000"/>
+                </a:solidFill>
+                <a:latin typeface="宋体" panose="02010600030101010101" pitchFamily="2" charset="-122"/>
+                <a:ea typeface="宋体" panose="02010600030101010101" pitchFamily="2" charset="-122"/>
+                <a:cs typeface="宋体" panose="02010600030101010101" pitchFamily="2" charset="-122"/>
+              </a:rPr>
+              <a:t>：</a:t>
             </a:r>
             <a:endParaRPr lang="zh-CN" altLang="en-US">
+              <a:solidFill>
+                <a:srgbClr val="FF0000"/>
+              </a:solidFill>
               <a:latin typeface="宋体" panose="02010600030101010101" pitchFamily="2" charset="-122"/>
               <a:ea typeface="宋体" panose="02010600030101010101" pitchFamily="2" charset="-122"/>
               <a:cs typeface="宋体" panose="02010600030101010101" pitchFamily="2" charset="-122"/>
-              <a:sym typeface="+mn-ea"/>
             </a:endParaRPr>
           </a:p>
           <a:p>
-            <a:endParaRPr lang="zh-CN" altLang="en-US">
+            <a:r>
+              <a:rPr lang="zh-CN" altLang="en-US">
+                <a:solidFill>
+                  <a:schemeClr val="tx1"/>
+                </a:solidFill>
+                <a:latin typeface="宋体" panose="02010600030101010101" pitchFamily="2" charset="-122"/>
+                <a:ea typeface="宋体" panose="02010600030101010101" pitchFamily="2" charset="-122"/>
+                <a:cs typeface="宋体" panose="02010600030101010101" pitchFamily="2" charset="-122"/>
+              </a:rPr>
+              <a:t>把</a:t>
+            </a:r>
+            <a:r>
+              <a:rPr lang="en-US" altLang="zh-CN">
+                <a:solidFill>
+                  <a:schemeClr val="tx1"/>
+                </a:solidFill>
+                <a:latin typeface="宋体" panose="02010600030101010101" pitchFamily="2" charset="-122"/>
+                <a:ea typeface="宋体" panose="02010600030101010101" pitchFamily="2" charset="-122"/>
+                <a:cs typeface="宋体" panose="02010600030101010101" pitchFamily="2" charset="-122"/>
+              </a:rPr>
+              <a:t>API Server</a:t>
+            </a:r>
+            <a:r>
+              <a:rPr lang="zh-CN" altLang="en-US">
+                <a:solidFill>
+                  <a:schemeClr val="tx1"/>
+                </a:solidFill>
+                <a:latin typeface="宋体" panose="02010600030101010101" pitchFamily="2" charset="-122"/>
+                <a:ea typeface="宋体" panose="02010600030101010101" pitchFamily="2" charset="-122"/>
+                <a:cs typeface="宋体" panose="02010600030101010101" pitchFamily="2" charset="-122"/>
+              </a:rPr>
+              <a:t>上的</a:t>
+            </a:r>
+            <a:r>
+              <a:rPr lang="en-US" altLang="zh-CN">
+                <a:solidFill>
+                  <a:schemeClr val="tx1"/>
+                </a:solidFill>
+                <a:latin typeface="宋体" panose="02010600030101010101" pitchFamily="2" charset="-122"/>
+                <a:ea typeface="宋体" panose="02010600030101010101" pitchFamily="2" charset="-122"/>
+                <a:cs typeface="宋体" panose="02010600030101010101" pitchFamily="2" charset="-122"/>
+              </a:rPr>
+              <a:t>Service</a:t>
+            </a:r>
+            <a:r>
+              <a:rPr lang="zh-CN" altLang="en-US">
+                <a:solidFill>
+                  <a:schemeClr val="tx1"/>
+                </a:solidFill>
+                <a:latin typeface="宋体" panose="02010600030101010101" pitchFamily="2" charset="-122"/>
+                <a:ea typeface="宋体" panose="02010600030101010101" pitchFamily="2" charset="-122"/>
+                <a:cs typeface="宋体" panose="02010600030101010101" pitchFamily="2" charset="-122"/>
+              </a:rPr>
+              <a:t>资源对象转换为当前节点上的</a:t>
+            </a:r>
+            <a:r>
+              <a:rPr lang="en-US" altLang="zh-CN">
+                <a:solidFill>
+                  <a:schemeClr val="tx1"/>
+                </a:solidFill>
+                <a:latin typeface="宋体" panose="02010600030101010101" pitchFamily="2" charset="-122"/>
+                <a:ea typeface="宋体" panose="02010600030101010101" pitchFamily="2" charset="-122"/>
+                <a:cs typeface="宋体" panose="02010600030101010101" pitchFamily="2" charset="-122"/>
+              </a:rPr>
+              <a:t>iptables</a:t>
+            </a:r>
+            <a:r>
+              <a:rPr lang="zh-CN" altLang="en-US">
+                <a:solidFill>
+                  <a:schemeClr val="tx1"/>
+                </a:solidFill>
+                <a:latin typeface="宋体" panose="02010600030101010101" pitchFamily="2" charset="-122"/>
+                <a:ea typeface="宋体" panose="02010600030101010101" pitchFamily="2" charset="-122"/>
+                <a:cs typeface="宋体" panose="02010600030101010101" pitchFamily="2" charset="-122"/>
+              </a:rPr>
+              <a:t>或</a:t>
+            </a:r>
+            <a:r>
+              <a:rPr lang="en-US" altLang="zh-CN">
+                <a:solidFill>
+                  <a:schemeClr val="tx1"/>
+                </a:solidFill>
+                <a:latin typeface="宋体" panose="02010600030101010101" pitchFamily="2" charset="-122"/>
+                <a:ea typeface="宋体" panose="02010600030101010101" pitchFamily="2" charset="-122"/>
+                <a:cs typeface="宋体" panose="02010600030101010101" pitchFamily="2" charset="-122"/>
+              </a:rPr>
+              <a:t>ipvs</a:t>
+            </a:r>
+            <a:r>
+              <a:rPr lang="zh-CN" altLang="en-US">
+                <a:solidFill>
+                  <a:schemeClr val="tx1"/>
+                </a:solidFill>
+                <a:latin typeface="宋体" panose="02010600030101010101" pitchFamily="2" charset="-122"/>
+                <a:ea typeface="宋体" panose="02010600030101010101" pitchFamily="2" charset="-122"/>
+                <a:cs typeface="宋体" panose="02010600030101010101" pitchFamily="2" charset="-122"/>
+              </a:rPr>
+              <a:t>规则，</a:t>
+            </a:r>
+            <a:r>
+              <a:rPr>
+                <a:solidFill>
+                  <a:schemeClr val="tx1"/>
+                </a:solidFill>
+                <a:latin typeface="宋体" panose="02010600030101010101" pitchFamily="2" charset="-122"/>
+                <a:ea typeface="宋体" panose="02010600030101010101" pitchFamily="2" charset="-122"/>
+                <a:cs typeface="宋体" panose="02010600030101010101" pitchFamily="2" charset="-122"/>
+              </a:rPr>
+              <a:t>它的作用是使发往 Service 的流量（通过ClusterIP和端口）负载均衡到正确的后端Pod。</a:t>
+            </a:r>
+            <a:endParaRPr>
+              <a:solidFill>
+                <a:schemeClr val="tx1"/>
+              </a:solidFill>
               <a:latin typeface="宋体" panose="02010600030101010101" pitchFamily="2" charset="-122"/>
               <a:ea typeface="宋体" panose="02010600030101010101" pitchFamily="2" charset="-122"/>
               <a:cs typeface="宋体" panose="02010600030101010101" pitchFamily="2" charset="-122"/>
-              <a:sym typeface="+mn-ea"/>
             </a:endParaRPr>
           </a:p>
           <a:p>
             <a:r>
+              <a:rPr lang="zh-CN" altLang="en-US">
+                <a:solidFill>
+                  <a:schemeClr val="tx1"/>
+                </a:solidFill>
+                <a:latin typeface="宋体" panose="02010600030101010101" pitchFamily="2" charset="-122"/>
+                <a:ea typeface="宋体" panose="02010600030101010101" pitchFamily="2" charset="-122"/>
+                <a:cs typeface="宋体" panose="02010600030101010101" pitchFamily="2" charset="-122"/>
+              </a:rPr>
+              <a:t>是</a:t>
+            </a:r>
+            <a:r>
               <a:rPr lang="en-US" altLang="zh-CN">
-                <a:latin typeface="宋体" panose="02010600030101010101" pitchFamily="2" charset="-122"/>
-                <a:ea typeface="宋体" panose="02010600030101010101" pitchFamily="2" charset="-122"/>
-                <a:cs typeface="宋体" panose="02010600030101010101" pitchFamily="2" charset="-122"/>
-                <a:sym typeface="+mn-ea"/>
-              </a:rPr>
-              <a:t>■Ingress Controller</a:t>
-            </a:r>
-            <a:r>
-              <a:rPr lang="zh-CN" altLang="en-US">
-                <a:latin typeface="宋体" panose="02010600030101010101" pitchFamily="2" charset="-122"/>
-                <a:ea typeface="宋体" panose="02010600030101010101" pitchFamily="2" charset="-122"/>
-                <a:cs typeface="宋体" panose="02010600030101010101" pitchFamily="2" charset="-122"/>
-                <a:sym typeface="+mn-ea"/>
-              </a:rPr>
-              <a:t>：</a:t>
-            </a:r>
-            <a:r>
-              <a:rPr lang="en-US" altLang="zh-CN">
-                <a:latin typeface="宋体" panose="02010600030101010101" pitchFamily="2" charset="-122"/>
-                <a:ea typeface="宋体" panose="02010600030101010101" pitchFamily="2" charset="-122"/>
-                <a:cs typeface="宋体" panose="02010600030101010101" pitchFamily="2" charset="-122"/>
-                <a:sym typeface="+mn-ea"/>
-              </a:rPr>
-              <a:t>Ingress</a:t>
-            </a:r>
-            <a:r>
-              <a:rPr lang="zh-CN" altLang="en-US">
-                <a:latin typeface="宋体" panose="02010600030101010101" pitchFamily="2" charset="-122"/>
-                <a:ea typeface="宋体" panose="02010600030101010101" pitchFamily="2" charset="-122"/>
-                <a:cs typeface="宋体" panose="02010600030101010101" pitchFamily="2" charset="-122"/>
-                <a:sym typeface="+mn-ea"/>
-              </a:rPr>
-              <a:t>资源是</a:t>
-            </a:r>
-            <a:r>
-              <a:rPr lang="en-US" altLang="zh-CN">
-                <a:latin typeface="宋体" panose="02010600030101010101" pitchFamily="2" charset="-122"/>
-                <a:ea typeface="宋体" panose="02010600030101010101" pitchFamily="2" charset="-122"/>
-                <a:cs typeface="宋体" panose="02010600030101010101" pitchFamily="2" charset="-122"/>
-                <a:sym typeface="+mn-ea"/>
-              </a:rPr>
-              <a:t>k8s</a:t>
-            </a:r>
-            <a:r>
-              <a:rPr lang="zh-CN" altLang="en-US">
-                <a:latin typeface="宋体" panose="02010600030101010101" pitchFamily="2" charset="-122"/>
-                <a:ea typeface="宋体" panose="02010600030101010101" pitchFamily="2" charset="-122"/>
-                <a:cs typeface="宋体" panose="02010600030101010101" pitchFamily="2" charset="-122"/>
-                <a:sym typeface="+mn-ea"/>
-              </a:rPr>
-              <a:t>将集群外部</a:t>
-            </a:r>
-            <a:r>
-              <a:rPr lang="en-US" altLang="zh-CN">
-                <a:latin typeface="宋体" panose="02010600030101010101" pitchFamily="2" charset="-122"/>
-                <a:ea typeface="宋体" panose="02010600030101010101" pitchFamily="2" charset="-122"/>
-                <a:cs typeface="宋体" panose="02010600030101010101" pitchFamily="2" charset="-122"/>
-                <a:sym typeface="+mn-ea"/>
-              </a:rPr>
-              <a:t>HTTP/HTTPS</a:t>
-            </a:r>
-            <a:r>
-              <a:rPr lang="zh-CN" altLang="en-US">
-                <a:latin typeface="宋体" panose="02010600030101010101" pitchFamily="2" charset="-122"/>
-                <a:ea typeface="宋体" panose="02010600030101010101" pitchFamily="2" charset="-122"/>
-                <a:cs typeface="宋体" panose="02010600030101010101" pitchFamily="2" charset="-122"/>
-                <a:sym typeface="+mn-ea"/>
-              </a:rPr>
-              <a:t>流量引入到集群内部专用的资源类型，它仅用于控制流量的规则和配置的集合，其自身并不能进行</a:t>
-            </a:r>
-            <a:r>
-              <a:rPr lang="en-US" altLang="zh-CN">
-                <a:latin typeface="宋体" panose="02010600030101010101" pitchFamily="2" charset="-122"/>
-                <a:ea typeface="宋体" panose="02010600030101010101" pitchFamily="2" charset="-122"/>
-                <a:cs typeface="宋体" panose="02010600030101010101" pitchFamily="2" charset="-122"/>
-                <a:sym typeface="+mn-ea"/>
-              </a:rPr>
-              <a:t>“</a:t>
-            </a:r>
-            <a:r>
-              <a:rPr lang="zh-CN" altLang="en-US">
-                <a:latin typeface="宋体" panose="02010600030101010101" pitchFamily="2" charset="-122"/>
-                <a:ea typeface="宋体" panose="02010600030101010101" pitchFamily="2" charset="-122"/>
-                <a:cs typeface="宋体" panose="02010600030101010101" pitchFamily="2" charset="-122"/>
-                <a:sym typeface="+mn-ea"/>
-              </a:rPr>
-              <a:t>流量穿透</a:t>
-            </a:r>
-            <a:r>
-              <a:rPr lang="en-US" altLang="zh-CN">
-                <a:latin typeface="宋体" panose="02010600030101010101" pitchFamily="2" charset="-122"/>
-                <a:ea typeface="宋体" panose="02010600030101010101" pitchFamily="2" charset="-122"/>
-                <a:cs typeface="宋体" panose="02010600030101010101" pitchFamily="2" charset="-122"/>
-                <a:sym typeface="+mn-ea"/>
-              </a:rPr>
-              <a:t>”</a:t>
-            </a:r>
-            <a:r>
-              <a:rPr lang="zh-CN" altLang="en-US">
-                <a:latin typeface="宋体" panose="02010600030101010101" pitchFamily="2" charset="-122"/>
-                <a:ea typeface="宋体" panose="02010600030101010101" pitchFamily="2" charset="-122"/>
-                <a:cs typeface="宋体" panose="02010600030101010101" pitchFamily="2" charset="-122"/>
-                <a:sym typeface="+mn-ea"/>
-              </a:rPr>
-              <a:t>，要通过</a:t>
-            </a:r>
-            <a:r>
-              <a:rPr lang="en-US" altLang="zh-CN">
-                <a:latin typeface="宋体" panose="02010600030101010101" pitchFamily="2" charset="-122"/>
-                <a:ea typeface="宋体" panose="02010600030101010101" pitchFamily="2" charset="-122"/>
-                <a:cs typeface="宋体" panose="02010600030101010101" pitchFamily="2" charset="-122"/>
-                <a:sym typeface="+mn-ea"/>
-              </a:rPr>
-              <a:t>Ingress</a:t>
-            </a:r>
-            <a:r>
-              <a:rPr lang="zh-CN" altLang="en-US">
-                <a:latin typeface="宋体" panose="02010600030101010101" pitchFamily="2" charset="-122"/>
-                <a:ea typeface="宋体" panose="02010600030101010101" pitchFamily="2" charset="-122"/>
-                <a:cs typeface="宋体" panose="02010600030101010101" pitchFamily="2" charset="-122"/>
-                <a:sym typeface="+mn-ea"/>
-              </a:rPr>
-              <a:t>控制器发挥作用。</a:t>
-            </a:r>
-            <a:r>
-              <a:rPr lang="en-US" altLang="zh-CN">
-                <a:latin typeface="宋体" panose="02010600030101010101" pitchFamily="2" charset="-122"/>
-                <a:ea typeface="宋体" panose="02010600030101010101" pitchFamily="2" charset="-122"/>
-                <a:cs typeface="宋体" panose="02010600030101010101" pitchFamily="2" charset="-122"/>
-                <a:sym typeface="+mn-ea"/>
-              </a:rPr>
-              <a:t>Nginx</a:t>
-            </a:r>
-            <a:r>
-              <a:rPr lang="zh-CN" altLang="en-US">
-                <a:latin typeface="宋体" panose="02010600030101010101" pitchFamily="2" charset="-122"/>
-                <a:ea typeface="宋体" panose="02010600030101010101" pitchFamily="2" charset="-122"/>
-                <a:cs typeface="宋体" panose="02010600030101010101" pitchFamily="2" charset="-122"/>
-                <a:sym typeface="+mn-ea"/>
-              </a:rPr>
-              <a:t>、</a:t>
-            </a:r>
-            <a:r>
-              <a:rPr lang="en-US" altLang="zh-CN">
-                <a:latin typeface="宋体" panose="02010600030101010101" pitchFamily="2" charset="-122"/>
-                <a:ea typeface="宋体" panose="02010600030101010101" pitchFamily="2" charset="-122"/>
-                <a:cs typeface="宋体" panose="02010600030101010101" pitchFamily="2" charset="-122"/>
-                <a:sym typeface="+mn-ea"/>
-              </a:rPr>
-              <a:t>Traefik</a:t>
-            </a:r>
-            <a:r>
-              <a:rPr lang="zh-CN" altLang="en-US">
-                <a:latin typeface="宋体" panose="02010600030101010101" pitchFamily="2" charset="-122"/>
-                <a:ea typeface="宋体" panose="02010600030101010101" pitchFamily="2" charset="-122"/>
-                <a:cs typeface="宋体" panose="02010600030101010101" pitchFamily="2" charset="-122"/>
-                <a:sym typeface="+mn-ea"/>
-              </a:rPr>
-              <a:t>、</a:t>
-            </a:r>
-            <a:r>
-              <a:rPr lang="en-US" altLang="zh-CN">
-                <a:latin typeface="宋体" panose="02010600030101010101" pitchFamily="2" charset="-122"/>
-                <a:ea typeface="宋体" panose="02010600030101010101" pitchFamily="2" charset="-122"/>
-                <a:cs typeface="宋体" panose="02010600030101010101" pitchFamily="2" charset="-122"/>
-                <a:sym typeface="+mn-ea"/>
-              </a:rPr>
-              <a:t>Envoy</a:t>
-            </a:r>
-            <a:r>
-              <a:rPr lang="zh-CN" altLang="en-US">
-                <a:latin typeface="宋体" panose="02010600030101010101" pitchFamily="2" charset="-122"/>
-                <a:ea typeface="宋体" panose="02010600030101010101" pitchFamily="2" charset="-122"/>
-                <a:cs typeface="宋体" panose="02010600030101010101" pitchFamily="2" charset="-122"/>
-                <a:sym typeface="+mn-ea"/>
-              </a:rPr>
-              <a:t>、</a:t>
-            </a:r>
-            <a:r>
-              <a:rPr lang="en-US" altLang="zh-CN">
-                <a:latin typeface="宋体" panose="02010600030101010101" pitchFamily="2" charset="-122"/>
-                <a:ea typeface="宋体" panose="02010600030101010101" pitchFamily="2" charset="-122"/>
-                <a:cs typeface="宋体" panose="02010600030101010101" pitchFamily="2" charset="-122"/>
-                <a:sym typeface="+mn-ea"/>
-              </a:rPr>
-              <a:t>Gloo</a:t>
-            </a:r>
-            <a:r>
-              <a:rPr lang="zh-CN" altLang="en-US">
-                <a:latin typeface="宋体" panose="02010600030101010101" pitchFamily="2" charset="-122"/>
-                <a:ea typeface="宋体" panose="02010600030101010101" pitchFamily="2" charset="-122"/>
-                <a:cs typeface="宋体" panose="02010600030101010101" pitchFamily="2" charset="-122"/>
-                <a:sym typeface="+mn-ea"/>
-              </a:rPr>
-              <a:t>等等</a:t>
-            </a:r>
-            <a:endParaRPr lang="zh-CN" altLang="en-US">
+                <a:solidFill>
+                  <a:schemeClr val="tx1"/>
+                </a:solidFill>
+                <a:latin typeface="宋体" panose="02010600030101010101" pitchFamily="2" charset="-122"/>
+                <a:ea typeface="宋体" panose="02010600030101010101" pitchFamily="2" charset="-122"/>
+                <a:cs typeface="宋体" panose="02010600030101010101" pitchFamily="2" charset="-122"/>
+              </a:rPr>
+              <a:t>Kubernetes</a:t>
+            </a:r>
+            <a:r>
+              <a:rPr lang="zh-CN" altLang="en-US">
+                <a:solidFill>
+                  <a:schemeClr val="tx1"/>
+                </a:solidFill>
+                <a:latin typeface="宋体" panose="02010600030101010101" pitchFamily="2" charset="-122"/>
+                <a:ea typeface="宋体" panose="02010600030101010101" pitchFamily="2" charset="-122"/>
+                <a:cs typeface="宋体" panose="02010600030101010101" pitchFamily="2" charset="-122"/>
+              </a:rPr>
+              <a:t>的核心网络组件；</a:t>
+            </a:r>
+            <a:endParaRPr lang="en-US" altLang="zh-CN">
+              <a:solidFill>
+                <a:schemeClr val="tx1"/>
+              </a:solidFill>
               <a:latin typeface="宋体" panose="02010600030101010101" pitchFamily="2" charset="-122"/>
               <a:ea typeface="宋体" panose="02010600030101010101" pitchFamily="2" charset="-122"/>
               <a:cs typeface="宋体" panose="02010600030101010101" pitchFamily="2" charset="-122"/>
-              <a:sym typeface="+mn-ea"/>
+            </a:endParaRPr>
+          </a:p>
+          <a:p>
+            <a:r>
+              <a:rPr lang="zh-CN" altLang="en-US">
+                <a:solidFill>
+                  <a:srgbClr val="FF0000"/>
+                </a:solidFill>
+                <a:latin typeface="宋体" panose="02010600030101010101" pitchFamily="2" charset="-122"/>
+                <a:ea typeface="宋体" panose="02010600030101010101" pitchFamily="2" charset="-122"/>
+                <a:cs typeface="宋体" panose="02010600030101010101" pitchFamily="2" charset="-122"/>
+              </a:rPr>
+              <a:t>负责集群中</a:t>
+            </a:r>
+            <a:r>
+              <a:rPr lang="en-US" altLang="zh-CN">
+                <a:solidFill>
+                  <a:srgbClr val="FF0000"/>
+                </a:solidFill>
+                <a:latin typeface="宋体" panose="02010600030101010101" pitchFamily="2" charset="-122"/>
+                <a:ea typeface="宋体" panose="02010600030101010101" pitchFamily="2" charset="-122"/>
+                <a:cs typeface="宋体" panose="02010600030101010101" pitchFamily="2" charset="-122"/>
+              </a:rPr>
+              <a:t>Node</a:t>
+            </a:r>
+            <a:r>
+              <a:rPr lang="zh-CN" altLang="en-US">
+                <a:solidFill>
+                  <a:srgbClr val="FF0000"/>
+                </a:solidFill>
+                <a:latin typeface="宋体" panose="02010600030101010101" pitchFamily="2" charset="-122"/>
+                <a:ea typeface="宋体" panose="02010600030101010101" pitchFamily="2" charset="-122"/>
+                <a:cs typeface="宋体" panose="02010600030101010101" pitchFamily="2" charset="-122"/>
+              </a:rPr>
+              <a:t>、</a:t>
+            </a:r>
+            <a:r>
+              <a:rPr lang="en-US" altLang="zh-CN">
+                <a:solidFill>
+                  <a:srgbClr val="FF0000"/>
+                </a:solidFill>
+                <a:latin typeface="宋体" panose="02010600030101010101" pitchFamily="2" charset="-122"/>
+                <a:ea typeface="宋体" panose="02010600030101010101" pitchFamily="2" charset="-122"/>
+                <a:cs typeface="宋体" panose="02010600030101010101" pitchFamily="2" charset="-122"/>
+              </a:rPr>
+              <a:t>Service</a:t>
+            </a:r>
+            <a:r>
+              <a:rPr lang="zh-CN" altLang="en-US">
+                <a:solidFill>
+                  <a:srgbClr val="FF0000"/>
+                </a:solidFill>
+                <a:latin typeface="宋体" panose="02010600030101010101" pitchFamily="2" charset="-122"/>
+                <a:ea typeface="宋体" panose="02010600030101010101" pitchFamily="2" charset="-122"/>
+                <a:cs typeface="宋体" panose="02010600030101010101" pitchFamily="2" charset="-122"/>
+              </a:rPr>
+              <a:t>和</a:t>
+            </a:r>
+            <a:r>
+              <a:rPr lang="en-US" altLang="zh-CN">
+                <a:solidFill>
+                  <a:srgbClr val="FF0000"/>
+                </a:solidFill>
+                <a:latin typeface="宋体" panose="02010600030101010101" pitchFamily="2" charset="-122"/>
+                <a:ea typeface="宋体" panose="02010600030101010101" pitchFamily="2" charset="-122"/>
+                <a:cs typeface="宋体" panose="02010600030101010101" pitchFamily="2" charset="-122"/>
+              </a:rPr>
+              <a:t>Pod</a:t>
+            </a:r>
+            <a:r>
+              <a:rPr lang="zh-CN" altLang="en-US">
+                <a:solidFill>
+                  <a:srgbClr val="FF0000"/>
+                </a:solidFill>
+                <a:latin typeface="宋体" panose="02010600030101010101" pitchFamily="2" charset="-122"/>
+                <a:ea typeface="宋体" panose="02010600030101010101" pitchFamily="2" charset="-122"/>
+                <a:cs typeface="宋体" panose="02010600030101010101" pitchFamily="2" charset="-122"/>
+              </a:rPr>
+              <a:t>对象之间的通信；</a:t>
+            </a:r>
+            <a:endParaRPr lang="zh-CN" altLang="en-US">
+              <a:solidFill>
+                <a:srgbClr val="FF0000"/>
+              </a:solidFill>
+              <a:latin typeface="宋体" panose="02010600030101010101" pitchFamily="2" charset="-122"/>
+              <a:ea typeface="宋体" panose="02010600030101010101" pitchFamily="2" charset="-122"/>
+              <a:cs typeface="宋体" panose="02010600030101010101" pitchFamily="2" charset="-122"/>
+            </a:endParaRPr>
+          </a:p>
+          <a:p>
+            <a:endParaRPr lang="zh-CN" altLang="en-US">
+              <a:solidFill>
+                <a:srgbClr val="FF0000"/>
+              </a:solidFill>
+              <a:latin typeface="宋体" panose="02010600030101010101" pitchFamily="2" charset="-122"/>
+              <a:ea typeface="宋体" panose="02010600030101010101" pitchFamily="2" charset="-122"/>
+              <a:cs typeface="宋体" panose="02010600030101010101" pitchFamily="2" charset="-122"/>
             </a:endParaRPr>
           </a:p>
         </p:txBody>
@@ -3676,33 +3980,34 @@
       <p:grpSpPr/>
       <p:sp>
         <p:nvSpPr>
-          <p:cNvPr id="2" name="标题 1"/>
-          <p:cNvSpPr>
-            <a:spLocks noGrp="1"/>
-          </p:cNvSpPr>
-          <p:nvPr>
-            <p:ph type="ctrTitle"/>
-          </p:nvPr>
-        </p:nvSpPr>
-        <p:spPr>
-          <a:xfrm>
-            <a:off x="958215" y="220345"/>
-            <a:ext cx="9144000" cy="548005"/>
-          </a:xfrm>
-        </p:spPr>
-        <p:txBody>
-          <a:bodyPr>
-            <a:normAutofit/>
+          <p:cNvPr id="4" name="文本框 3"/>
+          <p:cNvSpPr txBox="1"/>
+          <p:nvPr/>
+        </p:nvSpPr>
+        <p:spPr>
+          <a:xfrm>
+            <a:off x="900430" y="461645"/>
+            <a:ext cx="10025380" cy="368300"/>
+          </a:xfrm>
+          <a:prstGeom prst="rect">
+            <a:avLst/>
+          </a:prstGeom>
+          <a:noFill/>
+        </p:spPr>
+        <p:txBody>
+          <a:bodyPr wrap="square" rtlCol="0">
+            <a:spAutoFit/>
           </a:bodyPr>
           <a:p>
-            <a:r>
-              <a:rPr lang="en-US" altLang="zh-CN" sz="2800">
-                <a:latin typeface="宋体" panose="02010600030101010101" pitchFamily="2" charset="-122"/>
-                <a:ea typeface="宋体" panose="02010600030101010101" pitchFamily="2" charset="-122"/>
-              </a:rPr>
-              <a:t>Pod</a:t>
-            </a:r>
-            <a:endParaRPr lang="en-US" altLang="zh-CN" sz="2800">
+            <a:pPr algn="ctr"/>
+            <a:r>
+              <a:rPr lang="zh-CN" altLang="en-US">
+                <a:latin typeface="宋体" panose="02010600030101010101" pitchFamily="2" charset="-122"/>
+                <a:ea typeface="宋体" panose="02010600030101010101" pitchFamily="2" charset="-122"/>
+              </a:rPr>
+              <a:t>其他的核心附件</a:t>
+            </a:r>
+            <a:endParaRPr lang="zh-CN" altLang="en-US">
               <a:latin typeface="宋体" panose="02010600030101010101" pitchFamily="2" charset="-122"/>
               <a:ea typeface="宋体" panose="02010600030101010101" pitchFamily="2" charset="-122"/>
             </a:endParaRPr>
@@ -3717,8 +4022,8 @@
         </p:nvSpPr>
         <p:spPr>
           <a:xfrm>
-            <a:off x="142875" y="845185"/>
-            <a:ext cx="11856720" cy="2861310"/>
+            <a:off x="449580" y="1056005"/>
+            <a:ext cx="11530330" cy="3692525"/>
           </a:xfrm>
           <a:prstGeom prst="rect">
             <a:avLst/>
@@ -3732,106 +4037,52 @@
           <a:p>
             <a:r>
               <a:rPr lang="zh-CN" altLang="en-US">
-                <a:solidFill>
-                  <a:schemeClr val="tx1"/>
-                </a:solidFill>
-                <a:latin typeface="宋体" panose="02010600030101010101" pitchFamily="2" charset="-122"/>
-                <a:ea typeface="宋体" panose="02010600030101010101" pitchFamily="2" charset="-122"/>
-                <a:cs typeface="宋体" panose="02010600030101010101" pitchFamily="2" charset="-122"/>
-              </a:rPr>
-              <a:t>Pod是所有业务类型的基础，也是K8S管理的</a:t>
-            </a:r>
-            <a:r>
-              <a:rPr lang="zh-CN" altLang="en-US">
-                <a:solidFill>
-                  <a:srgbClr val="FF0000"/>
-                </a:solidFill>
-                <a:latin typeface="宋体" panose="02010600030101010101" pitchFamily="2" charset="-122"/>
-                <a:ea typeface="宋体" panose="02010600030101010101" pitchFamily="2" charset="-122"/>
-                <a:cs typeface="宋体" panose="02010600030101010101" pitchFamily="2" charset="-122"/>
-              </a:rPr>
-              <a:t>最小单位级</a:t>
-            </a:r>
-            <a:r>
-              <a:rPr lang="zh-CN" altLang="en-US">
-                <a:solidFill>
-                  <a:schemeClr val="tx1"/>
-                </a:solidFill>
-                <a:latin typeface="宋体" panose="02010600030101010101" pitchFamily="2" charset="-122"/>
-                <a:ea typeface="宋体" panose="02010600030101010101" pitchFamily="2" charset="-122"/>
-                <a:cs typeface="宋体" panose="02010600030101010101" pitchFamily="2" charset="-122"/>
-              </a:rPr>
-              <a:t>，它是一个或多个</a:t>
-            </a:r>
-            <a:r>
-              <a:rPr lang="zh-CN" altLang="en-US">
-                <a:solidFill>
-                  <a:srgbClr val="FF0000"/>
-                </a:solidFill>
-                <a:latin typeface="宋体" panose="02010600030101010101" pitchFamily="2" charset="-122"/>
-                <a:ea typeface="宋体" panose="02010600030101010101" pitchFamily="2" charset="-122"/>
-                <a:cs typeface="宋体" panose="02010600030101010101" pitchFamily="2" charset="-122"/>
-              </a:rPr>
-              <a:t>容器的组合</a:t>
-            </a:r>
-            <a:r>
-              <a:rPr lang="zh-CN" altLang="en-US">
-                <a:solidFill>
-                  <a:schemeClr val="tx1"/>
-                </a:solidFill>
-                <a:latin typeface="宋体" panose="02010600030101010101" pitchFamily="2" charset="-122"/>
-                <a:ea typeface="宋体" panose="02010600030101010101" pitchFamily="2" charset="-122"/>
-                <a:cs typeface="宋体" panose="02010600030101010101" pitchFamily="2" charset="-122"/>
-              </a:rPr>
-              <a:t>。这些容器</a:t>
-            </a:r>
-            <a:r>
-              <a:rPr lang="zh-CN" altLang="en-US">
-                <a:solidFill>
-                  <a:srgbClr val="FF0000"/>
-                </a:solidFill>
-                <a:latin typeface="宋体" panose="02010600030101010101" pitchFamily="2" charset="-122"/>
-                <a:ea typeface="宋体" panose="02010600030101010101" pitchFamily="2" charset="-122"/>
-                <a:cs typeface="宋体" panose="02010600030101010101" pitchFamily="2" charset="-122"/>
-              </a:rPr>
-              <a:t>共享存储、网络和命名空间，以及如何运行的规范</a:t>
-            </a:r>
-            <a:r>
-              <a:rPr lang="zh-CN" altLang="en-US">
-                <a:solidFill>
-                  <a:schemeClr val="tx1"/>
-                </a:solidFill>
-                <a:latin typeface="宋体" panose="02010600030101010101" pitchFamily="2" charset="-122"/>
-                <a:ea typeface="宋体" panose="02010600030101010101" pitchFamily="2" charset="-122"/>
-                <a:cs typeface="宋体" panose="02010600030101010101" pitchFamily="2" charset="-122"/>
-              </a:rPr>
-              <a:t>。在Pod中，所有容器都被同一安排和调度，并运行在共享的上下文中。对于具体应用而言，Pod是它们的逻辑主机，Pod包含业务相关的多个应用容器。</a:t>
+                <a:latin typeface="宋体" panose="02010600030101010101" pitchFamily="2" charset="-122"/>
+                <a:ea typeface="宋体" panose="02010600030101010101" pitchFamily="2" charset="-122"/>
+                <a:cs typeface="宋体" panose="02010600030101010101" pitchFamily="2" charset="-122"/>
+              </a:rPr>
+              <a:t>附件是用于扩展</a:t>
+            </a:r>
+            <a:r>
+              <a:rPr lang="en-US" altLang="zh-CN">
+                <a:latin typeface="宋体" panose="02010600030101010101" pitchFamily="2" charset="-122"/>
+                <a:ea typeface="宋体" panose="02010600030101010101" pitchFamily="2" charset="-122"/>
+                <a:cs typeface="宋体" panose="02010600030101010101" pitchFamily="2" charset="-122"/>
+              </a:rPr>
+              <a:t>K8s,</a:t>
+            </a:r>
+            <a:r>
+              <a:rPr lang="zh-CN" altLang="en-US">
+                <a:latin typeface="宋体" panose="02010600030101010101" pitchFamily="2" charset="-122"/>
+                <a:ea typeface="宋体" panose="02010600030101010101" pitchFamily="2" charset="-122"/>
+                <a:cs typeface="宋体" panose="02010600030101010101" pitchFamily="2" charset="-122"/>
+              </a:rPr>
+              <a:t>通常运行在</a:t>
+            </a:r>
+            <a:r>
+              <a:rPr lang="en-US" altLang="zh-CN">
+                <a:latin typeface="宋体" panose="02010600030101010101" pitchFamily="2" charset="-122"/>
+                <a:ea typeface="宋体" panose="02010600030101010101" pitchFamily="2" charset="-122"/>
+                <a:cs typeface="宋体" panose="02010600030101010101" pitchFamily="2" charset="-122"/>
+              </a:rPr>
+              <a:t>K8s</a:t>
+            </a:r>
+            <a:r>
+              <a:rPr lang="zh-CN" altLang="en-US">
+                <a:latin typeface="宋体" panose="02010600030101010101" pitchFamily="2" charset="-122"/>
+                <a:ea typeface="宋体" panose="02010600030101010101" pitchFamily="2" charset="-122"/>
+                <a:cs typeface="宋体" panose="02010600030101010101" pitchFamily="2" charset="-122"/>
+              </a:rPr>
+              <a:t>集群之上</a:t>
             </a:r>
             <a:endParaRPr lang="zh-CN" altLang="en-US">
-              <a:solidFill>
-                <a:schemeClr val="tx1"/>
-              </a:solidFill>
               <a:latin typeface="宋体" panose="02010600030101010101" pitchFamily="2" charset="-122"/>
               <a:ea typeface="宋体" panose="02010600030101010101" pitchFamily="2" charset="-122"/>
               <a:cs typeface="宋体" panose="02010600030101010101" pitchFamily="2" charset="-122"/>
             </a:endParaRPr>
           </a:p>
           <a:p>
-            <a:r>
-              <a:rPr lang="zh-CN" altLang="en-US">
-                <a:solidFill>
-                  <a:schemeClr val="tx1"/>
-                </a:solidFill>
-                <a:latin typeface="宋体" panose="02010600030101010101" pitchFamily="2" charset="-122"/>
-                <a:ea typeface="宋体" panose="02010600030101010101" pitchFamily="2" charset="-122"/>
-                <a:cs typeface="宋体" panose="02010600030101010101" pitchFamily="2" charset="-122"/>
-              </a:rPr>
-              <a:t>Pod有两个必须知道的特点。</a:t>
-            </a:r>
             <a:endParaRPr lang="zh-CN" altLang="en-US">
-              <a:solidFill>
-                <a:schemeClr val="tx1"/>
-              </a:solidFill>
               <a:latin typeface="宋体" panose="02010600030101010101" pitchFamily="2" charset="-122"/>
               <a:ea typeface="宋体" panose="02010600030101010101" pitchFamily="2" charset="-122"/>
               <a:cs typeface="宋体" panose="02010600030101010101" pitchFamily="2" charset="-122"/>
@@ -3839,1024 +4090,522 @@
           </a:p>
           <a:p>
             <a:r>
-              <a:rPr lang="zh-CN" altLang="en-US">
-                <a:solidFill>
-                  <a:srgbClr val="FF0000"/>
-                </a:solidFill>
-                <a:latin typeface="宋体" panose="02010600030101010101" pitchFamily="2" charset="-122"/>
-                <a:ea typeface="宋体" panose="02010600030101010101" pitchFamily="2" charset="-122"/>
-                <a:cs typeface="宋体" panose="02010600030101010101" pitchFamily="2" charset="-122"/>
-              </a:rPr>
-              <a:t>网络:</a:t>
-            </a:r>
-            <a:r>
-              <a:rPr lang="zh-CN" altLang="en-US">
-                <a:solidFill>
-                  <a:schemeClr val="tx1"/>
-                </a:solidFill>
-                <a:latin typeface="宋体" panose="02010600030101010101" pitchFamily="2" charset="-122"/>
-                <a:ea typeface="宋体" panose="02010600030101010101" pitchFamily="2" charset="-122"/>
-                <a:cs typeface="宋体" panose="02010600030101010101" pitchFamily="2" charset="-122"/>
-              </a:rPr>
-              <a:t>每一个Pod都会被指派一个唯一的Ip地址，在Pod中的每一个容器共享网络命名空间，包括Ip地址和网络端口。在同一个Pod中的容器可以同locahost进行互相通信。当Pod中的容器需要与Pod外的实体进行通信时，则需要通过端口等共享的网络资源。</a:t>
+              <a:rPr lang="en-US" altLang="zh-CN">
+                <a:latin typeface="宋体" panose="02010600030101010101" pitchFamily="2" charset="-122"/>
+                <a:ea typeface="宋体" panose="02010600030101010101" pitchFamily="2" charset="-122"/>
+                <a:cs typeface="宋体" panose="02010600030101010101" pitchFamily="2" charset="-122"/>
+              </a:rPr>
+              <a:t>■CoreDNS</a:t>
+            </a:r>
+            <a:r>
+              <a:rPr lang="zh-CN" altLang="en-US">
+                <a:latin typeface="宋体" panose="02010600030101010101" pitchFamily="2" charset="-122"/>
+                <a:ea typeface="宋体" panose="02010600030101010101" pitchFamily="2" charset="-122"/>
+                <a:cs typeface="宋体" panose="02010600030101010101" pitchFamily="2" charset="-122"/>
+              </a:rPr>
+              <a:t>：</a:t>
+            </a:r>
+            <a:r>
+              <a:rPr lang="en-US" altLang="zh-CN">
+                <a:latin typeface="宋体" panose="02010600030101010101" pitchFamily="2" charset="-122"/>
+                <a:ea typeface="宋体" panose="02010600030101010101" pitchFamily="2" charset="-122"/>
+                <a:cs typeface="宋体" panose="02010600030101010101" pitchFamily="2" charset="-122"/>
+              </a:rPr>
+              <a:t>Kubernetes</a:t>
+            </a:r>
+            <a:r>
+              <a:rPr lang="zh-CN" altLang="en-US">
+                <a:latin typeface="宋体" panose="02010600030101010101" pitchFamily="2" charset="-122"/>
+                <a:ea typeface="宋体" panose="02010600030101010101" pitchFamily="2" charset="-122"/>
+                <a:cs typeface="宋体" panose="02010600030101010101" pitchFamily="2" charset="-122"/>
+              </a:rPr>
+              <a:t>使用定制的</a:t>
+            </a:r>
+            <a:r>
+              <a:rPr lang="en-US" altLang="zh-CN">
+                <a:latin typeface="宋体" panose="02010600030101010101" pitchFamily="2" charset="-122"/>
+                <a:ea typeface="宋体" panose="02010600030101010101" pitchFamily="2" charset="-122"/>
+                <a:cs typeface="宋体" panose="02010600030101010101" pitchFamily="2" charset="-122"/>
+              </a:rPr>
+              <a:t>DNS</a:t>
+            </a:r>
+            <a:r>
+              <a:rPr lang="zh-CN" altLang="en-US">
+                <a:latin typeface="宋体" panose="02010600030101010101" pitchFamily="2" charset="-122"/>
+                <a:ea typeface="宋体" panose="02010600030101010101" pitchFamily="2" charset="-122"/>
+                <a:cs typeface="宋体" panose="02010600030101010101" pitchFamily="2" charset="-122"/>
+              </a:rPr>
+              <a:t>应用程序实现名称解析和服务发现功能。</a:t>
             </a:r>
             <a:endParaRPr lang="zh-CN" altLang="en-US">
-              <a:solidFill>
-                <a:schemeClr val="tx1"/>
-              </a:solidFill>
               <a:latin typeface="宋体" panose="02010600030101010101" pitchFamily="2" charset="-122"/>
               <a:ea typeface="宋体" panose="02010600030101010101" pitchFamily="2" charset="-122"/>
               <a:cs typeface="宋体" panose="02010600030101010101" pitchFamily="2" charset="-122"/>
             </a:endParaRPr>
           </a:p>
           <a:p>
-            <a:r>
-              <a:rPr lang="zh-CN" altLang="en-US">
-                <a:solidFill>
-                  <a:srgbClr val="FF0000"/>
-                </a:solidFill>
-                <a:latin typeface="宋体" panose="02010600030101010101" pitchFamily="2" charset="-122"/>
-                <a:ea typeface="宋体" panose="02010600030101010101" pitchFamily="2" charset="-122"/>
-                <a:cs typeface="宋体" panose="02010600030101010101" pitchFamily="2" charset="-122"/>
-              </a:rPr>
-              <a:t>存储:</a:t>
-            </a:r>
-            <a:r>
-              <a:rPr lang="zh-CN" altLang="en-US">
-                <a:solidFill>
-                  <a:schemeClr val="tx1"/>
-                </a:solidFill>
-                <a:latin typeface="宋体" panose="02010600030101010101" pitchFamily="2" charset="-122"/>
-                <a:ea typeface="宋体" panose="02010600030101010101" pitchFamily="2" charset="-122"/>
-                <a:cs typeface="宋体" panose="02010600030101010101" pitchFamily="2" charset="-122"/>
-              </a:rPr>
-              <a:t>Pod能够被指定共享存储卷的集合，在Pod中所有的容器能够访问共享存储卷，允许这些容器共享数据。存储卷也允许在一个Pod持久化数据，以防止其中的容器需要被重启。存储类型：（临时存储卷、</a:t>
-            </a:r>
-            <a:r>
-              <a:rPr lang="en-US" altLang="zh-CN">
-                <a:solidFill>
-                  <a:schemeClr val="tx1"/>
-                </a:solidFill>
-                <a:latin typeface="宋体" panose="02010600030101010101" pitchFamily="2" charset="-122"/>
-                <a:ea typeface="宋体" panose="02010600030101010101" pitchFamily="2" charset="-122"/>
-                <a:cs typeface="宋体" panose="02010600030101010101" pitchFamily="2" charset="-122"/>
-              </a:rPr>
-              <a:t>hostPath</a:t>
-            </a:r>
-            <a:r>
-              <a:rPr lang="zh-CN" altLang="en-US">
-                <a:solidFill>
-                  <a:schemeClr val="tx1"/>
-                </a:solidFill>
-                <a:latin typeface="宋体" panose="02010600030101010101" pitchFamily="2" charset="-122"/>
-                <a:ea typeface="宋体" panose="02010600030101010101" pitchFamily="2" charset="-122"/>
-                <a:cs typeface="宋体" panose="02010600030101010101" pitchFamily="2" charset="-122"/>
-              </a:rPr>
-              <a:t>存储、网络存储、持久存储</a:t>
-            </a:r>
-            <a:r>
-              <a:rPr lang="en-US" altLang="zh-CN">
-                <a:solidFill>
-                  <a:schemeClr val="tx1"/>
-                </a:solidFill>
-                <a:latin typeface="宋体" panose="02010600030101010101" pitchFamily="2" charset="-122"/>
-                <a:ea typeface="宋体" panose="02010600030101010101" pitchFamily="2" charset="-122"/>
-                <a:cs typeface="宋体" panose="02010600030101010101" pitchFamily="2" charset="-122"/>
-              </a:rPr>
-              <a:t>PV/PVC</a:t>
-            </a:r>
-            <a:r>
-              <a:rPr lang="zh-CN" altLang="en-US">
-                <a:solidFill>
-                  <a:schemeClr val="tx1"/>
-                </a:solidFill>
-                <a:latin typeface="宋体" panose="02010600030101010101" pitchFamily="2" charset="-122"/>
-                <a:ea typeface="宋体" panose="02010600030101010101" pitchFamily="2" charset="-122"/>
-                <a:cs typeface="宋体" panose="02010600030101010101" pitchFamily="2" charset="-122"/>
-              </a:rPr>
-              <a:t>、容器存储接口</a:t>
-            </a:r>
-            <a:r>
-              <a:rPr lang="en-US" altLang="zh-CN">
-                <a:solidFill>
-                  <a:schemeClr val="tx1"/>
-                </a:solidFill>
-                <a:latin typeface="宋体" panose="02010600030101010101" pitchFamily="2" charset="-122"/>
-                <a:ea typeface="宋体" panose="02010600030101010101" pitchFamily="2" charset="-122"/>
-                <a:cs typeface="宋体" panose="02010600030101010101" pitchFamily="2" charset="-122"/>
-              </a:rPr>
-              <a:t>CSI</a:t>
-            </a:r>
-            <a:r>
-              <a:rPr lang="zh-CN" altLang="en-US">
-                <a:solidFill>
-                  <a:schemeClr val="tx1"/>
-                </a:solidFill>
-                <a:latin typeface="宋体" panose="02010600030101010101" pitchFamily="2" charset="-122"/>
-                <a:ea typeface="宋体" panose="02010600030101010101" pitchFamily="2" charset="-122"/>
-                <a:cs typeface="宋体" panose="02010600030101010101" pitchFamily="2" charset="-122"/>
-              </a:rPr>
-              <a:t>）</a:t>
-            </a:r>
             <a:endParaRPr lang="zh-CN" altLang="en-US">
-              <a:solidFill>
-                <a:schemeClr val="tx1"/>
-              </a:solidFill>
               <a:latin typeface="宋体" panose="02010600030101010101" pitchFamily="2" charset="-122"/>
               <a:ea typeface="宋体" panose="02010600030101010101" pitchFamily="2" charset="-122"/>
               <a:cs typeface="宋体" panose="02010600030101010101" pitchFamily="2" charset="-122"/>
             </a:endParaRPr>
           </a:p>
-        </p:txBody>
-      </p:sp>
-      <p:sp>
-        <p:nvSpPr>
-          <p:cNvPr id="6" name="圆角矩形 5"/>
-          <p:cNvSpPr/>
-          <p:nvPr/>
-        </p:nvSpPr>
-        <p:spPr>
-          <a:xfrm>
-            <a:off x="217805" y="3783330"/>
-            <a:ext cx="4869815" cy="2702560"/>
-          </a:xfrm>
-          <a:prstGeom prst="roundRect">
-            <a:avLst/>
-          </a:prstGeom>
-        </p:spPr>
-        <p:style>
-          <a:lnRef idx="2">
-            <a:schemeClr val="accent1">
-              <a:shade val="50000"/>
-            </a:schemeClr>
-          </a:lnRef>
-          <a:fillRef idx="1">
-            <a:schemeClr val="accent1"/>
-          </a:fillRef>
-          <a:effectRef idx="0">
-            <a:schemeClr val="accent1"/>
-          </a:effectRef>
-          <a:fontRef idx="minor">
-            <a:schemeClr val="lt1"/>
-          </a:fontRef>
-        </p:style>
-        <p:txBody>
-          <a:bodyPr rtlCol="0" anchor="ctr"/>
-          <a:p>
-            <a:pPr algn="ctr"/>
-            <a:endParaRPr lang="zh-CN" altLang="en-US"/>
-          </a:p>
-        </p:txBody>
-      </p:sp>
-      <p:sp>
-        <p:nvSpPr>
-          <p:cNvPr id="7" name="文本框 6"/>
-          <p:cNvSpPr txBox="1"/>
-          <p:nvPr/>
-        </p:nvSpPr>
-        <p:spPr>
-          <a:xfrm>
-            <a:off x="1895475" y="4095750"/>
-            <a:ext cx="1514475" cy="368300"/>
-          </a:xfrm>
-          <a:prstGeom prst="rect">
-            <a:avLst/>
-          </a:prstGeom>
-          <a:noFill/>
-        </p:spPr>
-        <p:txBody>
-          <a:bodyPr wrap="square" rtlCol="0">
-            <a:spAutoFit/>
-          </a:bodyPr>
-          <a:p>
-            <a:pPr algn="ctr"/>
-            <a:r>
-              <a:rPr lang="en-US" altLang="zh-CN"/>
-              <a:t>Pod</a:t>
-            </a:r>
-            <a:endParaRPr lang="en-US" altLang="zh-CN"/>
-          </a:p>
-        </p:txBody>
-      </p:sp>
-      <p:sp>
-        <p:nvSpPr>
-          <p:cNvPr id="8" name="正五边形 7"/>
-          <p:cNvSpPr/>
-          <p:nvPr/>
-        </p:nvSpPr>
-        <p:spPr>
-          <a:xfrm>
-            <a:off x="1417320" y="4766310"/>
-            <a:ext cx="2472690" cy="1188720"/>
-          </a:xfrm>
-          <a:prstGeom prst="pentagon">
-            <a:avLst/>
-          </a:prstGeom>
-        </p:spPr>
-        <p:style>
-          <a:lnRef idx="2">
-            <a:schemeClr val="accent1">
-              <a:shade val="50000"/>
-            </a:schemeClr>
-          </a:lnRef>
-          <a:fillRef idx="1">
-            <a:schemeClr val="accent1"/>
-          </a:fillRef>
-          <a:effectRef idx="0">
-            <a:schemeClr val="accent1"/>
-          </a:effectRef>
-          <a:fontRef idx="minor">
-            <a:schemeClr val="lt1"/>
-          </a:fontRef>
-        </p:style>
-        <p:txBody>
-          <a:bodyPr rtlCol="0" anchor="ctr"/>
-          <a:p>
-            <a:pPr algn="ctr"/>
-            <a:endParaRPr lang="zh-CN" altLang="en-US"/>
-          </a:p>
-        </p:txBody>
-      </p:sp>
-      <p:sp>
-        <p:nvSpPr>
-          <p:cNvPr id="9" name="矩形 8"/>
-          <p:cNvSpPr/>
-          <p:nvPr/>
-        </p:nvSpPr>
-        <p:spPr>
-          <a:xfrm>
-            <a:off x="1483995" y="4766310"/>
-            <a:ext cx="872490" cy="384175"/>
-          </a:xfrm>
-          <a:prstGeom prst="rect">
-            <a:avLst/>
-          </a:prstGeom>
-        </p:spPr>
-        <p:style>
-          <a:lnRef idx="2">
-            <a:schemeClr val="accent1">
-              <a:shade val="50000"/>
-            </a:schemeClr>
-          </a:lnRef>
-          <a:fillRef idx="1">
-            <a:schemeClr val="accent1"/>
-          </a:fillRef>
-          <a:effectRef idx="0">
-            <a:schemeClr val="accent1"/>
-          </a:effectRef>
-          <a:fontRef idx="minor">
-            <a:schemeClr val="lt1"/>
-          </a:fontRef>
-        </p:style>
-        <p:txBody>
-          <a:bodyPr rtlCol="0" anchor="ctr"/>
-          <a:p>
-            <a:pPr algn="ctr"/>
-            <a:r>
-              <a:rPr lang="en-US" altLang="zh-CN" sz="1200"/>
-              <a:t>container</a:t>
-            </a:r>
-            <a:endParaRPr lang="en-US" altLang="zh-CN" sz="1200"/>
-          </a:p>
-        </p:txBody>
-      </p:sp>
-      <p:sp>
-        <p:nvSpPr>
-          <p:cNvPr id="11" name="矩形 10"/>
-          <p:cNvSpPr/>
-          <p:nvPr/>
-        </p:nvSpPr>
-        <p:spPr>
-          <a:xfrm>
-            <a:off x="2876550" y="4766310"/>
-            <a:ext cx="872490" cy="384175"/>
-          </a:xfrm>
-          <a:prstGeom prst="rect">
-            <a:avLst/>
-          </a:prstGeom>
-        </p:spPr>
-        <p:style>
-          <a:lnRef idx="2">
-            <a:schemeClr val="accent1">
-              <a:shade val="50000"/>
-            </a:schemeClr>
-          </a:lnRef>
-          <a:fillRef idx="1">
-            <a:schemeClr val="accent1"/>
-          </a:fillRef>
-          <a:effectRef idx="0">
-            <a:schemeClr val="accent1"/>
-          </a:effectRef>
-          <a:fontRef idx="minor">
-            <a:schemeClr val="lt1"/>
-          </a:fontRef>
-        </p:style>
-        <p:txBody>
-          <a:bodyPr rtlCol="0" anchor="ctr"/>
-          <a:p>
-            <a:pPr algn="ctr"/>
-            <a:r>
-              <a:rPr lang="en-US" altLang="zh-CN" sz="1200"/>
-              <a:t>container</a:t>
-            </a:r>
-            <a:endParaRPr lang="en-US" altLang="zh-CN" sz="1200"/>
-          </a:p>
-        </p:txBody>
-      </p:sp>
-      <p:sp>
-        <p:nvSpPr>
-          <p:cNvPr id="12" name="矩形 11"/>
-          <p:cNvSpPr/>
-          <p:nvPr/>
-        </p:nvSpPr>
-        <p:spPr>
-          <a:xfrm>
-            <a:off x="2216785" y="5312410"/>
-            <a:ext cx="872490" cy="384175"/>
-          </a:xfrm>
-          <a:prstGeom prst="rect">
-            <a:avLst/>
-          </a:prstGeom>
-        </p:spPr>
-        <p:style>
-          <a:lnRef idx="2">
-            <a:schemeClr val="accent1">
-              <a:shade val="50000"/>
-            </a:schemeClr>
-          </a:lnRef>
-          <a:fillRef idx="1">
-            <a:schemeClr val="accent1"/>
-          </a:fillRef>
-          <a:effectRef idx="0">
-            <a:schemeClr val="accent1"/>
-          </a:effectRef>
-          <a:fontRef idx="minor">
-            <a:schemeClr val="lt1"/>
-          </a:fontRef>
-        </p:style>
-        <p:txBody>
-          <a:bodyPr rtlCol="0" anchor="ctr"/>
-          <a:p>
-            <a:pPr algn="ctr"/>
-            <a:r>
-              <a:rPr lang="en-US" altLang="zh-CN" sz="1200"/>
-              <a:t>localhost</a:t>
-            </a:r>
-            <a:endParaRPr lang="en-US" altLang="zh-CN" sz="1200"/>
-          </a:p>
-        </p:txBody>
-      </p:sp>
-      <p:sp>
-        <p:nvSpPr>
-          <p:cNvPr id="13" name="圆角矩形 12"/>
-          <p:cNvSpPr/>
-          <p:nvPr/>
-        </p:nvSpPr>
-        <p:spPr>
-          <a:xfrm>
-            <a:off x="2183765" y="5791835"/>
-            <a:ext cx="1035685" cy="641985"/>
-          </a:xfrm>
-          <a:prstGeom prst="roundRect">
-            <a:avLst/>
-          </a:prstGeom>
-        </p:spPr>
-        <p:style>
-          <a:lnRef idx="2">
-            <a:schemeClr val="accent1">
-              <a:shade val="50000"/>
-            </a:schemeClr>
-          </a:lnRef>
-          <a:fillRef idx="1">
-            <a:schemeClr val="accent1"/>
-          </a:fillRef>
-          <a:effectRef idx="0">
-            <a:schemeClr val="accent1"/>
-          </a:effectRef>
-          <a:fontRef idx="minor">
-            <a:schemeClr val="lt1"/>
-          </a:fontRef>
-        </p:style>
-        <p:txBody>
-          <a:bodyPr rtlCol="0" anchor="ctr"/>
-          <a:p>
-            <a:pPr algn="ctr"/>
-            <a:r>
-              <a:rPr lang="en-US" altLang="zh-CN" sz="1400"/>
-              <a:t>Pause</a:t>
-            </a:r>
-            <a:endParaRPr lang="en-US" altLang="zh-CN" sz="1400"/>
-          </a:p>
-          <a:p>
-            <a:pPr algn="ctr"/>
-            <a:endParaRPr lang="en-US" altLang="zh-CN" sz="1400"/>
-          </a:p>
-          <a:p>
-            <a:pPr algn="ctr"/>
-            <a:endParaRPr lang="en-US" altLang="zh-CN" sz="1400"/>
-          </a:p>
-        </p:txBody>
-      </p:sp>
-      <p:sp>
-        <p:nvSpPr>
-          <p:cNvPr id="14" name="矩形 13"/>
-          <p:cNvSpPr/>
-          <p:nvPr/>
-        </p:nvSpPr>
-        <p:spPr>
-          <a:xfrm>
-            <a:off x="2423795" y="6194425"/>
-            <a:ext cx="613410" cy="239395"/>
-          </a:xfrm>
-          <a:prstGeom prst="rect">
-            <a:avLst/>
-          </a:prstGeom>
-        </p:spPr>
-        <p:style>
-          <a:lnRef idx="2">
-            <a:schemeClr val="accent1">
-              <a:shade val="50000"/>
-            </a:schemeClr>
-          </a:lnRef>
-          <a:fillRef idx="1">
-            <a:schemeClr val="accent1"/>
-          </a:fillRef>
-          <a:effectRef idx="0">
-            <a:schemeClr val="accent1"/>
-          </a:effectRef>
-          <a:fontRef idx="minor">
-            <a:schemeClr val="lt1"/>
-          </a:fontRef>
-        </p:style>
-        <p:txBody>
-          <a:bodyPr rtlCol="0" anchor="ctr"/>
-          <a:p>
-            <a:pPr algn="ctr"/>
-            <a:r>
-              <a:rPr lang="en-US" altLang="zh-CN"/>
-              <a:t>eth0</a:t>
-            </a:r>
-            <a:endParaRPr lang="en-US" altLang="zh-CN"/>
-          </a:p>
-        </p:txBody>
-      </p:sp>
-      <p:sp>
-        <p:nvSpPr>
-          <p:cNvPr id="15" name="圆柱形 14"/>
-          <p:cNvSpPr/>
-          <p:nvPr/>
-        </p:nvSpPr>
-        <p:spPr>
-          <a:xfrm>
-            <a:off x="3506470" y="6041390"/>
-            <a:ext cx="1236980" cy="382905"/>
-          </a:xfrm>
-          <a:prstGeom prst="can">
-            <a:avLst/>
-          </a:prstGeom>
-        </p:spPr>
-        <p:style>
-          <a:lnRef idx="2">
-            <a:schemeClr val="accent1">
-              <a:shade val="50000"/>
-            </a:schemeClr>
-          </a:lnRef>
-          <a:fillRef idx="1">
-            <a:schemeClr val="accent1"/>
-          </a:fillRef>
-          <a:effectRef idx="0">
-            <a:schemeClr val="accent1"/>
-          </a:effectRef>
-          <a:fontRef idx="minor">
-            <a:schemeClr val="lt1"/>
-          </a:fontRef>
-        </p:style>
-        <p:txBody>
-          <a:bodyPr rtlCol="0" anchor="ctr"/>
-          <a:p>
-            <a:pPr algn="ctr"/>
-            <a:r>
-              <a:rPr lang="en-US" altLang="zh-CN"/>
-              <a:t>volume</a:t>
-            </a:r>
-            <a:endParaRPr lang="en-US" altLang="zh-CN"/>
-          </a:p>
-        </p:txBody>
-      </p:sp>
-      <p:sp>
-        <p:nvSpPr>
-          <p:cNvPr id="16" name="圆角矩形 15"/>
-          <p:cNvSpPr/>
-          <p:nvPr/>
-        </p:nvSpPr>
-        <p:spPr>
-          <a:xfrm>
-            <a:off x="8242300" y="3859530"/>
-            <a:ext cx="1140460" cy="499110"/>
-          </a:xfrm>
-          <a:prstGeom prst="roundRect">
-            <a:avLst/>
-          </a:prstGeom>
-        </p:spPr>
-        <p:style>
-          <a:lnRef idx="2">
-            <a:schemeClr val="accent1">
-              <a:shade val="50000"/>
-            </a:schemeClr>
-          </a:lnRef>
-          <a:fillRef idx="1">
-            <a:schemeClr val="accent1"/>
-          </a:fillRef>
-          <a:effectRef idx="0">
-            <a:schemeClr val="accent1"/>
-          </a:effectRef>
-          <a:fontRef idx="minor">
-            <a:schemeClr val="lt1"/>
-          </a:fontRef>
-        </p:style>
-        <p:txBody>
-          <a:bodyPr rtlCol="0" anchor="ctr"/>
-          <a:p>
-            <a:pPr algn="ctr"/>
-            <a:r>
-              <a:rPr lang="en-US" altLang="zh-CN" sz="1400"/>
-              <a:t>replicas=N</a:t>
-            </a:r>
-            <a:endParaRPr lang="en-US" altLang="zh-CN" sz="1400"/>
-          </a:p>
-        </p:txBody>
-      </p:sp>
-      <p:sp>
-        <p:nvSpPr>
-          <p:cNvPr id="17" name="圆角矩形 16"/>
-          <p:cNvSpPr/>
-          <p:nvPr/>
-        </p:nvSpPr>
-        <p:spPr>
-          <a:xfrm>
-            <a:off x="10610850" y="3859530"/>
-            <a:ext cx="1140460" cy="499110"/>
-          </a:xfrm>
-          <a:prstGeom prst="roundRect">
-            <a:avLst/>
-          </a:prstGeom>
-        </p:spPr>
-        <p:style>
-          <a:lnRef idx="2">
-            <a:schemeClr val="accent1">
-              <a:shade val="50000"/>
-            </a:schemeClr>
-          </a:lnRef>
-          <a:fillRef idx="1">
-            <a:schemeClr val="accent1"/>
-          </a:fillRef>
-          <a:effectRef idx="0">
-            <a:schemeClr val="accent1"/>
-          </a:effectRef>
-          <a:fontRef idx="minor">
-            <a:schemeClr val="lt1"/>
-          </a:fontRef>
-        </p:style>
-        <p:txBody>
-          <a:bodyPr rtlCol="0" anchor="ctr"/>
-          <a:p>
-            <a:pPr algn="ctr"/>
-            <a:r>
-              <a:rPr lang="en-US" altLang="zh-CN" sz="1400"/>
-              <a:t>Pod</a:t>
-            </a:r>
-            <a:r>
-              <a:rPr lang="zh-CN" altLang="en-US" sz="1400"/>
-              <a:t>模板</a:t>
-            </a:r>
-            <a:endParaRPr lang="zh-CN" altLang="en-US" sz="1400"/>
-          </a:p>
-        </p:txBody>
-      </p:sp>
-      <p:sp>
-        <p:nvSpPr>
-          <p:cNvPr id="18" name="矩形 17"/>
-          <p:cNvSpPr/>
-          <p:nvPr/>
-        </p:nvSpPr>
-        <p:spPr>
-          <a:xfrm>
-            <a:off x="8846185" y="4358640"/>
-            <a:ext cx="2463165" cy="513080"/>
-          </a:xfrm>
-          <a:prstGeom prst="rect">
-            <a:avLst/>
-          </a:prstGeom>
-        </p:spPr>
-        <p:style>
-          <a:lnRef idx="2">
-            <a:schemeClr val="accent1">
-              <a:shade val="50000"/>
-            </a:schemeClr>
-          </a:lnRef>
-          <a:fillRef idx="1">
-            <a:schemeClr val="accent1"/>
-          </a:fillRef>
-          <a:effectRef idx="0">
-            <a:schemeClr val="accent1"/>
-          </a:effectRef>
-          <a:fontRef idx="minor">
-            <a:schemeClr val="lt1"/>
-          </a:fontRef>
-        </p:style>
-        <p:txBody>
-          <a:bodyPr rtlCol="0" anchor="ctr"/>
-          <a:p>
-            <a:pPr algn="ctr"/>
-            <a:r>
-              <a:rPr lang="en-US" altLang="zh-CN" sz="1400"/>
-              <a:t>Deployment</a:t>
-            </a:r>
-            <a:r>
-              <a:rPr lang="zh-CN" altLang="en-US" sz="1400"/>
-              <a:t>控制器</a:t>
-            </a:r>
-            <a:endParaRPr lang="zh-CN" altLang="en-US" sz="1400"/>
-          </a:p>
-        </p:txBody>
-      </p:sp>
-      <p:sp>
-        <p:nvSpPr>
-          <p:cNvPr id="19" name="梯形 18"/>
-          <p:cNvSpPr/>
-          <p:nvPr/>
-        </p:nvSpPr>
-        <p:spPr>
-          <a:xfrm>
-            <a:off x="9397365" y="4770755"/>
-            <a:ext cx="1361440" cy="384175"/>
-          </a:xfrm>
-          <a:prstGeom prst="trapezoid">
-            <a:avLst/>
-          </a:prstGeom>
-        </p:spPr>
-        <p:style>
-          <a:lnRef idx="2">
-            <a:schemeClr val="accent1">
-              <a:shade val="50000"/>
-            </a:schemeClr>
-          </a:lnRef>
-          <a:fillRef idx="1">
-            <a:schemeClr val="accent1"/>
-          </a:fillRef>
-          <a:effectRef idx="0">
-            <a:schemeClr val="accent1"/>
-          </a:effectRef>
-          <a:fontRef idx="minor">
-            <a:schemeClr val="lt1"/>
-          </a:fontRef>
-        </p:style>
-        <p:txBody>
-          <a:bodyPr rtlCol="0" anchor="ctr"/>
-          <a:p>
-            <a:pPr algn="ctr"/>
-            <a:r>
-              <a:rPr lang="zh-CN" altLang="en-US" sz="1400"/>
-              <a:t>标签</a:t>
-            </a:r>
-            <a:r>
-              <a:rPr lang="zh-CN" altLang="en-US" sz="1400"/>
-              <a:t>选择器</a:t>
-            </a:r>
-            <a:endParaRPr lang="zh-CN" altLang="en-US" sz="1400"/>
-          </a:p>
-        </p:txBody>
-      </p:sp>
-      <p:sp>
-        <p:nvSpPr>
-          <p:cNvPr id="20" name="椭圆 19"/>
-          <p:cNvSpPr/>
-          <p:nvPr/>
-        </p:nvSpPr>
-        <p:spPr>
-          <a:xfrm>
-            <a:off x="8242300" y="5680710"/>
-            <a:ext cx="833755" cy="748030"/>
-          </a:xfrm>
-          <a:prstGeom prst="ellipse">
-            <a:avLst/>
-          </a:prstGeom>
-        </p:spPr>
-        <p:style>
-          <a:lnRef idx="2">
-            <a:schemeClr val="accent1">
-              <a:shade val="50000"/>
-            </a:schemeClr>
-          </a:lnRef>
-          <a:fillRef idx="1">
-            <a:schemeClr val="accent1"/>
-          </a:fillRef>
-          <a:effectRef idx="0">
-            <a:schemeClr val="accent1"/>
-          </a:effectRef>
-          <a:fontRef idx="minor">
-            <a:schemeClr val="lt1"/>
-          </a:fontRef>
-        </p:style>
-        <p:txBody>
-          <a:bodyPr rtlCol="0" anchor="ctr"/>
-          <a:p>
-            <a:pPr algn="ctr"/>
-            <a:r>
-              <a:rPr lang="en-US" altLang="zh-CN"/>
-              <a:t>Pod</a:t>
-            </a:r>
-            <a:endParaRPr lang="en-US" altLang="zh-CN"/>
-          </a:p>
-        </p:txBody>
-      </p:sp>
-      <p:sp>
-        <p:nvSpPr>
-          <p:cNvPr id="21" name="椭圆 20"/>
-          <p:cNvSpPr/>
-          <p:nvPr/>
-        </p:nvSpPr>
-        <p:spPr>
-          <a:xfrm>
-            <a:off x="9661525" y="5680710"/>
-            <a:ext cx="833755" cy="748030"/>
-          </a:xfrm>
-          <a:prstGeom prst="ellipse">
-            <a:avLst/>
-          </a:prstGeom>
-        </p:spPr>
-        <p:style>
-          <a:lnRef idx="2">
-            <a:schemeClr val="accent1">
-              <a:shade val="50000"/>
-            </a:schemeClr>
-          </a:lnRef>
-          <a:fillRef idx="1">
-            <a:schemeClr val="accent1"/>
-          </a:fillRef>
-          <a:effectRef idx="0">
-            <a:schemeClr val="accent1"/>
-          </a:effectRef>
-          <a:fontRef idx="minor">
-            <a:schemeClr val="lt1"/>
-          </a:fontRef>
-        </p:style>
-        <p:txBody>
-          <a:bodyPr rtlCol="0" anchor="ctr"/>
-          <a:p>
-            <a:pPr algn="ctr"/>
-            <a:r>
-              <a:rPr lang="en-US" altLang="zh-CN"/>
-              <a:t>Pod</a:t>
-            </a:r>
-            <a:endParaRPr lang="en-US" altLang="zh-CN"/>
-          </a:p>
-        </p:txBody>
-      </p:sp>
-      <p:sp>
-        <p:nvSpPr>
-          <p:cNvPr id="22" name="椭圆 21"/>
-          <p:cNvSpPr/>
-          <p:nvPr/>
-        </p:nvSpPr>
-        <p:spPr>
-          <a:xfrm>
-            <a:off x="11080750" y="5680710"/>
-            <a:ext cx="833755" cy="748030"/>
-          </a:xfrm>
-          <a:prstGeom prst="ellipse">
-            <a:avLst/>
-          </a:prstGeom>
-        </p:spPr>
-        <p:style>
-          <a:lnRef idx="2">
-            <a:schemeClr val="accent1">
-              <a:shade val="50000"/>
-            </a:schemeClr>
-          </a:lnRef>
-          <a:fillRef idx="1">
-            <a:schemeClr val="accent1"/>
-          </a:fillRef>
-          <a:effectRef idx="0">
-            <a:schemeClr val="accent1"/>
-          </a:effectRef>
-          <a:fontRef idx="minor">
-            <a:schemeClr val="lt1"/>
-          </a:fontRef>
-        </p:style>
-        <p:txBody>
-          <a:bodyPr rtlCol="0" anchor="ctr"/>
-          <a:p>
-            <a:pPr algn="ctr"/>
-            <a:r>
-              <a:rPr lang="en-US" altLang="zh-CN"/>
-              <a:t>Pod</a:t>
-            </a:r>
-            <a:endParaRPr lang="en-US" altLang="zh-CN"/>
-          </a:p>
-        </p:txBody>
-      </p:sp>
-      <p:sp>
-        <p:nvSpPr>
-          <p:cNvPr id="23" name="下箭头 22"/>
-          <p:cNvSpPr/>
-          <p:nvPr/>
-        </p:nvSpPr>
-        <p:spPr>
-          <a:xfrm>
-            <a:off x="9963150" y="5240020"/>
-            <a:ext cx="230505" cy="354965"/>
-          </a:xfrm>
-          <a:prstGeom prst="downArrow">
-            <a:avLst/>
-          </a:prstGeom>
-        </p:spPr>
-        <p:style>
-          <a:lnRef idx="2">
-            <a:schemeClr val="accent1">
-              <a:shade val="50000"/>
-            </a:schemeClr>
-          </a:lnRef>
-          <a:fillRef idx="1">
-            <a:schemeClr val="accent1"/>
-          </a:fillRef>
-          <a:effectRef idx="0">
-            <a:schemeClr val="accent1"/>
-          </a:effectRef>
-          <a:fontRef idx="minor">
-            <a:schemeClr val="lt1"/>
-          </a:fontRef>
-        </p:style>
-        <p:txBody>
-          <a:bodyPr rtlCol="0" anchor="ctr"/>
-          <a:p>
-            <a:pPr algn="ctr"/>
-            <a:endParaRPr lang="zh-CN" altLang="en-US"/>
-          </a:p>
-        </p:txBody>
-      </p:sp>
-      <p:sp>
-        <p:nvSpPr>
-          <p:cNvPr id="24" name="五边形 23"/>
-          <p:cNvSpPr/>
-          <p:nvPr/>
-        </p:nvSpPr>
-        <p:spPr>
-          <a:xfrm>
-            <a:off x="7858125" y="5680710"/>
-            <a:ext cx="690880" cy="248920"/>
-          </a:xfrm>
-          <a:prstGeom prst="homePlate">
-            <a:avLst/>
-          </a:prstGeom>
-        </p:spPr>
-        <p:style>
-          <a:lnRef idx="2">
-            <a:schemeClr val="accent1">
-              <a:shade val="50000"/>
-            </a:schemeClr>
-          </a:lnRef>
-          <a:fillRef idx="1">
-            <a:schemeClr val="accent1"/>
-          </a:fillRef>
-          <a:effectRef idx="0">
-            <a:schemeClr val="accent1"/>
-          </a:effectRef>
-          <a:fontRef idx="minor">
-            <a:schemeClr val="lt1"/>
-          </a:fontRef>
-        </p:style>
-        <p:txBody>
-          <a:bodyPr rtlCol="0" anchor="ctr"/>
-          <a:p>
-            <a:pPr algn="ctr"/>
-            <a:r>
-              <a:rPr lang="zh-CN" altLang="en-US" sz="1400"/>
-              <a:t>标签</a:t>
-            </a:r>
-            <a:endParaRPr lang="zh-CN" altLang="en-US" sz="1400"/>
-          </a:p>
-        </p:txBody>
-      </p:sp>
-      <p:sp>
-        <p:nvSpPr>
-          <p:cNvPr id="25" name="五边形 24"/>
-          <p:cNvSpPr/>
-          <p:nvPr/>
-        </p:nvSpPr>
-        <p:spPr>
-          <a:xfrm>
-            <a:off x="9272270" y="5680710"/>
-            <a:ext cx="690880" cy="248920"/>
-          </a:xfrm>
-          <a:prstGeom prst="homePlate">
-            <a:avLst/>
-          </a:prstGeom>
-        </p:spPr>
-        <p:style>
-          <a:lnRef idx="2">
-            <a:schemeClr val="accent1">
-              <a:shade val="50000"/>
-            </a:schemeClr>
-          </a:lnRef>
-          <a:fillRef idx="1">
-            <a:schemeClr val="accent1"/>
-          </a:fillRef>
-          <a:effectRef idx="0">
-            <a:schemeClr val="accent1"/>
-          </a:effectRef>
-          <a:fontRef idx="minor">
-            <a:schemeClr val="lt1"/>
-          </a:fontRef>
-        </p:style>
-        <p:txBody>
-          <a:bodyPr rtlCol="0" anchor="ctr"/>
-          <a:p>
-            <a:pPr algn="ctr"/>
-            <a:r>
-              <a:rPr lang="zh-CN" altLang="en-US" sz="1400"/>
-              <a:t>标签</a:t>
-            </a:r>
-            <a:endParaRPr lang="zh-CN" altLang="en-US" sz="1400"/>
-          </a:p>
-        </p:txBody>
-      </p:sp>
-      <p:sp>
-        <p:nvSpPr>
-          <p:cNvPr id="26" name="五边形 25"/>
-          <p:cNvSpPr/>
-          <p:nvPr/>
-        </p:nvSpPr>
-        <p:spPr>
-          <a:xfrm>
-            <a:off x="10758805" y="5680710"/>
-            <a:ext cx="690880" cy="248920"/>
-          </a:xfrm>
-          <a:prstGeom prst="homePlate">
-            <a:avLst/>
-          </a:prstGeom>
-        </p:spPr>
-        <p:style>
-          <a:lnRef idx="2">
-            <a:schemeClr val="accent1">
-              <a:shade val="50000"/>
-            </a:schemeClr>
-          </a:lnRef>
-          <a:fillRef idx="1">
-            <a:schemeClr val="accent1"/>
-          </a:fillRef>
-          <a:effectRef idx="0">
-            <a:schemeClr val="accent1"/>
-          </a:effectRef>
-          <a:fontRef idx="minor">
-            <a:schemeClr val="lt1"/>
-          </a:fontRef>
-        </p:style>
-        <p:txBody>
-          <a:bodyPr rtlCol="0" anchor="ctr"/>
-          <a:p>
-            <a:pPr algn="ctr"/>
-            <a:r>
-              <a:rPr lang="zh-CN" altLang="en-US" sz="1400"/>
-              <a:t>标签</a:t>
-            </a:r>
-            <a:endParaRPr lang="zh-CN" altLang="en-US" sz="1400"/>
-          </a:p>
-        </p:txBody>
-      </p:sp>
-      <p:sp>
-        <p:nvSpPr>
-          <p:cNvPr id="27" name="文本框 26"/>
-          <p:cNvSpPr txBox="1"/>
-          <p:nvPr/>
-        </p:nvSpPr>
-        <p:spPr>
-          <a:xfrm>
-            <a:off x="5438775" y="4559300"/>
-            <a:ext cx="2646680" cy="922020"/>
-          </a:xfrm>
-          <a:prstGeom prst="rect">
-            <a:avLst/>
-          </a:prstGeom>
-          <a:noFill/>
-        </p:spPr>
-        <p:txBody>
-          <a:bodyPr wrap="square" rtlCol="0" anchor="t">
-            <a:spAutoFit/>
-          </a:bodyPr>
-          <a:p>
-            <a:r>
-              <a:rPr lang="zh-CN" altLang="en-US">
-                <a:latin typeface="宋体" panose="02010600030101010101" pitchFamily="2" charset="-122"/>
-                <a:ea typeface="宋体" panose="02010600030101010101" pitchFamily="2" charset="-122"/>
-                <a:cs typeface="宋体" panose="02010600030101010101" pitchFamily="2" charset="-122"/>
-              </a:rPr>
-              <a:t>K8s一般不直接创建Pod。 而是通过控制器和模版配置来管理和调度</a:t>
+          <a:p>
+            <a:r>
+              <a:rPr lang="en-US" altLang="zh-CN">
+                <a:latin typeface="宋体" panose="02010600030101010101" pitchFamily="2" charset="-122"/>
+                <a:ea typeface="宋体" panose="02010600030101010101" pitchFamily="2" charset="-122"/>
+                <a:cs typeface="宋体" panose="02010600030101010101" pitchFamily="2" charset="-122"/>
+                <a:sym typeface="+mn-ea"/>
+              </a:rPr>
+              <a:t>■Dashboard</a:t>
+            </a:r>
+            <a:r>
+              <a:rPr lang="zh-CN" altLang="en-US">
+                <a:latin typeface="宋体" panose="02010600030101010101" pitchFamily="2" charset="-122"/>
+                <a:ea typeface="宋体" panose="02010600030101010101" pitchFamily="2" charset="-122"/>
+                <a:cs typeface="宋体" panose="02010600030101010101" pitchFamily="2" charset="-122"/>
+                <a:sym typeface="+mn-ea"/>
+              </a:rPr>
+              <a:t>：可视化</a:t>
+            </a:r>
+            <a:r>
+              <a:rPr lang="en-US" altLang="zh-CN">
+                <a:latin typeface="宋体" panose="02010600030101010101" pitchFamily="2" charset="-122"/>
+                <a:ea typeface="宋体" panose="02010600030101010101" pitchFamily="2" charset="-122"/>
+                <a:cs typeface="宋体" panose="02010600030101010101" pitchFamily="2" charset="-122"/>
+                <a:sym typeface="+mn-ea"/>
+              </a:rPr>
+              <a:t>UI K8s</a:t>
+            </a:r>
+            <a:r>
+              <a:rPr lang="zh-CN" altLang="en-US">
+                <a:latin typeface="宋体" panose="02010600030101010101" pitchFamily="2" charset="-122"/>
+                <a:ea typeface="宋体" panose="02010600030101010101" pitchFamily="2" charset="-122"/>
+                <a:cs typeface="宋体" panose="02010600030101010101" pitchFamily="2" charset="-122"/>
+                <a:sym typeface="+mn-ea"/>
+              </a:rPr>
+              <a:t>集群面板</a:t>
             </a:r>
             <a:endParaRPr lang="zh-CN" altLang="en-US">
               <a:latin typeface="宋体" panose="02010600030101010101" pitchFamily="2" charset="-122"/>
               <a:ea typeface="宋体" panose="02010600030101010101" pitchFamily="2" charset="-122"/>
               <a:cs typeface="宋体" panose="02010600030101010101" pitchFamily="2" charset="-122"/>
+              <a:sym typeface="+mn-ea"/>
+            </a:endParaRPr>
+          </a:p>
+          <a:p>
+            <a:endParaRPr lang="zh-CN" altLang="en-US">
+              <a:latin typeface="宋体" panose="02010600030101010101" pitchFamily="2" charset="-122"/>
+              <a:ea typeface="宋体" panose="02010600030101010101" pitchFamily="2" charset="-122"/>
+              <a:cs typeface="宋体" panose="02010600030101010101" pitchFamily="2" charset="-122"/>
+              <a:sym typeface="+mn-ea"/>
+            </a:endParaRPr>
+          </a:p>
+          <a:p>
+            <a:r>
+              <a:rPr lang="en-US" altLang="zh-CN">
+                <a:latin typeface="宋体" panose="02010600030101010101" pitchFamily="2" charset="-122"/>
+                <a:ea typeface="宋体" panose="02010600030101010101" pitchFamily="2" charset="-122"/>
+                <a:cs typeface="宋体" panose="02010600030101010101" pitchFamily="2" charset="-122"/>
+                <a:sym typeface="+mn-ea"/>
+              </a:rPr>
+              <a:t>■</a:t>
+            </a:r>
+            <a:r>
+              <a:rPr lang="zh-CN" altLang="en-US">
+                <a:latin typeface="宋体" panose="02010600030101010101" pitchFamily="2" charset="-122"/>
+                <a:ea typeface="宋体" panose="02010600030101010101" pitchFamily="2" charset="-122"/>
+                <a:cs typeface="宋体" panose="02010600030101010101" pitchFamily="2" charset="-122"/>
+                <a:sym typeface="+mn-ea"/>
+              </a:rPr>
+              <a:t>容器资源监控系统：</a:t>
+            </a:r>
+            <a:r>
+              <a:rPr lang="en-US" altLang="zh-CN">
+                <a:latin typeface="宋体" panose="02010600030101010101" pitchFamily="2" charset="-122"/>
+                <a:ea typeface="宋体" panose="02010600030101010101" pitchFamily="2" charset="-122"/>
+                <a:cs typeface="宋体" panose="02010600030101010101" pitchFamily="2" charset="-122"/>
+                <a:sym typeface="+mn-ea"/>
+              </a:rPr>
+              <a:t> Metrics-Server</a:t>
+            </a:r>
+            <a:r>
+              <a:rPr lang="zh-CN" altLang="en-US">
+                <a:latin typeface="宋体" panose="02010600030101010101" pitchFamily="2" charset="-122"/>
+                <a:ea typeface="宋体" panose="02010600030101010101" pitchFamily="2" charset="-122"/>
+                <a:cs typeface="宋体" panose="02010600030101010101" pitchFamily="2" charset="-122"/>
+                <a:sym typeface="+mn-ea"/>
+              </a:rPr>
+              <a:t>、</a:t>
+            </a:r>
+            <a:r>
+              <a:rPr lang="en-US" altLang="zh-CN">
+                <a:solidFill>
+                  <a:srgbClr val="FF0000"/>
+                </a:solidFill>
+                <a:latin typeface="宋体" panose="02010600030101010101" pitchFamily="2" charset="-122"/>
+                <a:ea typeface="宋体" panose="02010600030101010101" pitchFamily="2" charset="-122"/>
+                <a:cs typeface="宋体" panose="02010600030101010101" pitchFamily="2" charset="-122"/>
+                <a:sym typeface="+mn-ea"/>
+              </a:rPr>
+              <a:t>Prometheus</a:t>
+            </a:r>
+            <a:r>
+              <a:rPr lang="zh-CN" altLang="en-US">
+                <a:latin typeface="宋体" panose="02010600030101010101" pitchFamily="2" charset="-122"/>
+                <a:ea typeface="宋体" panose="02010600030101010101" pitchFamily="2" charset="-122"/>
+                <a:cs typeface="宋体" panose="02010600030101010101" pitchFamily="2" charset="-122"/>
+                <a:sym typeface="+mn-ea"/>
+              </a:rPr>
+              <a:t>等</a:t>
+            </a:r>
+            <a:endParaRPr lang="zh-CN" altLang="en-US">
+              <a:latin typeface="宋体" panose="02010600030101010101" pitchFamily="2" charset="-122"/>
+              <a:ea typeface="宋体" panose="02010600030101010101" pitchFamily="2" charset="-122"/>
+              <a:cs typeface="宋体" panose="02010600030101010101" pitchFamily="2" charset="-122"/>
+              <a:sym typeface="+mn-ea"/>
+            </a:endParaRPr>
+          </a:p>
+          <a:p>
+            <a:endParaRPr lang="zh-CN" altLang="en-US">
+              <a:latin typeface="宋体" panose="02010600030101010101" pitchFamily="2" charset="-122"/>
+              <a:ea typeface="宋体" panose="02010600030101010101" pitchFamily="2" charset="-122"/>
+              <a:cs typeface="宋体" panose="02010600030101010101" pitchFamily="2" charset="-122"/>
+              <a:sym typeface="+mn-ea"/>
+            </a:endParaRPr>
+          </a:p>
+          <a:p>
+            <a:r>
+              <a:rPr lang="en-US" altLang="zh-CN">
+                <a:latin typeface="宋体" panose="02010600030101010101" pitchFamily="2" charset="-122"/>
+                <a:ea typeface="宋体" panose="02010600030101010101" pitchFamily="2" charset="-122"/>
+                <a:cs typeface="宋体" panose="02010600030101010101" pitchFamily="2" charset="-122"/>
+                <a:sym typeface="+mn-ea"/>
+              </a:rPr>
+              <a:t>■</a:t>
+            </a:r>
+            <a:r>
+              <a:rPr lang="zh-CN" altLang="en-US">
+                <a:latin typeface="宋体" panose="02010600030101010101" pitchFamily="2" charset="-122"/>
+                <a:ea typeface="宋体" panose="02010600030101010101" pitchFamily="2" charset="-122"/>
+                <a:cs typeface="宋体" panose="02010600030101010101" pitchFamily="2" charset="-122"/>
+                <a:sym typeface="+mn-ea"/>
+              </a:rPr>
+              <a:t>集群日志系统：</a:t>
+            </a:r>
+            <a:r>
+              <a:rPr lang="en-US" altLang="zh-CN">
+                <a:latin typeface="宋体" panose="02010600030101010101" pitchFamily="2" charset="-122"/>
+                <a:ea typeface="宋体" panose="02010600030101010101" pitchFamily="2" charset="-122"/>
+                <a:cs typeface="宋体" panose="02010600030101010101" pitchFamily="2" charset="-122"/>
+                <a:sym typeface="+mn-ea"/>
+              </a:rPr>
+              <a:t>ElasticSearch</a:t>
+            </a:r>
+            <a:r>
+              <a:rPr lang="zh-CN" altLang="en-US">
+                <a:latin typeface="宋体" panose="02010600030101010101" pitchFamily="2" charset="-122"/>
+                <a:ea typeface="宋体" panose="02010600030101010101" pitchFamily="2" charset="-122"/>
+                <a:cs typeface="宋体" panose="02010600030101010101" pitchFamily="2" charset="-122"/>
+                <a:sym typeface="+mn-ea"/>
+              </a:rPr>
+              <a:t>、</a:t>
+            </a:r>
+            <a:r>
+              <a:rPr lang="en-US" altLang="zh-CN">
+                <a:latin typeface="宋体" panose="02010600030101010101" pitchFamily="2" charset="-122"/>
+                <a:ea typeface="宋体" panose="02010600030101010101" pitchFamily="2" charset="-122"/>
+                <a:cs typeface="宋体" panose="02010600030101010101" pitchFamily="2" charset="-122"/>
+                <a:sym typeface="+mn-ea"/>
+              </a:rPr>
+              <a:t>Fluend/</a:t>
+            </a:r>
+            <a:r>
+              <a:rPr lang="en-US" altLang="zh-CN">
+                <a:latin typeface="宋体" panose="02010600030101010101" pitchFamily="2" charset="-122"/>
+                <a:ea typeface="宋体" panose="02010600030101010101" pitchFamily="2" charset="-122"/>
+                <a:cs typeface="宋体" panose="02010600030101010101" pitchFamily="2" charset="-122"/>
+                <a:sym typeface="+mn-ea"/>
+              </a:rPr>
+              <a:t>Logstash </a:t>
+            </a:r>
+            <a:r>
+              <a:rPr lang="zh-CN" altLang="en-US">
+                <a:latin typeface="宋体" panose="02010600030101010101" pitchFamily="2" charset="-122"/>
+                <a:ea typeface="宋体" panose="02010600030101010101" pitchFamily="2" charset="-122"/>
+                <a:cs typeface="宋体" panose="02010600030101010101" pitchFamily="2" charset="-122"/>
+                <a:sym typeface="+mn-ea"/>
+              </a:rPr>
+              <a:t>和</a:t>
+            </a:r>
+            <a:r>
+              <a:rPr lang="en-US" altLang="zh-CN">
+                <a:latin typeface="宋体" panose="02010600030101010101" pitchFamily="2" charset="-122"/>
+                <a:ea typeface="宋体" panose="02010600030101010101" pitchFamily="2" charset="-122"/>
+                <a:cs typeface="宋体" panose="02010600030101010101" pitchFamily="2" charset="-122"/>
+                <a:sym typeface="+mn-ea"/>
+              </a:rPr>
+              <a:t>Kibana</a:t>
+            </a:r>
+            <a:r>
+              <a:rPr lang="zh-CN" altLang="en-US">
+                <a:latin typeface="宋体" panose="02010600030101010101" pitchFamily="2" charset="-122"/>
+                <a:ea typeface="宋体" panose="02010600030101010101" pitchFamily="2" charset="-122"/>
+                <a:cs typeface="宋体" panose="02010600030101010101" pitchFamily="2" charset="-122"/>
+                <a:sym typeface="+mn-ea"/>
+              </a:rPr>
+              <a:t>（</a:t>
+            </a:r>
+            <a:r>
+              <a:rPr lang="en-US" altLang="zh-CN">
+                <a:latin typeface="宋体" panose="02010600030101010101" pitchFamily="2" charset="-122"/>
+                <a:ea typeface="宋体" panose="02010600030101010101" pitchFamily="2" charset="-122"/>
+                <a:cs typeface="宋体" panose="02010600030101010101" pitchFamily="2" charset="-122"/>
+                <a:sym typeface="+mn-ea"/>
+              </a:rPr>
+              <a:t>EFK/</a:t>
+            </a:r>
+            <a:r>
+              <a:rPr lang="en-US" altLang="zh-CN">
+                <a:solidFill>
+                  <a:srgbClr val="FF0000"/>
+                </a:solidFill>
+                <a:latin typeface="宋体" panose="02010600030101010101" pitchFamily="2" charset="-122"/>
+                <a:ea typeface="宋体" panose="02010600030101010101" pitchFamily="2" charset="-122"/>
+                <a:cs typeface="宋体" panose="02010600030101010101" pitchFamily="2" charset="-122"/>
+                <a:sym typeface="+mn-ea"/>
+              </a:rPr>
+              <a:t>ELK</a:t>
+            </a:r>
+            <a:r>
+              <a:rPr lang="zh-CN" altLang="en-US">
+                <a:latin typeface="宋体" panose="02010600030101010101" pitchFamily="2" charset="-122"/>
+                <a:ea typeface="宋体" panose="02010600030101010101" pitchFamily="2" charset="-122"/>
+                <a:cs typeface="宋体" panose="02010600030101010101" pitchFamily="2" charset="-122"/>
+                <a:sym typeface="+mn-ea"/>
+              </a:rPr>
+              <a:t>）</a:t>
+            </a:r>
+            <a:endParaRPr lang="zh-CN" altLang="en-US">
+              <a:latin typeface="宋体" panose="02010600030101010101" pitchFamily="2" charset="-122"/>
+              <a:ea typeface="宋体" panose="02010600030101010101" pitchFamily="2" charset="-122"/>
+              <a:cs typeface="宋体" panose="02010600030101010101" pitchFamily="2" charset="-122"/>
+              <a:sym typeface="+mn-ea"/>
+            </a:endParaRPr>
+          </a:p>
+          <a:p>
+            <a:endParaRPr lang="zh-CN" altLang="en-US">
+              <a:latin typeface="宋体" panose="02010600030101010101" pitchFamily="2" charset="-122"/>
+              <a:ea typeface="宋体" panose="02010600030101010101" pitchFamily="2" charset="-122"/>
+              <a:cs typeface="宋体" panose="02010600030101010101" pitchFamily="2" charset="-122"/>
+              <a:sym typeface="+mn-ea"/>
+            </a:endParaRPr>
+          </a:p>
+          <a:p>
+            <a:r>
+              <a:rPr lang="en-US" altLang="zh-CN">
+                <a:latin typeface="宋体" panose="02010600030101010101" pitchFamily="2" charset="-122"/>
+                <a:ea typeface="宋体" panose="02010600030101010101" pitchFamily="2" charset="-122"/>
+                <a:cs typeface="宋体" panose="02010600030101010101" pitchFamily="2" charset="-122"/>
+                <a:sym typeface="+mn-ea"/>
+              </a:rPr>
+              <a:t>■Ingress Controller</a:t>
+            </a:r>
+            <a:r>
+              <a:rPr lang="zh-CN" altLang="en-US">
+                <a:latin typeface="宋体" panose="02010600030101010101" pitchFamily="2" charset="-122"/>
+                <a:ea typeface="宋体" panose="02010600030101010101" pitchFamily="2" charset="-122"/>
+                <a:cs typeface="宋体" panose="02010600030101010101" pitchFamily="2" charset="-122"/>
+                <a:sym typeface="+mn-ea"/>
+              </a:rPr>
+              <a:t>：</a:t>
+            </a:r>
+            <a:r>
+              <a:rPr lang="en-US" altLang="zh-CN">
+                <a:latin typeface="宋体" panose="02010600030101010101" pitchFamily="2" charset="-122"/>
+                <a:ea typeface="宋体" panose="02010600030101010101" pitchFamily="2" charset="-122"/>
+                <a:cs typeface="宋体" panose="02010600030101010101" pitchFamily="2" charset="-122"/>
+                <a:sym typeface="+mn-ea"/>
+              </a:rPr>
+              <a:t>Ingress</a:t>
+            </a:r>
+            <a:r>
+              <a:rPr lang="zh-CN" altLang="en-US">
+                <a:latin typeface="宋体" panose="02010600030101010101" pitchFamily="2" charset="-122"/>
+                <a:ea typeface="宋体" panose="02010600030101010101" pitchFamily="2" charset="-122"/>
+                <a:cs typeface="宋体" panose="02010600030101010101" pitchFamily="2" charset="-122"/>
+                <a:sym typeface="+mn-ea"/>
+              </a:rPr>
+              <a:t>资源是</a:t>
+            </a:r>
+            <a:r>
+              <a:rPr lang="en-US" altLang="zh-CN">
+                <a:latin typeface="宋体" panose="02010600030101010101" pitchFamily="2" charset="-122"/>
+                <a:ea typeface="宋体" panose="02010600030101010101" pitchFamily="2" charset="-122"/>
+                <a:cs typeface="宋体" panose="02010600030101010101" pitchFamily="2" charset="-122"/>
+                <a:sym typeface="+mn-ea"/>
+              </a:rPr>
+              <a:t>k8s</a:t>
+            </a:r>
+            <a:r>
+              <a:rPr lang="zh-CN" altLang="en-US">
+                <a:latin typeface="宋体" panose="02010600030101010101" pitchFamily="2" charset="-122"/>
+                <a:ea typeface="宋体" panose="02010600030101010101" pitchFamily="2" charset="-122"/>
+                <a:cs typeface="宋体" panose="02010600030101010101" pitchFamily="2" charset="-122"/>
+                <a:sym typeface="+mn-ea"/>
+              </a:rPr>
+              <a:t>将集群外部</a:t>
+            </a:r>
+            <a:r>
+              <a:rPr lang="en-US" altLang="zh-CN">
+                <a:latin typeface="宋体" panose="02010600030101010101" pitchFamily="2" charset="-122"/>
+                <a:ea typeface="宋体" panose="02010600030101010101" pitchFamily="2" charset="-122"/>
+                <a:cs typeface="宋体" panose="02010600030101010101" pitchFamily="2" charset="-122"/>
+                <a:sym typeface="+mn-ea"/>
+              </a:rPr>
+              <a:t>HTTP/HTTPS</a:t>
+            </a:r>
+            <a:r>
+              <a:rPr lang="zh-CN" altLang="en-US">
+                <a:latin typeface="宋体" panose="02010600030101010101" pitchFamily="2" charset="-122"/>
+                <a:ea typeface="宋体" panose="02010600030101010101" pitchFamily="2" charset="-122"/>
+                <a:cs typeface="宋体" panose="02010600030101010101" pitchFamily="2" charset="-122"/>
+                <a:sym typeface="+mn-ea"/>
+              </a:rPr>
+              <a:t>流量引入到集群内部专用的资源类型，它仅用于控制流量的规则和配置的集合，其自身并不能进行</a:t>
+            </a:r>
+            <a:r>
+              <a:rPr lang="en-US" altLang="zh-CN">
+                <a:latin typeface="宋体" panose="02010600030101010101" pitchFamily="2" charset="-122"/>
+                <a:ea typeface="宋体" panose="02010600030101010101" pitchFamily="2" charset="-122"/>
+                <a:cs typeface="宋体" panose="02010600030101010101" pitchFamily="2" charset="-122"/>
+                <a:sym typeface="+mn-ea"/>
+              </a:rPr>
+              <a:t>“</a:t>
+            </a:r>
+            <a:r>
+              <a:rPr lang="zh-CN" altLang="en-US">
+                <a:latin typeface="宋体" panose="02010600030101010101" pitchFamily="2" charset="-122"/>
+                <a:ea typeface="宋体" panose="02010600030101010101" pitchFamily="2" charset="-122"/>
+                <a:cs typeface="宋体" panose="02010600030101010101" pitchFamily="2" charset="-122"/>
+                <a:sym typeface="+mn-ea"/>
+              </a:rPr>
+              <a:t>流量穿透</a:t>
+            </a:r>
+            <a:r>
+              <a:rPr lang="en-US" altLang="zh-CN">
+                <a:latin typeface="宋体" panose="02010600030101010101" pitchFamily="2" charset="-122"/>
+                <a:ea typeface="宋体" panose="02010600030101010101" pitchFamily="2" charset="-122"/>
+                <a:cs typeface="宋体" panose="02010600030101010101" pitchFamily="2" charset="-122"/>
+                <a:sym typeface="+mn-ea"/>
+              </a:rPr>
+              <a:t>”</a:t>
+            </a:r>
+            <a:r>
+              <a:rPr lang="zh-CN" altLang="en-US">
+                <a:latin typeface="宋体" panose="02010600030101010101" pitchFamily="2" charset="-122"/>
+                <a:ea typeface="宋体" panose="02010600030101010101" pitchFamily="2" charset="-122"/>
+                <a:cs typeface="宋体" panose="02010600030101010101" pitchFamily="2" charset="-122"/>
+                <a:sym typeface="+mn-ea"/>
+              </a:rPr>
+              <a:t>，要通过</a:t>
+            </a:r>
+            <a:r>
+              <a:rPr lang="en-US" altLang="zh-CN">
+                <a:latin typeface="宋体" panose="02010600030101010101" pitchFamily="2" charset="-122"/>
+                <a:ea typeface="宋体" panose="02010600030101010101" pitchFamily="2" charset="-122"/>
+                <a:cs typeface="宋体" panose="02010600030101010101" pitchFamily="2" charset="-122"/>
+                <a:sym typeface="+mn-ea"/>
+              </a:rPr>
+              <a:t>Ingress</a:t>
+            </a:r>
+            <a:r>
+              <a:rPr lang="zh-CN" altLang="en-US">
+                <a:latin typeface="宋体" panose="02010600030101010101" pitchFamily="2" charset="-122"/>
+                <a:ea typeface="宋体" panose="02010600030101010101" pitchFamily="2" charset="-122"/>
+                <a:cs typeface="宋体" panose="02010600030101010101" pitchFamily="2" charset="-122"/>
+                <a:sym typeface="+mn-ea"/>
+              </a:rPr>
+              <a:t>控制器发挥作用。</a:t>
+            </a:r>
+            <a:r>
+              <a:rPr lang="en-US" altLang="zh-CN">
+                <a:latin typeface="宋体" panose="02010600030101010101" pitchFamily="2" charset="-122"/>
+                <a:ea typeface="宋体" panose="02010600030101010101" pitchFamily="2" charset="-122"/>
+                <a:cs typeface="宋体" panose="02010600030101010101" pitchFamily="2" charset="-122"/>
+                <a:sym typeface="+mn-ea"/>
+              </a:rPr>
+              <a:t>Nginx</a:t>
+            </a:r>
+            <a:r>
+              <a:rPr lang="zh-CN" altLang="en-US">
+                <a:latin typeface="宋体" panose="02010600030101010101" pitchFamily="2" charset="-122"/>
+                <a:ea typeface="宋体" panose="02010600030101010101" pitchFamily="2" charset="-122"/>
+                <a:cs typeface="宋体" panose="02010600030101010101" pitchFamily="2" charset="-122"/>
+                <a:sym typeface="+mn-ea"/>
+              </a:rPr>
+              <a:t>、</a:t>
+            </a:r>
+            <a:r>
+              <a:rPr lang="en-US" altLang="zh-CN">
+                <a:latin typeface="宋体" panose="02010600030101010101" pitchFamily="2" charset="-122"/>
+                <a:ea typeface="宋体" panose="02010600030101010101" pitchFamily="2" charset="-122"/>
+                <a:cs typeface="宋体" panose="02010600030101010101" pitchFamily="2" charset="-122"/>
+                <a:sym typeface="+mn-ea"/>
+              </a:rPr>
+              <a:t>Traefik</a:t>
+            </a:r>
+            <a:r>
+              <a:rPr lang="zh-CN" altLang="en-US">
+                <a:latin typeface="宋体" panose="02010600030101010101" pitchFamily="2" charset="-122"/>
+                <a:ea typeface="宋体" panose="02010600030101010101" pitchFamily="2" charset="-122"/>
+                <a:cs typeface="宋体" panose="02010600030101010101" pitchFamily="2" charset="-122"/>
+                <a:sym typeface="+mn-ea"/>
+              </a:rPr>
+              <a:t>、</a:t>
+            </a:r>
+            <a:r>
+              <a:rPr lang="en-US" altLang="zh-CN">
+                <a:latin typeface="宋体" panose="02010600030101010101" pitchFamily="2" charset="-122"/>
+                <a:ea typeface="宋体" panose="02010600030101010101" pitchFamily="2" charset="-122"/>
+                <a:cs typeface="宋体" panose="02010600030101010101" pitchFamily="2" charset="-122"/>
+                <a:sym typeface="+mn-ea"/>
+              </a:rPr>
+              <a:t>Envoy</a:t>
+            </a:r>
+            <a:r>
+              <a:rPr lang="zh-CN" altLang="en-US">
+                <a:latin typeface="宋体" panose="02010600030101010101" pitchFamily="2" charset="-122"/>
+                <a:ea typeface="宋体" panose="02010600030101010101" pitchFamily="2" charset="-122"/>
+                <a:cs typeface="宋体" panose="02010600030101010101" pitchFamily="2" charset="-122"/>
+                <a:sym typeface="+mn-ea"/>
+              </a:rPr>
+              <a:t>、</a:t>
+            </a:r>
+            <a:r>
+              <a:rPr lang="en-US" altLang="zh-CN">
+                <a:latin typeface="宋体" panose="02010600030101010101" pitchFamily="2" charset="-122"/>
+                <a:ea typeface="宋体" panose="02010600030101010101" pitchFamily="2" charset="-122"/>
+                <a:cs typeface="宋体" panose="02010600030101010101" pitchFamily="2" charset="-122"/>
+                <a:sym typeface="+mn-ea"/>
+              </a:rPr>
+              <a:t>Gloo</a:t>
+            </a:r>
+            <a:r>
+              <a:rPr lang="zh-CN" altLang="en-US">
+                <a:latin typeface="宋体" panose="02010600030101010101" pitchFamily="2" charset="-122"/>
+                <a:ea typeface="宋体" panose="02010600030101010101" pitchFamily="2" charset="-122"/>
+                <a:cs typeface="宋体" panose="02010600030101010101" pitchFamily="2" charset="-122"/>
+                <a:sym typeface="+mn-ea"/>
+              </a:rPr>
+              <a:t>等等</a:t>
+            </a:r>
+            <a:endParaRPr lang="zh-CN" altLang="en-US">
+              <a:latin typeface="宋体" panose="02010600030101010101" pitchFamily="2" charset="-122"/>
+              <a:ea typeface="宋体" panose="02010600030101010101" pitchFamily="2" charset="-122"/>
+              <a:cs typeface="宋体" panose="02010600030101010101" pitchFamily="2" charset="-122"/>
+              <a:sym typeface="+mn-ea"/>
             </a:endParaRPr>
           </a:p>
         </p:txBody>
@@ -4870,6 +4619,686 @@
 </file>
 
 <file path=ppt/slides/slide12.xml><?xml version="1.0" encoding="utf-8"?>
+<p:sld xmlns:a="http://schemas.openxmlformats.org/drawingml/2006/main" xmlns:r="http://schemas.openxmlformats.org/officeDocument/2006/relationships" xmlns:p="http://schemas.openxmlformats.org/presentationml/2006/main">
+  <p:cSld>
+    <p:spTree>
+      <p:nvGrpSpPr>
+        <p:cNvPr id="1" name=""/>
+        <p:cNvGrpSpPr/>
+        <p:nvPr/>
+      </p:nvGrpSpPr>
+      <p:grpSpPr/>
+      <p:sp>
+        <p:nvSpPr>
+          <p:cNvPr id="4" name="文本框 3"/>
+          <p:cNvSpPr txBox="1"/>
+          <p:nvPr/>
+        </p:nvSpPr>
+        <p:spPr>
+          <a:xfrm>
+            <a:off x="2924175" y="718820"/>
+            <a:ext cx="5953125" cy="368300"/>
+          </a:xfrm>
+          <a:prstGeom prst="rect">
+            <a:avLst/>
+          </a:prstGeom>
+          <a:noFill/>
+        </p:spPr>
+        <p:txBody>
+          <a:bodyPr wrap="square" rtlCol="0">
+            <a:spAutoFit/>
+          </a:bodyPr>
+          <a:p>
+            <a:pPr algn="ctr"/>
+            <a:r>
+              <a:rPr lang="zh-CN" altLang="en-US">
+                <a:latin typeface="宋体" panose="02010600030101010101" pitchFamily="2" charset="-122"/>
+                <a:ea typeface="宋体" panose="02010600030101010101" pitchFamily="2" charset="-122"/>
+              </a:rPr>
+              <a:t>完整的容器编排系统</a:t>
+            </a:r>
+            <a:endParaRPr lang="zh-CN" altLang="en-US">
+              <a:latin typeface="宋体" panose="02010600030101010101" pitchFamily="2" charset="-122"/>
+              <a:ea typeface="宋体" panose="02010600030101010101" pitchFamily="2" charset="-122"/>
+            </a:endParaRPr>
+          </a:p>
+        </p:txBody>
+      </p:sp>
+      <p:sp>
+        <p:nvSpPr>
+          <p:cNvPr id="5" name="矩形 4"/>
+          <p:cNvSpPr/>
+          <p:nvPr/>
+        </p:nvSpPr>
+        <p:spPr>
+          <a:xfrm>
+            <a:off x="1813560" y="2004695"/>
+            <a:ext cx="1513840" cy="485775"/>
+          </a:xfrm>
+          <a:prstGeom prst="rect">
+            <a:avLst/>
+          </a:prstGeom>
+        </p:spPr>
+        <p:style>
+          <a:lnRef idx="2">
+            <a:schemeClr val="accent1">
+              <a:shade val="50000"/>
+            </a:schemeClr>
+          </a:lnRef>
+          <a:fillRef idx="1">
+            <a:schemeClr val="accent1"/>
+          </a:fillRef>
+          <a:effectRef idx="0">
+            <a:schemeClr val="accent1"/>
+          </a:effectRef>
+          <a:fontRef idx="minor">
+            <a:schemeClr val="lt1"/>
+          </a:fontRef>
+        </p:style>
+        <p:txBody>
+          <a:bodyPr rtlCol="0" anchor="ctr"/>
+          <a:p>
+            <a:pPr algn="ctr"/>
+            <a:r>
+              <a:rPr lang="zh-CN" altLang="en-US"/>
+              <a:t>负载均衡</a:t>
+            </a:r>
+            <a:r>
+              <a:rPr lang="zh-CN" altLang="en-US"/>
+              <a:t>器</a:t>
+            </a:r>
+            <a:endParaRPr lang="zh-CN" altLang="en-US"/>
+          </a:p>
+        </p:txBody>
+      </p:sp>
+      <p:sp>
+        <p:nvSpPr>
+          <p:cNvPr id="6" name="矩形 5"/>
+          <p:cNvSpPr/>
+          <p:nvPr/>
+        </p:nvSpPr>
+        <p:spPr>
+          <a:xfrm>
+            <a:off x="1813560" y="2693035"/>
+            <a:ext cx="704215" cy="3239135"/>
+          </a:xfrm>
+          <a:prstGeom prst="rect">
+            <a:avLst/>
+          </a:prstGeom>
+        </p:spPr>
+        <p:style>
+          <a:lnRef idx="2">
+            <a:schemeClr val="accent1">
+              <a:shade val="50000"/>
+            </a:schemeClr>
+          </a:lnRef>
+          <a:fillRef idx="1">
+            <a:schemeClr val="accent1"/>
+          </a:fillRef>
+          <a:effectRef idx="0">
+            <a:schemeClr val="accent1"/>
+          </a:effectRef>
+          <a:fontRef idx="minor">
+            <a:schemeClr val="lt1"/>
+          </a:fontRef>
+        </p:style>
+        <p:txBody>
+          <a:bodyPr rtlCol="0" anchor="ctr"/>
+          <a:p>
+            <a:pPr algn="ctr"/>
+            <a:r>
+              <a:rPr lang="zh-CN" altLang="en-US"/>
+              <a:t>监控</a:t>
+            </a:r>
+            <a:endParaRPr lang="zh-CN" altLang="en-US"/>
+          </a:p>
+        </p:txBody>
+      </p:sp>
+      <p:sp>
+        <p:nvSpPr>
+          <p:cNvPr id="7" name="矩形 6"/>
+          <p:cNvSpPr/>
+          <p:nvPr/>
+        </p:nvSpPr>
+        <p:spPr>
+          <a:xfrm>
+            <a:off x="3910330" y="2004695"/>
+            <a:ext cx="1513840" cy="485775"/>
+          </a:xfrm>
+          <a:prstGeom prst="rect">
+            <a:avLst/>
+          </a:prstGeom>
+        </p:spPr>
+        <p:style>
+          <a:lnRef idx="2">
+            <a:schemeClr val="accent1">
+              <a:shade val="50000"/>
+            </a:schemeClr>
+          </a:lnRef>
+          <a:fillRef idx="1">
+            <a:schemeClr val="accent1"/>
+          </a:fillRef>
+          <a:effectRef idx="0">
+            <a:schemeClr val="accent1"/>
+          </a:effectRef>
+          <a:fontRef idx="minor">
+            <a:schemeClr val="lt1"/>
+          </a:fontRef>
+        </p:style>
+        <p:txBody>
+          <a:bodyPr rtlCol="0" anchor="ctr"/>
+          <a:p>
+            <a:pPr algn="ctr"/>
+            <a:r>
+              <a:rPr lang="zh-CN" altLang="en-US"/>
+              <a:t>工作</a:t>
+            </a:r>
+            <a:r>
+              <a:rPr lang="zh-CN" altLang="en-US"/>
+              <a:t>仓库</a:t>
+            </a:r>
+            <a:endParaRPr lang="zh-CN" altLang="en-US"/>
+          </a:p>
+        </p:txBody>
+      </p:sp>
+      <p:sp>
+        <p:nvSpPr>
+          <p:cNvPr id="8" name="矩形 7"/>
+          <p:cNvSpPr/>
+          <p:nvPr/>
+        </p:nvSpPr>
+        <p:spPr>
+          <a:xfrm>
+            <a:off x="6134735" y="2004695"/>
+            <a:ext cx="1513840" cy="485775"/>
+          </a:xfrm>
+          <a:prstGeom prst="rect">
+            <a:avLst/>
+          </a:prstGeom>
+        </p:spPr>
+        <p:style>
+          <a:lnRef idx="2">
+            <a:schemeClr val="accent1">
+              <a:shade val="50000"/>
+            </a:schemeClr>
+          </a:lnRef>
+          <a:fillRef idx="1">
+            <a:schemeClr val="accent1"/>
+          </a:fillRef>
+          <a:effectRef idx="0">
+            <a:schemeClr val="accent1"/>
+          </a:effectRef>
+          <a:fontRef idx="minor">
+            <a:schemeClr val="lt1"/>
+          </a:fontRef>
+        </p:style>
+        <p:txBody>
+          <a:bodyPr rtlCol="0" anchor="ctr"/>
+          <a:p>
+            <a:pPr algn="ctr"/>
+            <a:r>
+              <a:rPr lang="zh-CN" altLang="en-US"/>
+              <a:t>自动</a:t>
+            </a:r>
+            <a:r>
+              <a:rPr lang="zh-CN" altLang="en-US"/>
+              <a:t>构建</a:t>
+            </a:r>
+            <a:endParaRPr lang="zh-CN" altLang="en-US"/>
+          </a:p>
+        </p:txBody>
+      </p:sp>
+      <p:sp>
+        <p:nvSpPr>
+          <p:cNvPr id="9" name="矩形 8"/>
+          <p:cNvSpPr/>
+          <p:nvPr/>
+        </p:nvSpPr>
+        <p:spPr>
+          <a:xfrm>
+            <a:off x="8359140" y="2004695"/>
+            <a:ext cx="1513840" cy="485775"/>
+          </a:xfrm>
+          <a:prstGeom prst="rect">
+            <a:avLst/>
+          </a:prstGeom>
+        </p:spPr>
+        <p:style>
+          <a:lnRef idx="2">
+            <a:schemeClr val="accent1">
+              <a:shade val="50000"/>
+            </a:schemeClr>
+          </a:lnRef>
+          <a:fillRef idx="1">
+            <a:schemeClr val="accent1"/>
+          </a:fillRef>
+          <a:effectRef idx="0">
+            <a:schemeClr val="accent1"/>
+          </a:effectRef>
+          <a:fontRef idx="minor">
+            <a:schemeClr val="lt1"/>
+          </a:fontRef>
+        </p:style>
+        <p:txBody>
+          <a:bodyPr rtlCol="0" anchor="ctr"/>
+          <a:p>
+            <a:pPr algn="ctr"/>
+            <a:r>
+              <a:rPr lang="zh-CN" altLang="en-US"/>
+              <a:t>自动</a:t>
+            </a:r>
+            <a:r>
+              <a:rPr lang="zh-CN" altLang="en-US"/>
+              <a:t>发布</a:t>
+            </a:r>
+            <a:endParaRPr lang="zh-CN" altLang="en-US"/>
+          </a:p>
+        </p:txBody>
+      </p:sp>
+      <p:sp>
+        <p:nvSpPr>
+          <p:cNvPr id="10" name="矩形 9"/>
+          <p:cNvSpPr/>
+          <p:nvPr/>
+        </p:nvSpPr>
+        <p:spPr>
+          <a:xfrm>
+            <a:off x="2759075" y="2693035"/>
+            <a:ext cx="695325" cy="3239135"/>
+          </a:xfrm>
+          <a:prstGeom prst="rect">
+            <a:avLst/>
+          </a:prstGeom>
+        </p:spPr>
+        <p:style>
+          <a:lnRef idx="2">
+            <a:schemeClr val="accent1">
+              <a:shade val="50000"/>
+            </a:schemeClr>
+          </a:lnRef>
+          <a:fillRef idx="1">
+            <a:schemeClr val="accent1"/>
+          </a:fillRef>
+          <a:effectRef idx="0">
+            <a:schemeClr val="accent1"/>
+          </a:effectRef>
+          <a:fontRef idx="minor">
+            <a:schemeClr val="lt1"/>
+          </a:fontRef>
+        </p:style>
+        <p:txBody>
+          <a:bodyPr rtlCol="0" anchor="ctr"/>
+          <a:p>
+            <a:pPr algn="ctr"/>
+            <a:r>
+              <a:rPr lang="zh-CN" altLang="en-US"/>
+              <a:t>日志</a:t>
+            </a:r>
+            <a:endParaRPr lang="zh-CN" altLang="en-US"/>
+          </a:p>
+        </p:txBody>
+      </p:sp>
+      <p:sp>
+        <p:nvSpPr>
+          <p:cNvPr id="11" name="矩形 10"/>
+          <p:cNvSpPr/>
+          <p:nvPr/>
+        </p:nvSpPr>
+        <p:spPr>
+          <a:xfrm>
+            <a:off x="3695700" y="5274310"/>
+            <a:ext cx="5238115" cy="657860"/>
+          </a:xfrm>
+          <a:prstGeom prst="rect">
+            <a:avLst/>
+          </a:prstGeom>
+        </p:spPr>
+        <p:style>
+          <a:lnRef idx="2">
+            <a:schemeClr val="accent1">
+              <a:shade val="50000"/>
+            </a:schemeClr>
+          </a:lnRef>
+          <a:fillRef idx="1">
+            <a:schemeClr val="accent1"/>
+          </a:fillRef>
+          <a:effectRef idx="0">
+            <a:schemeClr val="accent1"/>
+          </a:effectRef>
+          <a:fontRef idx="minor">
+            <a:schemeClr val="lt1"/>
+          </a:fontRef>
+        </p:style>
+        <p:txBody>
+          <a:bodyPr rtlCol="0" anchor="ctr"/>
+          <a:p>
+            <a:pPr algn="ctr"/>
+            <a:r>
+              <a:rPr lang="zh-CN" altLang="en-US"/>
+              <a:t>核心基础设施</a:t>
+            </a:r>
+            <a:br>
+              <a:rPr lang="zh-CN" altLang="en-US"/>
+            </a:br>
+            <a:r>
+              <a:rPr lang="zh-CN" altLang="en-US"/>
+              <a:t>物理机</a:t>
+            </a:r>
+            <a:r>
+              <a:rPr lang="en-US" altLang="zh-CN"/>
+              <a:t>/</a:t>
+            </a:r>
+            <a:r>
+              <a:rPr lang="zh-CN" altLang="en-US"/>
+              <a:t>虚拟机</a:t>
+            </a:r>
+            <a:r>
+              <a:rPr lang="en-US" altLang="zh-CN"/>
+              <a:t>/</a:t>
+            </a:r>
+            <a:r>
+              <a:rPr lang="zh-CN" altLang="en-US"/>
+              <a:t>公有云</a:t>
+            </a:r>
+            <a:r>
+              <a:rPr lang="en-US" altLang="zh-CN"/>
+              <a:t>/</a:t>
+            </a:r>
+            <a:r>
+              <a:rPr lang="zh-CN" altLang="en-US"/>
+              <a:t>私有云</a:t>
+            </a:r>
+            <a:endParaRPr lang="zh-CN" altLang="en-US"/>
+          </a:p>
+        </p:txBody>
+      </p:sp>
+      <p:sp>
+        <p:nvSpPr>
+          <p:cNvPr id="12" name="矩形 11"/>
+          <p:cNvSpPr/>
+          <p:nvPr/>
+        </p:nvSpPr>
+        <p:spPr>
+          <a:xfrm>
+            <a:off x="3695700" y="4455160"/>
+            <a:ext cx="2301875" cy="628650"/>
+          </a:xfrm>
+          <a:prstGeom prst="rect">
+            <a:avLst/>
+          </a:prstGeom>
+        </p:spPr>
+        <p:style>
+          <a:lnRef idx="2">
+            <a:schemeClr val="accent1">
+              <a:shade val="50000"/>
+            </a:schemeClr>
+          </a:lnRef>
+          <a:fillRef idx="1">
+            <a:schemeClr val="accent1"/>
+          </a:fillRef>
+          <a:effectRef idx="0">
+            <a:schemeClr val="accent1"/>
+          </a:effectRef>
+          <a:fontRef idx="minor">
+            <a:schemeClr val="lt1"/>
+          </a:fontRef>
+        </p:style>
+        <p:txBody>
+          <a:bodyPr rtlCol="0" anchor="ctr"/>
+          <a:p>
+            <a:pPr algn="ctr"/>
+            <a:r>
+              <a:rPr lang="zh-CN" altLang="en-US"/>
+              <a:t>网络</a:t>
+            </a:r>
+            <a:endParaRPr lang="zh-CN" altLang="en-US"/>
+          </a:p>
+        </p:txBody>
+      </p:sp>
+      <p:sp>
+        <p:nvSpPr>
+          <p:cNvPr id="14" name="矩形 13"/>
+          <p:cNvSpPr/>
+          <p:nvPr/>
+        </p:nvSpPr>
+        <p:spPr>
+          <a:xfrm>
+            <a:off x="6631940" y="4455160"/>
+            <a:ext cx="2301875" cy="628650"/>
+          </a:xfrm>
+          <a:prstGeom prst="rect">
+            <a:avLst/>
+          </a:prstGeom>
+        </p:spPr>
+        <p:style>
+          <a:lnRef idx="2">
+            <a:schemeClr val="accent1">
+              <a:shade val="50000"/>
+            </a:schemeClr>
+          </a:lnRef>
+          <a:fillRef idx="1">
+            <a:schemeClr val="accent1"/>
+          </a:fillRef>
+          <a:effectRef idx="0">
+            <a:schemeClr val="accent1"/>
+          </a:effectRef>
+          <a:fontRef idx="minor">
+            <a:schemeClr val="lt1"/>
+          </a:fontRef>
+        </p:style>
+        <p:txBody>
+          <a:bodyPr rtlCol="0" anchor="ctr"/>
+          <a:p>
+            <a:pPr algn="ctr"/>
+            <a:r>
+              <a:rPr lang="zh-CN" altLang="en-US"/>
+              <a:t>存储</a:t>
+            </a:r>
+            <a:endParaRPr lang="zh-CN" altLang="en-US"/>
+          </a:p>
+        </p:txBody>
+      </p:sp>
+      <p:sp>
+        <p:nvSpPr>
+          <p:cNvPr id="15" name="矩形 14"/>
+          <p:cNvSpPr/>
+          <p:nvPr/>
+        </p:nvSpPr>
+        <p:spPr>
+          <a:xfrm>
+            <a:off x="3695700" y="3553460"/>
+            <a:ext cx="5238115" cy="657860"/>
+          </a:xfrm>
+          <a:prstGeom prst="rect">
+            <a:avLst/>
+          </a:prstGeom>
+        </p:spPr>
+        <p:style>
+          <a:lnRef idx="2">
+            <a:schemeClr val="accent1">
+              <a:shade val="50000"/>
+            </a:schemeClr>
+          </a:lnRef>
+          <a:fillRef idx="1">
+            <a:schemeClr val="accent1"/>
+          </a:fillRef>
+          <a:effectRef idx="0">
+            <a:schemeClr val="accent1"/>
+          </a:effectRef>
+          <a:fontRef idx="minor">
+            <a:schemeClr val="lt1"/>
+          </a:fontRef>
+        </p:style>
+        <p:txBody>
+          <a:bodyPr rtlCol="0" anchor="ctr"/>
+          <a:p>
+            <a:pPr algn="ctr"/>
+            <a:r>
+              <a:rPr lang="en-US" altLang="zh-CN"/>
+              <a:t>Kubernetes</a:t>
+            </a:r>
+            <a:r>
+              <a:rPr lang="zh-CN" altLang="en-US"/>
+              <a:t>集群</a:t>
+            </a:r>
+            <a:endParaRPr lang="zh-CN" altLang="en-US"/>
+          </a:p>
+        </p:txBody>
+      </p:sp>
+      <p:sp>
+        <p:nvSpPr>
+          <p:cNvPr id="16" name="矩形 15"/>
+          <p:cNvSpPr/>
+          <p:nvPr/>
+        </p:nvSpPr>
+        <p:spPr>
+          <a:xfrm>
+            <a:off x="3695700" y="2693035"/>
+            <a:ext cx="5238115" cy="657860"/>
+          </a:xfrm>
+          <a:prstGeom prst="rect">
+            <a:avLst/>
+          </a:prstGeom>
+        </p:spPr>
+        <p:style>
+          <a:lnRef idx="2">
+            <a:schemeClr val="accent1">
+              <a:shade val="50000"/>
+            </a:schemeClr>
+          </a:lnRef>
+          <a:fillRef idx="1">
+            <a:schemeClr val="accent1"/>
+          </a:fillRef>
+          <a:effectRef idx="0">
+            <a:schemeClr val="accent1"/>
+          </a:effectRef>
+          <a:fontRef idx="minor">
+            <a:schemeClr val="lt1"/>
+          </a:fontRef>
+        </p:style>
+        <p:txBody>
+          <a:bodyPr rtlCol="0" anchor="ctr"/>
+          <a:p>
+            <a:pPr algn="ctr"/>
+            <a:r>
+              <a:rPr lang="zh-CN" altLang="en-US"/>
+              <a:t>容器化工作</a:t>
+            </a:r>
+            <a:r>
+              <a:rPr lang="zh-CN" altLang="en-US"/>
+              <a:t>负载</a:t>
+            </a:r>
+            <a:endParaRPr lang="zh-CN" altLang="en-US"/>
+          </a:p>
+        </p:txBody>
+      </p:sp>
+      <p:sp>
+        <p:nvSpPr>
+          <p:cNvPr id="17" name="矩形 16"/>
+          <p:cNvSpPr/>
+          <p:nvPr/>
+        </p:nvSpPr>
+        <p:spPr>
+          <a:xfrm>
+            <a:off x="9258300" y="2693035"/>
+            <a:ext cx="676910" cy="1518285"/>
+          </a:xfrm>
+          <a:prstGeom prst="rect">
+            <a:avLst/>
+          </a:prstGeom>
+        </p:spPr>
+        <p:style>
+          <a:lnRef idx="2">
+            <a:schemeClr val="accent1">
+              <a:shade val="50000"/>
+            </a:schemeClr>
+          </a:lnRef>
+          <a:fillRef idx="1">
+            <a:schemeClr val="accent1"/>
+          </a:fillRef>
+          <a:effectRef idx="0">
+            <a:schemeClr val="accent1"/>
+          </a:effectRef>
+          <a:fontRef idx="minor">
+            <a:schemeClr val="lt1"/>
+          </a:fontRef>
+        </p:style>
+        <p:txBody>
+          <a:bodyPr rtlCol="0" anchor="ctr"/>
+          <a:p>
+            <a:pPr algn="ctr"/>
+            <a:r>
+              <a:rPr lang="zh-CN" altLang="en-US"/>
+              <a:t>镜像</a:t>
+            </a:r>
+            <a:r>
+              <a:rPr lang="zh-CN" altLang="en-US"/>
+              <a:t>仓库</a:t>
+            </a:r>
+            <a:endParaRPr lang="zh-CN" altLang="en-US"/>
+          </a:p>
+        </p:txBody>
+      </p:sp>
+      <p:sp>
+        <p:nvSpPr>
+          <p:cNvPr id="18" name="矩形 17"/>
+          <p:cNvSpPr/>
+          <p:nvPr/>
+        </p:nvSpPr>
+        <p:spPr>
+          <a:xfrm>
+            <a:off x="9258300" y="4413885"/>
+            <a:ext cx="676910" cy="1518285"/>
+          </a:xfrm>
+          <a:prstGeom prst="rect">
+            <a:avLst/>
+          </a:prstGeom>
+        </p:spPr>
+        <p:style>
+          <a:lnRef idx="2">
+            <a:schemeClr val="accent1">
+              <a:shade val="50000"/>
+            </a:schemeClr>
+          </a:lnRef>
+          <a:fillRef idx="1">
+            <a:schemeClr val="accent1"/>
+          </a:fillRef>
+          <a:effectRef idx="0">
+            <a:schemeClr val="accent1"/>
+          </a:effectRef>
+          <a:fontRef idx="minor">
+            <a:schemeClr val="lt1"/>
+          </a:fontRef>
+        </p:style>
+        <p:txBody>
+          <a:bodyPr rtlCol="0" anchor="ctr"/>
+          <a:p>
+            <a:pPr algn="ctr"/>
+            <a:r>
+              <a:rPr lang="zh-CN" altLang="en-US"/>
+              <a:t>配置</a:t>
+            </a:r>
+            <a:r>
+              <a:rPr lang="en-US" altLang="zh-CN"/>
+              <a:t>/</a:t>
+            </a:r>
+            <a:r>
+              <a:rPr lang="zh-CN" altLang="en-US"/>
+              <a:t>预配</a:t>
+            </a:r>
+            <a:endParaRPr lang="zh-CN" altLang="en-US"/>
+          </a:p>
+        </p:txBody>
+      </p:sp>
+    </p:spTree>
+  </p:cSld>
+  <p:clrMapOvr>
+    <a:masterClrMapping/>
+  </p:clrMapOvr>
+</p:sld>
+</file>
+
+<file path=ppt/slides/slide13.xml><?xml version="1.0" encoding="utf-8"?>
 <p:sld xmlns:a="http://schemas.openxmlformats.org/drawingml/2006/main" xmlns:r="http://schemas.openxmlformats.org/officeDocument/2006/relationships" xmlns:p="http://schemas.openxmlformats.org/presentationml/2006/main">
   <p:cSld>
     <p:spTree>
@@ -6896,7 +7325,7 @@
 </p:sld>
 </file>
 
-<file path=ppt/slides/slide13.xml><?xml version="1.0" encoding="utf-8"?>
+<file path=ppt/slides/slide14.xml><?xml version="1.0" encoding="utf-8"?>
 <p:sld xmlns:a="http://schemas.openxmlformats.org/drawingml/2006/main" xmlns:r="http://schemas.openxmlformats.org/officeDocument/2006/relationships" xmlns:p="http://schemas.openxmlformats.org/presentationml/2006/main">
   <p:cSld>
     <p:spTree>
@@ -8350,7 +8779,7 @@
 </p:sld>
 </file>
 
-<file path=ppt/slides/slide14.xml><?xml version="1.0" encoding="utf-8"?>
+<file path=ppt/slides/slide15.xml><?xml version="1.0" encoding="utf-8"?>
 <p:sld xmlns:a="http://schemas.openxmlformats.org/drawingml/2006/main" xmlns:r="http://schemas.openxmlformats.org/officeDocument/2006/relationships" xmlns:p="http://schemas.openxmlformats.org/presentationml/2006/main">
   <p:cSld>
     <p:spTree>
@@ -8423,10 +8852,24 @@
                 <a:ea typeface="宋体" panose="02010600030101010101" pitchFamily="2" charset="-122"/>
                 <a:cs typeface="宋体" panose="02010600030101010101" pitchFamily="2" charset="-122"/>
               </a:rPr>
-              <a:t>用户向</a:t>
+              <a:t>用户</a:t>
+            </a:r>
+            <a:r>
+              <a:rPr lang="zh-CN" altLang="en-US">
+                <a:solidFill>
+                  <a:srgbClr val="FF0000"/>
+                </a:solidFill>
+                <a:latin typeface="宋体" panose="02010600030101010101" pitchFamily="2" charset="-122"/>
+                <a:ea typeface="宋体" panose="02010600030101010101" pitchFamily="2" charset="-122"/>
+                <a:cs typeface="宋体" panose="02010600030101010101" pitchFamily="2" charset="-122"/>
+              </a:rPr>
+              <a:t>向</a:t>
             </a:r>
             <a:r>
               <a:rPr lang="en-US" altLang="zh-CN">
+                <a:solidFill>
+                  <a:srgbClr val="FF0000"/>
+                </a:solidFill>
                 <a:latin typeface="宋体" panose="02010600030101010101" pitchFamily="2" charset="-122"/>
                 <a:ea typeface="宋体" panose="02010600030101010101" pitchFamily="2" charset="-122"/>
                 <a:cs typeface="宋体" panose="02010600030101010101" pitchFamily="2" charset="-122"/>
@@ -8435,11 +8878,22 @@
             </a:r>
             <a:r>
               <a:rPr lang="zh-CN" altLang="en-US">
-                <a:latin typeface="宋体" panose="02010600030101010101" pitchFamily="2" charset="-122"/>
-                <a:ea typeface="宋体" panose="02010600030101010101" pitchFamily="2" charset="-122"/>
-                <a:cs typeface="宋体" panose="02010600030101010101" pitchFamily="2" charset="-122"/>
-              </a:rPr>
-              <a:t>请求创建一个</a:t>
+                <a:solidFill>
+                  <a:srgbClr val="FF0000"/>
+                </a:solidFill>
+                <a:latin typeface="宋体" panose="02010600030101010101" pitchFamily="2" charset="-122"/>
+                <a:ea typeface="宋体" panose="02010600030101010101" pitchFamily="2" charset="-122"/>
+                <a:cs typeface="宋体" panose="02010600030101010101" pitchFamily="2" charset="-122"/>
+              </a:rPr>
+              <a:t>请求</a:t>
+            </a:r>
+            <a:r>
+              <a:rPr lang="zh-CN" altLang="en-US">
+                <a:latin typeface="宋体" panose="02010600030101010101" pitchFamily="2" charset="-122"/>
+                <a:ea typeface="宋体" panose="02010600030101010101" pitchFamily="2" charset="-122"/>
+                <a:cs typeface="宋体" panose="02010600030101010101" pitchFamily="2" charset="-122"/>
+              </a:rPr>
+              <a:t>创建一个</a:t>
             </a:r>
             <a:r>
               <a:rPr lang="en-US" altLang="zh-CN">
@@ -8455,7 +8909,26 @@
                 <a:ea typeface="宋体" panose="02010600030101010101" pitchFamily="2" charset="-122"/>
                 <a:cs typeface="宋体" panose="02010600030101010101" pitchFamily="2" charset="-122"/>
               </a:rPr>
-              <a:t>控制器对象，由控制器根据配置的</a:t>
+              <a:t>控制器对象，由</a:t>
+            </a:r>
+            <a:r>
+              <a:rPr lang="zh-CN" altLang="en-US">
+                <a:solidFill>
+                  <a:srgbClr val="FF0000"/>
+                </a:solidFill>
+                <a:latin typeface="宋体" panose="02010600030101010101" pitchFamily="2" charset="-122"/>
+                <a:ea typeface="宋体" panose="02010600030101010101" pitchFamily="2" charset="-122"/>
+                <a:cs typeface="宋体" panose="02010600030101010101" pitchFamily="2" charset="-122"/>
+              </a:rPr>
+              <a:t>控制器</a:t>
+            </a:r>
+            <a:r>
+              <a:rPr lang="zh-CN" altLang="en-US">
+                <a:latin typeface="宋体" panose="02010600030101010101" pitchFamily="2" charset="-122"/>
+                <a:ea typeface="宋体" panose="02010600030101010101" pitchFamily="2" charset="-122"/>
+                <a:cs typeface="宋体" panose="02010600030101010101" pitchFamily="2" charset="-122"/>
+              </a:rPr>
+              <a:t>根据配置的</a:t>
             </a:r>
             <a:r>
               <a:rPr lang="en-US" altLang="zh-CN">
@@ -8471,10 +8944,24 @@
                 <a:ea typeface="宋体" panose="02010600030101010101" pitchFamily="2" charset="-122"/>
                 <a:cs typeface="宋体" panose="02010600030101010101" pitchFamily="2" charset="-122"/>
               </a:rPr>
-              <a:t>模板向</a:t>
+              <a:t>模板</a:t>
+            </a:r>
+            <a:r>
+              <a:rPr lang="zh-CN" altLang="en-US">
+                <a:solidFill>
+                  <a:srgbClr val="FF0000"/>
+                </a:solidFill>
+                <a:latin typeface="宋体" panose="02010600030101010101" pitchFamily="2" charset="-122"/>
+                <a:ea typeface="宋体" panose="02010600030101010101" pitchFamily="2" charset="-122"/>
+                <a:cs typeface="宋体" panose="02010600030101010101" pitchFamily="2" charset="-122"/>
+              </a:rPr>
+              <a:t>向</a:t>
             </a:r>
             <a:r>
               <a:rPr lang="en-US" altLang="zh-CN">
+                <a:solidFill>
+                  <a:srgbClr val="FF0000"/>
+                </a:solidFill>
                 <a:latin typeface="宋体" panose="02010600030101010101" pitchFamily="2" charset="-122"/>
                 <a:ea typeface="宋体" panose="02010600030101010101" pitchFamily="2" charset="-122"/>
                 <a:cs typeface="宋体" panose="02010600030101010101" pitchFamily="2" charset="-122"/>
@@ -8483,14 +8970,28 @@
             </a:r>
             <a:r>
               <a:rPr lang="zh-CN" altLang="en-US">
-                <a:latin typeface="宋体" panose="02010600030101010101" pitchFamily="2" charset="-122"/>
-                <a:ea typeface="宋体" panose="02010600030101010101" pitchFamily="2" charset="-122"/>
-                <a:cs typeface="宋体" panose="02010600030101010101" pitchFamily="2" charset="-122"/>
-              </a:rPr>
-              <a:t>请求创建出一定数量的</a:t>
+                <a:solidFill>
+                  <a:srgbClr val="FF0000"/>
+                </a:solidFill>
+                <a:latin typeface="宋体" panose="02010600030101010101" pitchFamily="2" charset="-122"/>
+                <a:ea typeface="宋体" panose="02010600030101010101" pitchFamily="2" charset="-122"/>
+                <a:cs typeface="宋体" panose="02010600030101010101" pitchFamily="2" charset="-122"/>
+              </a:rPr>
+              <a:t>请求创建</a:t>
+            </a:r>
+            <a:r>
+              <a:rPr lang="zh-CN" altLang="en-US">
+                <a:latin typeface="宋体" panose="02010600030101010101" pitchFamily="2" charset="-122"/>
+                <a:ea typeface="宋体" panose="02010600030101010101" pitchFamily="2" charset="-122"/>
+                <a:cs typeface="宋体" panose="02010600030101010101" pitchFamily="2" charset="-122"/>
+              </a:rPr>
+              <a:t>出一定数量的</a:t>
             </a:r>
             <a:r>
               <a:rPr lang="en-US" altLang="zh-CN">
+                <a:solidFill>
+                  <a:srgbClr val="FF0000"/>
+                </a:solidFill>
                 <a:latin typeface="宋体" panose="02010600030101010101" pitchFamily="2" charset="-122"/>
                 <a:ea typeface="宋体" panose="02010600030101010101" pitchFamily="2" charset="-122"/>
                 <a:cs typeface="宋体" panose="02010600030101010101" pitchFamily="2" charset="-122"/>
@@ -8499,11 +9000,22 @@
             </a:r>
             <a:r>
               <a:rPr lang="zh-CN" altLang="en-US">
-                <a:latin typeface="宋体" panose="02010600030101010101" pitchFamily="2" charset="-122"/>
-                <a:ea typeface="宋体" panose="02010600030101010101" pitchFamily="2" charset="-122"/>
-                <a:cs typeface="宋体" panose="02010600030101010101" pitchFamily="2" charset="-122"/>
-              </a:rPr>
-              <a:t>实例，每个实例由</a:t>
+                <a:solidFill>
+                  <a:srgbClr val="FF0000"/>
+                </a:solidFill>
+                <a:latin typeface="宋体" panose="02010600030101010101" pitchFamily="2" charset="-122"/>
+                <a:ea typeface="宋体" panose="02010600030101010101" pitchFamily="2" charset="-122"/>
+                <a:cs typeface="宋体" panose="02010600030101010101" pitchFamily="2" charset="-122"/>
+              </a:rPr>
+              <a:t>实例</a:t>
+            </a:r>
+            <a:r>
+              <a:rPr lang="zh-CN" altLang="en-US">
+                <a:latin typeface="宋体" panose="02010600030101010101" pitchFamily="2" charset="-122"/>
+                <a:ea typeface="宋体" panose="02010600030101010101" pitchFamily="2" charset="-122"/>
+                <a:cs typeface="宋体" panose="02010600030101010101" pitchFamily="2" charset="-122"/>
+              </a:rPr>
+              <a:t>，每个实例由</a:t>
             </a:r>
             <a:r>
               <a:rPr lang="en-US" altLang="zh-CN">
@@ -8519,7 +9031,45 @@
                 <a:ea typeface="宋体" panose="02010600030101010101" pitchFamily="2" charset="-122"/>
                 <a:cs typeface="宋体" panose="02010600030101010101" pitchFamily="2" charset="-122"/>
               </a:rPr>
-              <a:t>的调度器指派给选定的工作节点，并由目标工作节点上的</a:t>
+              <a:t>的</a:t>
+            </a:r>
+            <a:r>
+              <a:rPr lang="zh-CN" altLang="en-US">
+                <a:solidFill>
+                  <a:srgbClr val="FF0000"/>
+                </a:solidFill>
+                <a:latin typeface="宋体" panose="02010600030101010101" pitchFamily="2" charset="-122"/>
+                <a:ea typeface="宋体" panose="02010600030101010101" pitchFamily="2" charset="-122"/>
+                <a:cs typeface="宋体" panose="02010600030101010101" pitchFamily="2" charset="-122"/>
+              </a:rPr>
+              <a:t>调度器指派</a:t>
+            </a:r>
+            <a:r>
+              <a:rPr lang="zh-CN" altLang="en-US">
+                <a:latin typeface="宋体" panose="02010600030101010101" pitchFamily="2" charset="-122"/>
+                <a:ea typeface="宋体" panose="02010600030101010101" pitchFamily="2" charset="-122"/>
+                <a:cs typeface="宋体" panose="02010600030101010101" pitchFamily="2" charset="-122"/>
+              </a:rPr>
+              <a:t>给选定的</a:t>
+            </a:r>
+            <a:r>
+              <a:rPr lang="zh-CN" altLang="en-US">
+                <a:solidFill>
+                  <a:srgbClr val="FF0000"/>
+                </a:solidFill>
+                <a:latin typeface="宋体" panose="02010600030101010101" pitchFamily="2" charset="-122"/>
+                <a:ea typeface="宋体" panose="02010600030101010101" pitchFamily="2" charset="-122"/>
+                <a:cs typeface="宋体" panose="02010600030101010101" pitchFamily="2" charset="-122"/>
+              </a:rPr>
+              <a:t>工作节点</a:t>
+            </a:r>
+            <a:r>
+              <a:rPr lang="zh-CN" altLang="en-US">
+                <a:latin typeface="宋体" panose="02010600030101010101" pitchFamily="2" charset="-122"/>
+                <a:ea typeface="宋体" panose="02010600030101010101" pitchFamily="2" charset="-122"/>
+                <a:cs typeface="宋体" panose="02010600030101010101" pitchFamily="2" charset="-122"/>
+              </a:rPr>
+              <a:t>，并由目标工作节点上的</a:t>
             </a:r>
             <a:r>
               <a:rPr lang="en-US" altLang="zh-CN">
@@ -8535,7 +9085,26 @@
                 <a:ea typeface="宋体" panose="02010600030101010101" pitchFamily="2" charset="-122"/>
                 <a:cs typeface="宋体" panose="02010600030101010101" pitchFamily="2" charset="-122"/>
               </a:rPr>
-              <a:t>调用本地容器运行时创建并容器化应用。</a:t>
+              <a:t>调用</a:t>
+            </a:r>
+            <a:r>
+              <a:rPr lang="zh-CN" altLang="en-US">
+                <a:solidFill>
+                  <a:srgbClr val="FF0000"/>
+                </a:solidFill>
+                <a:latin typeface="宋体" panose="02010600030101010101" pitchFamily="2" charset="-122"/>
+                <a:ea typeface="宋体" panose="02010600030101010101" pitchFamily="2" charset="-122"/>
+                <a:cs typeface="宋体" panose="02010600030101010101" pitchFamily="2" charset="-122"/>
+              </a:rPr>
+              <a:t>本地容器运行时创建并容器化应用</a:t>
+            </a:r>
+            <a:r>
+              <a:rPr lang="zh-CN" altLang="en-US">
+                <a:latin typeface="宋体" panose="02010600030101010101" pitchFamily="2" charset="-122"/>
+                <a:ea typeface="宋体" panose="02010600030101010101" pitchFamily="2" charset="-122"/>
+                <a:cs typeface="宋体" panose="02010600030101010101" pitchFamily="2" charset="-122"/>
+              </a:rPr>
+              <a:t>。</a:t>
             </a:r>
             <a:endParaRPr lang="zh-CN" altLang="en-US">
               <a:latin typeface="宋体" panose="02010600030101010101" pitchFamily="2" charset="-122"/>
@@ -9686,588 +10255,6 @@
 </p:sld>
 </file>
 
-<file path=ppt/slides/slide15.xml><?xml version="1.0" encoding="utf-8"?>
-<p:sld xmlns:a="http://schemas.openxmlformats.org/drawingml/2006/main" xmlns:r="http://schemas.openxmlformats.org/officeDocument/2006/relationships" xmlns:p="http://schemas.openxmlformats.org/presentationml/2006/main">
-  <p:cSld>
-    <p:spTree>
-      <p:nvGrpSpPr>
-        <p:cNvPr id="1" name=""/>
-        <p:cNvGrpSpPr/>
-        <p:nvPr/>
-      </p:nvGrpSpPr>
-      <p:grpSpPr/>
-      <p:sp>
-        <p:nvSpPr>
-          <p:cNvPr id="2" name="标题 1"/>
-          <p:cNvSpPr>
-            <a:spLocks noGrp="1"/>
-          </p:cNvSpPr>
-          <p:nvPr>
-            <p:ph type="ctrTitle"/>
-          </p:nvPr>
-        </p:nvSpPr>
-        <p:spPr>
-          <a:xfrm>
-            <a:off x="1390015" y="796925"/>
-            <a:ext cx="9144000" cy="518795"/>
-          </a:xfrm>
-        </p:spPr>
-        <p:txBody>
-          <a:bodyPr/>
-          <a:p>
-            <a:r>
-              <a:rPr lang="en-US" altLang="zh-CN" sz="2800">
-                <a:latin typeface="宋体" panose="02010600030101010101" pitchFamily="2" charset="-122"/>
-                <a:ea typeface="宋体" panose="02010600030101010101" pitchFamily="2" charset="-122"/>
-                <a:cs typeface="宋体" panose="02010600030101010101" pitchFamily="2" charset="-122"/>
-              </a:rPr>
-              <a:t>Kubernetes</a:t>
-            </a:r>
-            <a:r>
-              <a:rPr lang="zh-CN" altLang="en-US" sz="2800">
-                <a:latin typeface="宋体" panose="02010600030101010101" pitchFamily="2" charset="-122"/>
-                <a:ea typeface="宋体" panose="02010600030101010101" pitchFamily="2" charset="-122"/>
-                <a:cs typeface="宋体" panose="02010600030101010101" pitchFamily="2" charset="-122"/>
-              </a:rPr>
-              <a:t>系统</a:t>
-            </a:r>
-            <a:r>
-              <a:rPr lang="zh-CN" altLang="en-US" sz="2800">
-                <a:latin typeface="宋体" panose="02010600030101010101" pitchFamily="2" charset="-122"/>
-                <a:ea typeface="宋体" panose="02010600030101010101" pitchFamily="2" charset="-122"/>
-                <a:cs typeface="宋体" panose="02010600030101010101" pitchFamily="2" charset="-122"/>
-              </a:rPr>
-              <a:t>特性</a:t>
-            </a:r>
-            <a:endParaRPr lang="zh-CN" altLang="en-US" sz="2800">
-              <a:latin typeface="宋体" panose="02010600030101010101" pitchFamily="2" charset="-122"/>
-              <a:ea typeface="宋体" panose="02010600030101010101" pitchFamily="2" charset="-122"/>
-              <a:cs typeface="宋体" panose="02010600030101010101" pitchFamily="2" charset="-122"/>
-            </a:endParaRPr>
-          </a:p>
-        </p:txBody>
-      </p:sp>
-      <p:sp>
-        <p:nvSpPr>
-          <p:cNvPr id="4" name="文本框 3"/>
-          <p:cNvSpPr txBox="1"/>
-          <p:nvPr/>
-        </p:nvSpPr>
-        <p:spPr>
-          <a:xfrm>
-            <a:off x="238760" y="1554480"/>
-            <a:ext cx="11550015" cy="3969385"/>
-          </a:xfrm>
-          <a:prstGeom prst="rect">
-            <a:avLst/>
-          </a:prstGeom>
-          <a:noFill/>
-        </p:spPr>
-        <p:txBody>
-          <a:bodyPr wrap="square" rtlCol="0">
-            <a:spAutoFit/>
-          </a:bodyPr>
-          <a:p>
-            <a:r>
-              <a:rPr lang="zh-CN" altLang="en-US"/>
-              <a:t>以下</a:t>
-            </a:r>
-            <a:r>
-              <a:rPr lang="zh-CN" altLang="en-US"/>
-              <a:t>几大特性：</a:t>
-            </a:r>
-            <a:endParaRPr lang="zh-CN" altLang="en-US"/>
-          </a:p>
-          <a:p>
-            <a:r>
-              <a:rPr lang="zh-CN" altLang="en-US"/>
-              <a:t>（</a:t>
-            </a:r>
-            <a:r>
-              <a:rPr lang="en-US" altLang="zh-CN"/>
-              <a:t>1</a:t>
-            </a:r>
-            <a:r>
-              <a:rPr lang="zh-CN" altLang="en-US"/>
-              <a:t>）：自动装箱。构建于容器之上，基于资源依赖及其他约束自动完成容器部署且不影响其可用性，并在同一节点通过调度机制混合运行关键型应用和非关键型应用的工作负载，以提升资源利用</a:t>
-            </a:r>
-            <a:r>
-              <a:rPr lang="zh-CN" altLang="en-US"/>
-              <a:t>率。</a:t>
-            </a:r>
-            <a:endParaRPr lang="zh-CN" altLang="en-US"/>
-          </a:p>
-          <a:p>
-            <a:r>
-              <a:rPr lang="zh-CN" altLang="en-US"/>
-              <a:t>（</a:t>
-            </a:r>
-            <a:r>
-              <a:rPr lang="en-US" altLang="zh-CN"/>
-              <a:t>2</a:t>
-            </a:r>
-            <a:r>
-              <a:rPr lang="zh-CN" altLang="en-US"/>
-              <a:t>）：</a:t>
-            </a:r>
-            <a:r>
-              <a:rPr lang="zh-CN" altLang="en-US">
-                <a:solidFill>
-                  <a:srgbClr val="FF0000"/>
-                </a:solidFill>
-              </a:rPr>
-              <a:t>自我修复。</a:t>
-            </a:r>
-            <a:r>
-              <a:rPr lang="zh-CN" altLang="en-US">
-                <a:solidFill>
-                  <a:schemeClr val="tx1"/>
-                </a:solidFill>
-              </a:rPr>
-              <a:t>支持容器故障后自动重启、节点故障后重写调度到其他可用节点、健康状态检查失败后关闭容器并重新创建等自我修复机制。</a:t>
-            </a:r>
-            <a:br>
-              <a:rPr lang="zh-CN" altLang="en-US">
-                <a:solidFill>
-                  <a:schemeClr val="tx1"/>
-                </a:solidFill>
-              </a:rPr>
-            </a:br>
-            <a:r>
-              <a:rPr lang="zh-CN" altLang="en-US"/>
-              <a:t>（</a:t>
-            </a:r>
-            <a:r>
-              <a:rPr lang="en-US" altLang="zh-CN"/>
-              <a:t>3</a:t>
-            </a:r>
-            <a:r>
-              <a:rPr lang="zh-CN" altLang="en-US"/>
-              <a:t>）：</a:t>
-            </a:r>
-            <a:r>
-              <a:rPr lang="zh-CN" altLang="en-US">
-                <a:solidFill>
-                  <a:srgbClr val="FF0000"/>
-                </a:solidFill>
-              </a:rPr>
-              <a:t>水平扩展。</a:t>
-            </a:r>
-            <a:r>
-              <a:rPr lang="zh-CN" altLang="en-US">
-                <a:solidFill>
-                  <a:schemeClr val="tx1"/>
-                </a:solidFill>
-              </a:rPr>
-              <a:t>集群资源扩展，如：内存、</a:t>
-            </a:r>
-            <a:r>
-              <a:rPr lang="en-US" altLang="zh-CN">
-                <a:solidFill>
-                  <a:schemeClr val="tx1"/>
-                </a:solidFill>
-              </a:rPr>
-              <a:t>CPU</a:t>
-            </a:r>
-            <a:r>
-              <a:rPr lang="zh-CN" altLang="en-US">
-                <a:solidFill>
-                  <a:schemeClr val="tx1"/>
-                </a:solidFill>
-              </a:rPr>
-              <a:t>。</a:t>
-            </a:r>
-            <a:endParaRPr lang="zh-CN" altLang="en-US">
-              <a:solidFill>
-                <a:schemeClr val="tx1"/>
-              </a:solidFill>
-            </a:endParaRPr>
-          </a:p>
-          <a:p>
-            <a:r>
-              <a:rPr lang="zh-CN" altLang="en-US"/>
-              <a:t>（</a:t>
-            </a:r>
-            <a:r>
-              <a:rPr lang="en-US" altLang="zh-CN"/>
-              <a:t>4</a:t>
-            </a:r>
-            <a:r>
-              <a:rPr lang="zh-CN" altLang="en-US"/>
-              <a:t>）：</a:t>
-            </a:r>
-            <a:r>
-              <a:rPr lang="zh-CN" altLang="en-US">
-                <a:solidFill>
-                  <a:srgbClr val="FF0000"/>
-                </a:solidFill>
-              </a:rPr>
-              <a:t>服务发现与负载均衡。</a:t>
-            </a:r>
-            <a:r>
-              <a:rPr lang="zh-CN" altLang="en-US">
-                <a:solidFill>
-                  <a:schemeClr val="tx1"/>
-                </a:solidFill>
-              </a:rPr>
-              <a:t>通过附件</a:t>
-            </a:r>
-            <a:r>
-              <a:rPr lang="en-US" altLang="zh-CN">
-                <a:solidFill>
-                  <a:schemeClr val="tx1"/>
-                </a:solidFill>
-              </a:rPr>
-              <a:t>KubeDNS</a:t>
-            </a:r>
-            <a:r>
-              <a:rPr lang="zh-CN" altLang="en-US">
-                <a:solidFill>
-                  <a:schemeClr val="tx1"/>
-                </a:solidFill>
-              </a:rPr>
-              <a:t>为系统内置服务发现功能，为每个</a:t>
-            </a:r>
-            <a:r>
-              <a:rPr lang="en-US" altLang="zh-CN">
-                <a:solidFill>
-                  <a:schemeClr val="tx1"/>
-                </a:solidFill>
-              </a:rPr>
-              <a:t>Service</a:t>
-            </a:r>
-            <a:r>
-              <a:rPr lang="zh-CN" altLang="en-US">
-                <a:solidFill>
-                  <a:schemeClr val="tx1"/>
-                </a:solidFill>
-              </a:rPr>
-              <a:t>配置</a:t>
-            </a:r>
-            <a:r>
-              <a:rPr lang="en-US" altLang="zh-CN">
-                <a:solidFill>
-                  <a:schemeClr val="tx1"/>
-                </a:solidFill>
-              </a:rPr>
-              <a:t>DNS</a:t>
-            </a:r>
-            <a:r>
-              <a:rPr lang="zh-CN" altLang="en-US">
-                <a:solidFill>
-                  <a:schemeClr val="tx1"/>
-                </a:solidFill>
-              </a:rPr>
-              <a:t>名称，运行集群内的客户端直接使用此名称发出访问请求，而</a:t>
-            </a:r>
-            <a:r>
-              <a:rPr lang="en-US" altLang="zh-CN">
-                <a:solidFill>
-                  <a:schemeClr val="tx1"/>
-                </a:solidFill>
-              </a:rPr>
-              <a:t>Service</a:t>
-            </a:r>
-            <a:r>
-              <a:rPr lang="zh-CN" altLang="en-US">
-                <a:solidFill>
-                  <a:schemeClr val="tx1"/>
-                </a:solidFill>
-              </a:rPr>
-              <a:t>通过</a:t>
-            </a:r>
-            <a:r>
-              <a:rPr lang="en-US" altLang="zh-CN">
-                <a:solidFill>
-                  <a:schemeClr val="tx1"/>
-                </a:solidFill>
-              </a:rPr>
-              <a:t>iptables</a:t>
-            </a:r>
-            <a:r>
-              <a:rPr lang="zh-CN" altLang="en-US">
-                <a:solidFill>
-                  <a:schemeClr val="tx1"/>
-                </a:solidFill>
-              </a:rPr>
-              <a:t>或</a:t>
-            </a:r>
-            <a:r>
-              <a:rPr lang="en-US" altLang="zh-CN">
-                <a:solidFill>
-                  <a:schemeClr val="tx1"/>
-                </a:solidFill>
-              </a:rPr>
-              <a:t>ipvs</a:t>
-            </a:r>
-            <a:r>
-              <a:rPr lang="zh-CN" altLang="en-US">
-                <a:solidFill>
-                  <a:schemeClr val="tx1"/>
-                </a:solidFill>
-              </a:rPr>
-              <a:t>内置了负载均衡机制。</a:t>
-            </a:r>
-            <a:endParaRPr lang="zh-CN" altLang="en-US">
-              <a:solidFill>
-                <a:schemeClr val="tx1"/>
-              </a:solidFill>
-            </a:endParaRPr>
-          </a:p>
-          <a:p>
-            <a:r>
-              <a:rPr lang="zh-CN" altLang="en-US"/>
-              <a:t>（</a:t>
-            </a:r>
-            <a:r>
-              <a:rPr lang="en-US" altLang="zh-CN"/>
-              <a:t>5</a:t>
-            </a:r>
-            <a:r>
-              <a:rPr lang="zh-CN" altLang="en-US"/>
-              <a:t>）：</a:t>
-            </a:r>
-            <a:r>
-              <a:rPr lang="zh-CN" altLang="en-US">
-                <a:solidFill>
-                  <a:srgbClr val="FF0000"/>
-                </a:solidFill>
-              </a:rPr>
-              <a:t>自动发布和回滚。</a:t>
-            </a:r>
-            <a:r>
-              <a:rPr lang="zh-CN" altLang="en-US">
-                <a:solidFill>
-                  <a:schemeClr val="tx1"/>
-                </a:solidFill>
-              </a:rPr>
-              <a:t>支持</a:t>
-            </a:r>
-            <a:r>
-              <a:rPr lang="en-US" altLang="zh-CN">
-                <a:solidFill>
-                  <a:schemeClr val="tx1"/>
-                </a:solidFill>
-              </a:rPr>
-              <a:t>“</a:t>
-            </a:r>
-            <a:r>
-              <a:rPr lang="zh-CN" altLang="en-US">
-                <a:solidFill>
-                  <a:schemeClr val="tx1"/>
-                </a:solidFill>
-              </a:rPr>
-              <a:t>灰度</a:t>
-            </a:r>
-            <a:r>
-              <a:rPr lang="en-US" altLang="zh-CN">
-                <a:solidFill>
-                  <a:schemeClr val="tx1"/>
-                </a:solidFill>
-              </a:rPr>
-              <a:t>”</a:t>
-            </a:r>
-            <a:r>
-              <a:rPr lang="zh-CN" altLang="en-US">
-                <a:solidFill>
-                  <a:schemeClr val="tx1"/>
-                </a:solidFill>
-              </a:rPr>
-              <a:t>更新，监控更新过程中应用程序的健康状态，以确保不会在同一时刻杀掉所有实例，而此过程中一旦有故障发生，它会立刻自动执行回滚</a:t>
-            </a:r>
-            <a:r>
-              <a:rPr lang="zh-CN" altLang="en-US">
-                <a:solidFill>
-                  <a:schemeClr val="tx1"/>
-                </a:solidFill>
-              </a:rPr>
-              <a:t>操作。</a:t>
-            </a:r>
-            <a:endParaRPr lang="zh-CN" altLang="en-US">
-              <a:solidFill>
-                <a:schemeClr val="tx1"/>
-              </a:solidFill>
-            </a:endParaRPr>
-          </a:p>
-          <a:p>
-            <a:r>
-              <a:rPr lang="zh-CN" altLang="en-US"/>
-              <a:t>（</a:t>
-            </a:r>
-            <a:r>
-              <a:rPr lang="en-US" altLang="zh-CN"/>
-              <a:t>6</a:t>
-            </a:r>
-            <a:r>
-              <a:rPr lang="zh-CN" altLang="en-US"/>
-              <a:t>）：</a:t>
-            </a:r>
-            <a:r>
-              <a:rPr lang="zh-CN" altLang="en-US">
-                <a:solidFill>
-                  <a:srgbClr val="FF0000"/>
-                </a:solidFill>
-              </a:rPr>
-              <a:t>密钥和配置管理。</a:t>
-            </a:r>
-            <a:r>
-              <a:rPr lang="en-US" altLang="zh-CN">
-                <a:solidFill>
-                  <a:schemeClr val="tx1"/>
-                </a:solidFill>
-              </a:rPr>
-              <a:t>k8s</a:t>
-            </a:r>
-            <a:r>
-              <a:rPr lang="zh-CN" altLang="en-US">
-                <a:solidFill>
-                  <a:schemeClr val="tx1"/>
-                </a:solidFill>
-              </a:rPr>
-              <a:t>的</a:t>
-            </a:r>
-            <a:r>
-              <a:rPr lang="en-US" altLang="zh-CN">
-                <a:solidFill>
-                  <a:schemeClr val="tx1"/>
-                </a:solidFill>
-              </a:rPr>
-              <a:t>ConfigMap</a:t>
-            </a:r>
-            <a:r>
-              <a:rPr lang="zh-CN" altLang="en-US">
-                <a:solidFill>
-                  <a:schemeClr val="tx1"/>
-                </a:solidFill>
-              </a:rPr>
-              <a:t>实现了配置数据于</a:t>
-            </a:r>
-            <a:r>
-              <a:rPr lang="en-US" altLang="zh-CN">
-                <a:solidFill>
-                  <a:schemeClr val="tx1"/>
-                </a:solidFill>
-              </a:rPr>
-              <a:t>Docker</a:t>
-            </a:r>
-            <a:r>
-              <a:rPr lang="zh-CN" altLang="en-US">
-                <a:solidFill>
-                  <a:schemeClr val="tx1"/>
-                </a:solidFill>
-              </a:rPr>
-              <a:t>镜像解耦，需要时，仅对配置做出变更而无须重新构建</a:t>
-            </a:r>
-            <a:r>
-              <a:rPr lang="en-US" altLang="zh-CN">
-                <a:solidFill>
-                  <a:schemeClr val="tx1"/>
-                </a:solidFill>
-              </a:rPr>
-              <a:t>Docker</a:t>
-            </a:r>
-            <a:r>
-              <a:rPr lang="zh-CN" altLang="en-US">
-                <a:solidFill>
-                  <a:schemeClr val="tx1"/>
-                </a:solidFill>
-              </a:rPr>
-              <a:t>镜像。对于敏感数据，如用户名密码，</a:t>
-            </a:r>
-            <a:r>
-              <a:rPr lang="en-US" altLang="zh-CN">
-                <a:solidFill>
-                  <a:schemeClr val="tx1"/>
-                </a:solidFill>
-              </a:rPr>
-              <a:t>k8s</a:t>
-            </a:r>
-            <a:r>
-              <a:rPr lang="zh-CN" altLang="en-US">
-                <a:solidFill>
-                  <a:schemeClr val="tx1"/>
-                </a:solidFill>
-              </a:rPr>
-              <a:t>专门提供了</a:t>
-            </a:r>
-            <a:r>
-              <a:rPr lang="en-US" altLang="zh-CN">
-                <a:solidFill>
-                  <a:schemeClr val="tx1"/>
-                </a:solidFill>
-              </a:rPr>
-              <a:t>Secret</a:t>
-            </a:r>
-            <a:r>
-              <a:rPr lang="zh-CN" altLang="en-US">
-                <a:solidFill>
-                  <a:schemeClr val="tx1"/>
-                </a:solidFill>
-              </a:rPr>
-              <a:t>对象是依赖解耦，保障</a:t>
-            </a:r>
-            <a:r>
-              <a:rPr lang="zh-CN" altLang="en-US">
-                <a:solidFill>
-                  <a:schemeClr val="tx1"/>
-                </a:solidFill>
-              </a:rPr>
-              <a:t>安全。</a:t>
-            </a:r>
-            <a:endParaRPr lang="zh-CN" altLang="en-US">
-              <a:solidFill>
-                <a:schemeClr val="tx1"/>
-              </a:solidFill>
-            </a:endParaRPr>
-          </a:p>
-          <a:p>
-            <a:r>
-              <a:rPr lang="zh-CN" altLang="en-US"/>
-              <a:t>（</a:t>
-            </a:r>
-            <a:r>
-              <a:rPr lang="en-US" altLang="zh-CN"/>
-              <a:t>7</a:t>
-            </a:r>
-            <a:r>
-              <a:rPr lang="zh-CN" altLang="en-US"/>
-              <a:t>）：存储</a:t>
-            </a:r>
-            <a:r>
-              <a:rPr lang="zh-CN" altLang="en-US"/>
-              <a:t>编排</a:t>
-            </a:r>
-            <a:endParaRPr lang="zh-CN" altLang="en-US"/>
-          </a:p>
-          <a:p>
-            <a:r>
-              <a:rPr lang="zh-CN" altLang="en-US"/>
-              <a:t>（</a:t>
-            </a:r>
-            <a:r>
-              <a:rPr lang="en-US" altLang="zh-CN"/>
-              <a:t>8</a:t>
-            </a:r>
-            <a:r>
-              <a:rPr lang="zh-CN" altLang="en-US"/>
-              <a:t>）：批量</a:t>
-            </a:r>
-            <a:r>
-              <a:rPr lang="zh-CN" altLang="en-US"/>
-              <a:t>处理执行</a:t>
-            </a:r>
-            <a:endParaRPr lang="zh-CN" altLang="en-US"/>
-          </a:p>
-        </p:txBody>
-      </p:sp>
-    </p:spTree>
-  </p:cSld>
-  <p:clrMapOvr>
-    <a:masterClrMapping/>
-  </p:clrMapOvr>
-</p:sld>
-</file>
-
 <file path=ppt/slides/slide16.xml><?xml version="1.0" encoding="utf-8"?>
 <p:sld xmlns:a="http://schemas.openxmlformats.org/drawingml/2006/main" xmlns:r="http://schemas.openxmlformats.org/officeDocument/2006/relationships" xmlns:p="http://schemas.openxmlformats.org/presentationml/2006/main">
   <p:cSld>
@@ -10280,14 +10267,65 @@
       <p:grpSpPr/>
       <p:sp>
         <p:nvSpPr>
+          <p:cNvPr id="2" name="标题 1"/>
+          <p:cNvSpPr>
+            <a:spLocks noGrp="1"/>
+          </p:cNvSpPr>
+          <p:nvPr>
+            <p:ph type="ctrTitle"/>
+          </p:nvPr>
+        </p:nvSpPr>
+        <p:spPr>
+          <a:xfrm>
+            <a:off x="1390015" y="796925"/>
+            <a:ext cx="9144000" cy="518795"/>
+          </a:xfrm>
+        </p:spPr>
+        <p:txBody>
+          <a:bodyPr/>
+          <a:p>
+            <a:r>
+              <a:rPr lang="en-US" altLang="zh-CN" sz="2800">
+                <a:latin typeface="宋体" panose="02010600030101010101" pitchFamily="2" charset="-122"/>
+                <a:ea typeface="宋体" panose="02010600030101010101" pitchFamily="2" charset="-122"/>
+                <a:cs typeface="宋体" panose="02010600030101010101" pitchFamily="2" charset="-122"/>
+              </a:rPr>
+              <a:t>Kubernetes</a:t>
+            </a:r>
+            <a:r>
+              <a:rPr lang="zh-CN" altLang="en-US" sz="2800">
+                <a:latin typeface="宋体" panose="02010600030101010101" pitchFamily="2" charset="-122"/>
+                <a:ea typeface="宋体" panose="02010600030101010101" pitchFamily="2" charset="-122"/>
+                <a:cs typeface="宋体" panose="02010600030101010101" pitchFamily="2" charset="-122"/>
+              </a:rPr>
+              <a:t>系统</a:t>
+            </a:r>
+            <a:r>
+              <a:rPr lang="zh-CN" altLang="en-US" sz="2800">
+                <a:latin typeface="宋体" panose="02010600030101010101" pitchFamily="2" charset="-122"/>
+                <a:ea typeface="宋体" panose="02010600030101010101" pitchFamily="2" charset="-122"/>
+                <a:cs typeface="宋体" panose="02010600030101010101" pitchFamily="2" charset="-122"/>
+              </a:rPr>
+              <a:t>特性</a:t>
+            </a:r>
+            <a:endParaRPr lang="zh-CN" altLang="en-US" sz="2800">
+              <a:latin typeface="宋体" panose="02010600030101010101" pitchFamily="2" charset="-122"/>
+              <a:ea typeface="宋体" panose="02010600030101010101" pitchFamily="2" charset="-122"/>
+              <a:cs typeface="宋体" panose="02010600030101010101" pitchFamily="2" charset="-122"/>
+            </a:endParaRPr>
+          </a:p>
+        </p:txBody>
+      </p:sp>
+      <p:sp>
+        <p:nvSpPr>
           <p:cNvPr id="4" name="文本框 3"/>
           <p:cNvSpPr txBox="1"/>
           <p:nvPr/>
         </p:nvSpPr>
         <p:spPr>
           <a:xfrm>
-            <a:off x="2924175" y="718820"/>
-            <a:ext cx="5953125" cy="368300"/>
+            <a:off x="238760" y="1554480"/>
+            <a:ext cx="11550015" cy="3969385"/>
           </a:xfrm>
           <a:prstGeom prst="rect">
             <a:avLst/>
@@ -10299,642 +10337,493 @@
             <a:spAutoFit/>
           </a:bodyPr>
           <a:p>
-            <a:pPr algn="ctr"/>
-            <a:r>
-              <a:rPr lang="zh-CN" altLang="en-US">
-                <a:latin typeface="宋体" panose="02010600030101010101" pitchFamily="2" charset="-122"/>
-                <a:ea typeface="宋体" panose="02010600030101010101" pitchFamily="2" charset="-122"/>
-              </a:rPr>
-              <a:t>完整的容器编排系统</a:t>
+            <a:r>
+              <a:rPr lang="zh-CN" altLang="en-US"/>
+              <a:t>以下</a:t>
+            </a:r>
+            <a:r>
+              <a:rPr lang="zh-CN" altLang="en-US"/>
+              <a:t>几大特性：</a:t>
+            </a:r>
+            <a:endParaRPr lang="zh-CN" altLang="en-US"/>
+          </a:p>
+          <a:p>
+            <a:r>
+              <a:rPr lang="zh-CN" altLang="en-US"/>
+              <a:t>（</a:t>
+            </a:r>
+            <a:r>
+              <a:rPr lang="en-US" altLang="zh-CN"/>
+              <a:t>1</a:t>
+            </a:r>
+            <a:r>
+              <a:rPr lang="zh-CN" altLang="en-US"/>
+              <a:t>）：自动装箱。构建于容器之上，基于资源依赖及其他约束自动完成容器部署且不影响其可用性，并在同一节点通过调度机制混合运行关键型应用和非关键型应用的工作负载，以提升资源利用</a:t>
+            </a:r>
+            <a:r>
+              <a:rPr lang="zh-CN" altLang="en-US"/>
+              <a:t>率。</a:t>
+            </a:r>
+            <a:endParaRPr lang="zh-CN" altLang="en-US"/>
+          </a:p>
+          <a:p>
+            <a:r>
+              <a:rPr lang="zh-CN" altLang="en-US"/>
+              <a:t>（</a:t>
+            </a:r>
+            <a:r>
+              <a:rPr lang="en-US" altLang="zh-CN"/>
+              <a:t>2</a:t>
+            </a:r>
+            <a:r>
+              <a:rPr lang="zh-CN" altLang="en-US"/>
+              <a:t>）：</a:t>
+            </a:r>
+            <a:r>
+              <a:rPr lang="zh-CN" altLang="en-US">
+                <a:solidFill>
+                  <a:srgbClr val="FF0000"/>
+                </a:solidFill>
+              </a:rPr>
+              <a:t>自我修复。</a:t>
+            </a:r>
+            <a:r>
+              <a:rPr lang="zh-CN" altLang="en-US">
+                <a:solidFill>
+                  <a:schemeClr val="tx1"/>
+                </a:solidFill>
+              </a:rPr>
+              <a:t>支持容器故障后自动重启、节点故障后重写调度到其他可用节点、健康状态检查失败后关闭容器并重新创建等自我修复机制。</a:t>
+            </a:r>
+            <a:br>
+              <a:rPr lang="zh-CN" altLang="en-US">
+                <a:solidFill>
+                  <a:schemeClr val="tx1"/>
+                </a:solidFill>
+              </a:rPr>
+            </a:br>
+            <a:r>
+              <a:rPr lang="zh-CN" altLang="en-US"/>
+              <a:t>（</a:t>
+            </a:r>
+            <a:r>
+              <a:rPr lang="en-US" altLang="zh-CN"/>
+              <a:t>3</a:t>
+            </a:r>
+            <a:r>
+              <a:rPr lang="zh-CN" altLang="en-US"/>
+              <a:t>）：</a:t>
+            </a:r>
+            <a:r>
+              <a:rPr lang="zh-CN" altLang="en-US">
+                <a:solidFill>
+                  <a:srgbClr val="FF0000"/>
+                </a:solidFill>
+              </a:rPr>
+              <a:t>水平扩展。</a:t>
+            </a:r>
+            <a:r>
+              <a:rPr lang="zh-CN" altLang="en-US">
+                <a:solidFill>
+                  <a:schemeClr val="tx1"/>
+                </a:solidFill>
+              </a:rPr>
+              <a:t>集群资源扩展，如：内存、</a:t>
+            </a:r>
+            <a:r>
+              <a:rPr lang="en-US" altLang="zh-CN">
+                <a:solidFill>
+                  <a:schemeClr val="tx1"/>
+                </a:solidFill>
+              </a:rPr>
+              <a:t>CPU</a:t>
+            </a:r>
+            <a:r>
+              <a:rPr lang="zh-CN" altLang="en-US">
+                <a:solidFill>
+                  <a:schemeClr val="tx1"/>
+                </a:solidFill>
+              </a:rPr>
+              <a:t>。</a:t>
             </a:r>
             <a:endParaRPr lang="zh-CN" altLang="en-US">
-              <a:latin typeface="宋体" panose="02010600030101010101" pitchFamily="2" charset="-122"/>
-              <a:ea typeface="宋体" panose="02010600030101010101" pitchFamily="2" charset="-122"/>
+              <a:solidFill>
+                <a:schemeClr val="tx1"/>
+              </a:solidFill>
             </a:endParaRPr>
           </a:p>
-        </p:txBody>
-      </p:sp>
-      <p:sp>
-        <p:nvSpPr>
-          <p:cNvPr id="5" name="矩形 4"/>
-          <p:cNvSpPr/>
-          <p:nvPr/>
-        </p:nvSpPr>
-        <p:spPr>
-          <a:xfrm>
-            <a:off x="1813560" y="2004695"/>
-            <a:ext cx="1513840" cy="485775"/>
-          </a:xfrm>
-          <a:prstGeom prst="rect">
-            <a:avLst/>
-          </a:prstGeom>
-        </p:spPr>
-        <p:style>
-          <a:lnRef idx="2">
-            <a:schemeClr val="accent1">
-              <a:shade val="50000"/>
-            </a:schemeClr>
-          </a:lnRef>
-          <a:fillRef idx="1">
-            <a:schemeClr val="accent1"/>
-          </a:fillRef>
-          <a:effectRef idx="0">
-            <a:schemeClr val="accent1"/>
-          </a:effectRef>
-          <a:fontRef idx="minor">
-            <a:schemeClr val="lt1"/>
-          </a:fontRef>
-        </p:style>
-        <p:txBody>
-          <a:bodyPr rtlCol="0" anchor="ctr"/>
-          <a:p>
-            <a:pPr algn="ctr"/>
+          <a:p>
             <a:r>
               <a:rPr lang="zh-CN" altLang="en-US"/>
-              <a:t>负载均衡</a:t>
+              <a:t>（</a:t>
+            </a:r>
+            <a:r>
+              <a:rPr lang="en-US" altLang="zh-CN"/>
+              <a:t>4</a:t>
             </a:r>
             <a:r>
               <a:rPr lang="zh-CN" altLang="en-US"/>
-              <a:t>器</a:t>
+              <a:t>）：</a:t>
+            </a:r>
+            <a:r>
+              <a:rPr lang="zh-CN" altLang="en-US">
+                <a:solidFill>
+                  <a:srgbClr val="FF0000"/>
+                </a:solidFill>
+              </a:rPr>
+              <a:t>服务发现与负载均衡。</a:t>
+            </a:r>
+            <a:r>
+              <a:rPr lang="zh-CN" altLang="en-US">
+                <a:solidFill>
+                  <a:schemeClr val="tx1"/>
+                </a:solidFill>
+              </a:rPr>
+              <a:t>通过附件</a:t>
+            </a:r>
+            <a:r>
+              <a:rPr lang="en-US" altLang="zh-CN">
+                <a:solidFill>
+                  <a:schemeClr val="tx1"/>
+                </a:solidFill>
+              </a:rPr>
+              <a:t>KubeDNS</a:t>
+            </a:r>
+            <a:r>
+              <a:rPr lang="zh-CN" altLang="en-US">
+                <a:solidFill>
+                  <a:schemeClr val="tx1"/>
+                </a:solidFill>
+              </a:rPr>
+              <a:t>为系统内置服务发现功能，为每个</a:t>
+            </a:r>
+            <a:r>
+              <a:rPr lang="en-US" altLang="zh-CN">
+                <a:solidFill>
+                  <a:schemeClr val="tx1"/>
+                </a:solidFill>
+              </a:rPr>
+              <a:t>Service</a:t>
+            </a:r>
+            <a:r>
+              <a:rPr lang="zh-CN" altLang="en-US">
+                <a:solidFill>
+                  <a:schemeClr val="tx1"/>
+                </a:solidFill>
+              </a:rPr>
+              <a:t>配置</a:t>
+            </a:r>
+            <a:r>
+              <a:rPr lang="en-US" altLang="zh-CN">
+                <a:solidFill>
+                  <a:schemeClr val="tx1"/>
+                </a:solidFill>
+              </a:rPr>
+              <a:t>DNS</a:t>
+            </a:r>
+            <a:r>
+              <a:rPr lang="zh-CN" altLang="en-US">
+                <a:solidFill>
+                  <a:schemeClr val="tx1"/>
+                </a:solidFill>
+              </a:rPr>
+              <a:t>名称，运行集群内的客户端直接使用此名称发出访问请求，而</a:t>
+            </a:r>
+            <a:r>
+              <a:rPr lang="en-US" altLang="zh-CN">
+                <a:solidFill>
+                  <a:schemeClr val="tx1"/>
+                </a:solidFill>
+              </a:rPr>
+              <a:t>Service</a:t>
+            </a:r>
+            <a:r>
+              <a:rPr lang="zh-CN" altLang="en-US">
+                <a:solidFill>
+                  <a:schemeClr val="tx1"/>
+                </a:solidFill>
+              </a:rPr>
+              <a:t>通过</a:t>
+            </a:r>
+            <a:r>
+              <a:rPr lang="en-US" altLang="zh-CN">
+                <a:solidFill>
+                  <a:schemeClr val="tx1"/>
+                </a:solidFill>
+              </a:rPr>
+              <a:t>iptables</a:t>
+            </a:r>
+            <a:r>
+              <a:rPr lang="zh-CN" altLang="en-US">
+                <a:solidFill>
+                  <a:schemeClr val="tx1"/>
+                </a:solidFill>
+              </a:rPr>
+              <a:t>或</a:t>
+            </a:r>
+            <a:r>
+              <a:rPr lang="en-US" altLang="zh-CN">
+                <a:solidFill>
+                  <a:schemeClr val="tx1"/>
+                </a:solidFill>
+              </a:rPr>
+              <a:t>ipvs</a:t>
+            </a:r>
+            <a:r>
+              <a:rPr lang="zh-CN" altLang="en-US">
+                <a:solidFill>
+                  <a:schemeClr val="tx1"/>
+                </a:solidFill>
+              </a:rPr>
+              <a:t>内置了负载均衡机制。</a:t>
+            </a:r>
+            <a:endParaRPr lang="zh-CN" altLang="en-US">
+              <a:solidFill>
+                <a:schemeClr val="tx1"/>
+              </a:solidFill>
+            </a:endParaRPr>
+          </a:p>
+          <a:p>
+            <a:r>
+              <a:rPr lang="zh-CN" altLang="en-US"/>
+              <a:t>（</a:t>
+            </a:r>
+            <a:r>
+              <a:rPr lang="en-US" altLang="zh-CN"/>
+              <a:t>5</a:t>
+            </a:r>
+            <a:r>
+              <a:rPr lang="zh-CN" altLang="en-US"/>
+              <a:t>）：</a:t>
+            </a:r>
+            <a:r>
+              <a:rPr lang="zh-CN" altLang="en-US">
+                <a:solidFill>
+                  <a:srgbClr val="FF0000"/>
+                </a:solidFill>
+              </a:rPr>
+              <a:t>自动发布和回滚。</a:t>
+            </a:r>
+            <a:r>
+              <a:rPr lang="zh-CN" altLang="en-US">
+                <a:solidFill>
+                  <a:schemeClr val="tx1"/>
+                </a:solidFill>
+              </a:rPr>
+              <a:t>支持</a:t>
+            </a:r>
+            <a:r>
+              <a:rPr lang="en-US" altLang="zh-CN">
+                <a:solidFill>
+                  <a:schemeClr val="tx1"/>
+                </a:solidFill>
+              </a:rPr>
+              <a:t>“</a:t>
+            </a:r>
+            <a:r>
+              <a:rPr lang="zh-CN" altLang="en-US">
+                <a:solidFill>
+                  <a:schemeClr val="tx1"/>
+                </a:solidFill>
+              </a:rPr>
+              <a:t>灰度</a:t>
+            </a:r>
+            <a:r>
+              <a:rPr lang="en-US" altLang="zh-CN">
+                <a:solidFill>
+                  <a:schemeClr val="tx1"/>
+                </a:solidFill>
+              </a:rPr>
+              <a:t>”</a:t>
+            </a:r>
+            <a:r>
+              <a:rPr lang="zh-CN" altLang="en-US">
+                <a:solidFill>
+                  <a:schemeClr val="tx1"/>
+                </a:solidFill>
+              </a:rPr>
+              <a:t>更新，监控更新过程中应用程序的健康状态，以确保不会在同一时刻杀掉所有实例，而此过程中一旦有故障发生，它会立刻自动执行回滚</a:t>
+            </a:r>
+            <a:r>
+              <a:rPr lang="zh-CN" altLang="en-US">
+                <a:solidFill>
+                  <a:schemeClr val="tx1"/>
+                </a:solidFill>
+              </a:rPr>
+              <a:t>操作。</a:t>
+            </a:r>
+            <a:endParaRPr lang="zh-CN" altLang="en-US">
+              <a:solidFill>
+                <a:schemeClr val="tx1"/>
+              </a:solidFill>
+            </a:endParaRPr>
+          </a:p>
+          <a:p>
+            <a:r>
+              <a:rPr lang="zh-CN" altLang="en-US"/>
+              <a:t>（</a:t>
+            </a:r>
+            <a:r>
+              <a:rPr lang="en-US" altLang="zh-CN"/>
+              <a:t>6</a:t>
+            </a:r>
+            <a:r>
+              <a:rPr lang="zh-CN" altLang="en-US"/>
+              <a:t>）：</a:t>
+            </a:r>
+            <a:r>
+              <a:rPr lang="zh-CN" altLang="en-US">
+                <a:solidFill>
+                  <a:srgbClr val="FF0000"/>
+                </a:solidFill>
+              </a:rPr>
+              <a:t>密钥和配置管理。</a:t>
+            </a:r>
+            <a:r>
+              <a:rPr lang="en-US" altLang="zh-CN">
+                <a:solidFill>
+                  <a:schemeClr val="tx1"/>
+                </a:solidFill>
+              </a:rPr>
+              <a:t>k8s</a:t>
+            </a:r>
+            <a:r>
+              <a:rPr lang="zh-CN" altLang="en-US">
+                <a:solidFill>
+                  <a:schemeClr val="tx1"/>
+                </a:solidFill>
+              </a:rPr>
+              <a:t>的</a:t>
+            </a:r>
+            <a:r>
+              <a:rPr lang="en-US" altLang="zh-CN">
+                <a:solidFill>
+                  <a:schemeClr val="tx1"/>
+                </a:solidFill>
+              </a:rPr>
+              <a:t>ConfigMap</a:t>
+            </a:r>
+            <a:r>
+              <a:rPr lang="zh-CN" altLang="en-US">
+                <a:solidFill>
+                  <a:schemeClr val="tx1"/>
+                </a:solidFill>
+              </a:rPr>
+              <a:t>实现了配置数据于</a:t>
+            </a:r>
+            <a:r>
+              <a:rPr lang="en-US" altLang="zh-CN">
+                <a:solidFill>
+                  <a:schemeClr val="tx1"/>
+                </a:solidFill>
+              </a:rPr>
+              <a:t>Docker</a:t>
+            </a:r>
+            <a:r>
+              <a:rPr lang="zh-CN" altLang="en-US">
+                <a:solidFill>
+                  <a:schemeClr val="tx1"/>
+                </a:solidFill>
+              </a:rPr>
+              <a:t>镜像解耦，需要时，仅对配置做出变更而无须重新构建</a:t>
+            </a:r>
+            <a:r>
+              <a:rPr lang="en-US" altLang="zh-CN">
+                <a:solidFill>
+                  <a:schemeClr val="tx1"/>
+                </a:solidFill>
+              </a:rPr>
+              <a:t>Docker</a:t>
+            </a:r>
+            <a:r>
+              <a:rPr lang="zh-CN" altLang="en-US">
+                <a:solidFill>
+                  <a:schemeClr val="tx1"/>
+                </a:solidFill>
+              </a:rPr>
+              <a:t>镜像。对于敏感数据，如用户名密码，</a:t>
+            </a:r>
+            <a:r>
+              <a:rPr lang="en-US" altLang="zh-CN">
+                <a:solidFill>
+                  <a:schemeClr val="tx1"/>
+                </a:solidFill>
+              </a:rPr>
+              <a:t>k8s</a:t>
+            </a:r>
+            <a:r>
+              <a:rPr lang="zh-CN" altLang="en-US">
+                <a:solidFill>
+                  <a:schemeClr val="tx1"/>
+                </a:solidFill>
+              </a:rPr>
+              <a:t>专门提供了</a:t>
+            </a:r>
+            <a:r>
+              <a:rPr lang="en-US" altLang="zh-CN">
+                <a:solidFill>
+                  <a:schemeClr val="tx1"/>
+                </a:solidFill>
+              </a:rPr>
+              <a:t>Secret</a:t>
+            </a:r>
+            <a:r>
+              <a:rPr lang="zh-CN" altLang="en-US">
+                <a:solidFill>
+                  <a:schemeClr val="tx1"/>
+                </a:solidFill>
+              </a:rPr>
+              <a:t>对象是依赖解耦，保障</a:t>
+            </a:r>
+            <a:r>
+              <a:rPr lang="zh-CN" altLang="en-US">
+                <a:solidFill>
+                  <a:schemeClr val="tx1"/>
+                </a:solidFill>
+              </a:rPr>
+              <a:t>安全。</a:t>
+            </a:r>
+            <a:endParaRPr lang="zh-CN" altLang="en-US">
+              <a:solidFill>
+                <a:schemeClr val="tx1"/>
+              </a:solidFill>
+            </a:endParaRPr>
+          </a:p>
+          <a:p>
+            <a:r>
+              <a:rPr lang="zh-CN" altLang="en-US"/>
+              <a:t>（</a:t>
+            </a:r>
+            <a:r>
+              <a:rPr lang="en-US" altLang="zh-CN"/>
+              <a:t>7</a:t>
+            </a:r>
+            <a:r>
+              <a:rPr lang="zh-CN" altLang="en-US"/>
+              <a:t>）：存储</a:t>
+            </a:r>
+            <a:r>
+              <a:rPr lang="zh-CN" altLang="en-US"/>
+              <a:t>编排</a:t>
             </a:r>
             <a:endParaRPr lang="zh-CN" altLang="en-US"/>
           </a:p>
-        </p:txBody>
-      </p:sp>
-      <p:sp>
-        <p:nvSpPr>
-          <p:cNvPr id="6" name="矩形 5"/>
-          <p:cNvSpPr/>
-          <p:nvPr/>
-        </p:nvSpPr>
-        <p:spPr>
-          <a:xfrm>
-            <a:off x="1813560" y="2693035"/>
-            <a:ext cx="704215" cy="3239135"/>
-          </a:xfrm>
-          <a:prstGeom prst="rect">
-            <a:avLst/>
-          </a:prstGeom>
-        </p:spPr>
-        <p:style>
-          <a:lnRef idx="2">
-            <a:schemeClr val="accent1">
-              <a:shade val="50000"/>
-            </a:schemeClr>
-          </a:lnRef>
-          <a:fillRef idx="1">
-            <a:schemeClr val="accent1"/>
-          </a:fillRef>
-          <a:effectRef idx="0">
-            <a:schemeClr val="accent1"/>
-          </a:effectRef>
-          <a:fontRef idx="minor">
-            <a:schemeClr val="lt1"/>
-          </a:fontRef>
-        </p:style>
-        <p:txBody>
-          <a:bodyPr rtlCol="0" anchor="ctr"/>
-          <a:p>
-            <a:pPr algn="ctr"/>
+          <a:p>
             <a:r>
               <a:rPr lang="zh-CN" altLang="en-US"/>
-              <a:t>监控</a:t>
-            </a:r>
-            <a:endParaRPr lang="zh-CN" altLang="en-US"/>
-          </a:p>
-        </p:txBody>
-      </p:sp>
-      <p:sp>
-        <p:nvSpPr>
-          <p:cNvPr id="7" name="矩形 6"/>
-          <p:cNvSpPr/>
-          <p:nvPr/>
-        </p:nvSpPr>
-        <p:spPr>
-          <a:xfrm>
-            <a:off x="3910330" y="2004695"/>
-            <a:ext cx="1513840" cy="485775"/>
-          </a:xfrm>
-          <a:prstGeom prst="rect">
-            <a:avLst/>
-          </a:prstGeom>
-        </p:spPr>
-        <p:style>
-          <a:lnRef idx="2">
-            <a:schemeClr val="accent1">
-              <a:shade val="50000"/>
-            </a:schemeClr>
-          </a:lnRef>
-          <a:fillRef idx="1">
-            <a:schemeClr val="accent1"/>
-          </a:fillRef>
-          <a:effectRef idx="0">
-            <a:schemeClr val="accent1"/>
-          </a:effectRef>
-          <a:fontRef idx="minor">
-            <a:schemeClr val="lt1"/>
-          </a:fontRef>
-        </p:style>
-        <p:txBody>
-          <a:bodyPr rtlCol="0" anchor="ctr"/>
-          <a:p>
-            <a:pPr algn="ctr"/>
+              <a:t>（</a:t>
+            </a:r>
+            <a:r>
+              <a:rPr lang="en-US" altLang="zh-CN"/>
+              <a:t>8</a:t>
+            </a:r>
             <a:r>
               <a:rPr lang="zh-CN" altLang="en-US"/>
-              <a:t>工作</a:t>
+              <a:t>）：批量</a:t>
             </a:r>
             <a:r>
               <a:rPr lang="zh-CN" altLang="en-US"/>
-              <a:t>仓库</a:t>
-            </a:r>
-            <a:endParaRPr lang="zh-CN" altLang="en-US"/>
-          </a:p>
-        </p:txBody>
-      </p:sp>
-      <p:sp>
-        <p:nvSpPr>
-          <p:cNvPr id="8" name="矩形 7"/>
-          <p:cNvSpPr/>
-          <p:nvPr/>
-        </p:nvSpPr>
-        <p:spPr>
-          <a:xfrm>
-            <a:off x="6134735" y="2004695"/>
-            <a:ext cx="1513840" cy="485775"/>
-          </a:xfrm>
-          <a:prstGeom prst="rect">
-            <a:avLst/>
-          </a:prstGeom>
-        </p:spPr>
-        <p:style>
-          <a:lnRef idx="2">
-            <a:schemeClr val="accent1">
-              <a:shade val="50000"/>
-            </a:schemeClr>
-          </a:lnRef>
-          <a:fillRef idx="1">
-            <a:schemeClr val="accent1"/>
-          </a:fillRef>
-          <a:effectRef idx="0">
-            <a:schemeClr val="accent1"/>
-          </a:effectRef>
-          <a:fontRef idx="minor">
-            <a:schemeClr val="lt1"/>
-          </a:fontRef>
-        </p:style>
-        <p:txBody>
-          <a:bodyPr rtlCol="0" anchor="ctr"/>
-          <a:p>
-            <a:pPr algn="ctr"/>
-            <a:r>
-              <a:rPr lang="zh-CN" altLang="en-US"/>
-              <a:t>自动</a:t>
-            </a:r>
-            <a:r>
-              <a:rPr lang="zh-CN" altLang="en-US"/>
-              <a:t>构建</a:t>
-            </a:r>
-            <a:endParaRPr lang="zh-CN" altLang="en-US"/>
-          </a:p>
-        </p:txBody>
-      </p:sp>
-      <p:sp>
-        <p:nvSpPr>
-          <p:cNvPr id="9" name="矩形 8"/>
-          <p:cNvSpPr/>
-          <p:nvPr/>
-        </p:nvSpPr>
-        <p:spPr>
-          <a:xfrm>
-            <a:off x="8359140" y="2004695"/>
-            <a:ext cx="1513840" cy="485775"/>
-          </a:xfrm>
-          <a:prstGeom prst="rect">
-            <a:avLst/>
-          </a:prstGeom>
-        </p:spPr>
-        <p:style>
-          <a:lnRef idx="2">
-            <a:schemeClr val="accent1">
-              <a:shade val="50000"/>
-            </a:schemeClr>
-          </a:lnRef>
-          <a:fillRef idx="1">
-            <a:schemeClr val="accent1"/>
-          </a:fillRef>
-          <a:effectRef idx="0">
-            <a:schemeClr val="accent1"/>
-          </a:effectRef>
-          <a:fontRef idx="minor">
-            <a:schemeClr val="lt1"/>
-          </a:fontRef>
-        </p:style>
-        <p:txBody>
-          <a:bodyPr rtlCol="0" anchor="ctr"/>
-          <a:p>
-            <a:pPr algn="ctr"/>
-            <a:r>
-              <a:rPr lang="zh-CN" altLang="en-US"/>
-              <a:t>自动</a:t>
-            </a:r>
-            <a:r>
-              <a:rPr lang="zh-CN" altLang="en-US"/>
-              <a:t>发布</a:t>
-            </a:r>
-            <a:endParaRPr lang="zh-CN" altLang="en-US"/>
-          </a:p>
-        </p:txBody>
-      </p:sp>
-      <p:sp>
-        <p:nvSpPr>
-          <p:cNvPr id="10" name="矩形 9"/>
-          <p:cNvSpPr/>
-          <p:nvPr/>
-        </p:nvSpPr>
-        <p:spPr>
-          <a:xfrm>
-            <a:off x="2759075" y="2693035"/>
-            <a:ext cx="695325" cy="3239135"/>
-          </a:xfrm>
-          <a:prstGeom prst="rect">
-            <a:avLst/>
-          </a:prstGeom>
-        </p:spPr>
-        <p:style>
-          <a:lnRef idx="2">
-            <a:schemeClr val="accent1">
-              <a:shade val="50000"/>
-            </a:schemeClr>
-          </a:lnRef>
-          <a:fillRef idx="1">
-            <a:schemeClr val="accent1"/>
-          </a:fillRef>
-          <a:effectRef idx="0">
-            <a:schemeClr val="accent1"/>
-          </a:effectRef>
-          <a:fontRef idx="minor">
-            <a:schemeClr val="lt1"/>
-          </a:fontRef>
-        </p:style>
-        <p:txBody>
-          <a:bodyPr rtlCol="0" anchor="ctr"/>
-          <a:p>
-            <a:pPr algn="ctr"/>
-            <a:r>
-              <a:rPr lang="zh-CN" altLang="en-US"/>
-              <a:t>日志</a:t>
-            </a:r>
-            <a:endParaRPr lang="zh-CN" altLang="en-US"/>
-          </a:p>
-        </p:txBody>
-      </p:sp>
-      <p:sp>
-        <p:nvSpPr>
-          <p:cNvPr id="11" name="矩形 10"/>
-          <p:cNvSpPr/>
-          <p:nvPr/>
-        </p:nvSpPr>
-        <p:spPr>
-          <a:xfrm>
-            <a:off x="3695700" y="5274310"/>
-            <a:ext cx="5238115" cy="657860"/>
-          </a:xfrm>
-          <a:prstGeom prst="rect">
-            <a:avLst/>
-          </a:prstGeom>
-        </p:spPr>
-        <p:style>
-          <a:lnRef idx="2">
-            <a:schemeClr val="accent1">
-              <a:shade val="50000"/>
-            </a:schemeClr>
-          </a:lnRef>
-          <a:fillRef idx="1">
-            <a:schemeClr val="accent1"/>
-          </a:fillRef>
-          <a:effectRef idx="0">
-            <a:schemeClr val="accent1"/>
-          </a:effectRef>
-          <a:fontRef idx="minor">
-            <a:schemeClr val="lt1"/>
-          </a:fontRef>
-        </p:style>
-        <p:txBody>
-          <a:bodyPr rtlCol="0" anchor="ctr"/>
-          <a:p>
-            <a:pPr algn="ctr"/>
-            <a:r>
-              <a:rPr lang="zh-CN" altLang="en-US"/>
-              <a:t>核心基础设施</a:t>
-            </a:r>
-            <a:br>
-              <a:rPr lang="zh-CN" altLang="en-US"/>
-            </a:br>
-            <a:r>
-              <a:rPr lang="zh-CN" altLang="en-US"/>
-              <a:t>物理机</a:t>
-            </a:r>
-            <a:r>
-              <a:rPr lang="en-US" altLang="zh-CN"/>
-              <a:t>/</a:t>
-            </a:r>
-            <a:r>
-              <a:rPr lang="zh-CN" altLang="en-US"/>
-              <a:t>虚拟机</a:t>
-            </a:r>
-            <a:r>
-              <a:rPr lang="en-US" altLang="zh-CN"/>
-              <a:t>/</a:t>
-            </a:r>
-            <a:r>
-              <a:rPr lang="zh-CN" altLang="en-US"/>
-              <a:t>公有云</a:t>
-            </a:r>
-            <a:r>
-              <a:rPr lang="en-US" altLang="zh-CN"/>
-              <a:t>/</a:t>
-            </a:r>
-            <a:r>
-              <a:rPr lang="zh-CN" altLang="en-US"/>
-              <a:t>私有云</a:t>
-            </a:r>
-            <a:endParaRPr lang="zh-CN" altLang="en-US"/>
-          </a:p>
-        </p:txBody>
-      </p:sp>
-      <p:sp>
-        <p:nvSpPr>
-          <p:cNvPr id="12" name="矩形 11"/>
-          <p:cNvSpPr/>
-          <p:nvPr/>
-        </p:nvSpPr>
-        <p:spPr>
-          <a:xfrm>
-            <a:off x="3695700" y="4455160"/>
-            <a:ext cx="2301875" cy="628650"/>
-          </a:xfrm>
-          <a:prstGeom prst="rect">
-            <a:avLst/>
-          </a:prstGeom>
-        </p:spPr>
-        <p:style>
-          <a:lnRef idx="2">
-            <a:schemeClr val="accent1">
-              <a:shade val="50000"/>
-            </a:schemeClr>
-          </a:lnRef>
-          <a:fillRef idx="1">
-            <a:schemeClr val="accent1"/>
-          </a:fillRef>
-          <a:effectRef idx="0">
-            <a:schemeClr val="accent1"/>
-          </a:effectRef>
-          <a:fontRef idx="minor">
-            <a:schemeClr val="lt1"/>
-          </a:fontRef>
-        </p:style>
-        <p:txBody>
-          <a:bodyPr rtlCol="0" anchor="ctr"/>
-          <a:p>
-            <a:pPr algn="ctr"/>
-            <a:r>
-              <a:rPr lang="zh-CN" altLang="en-US"/>
-              <a:t>网络</a:t>
-            </a:r>
-            <a:endParaRPr lang="zh-CN" altLang="en-US"/>
-          </a:p>
-        </p:txBody>
-      </p:sp>
-      <p:sp>
-        <p:nvSpPr>
-          <p:cNvPr id="14" name="矩形 13"/>
-          <p:cNvSpPr/>
-          <p:nvPr/>
-        </p:nvSpPr>
-        <p:spPr>
-          <a:xfrm>
-            <a:off x="6631940" y="4455160"/>
-            <a:ext cx="2301875" cy="628650"/>
-          </a:xfrm>
-          <a:prstGeom prst="rect">
-            <a:avLst/>
-          </a:prstGeom>
-        </p:spPr>
-        <p:style>
-          <a:lnRef idx="2">
-            <a:schemeClr val="accent1">
-              <a:shade val="50000"/>
-            </a:schemeClr>
-          </a:lnRef>
-          <a:fillRef idx="1">
-            <a:schemeClr val="accent1"/>
-          </a:fillRef>
-          <a:effectRef idx="0">
-            <a:schemeClr val="accent1"/>
-          </a:effectRef>
-          <a:fontRef idx="minor">
-            <a:schemeClr val="lt1"/>
-          </a:fontRef>
-        </p:style>
-        <p:txBody>
-          <a:bodyPr rtlCol="0" anchor="ctr"/>
-          <a:p>
-            <a:pPr algn="ctr"/>
-            <a:r>
-              <a:rPr lang="zh-CN" altLang="en-US"/>
-              <a:t>存储</a:t>
-            </a:r>
-            <a:endParaRPr lang="zh-CN" altLang="en-US"/>
-          </a:p>
-        </p:txBody>
-      </p:sp>
-      <p:sp>
-        <p:nvSpPr>
-          <p:cNvPr id="15" name="矩形 14"/>
-          <p:cNvSpPr/>
-          <p:nvPr/>
-        </p:nvSpPr>
-        <p:spPr>
-          <a:xfrm>
-            <a:off x="3695700" y="3553460"/>
-            <a:ext cx="5238115" cy="657860"/>
-          </a:xfrm>
-          <a:prstGeom prst="rect">
-            <a:avLst/>
-          </a:prstGeom>
-        </p:spPr>
-        <p:style>
-          <a:lnRef idx="2">
-            <a:schemeClr val="accent1">
-              <a:shade val="50000"/>
-            </a:schemeClr>
-          </a:lnRef>
-          <a:fillRef idx="1">
-            <a:schemeClr val="accent1"/>
-          </a:fillRef>
-          <a:effectRef idx="0">
-            <a:schemeClr val="accent1"/>
-          </a:effectRef>
-          <a:fontRef idx="minor">
-            <a:schemeClr val="lt1"/>
-          </a:fontRef>
-        </p:style>
-        <p:txBody>
-          <a:bodyPr rtlCol="0" anchor="ctr"/>
-          <a:p>
-            <a:pPr algn="ctr"/>
-            <a:r>
-              <a:rPr lang="en-US" altLang="zh-CN"/>
-              <a:t>Kubernetes</a:t>
-            </a:r>
-            <a:r>
-              <a:rPr lang="zh-CN" altLang="en-US"/>
-              <a:t>集群</a:t>
-            </a:r>
-            <a:endParaRPr lang="zh-CN" altLang="en-US"/>
-          </a:p>
-        </p:txBody>
-      </p:sp>
-      <p:sp>
-        <p:nvSpPr>
-          <p:cNvPr id="16" name="矩形 15"/>
-          <p:cNvSpPr/>
-          <p:nvPr/>
-        </p:nvSpPr>
-        <p:spPr>
-          <a:xfrm>
-            <a:off x="3695700" y="2693035"/>
-            <a:ext cx="5238115" cy="657860"/>
-          </a:xfrm>
-          <a:prstGeom prst="rect">
-            <a:avLst/>
-          </a:prstGeom>
-        </p:spPr>
-        <p:style>
-          <a:lnRef idx="2">
-            <a:schemeClr val="accent1">
-              <a:shade val="50000"/>
-            </a:schemeClr>
-          </a:lnRef>
-          <a:fillRef idx="1">
-            <a:schemeClr val="accent1"/>
-          </a:fillRef>
-          <a:effectRef idx="0">
-            <a:schemeClr val="accent1"/>
-          </a:effectRef>
-          <a:fontRef idx="minor">
-            <a:schemeClr val="lt1"/>
-          </a:fontRef>
-        </p:style>
-        <p:txBody>
-          <a:bodyPr rtlCol="0" anchor="ctr"/>
-          <a:p>
-            <a:pPr algn="ctr"/>
-            <a:r>
-              <a:rPr lang="zh-CN" altLang="en-US"/>
-              <a:t>容器化工作</a:t>
-            </a:r>
-            <a:r>
-              <a:rPr lang="zh-CN" altLang="en-US"/>
-              <a:t>负载</a:t>
-            </a:r>
-            <a:endParaRPr lang="zh-CN" altLang="en-US"/>
-          </a:p>
-        </p:txBody>
-      </p:sp>
-      <p:sp>
-        <p:nvSpPr>
-          <p:cNvPr id="17" name="矩形 16"/>
-          <p:cNvSpPr/>
-          <p:nvPr/>
-        </p:nvSpPr>
-        <p:spPr>
-          <a:xfrm>
-            <a:off x="9258300" y="2693035"/>
-            <a:ext cx="676910" cy="1518285"/>
-          </a:xfrm>
-          <a:prstGeom prst="rect">
-            <a:avLst/>
-          </a:prstGeom>
-        </p:spPr>
-        <p:style>
-          <a:lnRef idx="2">
-            <a:schemeClr val="accent1">
-              <a:shade val="50000"/>
-            </a:schemeClr>
-          </a:lnRef>
-          <a:fillRef idx="1">
-            <a:schemeClr val="accent1"/>
-          </a:fillRef>
-          <a:effectRef idx="0">
-            <a:schemeClr val="accent1"/>
-          </a:effectRef>
-          <a:fontRef idx="minor">
-            <a:schemeClr val="lt1"/>
-          </a:fontRef>
-        </p:style>
-        <p:txBody>
-          <a:bodyPr rtlCol="0" anchor="ctr"/>
-          <a:p>
-            <a:pPr algn="ctr"/>
-            <a:r>
-              <a:rPr lang="zh-CN" altLang="en-US"/>
-              <a:t>镜像</a:t>
-            </a:r>
-            <a:r>
-              <a:rPr lang="zh-CN" altLang="en-US"/>
-              <a:t>仓库</a:t>
-            </a:r>
-            <a:endParaRPr lang="zh-CN" altLang="en-US"/>
-          </a:p>
-        </p:txBody>
-      </p:sp>
-      <p:sp>
-        <p:nvSpPr>
-          <p:cNvPr id="18" name="矩形 17"/>
-          <p:cNvSpPr/>
-          <p:nvPr/>
-        </p:nvSpPr>
-        <p:spPr>
-          <a:xfrm>
-            <a:off x="9258300" y="4413885"/>
-            <a:ext cx="676910" cy="1518285"/>
-          </a:xfrm>
-          <a:prstGeom prst="rect">
-            <a:avLst/>
-          </a:prstGeom>
-        </p:spPr>
-        <p:style>
-          <a:lnRef idx="2">
-            <a:schemeClr val="accent1">
-              <a:shade val="50000"/>
-            </a:schemeClr>
-          </a:lnRef>
-          <a:fillRef idx="1">
-            <a:schemeClr val="accent1"/>
-          </a:fillRef>
-          <a:effectRef idx="0">
-            <a:schemeClr val="accent1"/>
-          </a:effectRef>
-          <a:fontRef idx="minor">
-            <a:schemeClr val="lt1"/>
-          </a:fontRef>
-        </p:style>
-        <p:txBody>
-          <a:bodyPr rtlCol="0" anchor="ctr"/>
-          <a:p>
-            <a:pPr algn="ctr"/>
-            <a:r>
-              <a:rPr lang="zh-CN" altLang="en-US"/>
-              <a:t>配置</a:t>
-            </a:r>
-            <a:r>
-              <a:rPr lang="en-US" altLang="zh-CN"/>
-              <a:t>/</a:t>
-            </a:r>
-            <a:r>
-              <a:rPr lang="zh-CN" altLang="en-US"/>
-              <a:t>预配</a:t>
+              <a:t>处理执行</a:t>
             </a:r>
             <a:endParaRPr lang="zh-CN" altLang="en-US"/>
           </a:p>
@@ -15005,14 +14894,49 @@
       <p:grpSpPr/>
       <p:sp>
         <p:nvSpPr>
-          <p:cNvPr id="4" name="文本框 3"/>
+          <p:cNvPr id="2" name="标题 1"/>
+          <p:cNvSpPr>
+            <a:spLocks noGrp="1"/>
+          </p:cNvSpPr>
+          <p:nvPr>
+            <p:ph type="ctrTitle"/>
+          </p:nvPr>
+        </p:nvSpPr>
+        <p:spPr>
+          <a:xfrm>
+            <a:off x="958215" y="220345"/>
+            <a:ext cx="9144000" cy="548005"/>
+          </a:xfrm>
+        </p:spPr>
+        <p:txBody>
+          <a:bodyPr>
+            <a:normAutofit/>
+          </a:bodyPr>
+          <a:p>
+            <a:r>
+              <a:rPr lang="en-US" altLang="zh-CN" sz="2800">
+                <a:latin typeface="宋体" panose="02010600030101010101" pitchFamily="2" charset="-122"/>
+                <a:ea typeface="宋体" panose="02010600030101010101" pitchFamily="2" charset="-122"/>
+              </a:rPr>
+              <a:t>Pod</a:t>
+            </a:r>
+            <a:endParaRPr lang="en-US" altLang="zh-CN" sz="2800">
+              <a:latin typeface="宋体" panose="02010600030101010101" pitchFamily="2" charset="-122"/>
+              <a:ea typeface="宋体" panose="02010600030101010101" pitchFamily="2" charset="-122"/>
+            </a:endParaRPr>
+          </a:p>
+        </p:txBody>
+      </p:sp>
+      <p:sp>
+        <p:nvSpPr>
+          <p:cNvPr id="5" name="文本框 4"/>
           <p:cNvSpPr txBox="1"/>
           <p:nvPr/>
         </p:nvSpPr>
         <p:spPr>
           <a:xfrm>
-            <a:off x="142875" y="202565"/>
-            <a:ext cx="11827510" cy="521970"/>
+            <a:off x="142875" y="845185"/>
+            <a:ext cx="11856720" cy="2861310"/>
           </a:xfrm>
           <a:prstGeom prst="rect">
             <a:avLst/>
@@ -15024,113 +14948,108 @@
             <a:spAutoFit/>
           </a:bodyPr>
           <a:p>
-            <a:pPr algn="ctr"/>
-            <a:r>
-              <a:rPr lang="en-US" altLang="zh-CN" sz="2800">
-                <a:latin typeface="宋体" panose="02010600030101010101" pitchFamily="2" charset="-122"/>
-                <a:ea typeface="宋体" panose="02010600030101010101" pitchFamily="2" charset="-122"/>
-                <a:cs typeface="宋体" panose="02010600030101010101" pitchFamily="2" charset="-122"/>
-              </a:rPr>
-              <a:t>Master</a:t>
-            </a:r>
-            <a:r>
-              <a:rPr lang="zh-CN" altLang="en-US" sz="2800">
-                <a:latin typeface="宋体" panose="02010600030101010101" pitchFamily="2" charset="-122"/>
-                <a:ea typeface="宋体" panose="02010600030101010101" pitchFamily="2" charset="-122"/>
-                <a:cs typeface="宋体" panose="02010600030101010101" pitchFamily="2" charset="-122"/>
-              </a:rPr>
-              <a:t>组件</a:t>
-            </a:r>
-            <a:endParaRPr lang="zh-CN" altLang="en-US" sz="2800">
+            <a:r>
+              <a:rPr lang="zh-CN" altLang="en-US">
+                <a:solidFill>
+                  <a:schemeClr val="tx1"/>
+                </a:solidFill>
+                <a:latin typeface="宋体" panose="02010600030101010101" pitchFamily="2" charset="-122"/>
+                <a:ea typeface="宋体" panose="02010600030101010101" pitchFamily="2" charset="-122"/>
+                <a:cs typeface="宋体" panose="02010600030101010101" pitchFamily="2" charset="-122"/>
+              </a:rPr>
+              <a:t>Pod是所有业务类型的基础，也是K8S管理的</a:t>
+            </a:r>
+            <a:r>
+              <a:rPr lang="zh-CN" altLang="en-US">
+                <a:solidFill>
+                  <a:srgbClr val="FF0000"/>
+                </a:solidFill>
+                <a:latin typeface="宋体" panose="02010600030101010101" pitchFamily="2" charset="-122"/>
+                <a:ea typeface="宋体" panose="02010600030101010101" pitchFamily="2" charset="-122"/>
+                <a:cs typeface="宋体" panose="02010600030101010101" pitchFamily="2" charset="-122"/>
+              </a:rPr>
+              <a:t>最小单位级</a:t>
+            </a:r>
+            <a:r>
+              <a:rPr lang="zh-CN" altLang="en-US">
+                <a:solidFill>
+                  <a:schemeClr val="tx1"/>
+                </a:solidFill>
+                <a:latin typeface="宋体" panose="02010600030101010101" pitchFamily="2" charset="-122"/>
+                <a:ea typeface="宋体" panose="02010600030101010101" pitchFamily="2" charset="-122"/>
+                <a:cs typeface="宋体" panose="02010600030101010101" pitchFamily="2" charset="-122"/>
+              </a:rPr>
+              <a:t>，它是一个或多个</a:t>
+            </a:r>
+            <a:r>
+              <a:rPr lang="zh-CN" altLang="en-US">
+                <a:solidFill>
+                  <a:srgbClr val="FF0000"/>
+                </a:solidFill>
+                <a:latin typeface="宋体" panose="02010600030101010101" pitchFamily="2" charset="-122"/>
+                <a:ea typeface="宋体" panose="02010600030101010101" pitchFamily="2" charset="-122"/>
+                <a:cs typeface="宋体" panose="02010600030101010101" pitchFamily="2" charset="-122"/>
+              </a:rPr>
+              <a:t>容器的组合</a:t>
+            </a:r>
+            <a:r>
+              <a:rPr lang="zh-CN" altLang="en-US">
+                <a:solidFill>
+                  <a:schemeClr val="tx1"/>
+                </a:solidFill>
+                <a:latin typeface="宋体" panose="02010600030101010101" pitchFamily="2" charset="-122"/>
+                <a:ea typeface="宋体" panose="02010600030101010101" pitchFamily="2" charset="-122"/>
+                <a:cs typeface="宋体" panose="02010600030101010101" pitchFamily="2" charset="-122"/>
+              </a:rPr>
+              <a:t>。这些容器</a:t>
+            </a:r>
+            <a:r>
+              <a:rPr lang="zh-CN" altLang="en-US">
+                <a:solidFill>
+                  <a:srgbClr val="FF0000"/>
+                </a:solidFill>
+                <a:latin typeface="宋体" panose="02010600030101010101" pitchFamily="2" charset="-122"/>
+                <a:ea typeface="宋体" panose="02010600030101010101" pitchFamily="2" charset="-122"/>
+                <a:cs typeface="宋体" panose="02010600030101010101" pitchFamily="2" charset="-122"/>
+              </a:rPr>
+              <a:t>共享存储、网络和命名空间，以及如何运行的规范</a:t>
+            </a:r>
+            <a:r>
+              <a:rPr lang="zh-CN" altLang="en-US">
+                <a:solidFill>
+                  <a:schemeClr val="tx1"/>
+                </a:solidFill>
+                <a:latin typeface="宋体" panose="02010600030101010101" pitchFamily="2" charset="-122"/>
+                <a:ea typeface="宋体" panose="02010600030101010101" pitchFamily="2" charset="-122"/>
+                <a:cs typeface="宋体" panose="02010600030101010101" pitchFamily="2" charset="-122"/>
+              </a:rPr>
+              <a:t>。在Pod中，所有容器都被同一安排和调度，并运行在共享的上下文中。对于具体应用而言，Pod是它们的逻辑主机，Pod包含业务相关的多个应用容器。</a:t>
+            </a:r>
+            <a:endParaRPr lang="zh-CN" altLang="en-US">
+              <a:solidFill>
+                <a:schemeClr val="tx1"/>
+              </a:solidFill>
               <a:latin typeface="宋体" panose="02010600030101010101" pitchFamily="2" charset="-122"/>
               <a:ea typeface="宋体" panose="02010600030101010101" pitchFamily="2" charset="-122"/>
               <a:cs typeface="宋体" panose="02010600030101010101" pitchFamily="2" charset="-122"/>
             </a:endParaRPr>
           </a:p>
-        </p:txBody>
-      </p:sp>
-      <p:sp>
-        <p:nvSpPr>
-          <p:cNvPr id="2" name="文本框 1"/>
-          <p:cNvSpPr txBox="1"/>
-          <p:nvPr/>
-        </p:nvSpPr>
-        <p:spPr>
-          <a:xfrm>
-            <a:off x="340360" y="835660"/>
-            <a:ext cx="11511280" cy="5908040"/>
-          </a:xfrm>
-          <a:prstGeom prst="rect">
-            <a:avLst/>
-          </a:prstGeom>
-          <a:noFill/>
-        </p:spPr>
-        <p:txBody>
-          <a:bodyPr wrap="square" rtlCol="0">
-            <a:spAutoFit/>
-          </a:bodyPr>
-          <a:p>
-            <a:r>
-              <a:rPr lang="zh-CN" altLang="en-US">
-                <a:solidFill>
-                  <a:srgbClr val="FF0000"/>
-                </a:solidFill>
-                <a:latin typeface="宋体" panose="02010600030101010101" pitchFamily="2" charset="-122"/>
-                <a:ea typeface="宋体" panose="02010600030101010101" pitchFamily="2" charset="-122"/>
-                <a:cs typeface="宋体" panose="02010600030101010101" pitchFamily="2" charset="-122"/>
-              </a:rPr>
-              <a:t>（</a:t>
-            </a:r>
-            <a:r>
-              <a:rPr lang="en-US" altLang="zh-CN">
-                <a:solidFill>
-                  <a:srgbClr val="FF0000"/>
-                </a:solidFill>
-                <a:latin typeface="宋体" panose="02010600030101010101" pitchFamily="2" charset="-122"/>
-                <a:ea typeface="宋体" panose="02010600030101010101" pitchFamily="2" charset="-122"/>
-                <a:cs typeface="宋体" panose="02010600030101010101" pitchFamily="2" charset="-122"/>
-              </a:rPr>
-              <a:t>1</a:t>
-            </a:r>
-            <a:r>
-              <a:rPr lang="zh-CN" altLang="en-US">
-                <a:solidFill>
-                  <a:srgbClr val="FF0000"/>
-                </a:solidFill>
-                <a:latin typeface="宋体" panose="02010600030101010101" pitchFamily="2" charset="-122"/>
-                <a:ea typeface="宋体" panose="02010600030101010101" pitchFamily="2" charset="-122"/>
-                <a:cs typeface="宋体" panose="02010600030101010101" pitchFamily="2" charset="-122"/>
-              </a:rPr>
-              <a:t>）</a:t>
-            </a:r>
-            <a:r>
-              <a:rPr lang="en-US" altLang="zh-CN">
-                <a:solidFill>
-                  <a:srgbClr val="FF0000"/>
-                </a:solidFill>
-                <a:latin typeface="宋体" panose="02010600030101010101" pitchFamily="2" charset="-122"/>
-                <a:ea typeface="宋体" panose="02010600030101010101" pitchFamily="2" charset="-122"/>
-                <a:cs typeface="宋体" panose="02010600030101010101" pitchFamily="2" charset="-122"/>
-              </a:rPr>
-              <a:t>API Server</a:t>
-            </a:r>
-            <a:r>
-              <a:rPr lang="en-US" altLang="zh-CN">
-                <a:latin typeface="宋体" panose="02010600030101010101" pitchFamily="2" charset="-122"/>
-                <a:ea typeface="宋体" panose="02010600030101010101" pitchFamily="2" charset="-122"/>
-                <a:cs typeface="宋体" panose="02010600030101010101" pitchFamily="2" charset="-122"/>
-              </a:rPr>
-              <a:t>(kube-apiserver)</a:t>
-            </a:r>
-            <a:r>
-              <a:rPr lang="zh-CN" altLang="en-US">
-                <a:latin typeface="宋体" panose="02010600030101010101" pitchFamily="2" charset="-122"/>
-                <a:ea typeface="宋体" panose="02010600030101010101" pitchFamily="2" charset="-122"/>
-                <a:cs typeface="宋体" panose="02010600030101010101" pitchFamily="2" charset="-122"/>
-              </a:rPr>
-              <a:t>：</a:t>
+          <a:p>
+            <a:r>
+              <a:rPr lang="zh-CN" altLang="en-US">
+                <a:solidFill>
+                  <a:schemeClr val="tx1"/>
+                </a:solidFill>
+                <a:latin typeface="宋体" panose="02010600030101010101" pitchFamily="2" charset="-122"/>
+                <a:ea typeface="宋体" panose="02010600030101010101" pitchFamily="2" charset="-122"/>
+                <a:cs typeface="宋体" panose="02010600030101010101" pitchFamily="2" charset="-122"/>
+              </a:rPr>
+              <a:t>Pod有两个必须知道的特点。</a:t>
             </a:r>
             <a:endParaRPr lang="zh-CN" altLang="en-US">
+              <a:solidFill>
+                <a:schemeClr val="tx1"/>
+              </a:solidFill>
               <a:latin typeface="宋体" panose="02010600030101010101" pitchFamily="2" charset="-122"/>
               <a:ea typeface="宋体" panose="02010600030101010101" pitchFamily="2" charset="-122"/>
               <a:cs typeface="宋体" panose="02010600030101010101" pitchFamily="2" charset="-122"/>
@@ -15139,21 +15058,30 @@
           <a:p>
             <a:r>
               <a:rPr lang="zh-CN" altLang="en-US">
-                <a:latin typeface="宋体" panose="02010600030101010101" pitchFamily="2" charset="-122"/>
-                <a:ea typeface="宋体" panose="02010600030101010101" pitchFamily="2" charset="-122"/>
-                <a:cs typeface="宋体" panose="02010600030101010101" pitchFamily="2" charset="-122"/>
-              </a:rPr>
-              <a:t>控制平面前端，编排不同类型应用</a:t>
-            </a:r>
-            <a:r>
-              <a:rPr lang="zh-CN" altLang="en-US">
-                <a:latin typeface="宋体" panose="02010600030101010101" pitchFamily="2" charset="-122"/>
-                <a:ea typeface="宋体" panose="02010600030101010101" pitchFamily="2" charset="-122"/>
-                <a:cs typeface="宋体" panose="02010600030101010101" pitchFamily="2" charset="-122"/>
-              </a:rPr>
-              <a:t>；</a:t>
+                <a:solidFill>
+                  <a:srgbClr val="FF0000"/>
+                </a:solidFill>
+                <a:latin typeface="宋体" panose="02010600030101010101" pitchFamily="2" charset="-122"/>
+                <a:ea typeface="宋体" panose="02010600030101010101" pitchFamily="2" charset="-122"/>
+                <a:cs typeface="宋体" panose="02010600030101010101" pitchFamily="2" charset="-122"/>
+              </a:rPr>
+              <a:t>网络:</a:t>
+            </a:r>
+            <a:r>
+              <a:rPr lang="zh-CN" altLang="en-US">
+                <a:solidFill>
+                  <a:schemeClr val="tx1"/>
+                </a:solidFill>
+                <a:latin typeface="宋体" panose="02010600030101010101" pitchFamily="2" charset="-122"/>
+                <a:ea typeface="宋体" panose="02010600030101010101" pitchFamily="2" charset="-122"/>
+                <a:cs typeface="宋体" panose="02010600030101010101" pitchFamily="2" charset="-122"/>
+              </a:rPr>
+              <a:t>每一个Pod都会被指派一个唯一的Ip地址，在Pod中的每一个容器共享网络命名空间，包括Ip地址和网络端口。在同一个Pod中的容器可以同locahost进行互相通信。当Pod中的容器需要与Pod外的实体进行通信时，则需要通过端口等共享的网络资源。</a:t>
             </a:r>
             <a:endParaRPr lang="zh-CN" altLang="en-US">
+              <a:solidFill>
+                <a:schemeClr val="tx1"/>
+              </a:solidFill>
               <a:latin typeface="宋体" panose="02010600030101010101" pitchFamily="2" charset="-122"/>
               <a:ea typeface="宋体" panose="02010600030101010101" pitchFamily="2" charset="-122"/>
               <a:cs typeface="宋体" panose="02010600030101010101" pitchFamily="2" charset="-122"/>
@@ -15162,699 +15090,986 @@
           <a:p>
             <a:r>
               <a:rPr lang="zh-CN" altLang="en-US">
-                <a:latin typeface="宋体" panose="02010600030101010101" pitchFamily="2" charset="-122"/>
-                <a:ea typeface="宋体" panose="02010600030101010101" pitchFamily="2" charset="-122"/>
-                <a:cs typeface="宋体" panose="02010600030101010101" pitchFamily="2" charset="-122"/>
-              </a:rPr>
-              <a:t>集群网关接口，接收、校验以及响应所有</a:t>
+                <a:solidFill>
+                  <a:srgbClr val="FF0000"/>
+                </a:solidFill>
+                <a:latin typeface="宋体" panose="02010600030101010101" pitchFamily="2" charset="-122"/>
+                <a:ea typeface="宋体" panose="02010600030101010101" pitchFamily="2" charset="-122"/>
+                <a:cs typeface="宋体" panose="02010600030101010101" pitchFamily="2" charset="-122"/>
+              </a:rPr>
+              <a:t>存储:</a:t>
+            </a:r>
+            <a:r>
+              <a:rPr lang="zh-CN" altLang="en-US">
+                <a:solidFill>
+                  <a:schemeClr val="tx1"/>
+                </a:solidFill>
+                <a:latin typeface="宋体" panose="02010600030101010101" pitchFamily="2" charset="-122"/>
+                <a:ea typeface="宋体" panose="02010600030101010101" pitchFamily="2" charset="-122"/>
+                <a:cs typeface="宋体" panose="02010600030101010101" pitchFamily="2" charset="-122"/>
+              </a:rPr>
+              <a:t>Pod能够被指定共享存储卷的集合，在Pod中所有的容器能够访问共享存储卷，允许这些容器共享数据。存储卷也允许在一个Pod持久化数据，以防止其中的容器需要被重启。存储类型：（临时存储卷、</a:t>
             </a:r>
             <a:r>
               <a:rPr lang="en-US" altLang="zh-CN">
-                <a:latin typeface="宋体" panose="02010600030101010101" pitchFamily="2" charset="-122"/>
-                <a:ea typeface="宋体" panose="02010600030101010101" pitchFamily="2" charset="-122"/>
-                <a:cs typeface="宋体" panose="02010600030101010101" pitchFamily="2" charset="-122"/>
-              </a:rPr>
-              <a:t>REST</a:t>
-            </a:r>
-            <a:r>
-              <a:rPr lang="zh-CN" altLang="en-US">
-                <a:latin typeface="宋体" panose="02010600030101010101" pitchFamily="2" charset="-122"/>
-                <a:ea typeface="宋体" panose="02010600030101010101" pitchFamily="2" charset="-122"/>
-                <a:cs typeface="宋体" panose="02010600030101010101" pitchFamily="2" charset="-122"/>
-              </a:rPr>
-              <a:t>请求，并将结果状态存储</a:t>
+                <a:solidFill>
+                  <a:schemeClr val="tx1"/>
+                </a:solidFill>
+                <a:latin typeface="宋体" panose="02010600030101010101" pitchFamily="2" charset="-122"/>
+                <a:ea typeface="宋体" panose="02010600030101010101" pitchFamily="2" charset="-122"/>
+                <a:cs typeface="宋体" panose="02010600030101010101" pitchFamily="2" charset="-122"/>
+              </a:rPr>
+              <a:t>hostPath</a:t>
+            </a:r>
+            <a:r>
+              <a:rPr lang="zh-CN" altLang="en-US">
+                <a:solidFill>
+                  <a:schemeClr val="tx1"/>
+                </a:solidFill>
+                <a:latin typeface="宋体" panose="02010600030101010101" pitchFamily="2" charset="-122"/>
+                <a:ea typeface="宋体" panose="02010600030101010101" pitchFamily="2" charset="-122"/>
+                <a:cs typeface="宋体" panose="02010600030101010101" pitchFamily="2" charset="-122"/>
+              </a:rPr>
+              <a:t>存储、网络存储、持久存储</a:t>
             </a:r>
             <a:r>
               <a:rPr lang="en-US" altLang="zh-CN">
-                <a:latin typeface="宋体" panose="02010600030101010101" pitchFamily="2" charset="-122"/>
-                <a:ea typeface="宋体" panose="02010600030101010101" pitchFamily="2" charset="-122"/>
-                <a:cs typeface="宋体" panose="02010600030101010101" pitchFamily="2" charset="-122"/>
-              </a:rPr>
-              <a:t>etcd</a:t>
-            </a:r>
-            <a:r>
-              <a:rPr lang="zh-CN" altLang="en-US">
-                <a:latin typeface="宋体" panose="02010600030101010101" pitchFamily="2" charset="-122"/>
-                <a:ea typeface="宋体" panose="02010600030101010101" pitchFamily="2" charset="-122"/>
-                <a:cs typeface="宋体" panose="02010600030101010101" pitchFamily="2" charset="-122"/>
-              </a:rPr>
-              <a:t>中。</a:t>
-            </a:r>
-            <a:endParaRPr lang="en-US" altLang="zh-CN">
+                <a:solidFill>
+                  <a:schemeClr val="tx1"/>
+                </a:solidFill>
+                <a:latin typeface="宋体" panose="02010600030101010101" pitchFamily="2" charset="-122"/>
+                <a:ea typeface="宋体" panose="02010600030101010101" pitchFamily="2" charset="-122"/>
+                <a:cs typeface="宋体" panose="02010600030101010101" pitchFamily="2" charset="-122"/>
+              </a:rPr>
+              <a:t>PV/PVC</a:t>
+            </a:r>
+            <a:r>
+              <a:rPr lang="zh-CN" altLang="en-US">
+                <a:solidFill>
+                  <a:schemeClr val="tx1"/>
+                </a:solidFill>
+                <a:latin typeface="宋体" panose="02010600030101010101" pitchFamily="2" charset="-122"/>
+                <a:ea typeface="宋体" panose="02010600030101010101" pitchFamily="2" charset="-122"/>
+                <a:cs typeface="宋体" panose="02010600030101010101" pitchFamily="2" charset="-122"/>
+              </a:rPr>
+              <a:t>、容器存储接口</a:t>
+            </a:r>
+            <a:r>
+              <a:rPr lang="en-US" altLang="zh-CN">
+                <a:solidFill>
+                  <a:schemeClr val="tx1"/>
+                </a:solidFill>
+                <a:latin typeface="宋体" panose="02010600030101010101" pitchFamily="2" charset="-122"/>
+                <a:ea typeface="宋体" panose="02010600030101010101" pitchFamily="2" charset="-122"/>
+                <a:cs typeface="宋体" panose="02010600030101010101" pitchFamily="2" charset="-122"/>
+              </a:rPr>
+              <a:t>CSI</a:t>
+            </a:r>
+            <a:r>
+              <a:rPr lang="zh-CN" altLang="en-US">
+                <a:solidFill>
+                  <a:schemeClr val="tx1"/>
+                </a:solidFill>
+                <a:latin typeface="宋体" panose="02010600030101010101" pitchFamily="2" charset="-122"/>
+                <a:ea typeface="宋体" panose="02010600030101010101" pitchFamily="2" charset="-122"/>
+                <a:cs typeface="宋体" panose="02010600030101010101" pitchFamily="2" charset="-122"/>
+              </a:rPr>
+              <a:t>）</a:t>
+            </a:r>
+            <a:endParaRPr lang="zh-CN" altLang="en-US">
+              <a:solidFill>
+                <a:schemeClr val="tx1"/>
+              </a:solidFill>
               <a:latin typeface="宋体" panose="02010600030101010101" pitchFamily="2" charset="-122"/>
               <a:ea typeface="宋体" panose="02010600030101010101" pitchFamily="2" charset="-122"/>
               <a:cs typeface="宋体" panose="02010600030101010101" pitchFamily="2" charset="-122"/>
             </a:endParaRPr>
           </a:p>
-          <a:p>
-            <a:r>
-              <a:rPr lang="zh-CN" altLang="en-US">
-                <a:solidFill>
-                  <a:srgbClr val="FF0000"/>
-                </a:solidFill>
-                <a:latin typeface="宋体" panose="02010600030101010101" pitchFamily="2" charset="-122"/>
-                <a:ea typeface="宋体" panose="02010600030101010101" pitchFamily="2" charset="-122"/>
-                <a:cs typeface="宋体" panose="02010600030101010101" pitchFamily="2" charset="-122"/>
-              </a:rPr>
-              <a:t>（</a:t>
-            </a:r>
-            <a:r>
-              <a:rPr lang="en-US" altLang="zh-CN">
-                <a:solidFill>
-                  <a:srgbClr val="FF0000"/>
-                </a:solidFill>
-                <a:latin typeface="宋体" panose="02010600030101010101" pitchFamily="2" charset="-122"/>
-                <a:ea typeface="宋体" panose="02010600030101010101" pitchFamily="2" charset="-122"/>
-                <a:cs typeface="宋体" panose="02010600030101010101" pitchFamily="2" charset="-122"/>
-              </a:rPr>
-              <a:t>2</a:t>
-            </a:r>
-            <a:r>
-              <a:rPr lang="zh-CN" altLang="en-US">
-                <a:solidFill>
-                  <a:srgbClr val="FF0000"/>
-                </a:solidFill>
-                <a:latin typeface="宋体" panose="02010600030101010101" pitchFamily="2" charset="-122"/>
-                <a:ea typeface="宋体" panose="02010600030101010101" pitchFamily="2" charset="-122"/>
-                <a:cs typeface="宋体" panose="02010600030101010101" pitchFamily="2" charset="-122"/>
-              </a:rPr>
-              <a:t>）</a:t>
-            </a:r>
-            <a:r>
-              <a:rPr lang="en-US" altLang="zh-CN">
-                <a:solidFill>
-                  <a:srgbClr val="FF0000"/>
-                </a:solidFill>
-                <a:latin typeface="宋体" panose="02010600030101010101" pitchFamily="2" charset="-122"/>
-                <a:ea typeface="宋体" panose="02010600030101010101" pitchFamily="2" charset="-122"/>
-                <a:cs typeface="宋体" panose="02010600030101010101" pitchFamily="2" charset="-122"/>
-              </a:rPr>
-              <a:t>Controller-Manager</a:t>
-            </a:r>
-            <a:r>
-              <a:rPr lang="en-US" altLang="zh-CN">
-                <a:latin typeface="宋体" panose="02010600030101010101" pitchFamily="2" charset="-122"/>
-                <a:ea typeface="宋体" panose="02010600030101010101" pitchFamily="2" charset="-122"/>
-                <a:cs typeface="宋体" panose="02010600030101010101" pitchFamily="2" charset="-122"/>
-              </a:rPr>
-              <a:t>(Kube-controller-manager)</a:t>
-            </a:r>
-            <a:r>
-              <a:rPr lang="zh-CN" altLang="en-US">
-                <a:latin typeface="宋体" panose="02010600030101010101" pitchFamily="2" charset="-122"/>
-                <a:ea typeface="宋体" panose="02010600030101010101" pitchFamily="2" charset="-122"/>
-                <a:cs typeface="宋体" panose="02010600030101010101" pitchFamily="2" charset="-122"/>
-              </a:rPr>
-              <a:t>：</a:t>
-            </a:r>
-            <a:endParaRPr lang="zh-CN" altLang="en-US">
-              <a:latin typeface="宋体" panose="02010600030101010101" pitchFamily="2" charset="-122"/>
-              <a:ea typeface="宋体" panose="02010600030101010101" pitchFamily="2" charset="-122"/>
-              <a:cs typeface="宋体" panose="02010600030101010101" pitchFamily="2" charset="-122"/>
-            </a:endParaRPr>
-          </a:p>
-          <a:p>
-            <a:r>
-              <a:rPr lang="zh-CN" altLang="en-US">
-                <a:latin typeface="宋体" panose="02010600030101010101" pitchFamily="2" charset="-122"/>
-                <a:ea typeface="宋体" panose="02010600030101010101" pitchFamily="2" charset="-122"/>
-                <a:cs typeface="宋体" panose="02010600030101010101" pitchFamily="2" charset="-122"/>
-              </a:rPr>
-              <a:t>Controller Manager作为集群内部的</a:t>
-            </a:r>
-            <a:r>
-              <a:rPr lang="zh-CN" altLang="en-US">
-                <a:solidFill>
-                  <a:srgbClr val="FF0000"/>
-                </a:solidFill>
-                <a:latin typeface="宋体" panose="02010600030101010101" pitchFamily="2" charset="-122"/>
-                <a:ea typeface="宋体" panose="02010600030101010101" pitchFamily="2" charset="-122"/>
-                <a:cs typeface="宋体" panose="02010600030101010101" pitchFamily="2" charset="-122"/>
-              </a:rPr>
-              <a:t>管理控制中心</a:t>
-            </a:r>
-            <a:r>
-              <a:rPr lang="zh-CN" altLang="en-US">
-                <a:latin typeface="宋体" panose="02010600030101010101" pitchFamily="2" charset="-122"/>
-                <a:ea typeface="宋体" panose="02010600030101010101" pitchFamily="2" charset="-122"/>
-                <a:cs typeface="宋体" panose="02010600030101010101" pitchFamily="2" charset="-122"/>
-              </a:rPr>
-              <a:t>，负责集群内的Node、Pod副本、服务端点（Endpoint）、命名空间（Namespace）、服务账号（ServiceAccount）、资源定额（ResourceQuota）</a:t>
-            </a:r>
-            <a:r>
-              <a:rPr lang="zh-CN" altLang="en-US">
-                <a:latin typeface="宋体" panose="02010600030101010101" pitchFamily="2" charset="-122"/>
-                <a:ea typeface="宋体" panose="02010600030101010101" pitchFamily="2" charset="-122"/>
-                <a:cs typeface="宋体" panose="02010600030101010101" pitchFamily="2" charset="-122"/>
-                <a:sym typeface="+mn-ea"/>
-              </a:rPr>
-              <a:t>等</a:t>
-            </a:r>
-            <a:r>
-              <a:rPr lang="zh-CN" altLang="en-US">
-                <a:latin typeface="宋体" panose="02010600030101010101" pitchFamily="2" charset="-122"/>
-                <a:ea typeface="宋体" panose="02010600030101010101" pitchFamily="2" charset="-122"/>
-                <a:cs typeface="宋体" panose="02010600030101010101" pitchFamily="2" charset="-122"/>
-              </a:rPr>
-              <a:t>的管理；</a:t>
-            </a:r>
-            <a:endParaRPr lang="zh-CN" altLang="en-US">
-              <a:latin typeface="宋体" panose="02010600030101010101" pitchFamily="2" charset="-122"/>
-              <a:ea typeface="宋体" panose="02010600030101010101" pitchFamily="2" charset="-122"/>
-              <a:cs typeface="宋体" panose="02010600030101010101" pitchFamily="2" charset="-122"/>
-            </a:endParaRPr>
-          </a:p>
-          <a:p>
-            <a:r>
-              <a:rPr>
-                <a:latin typeface="宋体" panose="02010600030101010101" pitchFamily="2" charset="-122"/>
-                <a:ea typeface="宋体" panose="02010600030101010101" pitchFamily="2" charset="-122"/>
-                <a:cs typeface="宋体" panose="02010600030101010101" pitchFamily="2" charset="-122"/>
-              </a:rPr>
-              <a:t>每个Controller通过API Server提供的接口实时监控整个集群的每个资源对象的当前状态，</a:t>
-            </a:r>
-            <a:r>
-              <a:rPr>
-                <a:solidFill>
-                  <a:srgbClr val="FF0000"/>
-                </a:solidFill>
-                <a:latin typeface="宋体" panose="02010600030101010101" pitchFamily="2" charset="-122"/>
-                <a:ea typeface="宋体" panose="02010600030101010101" pitchFamily="2" charset="-122"/>
-                <a:cs typeface="宋体" panose="02010600030101010101" pitchFamily="2" charset="-122"/>
-              </a:rPr>
-              <a:t>当发生各种故障导致系统状态发生变化时，会尝试将系统状态修复到“期望状态”</a:t>
-            </a:r>
-            <a:r>
-              <a:rPr>
-                <a:latin typeface="宋体" panose="02010600030101010101" pitchFamily="2" charset="-122"/>
-                <a:ea typeface="宋体" panose="02010600030101010101" pitchFamily="2" charset="-122"/>
-                <a:cs typeface="宋体" panose="02010600030101010101" pitchFamily="2" charset="-122"/>
-              </a:rPr>
-              <a:t>。</a:t>
-            </a:r>
-            <a:r>
-              <a:rPr lang="en-US">
-                <a:latin typeface="宋体" panose="02010600030101010101" pitchFamily="2" charset="-122"/>
-                <a:ea typeface="宋体" panose="02010600030101010101" pitchFamily="2" charset="-122"/>
-                <a:cs typeface="宋体" panose="02010600030101010101" pitchFamily="2" charset="-122"/>
-              </a:rPr>
-              <a:t> </a:t>
-            </a:r>
-            <a:r>
-              <a:rPr lang="en-US" altLang="zh-CN">
-                <a:latin typeface="宋体" panose="02010600030101010101" pitchFamily="2" charset="-122"/>
-                <a:ea typeface="宋体" panose="02010600030101010101" pitchFamily="2" charset="-122"/>
-                <a:cs typeface="宋体" panose="02010600030101010101" pitchFamily="2" charset="-122"/>
-                <a:sym typeface="+mn-ea"/>
-              </a:rPr>
-              <a:t>10</a:t>
-            </a:r>
-            <a:r>
-              <a:rPr lang="zh-CN" altLang="en-US">
-                <a:latin typeface="宋体" panose="02010600030101010101" pitchFamily="2" charset="-122"/>
-                <a:ea typeface="宋体" panose="02010600030101010101" pitchFamily="2" charset="-122"/>
-                <a:cs typeface="宋体" panose="02010600030101010101" pitchFamily="2" charset="-122"/>
-                <a:sym typeface="+mn-ea"/>
-              </a:rPr>
-              <a:t>种类型的</a:t>
-            </a:r>
-            <a:r>
-              <a:rPr lang="en-US" altLang="zh-CN">
-                <a:latin typeface="宋体" panose="02010600030101010101" pitchFamily="2" charset="-122"/>
-                <a:ea typeface="宋体" panose="02010600030101010101" pitchFamily="2" charset="-122"/>
-                <a:cs typeface="宋体" panose="02010600030101010101" pitchFamily="2" charset="-122"/>
-                <a:sym typeface="+mn-ea"/>
-              </a:rPr>
-              <a:t>API</a:t>
-            </a:r>
-            <a:r>
-              <a:rPr lang="zh-CN" altLang="en-US">
-                <a:latin typeface="宋体" panose="02010600030101010101" pitchFamily="2" charset="-122"/>
-                <a:ea typeface="宋体" panose="02010600030101010101" pitchFamily="2" charset="-122"/>
-                <a:cs typeface="宋体" panose="02010600030101010101" pitchFamily="2" charset="-122"/>
-                <a:sym typeface="+mn-ea"/>
-              </a:rPr>
-              <a:t>对象控制器；</a:t>
-            </a:r>
-            <a:endParaRPr lang="zh-CN" altLang="en-US">
-              <a:latin typeface="宋体" panose="02010600030101010101" pitchFamily="2" charset="-122"/>
-              <a:ea typeface="宋体" panose="02010600030101010101" pitchFamily="2" charset="-122"/>
-              <a:cs typeface="宋体" panose="02010600030101010101" pitchFamily="2" charset="-122"/>
-              <a:sym typeface="+mn-ea"/>
-            </a:endParaRPr>
-          </a:p>
-          <a:p>
-            <a:r>
-              <a:rPr lang="zh-CN" altLang="en-US">
-                <a:latin typeface="宋体" panose="02010600030101010101" pitchFamily="2" charset="-122"/>
-                <a:ea typeface="宋体" panose="02010600030101010101" pitchFamily="2" charset="-122"/>
-                <a:cs typeface="宋体" panose="02010600030101010101" pitchFamily="2" charset="-122"/>
-                <a:sym typeface="+mn-ea"/>
-              </a:rPr>
-              <a:t>例如：当某个</a:t>
-            </a:r>
-            <a:r>
-              <a:rPr lang="en-US" altLang="zh-CN">
-                <a:latin typeface="宋体" panose="02010600030101010101" pitchFamily="2" charset="-122"/>
-                <a:ea typeface="宋体" panose="02010600030101010101" pitchFamily="2" charset="-122"/>
-                <a:cs typeface="宋体" panose="02010600030101010101" pitchFamily="2" charset="-122"/>
-                <a:sym typeface="+mn-ea"/>
-              </a:rPr>
+        </p:txBody>
+      </p:sp>
+      <p:sp>
+        <p:nvSpPr>
+          <p:cNvPr id="6" name="圆角矩形 5"/>
+          <p:cNvSpPr/>
+          <p:nvPr/>
+        </p:nvSpPr>
+        <p:spPr>
+          <a:xfrm>
+            <a:off x="217805" y="3783330"/>
+            <a:ext cx="4869815" cy="2702560"/>
+          </a:xfrm>
+          <a:prstGeom prst="roundRect">
+            <a:avLst/>
+          </a:prstGeom>
+        </p:spPr>
+        <p:style>
+          <a:lnRef idx="2">
+            <a:schemeClr val="accent1">
+              <a:shade val="50000"/>
+            </a:schemeClr>
+          </a:lnRef>
+          <a:fillRef idx="1">
+            <a:schemeClr val="accent1"/>
+          </a:fillRef>
+          <a:effectRef idx="0">
+            <a:schemeClr val="accent1"/>
+          </a:effectRef>
+          <a:fontRef idx="minor">
+            <a:schemeClr val="lt1"/>
+          </a:fontRef>
+        </p:style>
+        <p:txBody>
+          <a:bodyPr rtlCol="0" anchor="ctr"/>
+          <a:p>
+            <a:pPr algn="ctr"/>
+            <a:endParaRPr lang="zh-CN" altLang="en-US"/>
+          </a:p>
+        </p:txBody>
+      </p:sp>
+      <p:sp>
+        <p:nvSpPr>
+          <p:cNvPr id="7" name="文本框 6"/>
+          <p:cNvSpPr txBox="1"/>
+          <p:nvPr/>
+        </p:nvSpPr>
+        <p:spPr>
+          <a:xfrm>
+            <a:off x="1895475" y="4095750"/>
+            <a:ext cx="1514475" cy="368300"/>
+          </a:xfrm>
+          <a:prstGeom prst="rect">
+            <a:avLst/>
+          </a:prstGeom>
+          <a:noFill/>
+        </p:spPr>
+        <p:txBody>
+          <a:bodyPr wrap="square" rtlCol="0">
+            <a:spAutoFit/>
+          </a:bodyPr>
+          <a:p>
+            <a:pPr algn="ctr"/>
+            <a:r>
+              <a:rPr lang="en-US" altLang="zh-CN"/>
               <a:t>Pod</a:t>
             </a:r>
-            <a:r>
-              <a:rPr lang="zh-CN" altLang="en-US">
-                <a:latin typeface="宋体" panose="02010600030101010101" pitchFamily="2" charset="-122"/>
-                <a:ea typeface="宋体" panose="02010600030101010101" pitchFamily="2" charset="-122"/>
-                <a:cs typeface="宋体" panose="02010600030101010101" pitchFamily="2" charset="-122"/>
-                <a:sym typeface="+mn-ea"/>
-              </a:rPr>
-              <a:t>意外宕机时，Controller Manager会及时发现并执行自动化修复流程，确保集群始终处于预期的工作状态。</a:t>
-            </a:r>
-            <a:endParaRPr>
-              <a:latin typeface="宋体" panose="02010600030101010101" pitchFamily="2" charset="-122"/>
-              <a:ea typeface="宋体" panose="02010600030101010101" pitchFamily="2" charset="-122"/>
-              <a:cs typeface="宋体" panose="02010600030101010101" pitchFamily="2" charset="-122"/>
-            </a:endParaRPr>
-          </a:p>
-          <a:p>
-            <a:r>
-              <a:rPr lang="zh-CN" altLang="en-US">
-                <a:solidFill>
-                  <a:srgbClr val="FF0000"/>
-                </a:solidFill>
-                <a:latin typeface="宋体" panose="02010600030101010101" pitchFamily="2" charset="-122"/>
-                <a:ea typeface="宋体" panose="02010600030101010101" pitchFamily="2" charset="-122"/>
-                <a:cs typeface="宋体" panose="02010600030101010101" pitchFamily="2" charset="-122"/>
-              </a:rPr>
-              <a:t>（</a:t>
-            </a:r>
-            <a:r>
-              <a:rPr lang="en-US" altLang="zh-CN">
-                <a:solidFill>
-                  <a:srgbClr val="FF0000"/>
-                </a:solidFill>
-                <a:latin typeface="宋体" panose="02010600030101010101" pitchFamily="2" charset="-122"/>
-                <a:ea typeface="宋体" panose="02010600030101010101" pitchFamily="2" charset="-122"/>
-                <a:cs typeface="宋体" panose="02010600030101010101" pitchFamily="2" charset="-122"/>
-              </a:rPr>
-              <a:t>3</a:t>
-            </a:r>
-            <a:r>
-              <a:rPr lang="zh-CN" altLang="en-US">
-                <a:solidFill>
-                  <a:srgbClr val="FF0000"/>
-                </a:solidFill>
-                <a:latin typeface="宋体" panose="02010600030101010101" pitchFamily="2" charset="-122"/>
-                <a:ea typeface="宋体" panose="02010600030101010101" pitchFamily="2" charset="-122"/>
-                <a:cs typeface="宋体" panose="02010600030101010101" pitchFamily="2" charset="-122"/>
-              </a:rPr>
-              <a:t>）</a:t>
-            </a:r>
-            <a:r>
-              <a:rPr lang="en-US" altLang="zh-CN">
-                <a:solidFill>
-                  <a:srgbClr val="FF0000"/>
-                </a:solidFill>
-                <a:latin typeface="宋体" panose="02010600030101010101" pitchFamily="2" charset="-122"/>
-                <a:ea typeface="宋体" panose="02010600030101010101" pitchFamily="2" charset="-122"/>
-                <a:cs typeface="宋体" panose="02010600030101010101" pitchFamily="2" charset="-122"/>
-              </a:rPr>
-              <a:t>Scheduler</a:t>
-            </a:r>
-            <a:r>
-              <a:rPr lang="zh-CN" altLang="en-US">
-                <a:latin typeface="宋体" panose="02010600030101010101" pitchFamily="2" charset="-122"/>
-                <a:ea typeface="宋体" panose="02010600030101010101" pitchFamily="2" charset="-122"/>
-                <a:cs typeface="宋体" panose="02010600030101010101" pitchFamily="2" charset="-122"/>
-              </a:rPr>
-              <a:t>（</a:t>
-            </a:r>
-            <a:r>
-              <a:rPr lang="en-US" altLang="zh-CN">
-                <a:latin typeface="宋体" panose="02010600030101010101" pitchFamily="2" charset="-122"/>
-                <a:ea typeface="宋体" panose="02010600030101010101" pitchFamily="2" charset="-122"/>
-                <a:cs typeface="宋体" panose="02010600030101010101" pitchFamily="2" charset="-122"/>
-              </a:rPr>
-              <a:t>kube-scheduler</a:t>
-            </a:r>
-            <a:r>
-              <a:rPr lang="zh-CN" altLang="en-US">
-                <a:latin typeface="宋体" panose="02010600030101010101" pitchFamily="2" charset="-122"/>
-                <a:ea typeface="宋体" panose="02010600030101010101" pitchFamily="2" charset="-122"/>
-                <a:cs typeface="宋体" panose="02010600030101010101" pitchFamily="2" charset="-122"/>
-              </a:rPr>
-              <a:t>）：</a:t>
-            </a:r>
-            <a:endParaRPr lang="zh-CN" altLang="en-US">
-              <a:latin typeface="宋体" panose="02010600030101010101" pitchFamily="2" charset="-122"/>
-              <a:ea typeface="宋体" panose="02010600030101010101" pitchFamily="2" charset="-122"/>
-              <a:cs typeface="宋体" panose="02010600030101010101" pitchFamily="2" charset="-122"/>
-            </a:endParaRPr>
-          </a:p>
-          <a:p>
-            <a:r>
-              <a:rPr lang="en-US" altLang="zh-CN">
-                <a:latin typeface="宋体" panose="02010600030101010101" pitchFamily="2" charset="-122"/>
-                <a:ea typeface="宋体" panose="02010600030101010101" pitchFamily="2" charset="-122"/>
-                <a:cs typeface="宋体" panose="02010600030101010101" pitchFamily="2" charset="-122"/>
-              </a:rPr>
-              <a:t>Kubernetes</a:t>
-            </a:r>
-            <a:r>
-              <a:rPr lang="zh-CN" altLang="en-US">
-                <a:latin typeface="宋体" panose="02010600030101010101" pitchFamily="2" charset="-122"/>
-                <a:ea typeface="宋体" panose="02010600030101010101" pitchFamily="2" charset="-122"/>
-                <a:cs typeface="宋体" panose="02010600030101010101" pitchFamily="2" charset="-122"/>
-              </a:rPr>
-              <a:t>系统上的</a:t>
-            </a:r>
-            <a:r>
-              <a:rPr lang="zh-CN" altLang="en-US">
-                <a:solidFill>
-                  <a:srgbClr val="FF0000"/>
-                </a:solidFill>
-                <a:latin typeface="宋体" panose="02010600030101010101" pitchFamily="2" charset="-122"/>
-                <a:ea typeface="宋体" panose="02010600030101010101" pitchFamily="2" charset="-122"/>
-                <a:cs typeface="宋体" panose="02010600030101010101" pitchFamily="2" charset="-122"/>
-              </a:rPr>
-              <a:t>调度</a:t>
-            </a:r>
-            <a:r>
-              <a:rPr lang="zh-CN" altLang="en-US">
-                <a:latin typeface="宋体" panose="02010600030101010101" pitchFamily="2" charset="-122"/>
-                <a:ea typeface="宋体" panose="02010600030101010101" pitchFamily="2" charset="-122"/>
-                <a:cs typeface="宋体" panose="02010600030101010101" pitchFamily="2" charset="-122"/>
-              </a:rPr>
-              <a:t>是指为</a:t>
-            </a:r>
-            <a:r>
-              <a:rPr lang="en-US" altLang="zh-CN">
-                <a:latin typeface="宋体" panose="02010600030101010101" pitchFamily="2" charset="-122"/>
-                <a:ea typeface="宋体" panose="02010600030101010101" pitchFamily="2" charset="-122"/>
-                <a:cs typeface="宋体" panose="02010600030101010101" pitchFamily="2" charset="-122"/>
-              </a:rPr>
-              <a:t>API Server</a:t>
-            </a:r>
-            <a:r>
-              <a:rPr lang="zh-CN" altLang="en-US">
-                <a:latin typeface="宋体" panose="02010600030101010101" pitchFamily="2" charset="-122"/>
-                <a:ea typeface="宋体" panose="02010600030101010101" pitchFamily="2" charset="-122"/>
-                <a:cs typeface="宋体" panose="02010600030101010101" pitchFamily="2" charset="-122"/>
-              </a:rPr>
-              <a:t>接收到的每一个</a:t>
-            </a:r>
-            <a:r>
-              <a:rPr lang="en-US" altLang="zh-CN">
-                <a:latin typeface="宋体" panose="02010600030101010101" pitchFamily="2" charset="-122"/>
-                <a:ea typeface="宋体" panose="02010600030101010101" pitchFamily="2" charset="-122"/>
-                <a:cs typeface="宋体" panose="02010600030101010101" pitchFamily="2" charset="-122"/>
-              </a:rPr>
+            <a:endParaRPr lang="en-US" altLang="zh-CN"/>
+          </a:p>
+        </p:txBody>
+      </p:sp>
+      <p:sp>
+        <p:nvSpPr>
+          <p:cNvPr id="8" name="正五边形 7"/>
+          <p:cNvSpPr/>
+          <p:nvPr/>
+        </p:nvSpPr>
+        <p:spPr>
+          <a:xfrm>
+            <a:off x="1417320" y="4766310"/>
+            <a:ext cx="2472690" cy="1188720"/>
+          </a:xfrm>
+          <a:prstGeom prst="pentagon">
+            <a:avLst/>
+          </a:prstGeom>
+        </p:spPr>
+        <p:style>
+          <a:lnRef idx="2">
+            <a:schemeClr val="accent1">
+              <a:shade val="50000"/>
+            </a:schemeClr>
+          </a:lnRef>
+          <a:fillRef idx="1">
+            <a:schemeClr val="accent1"/>
+          </a:fillRef>
+          <a:effectRef idx="0">
+            <a:schemeClr val="accent1"/>
+          </a:effectRef>
+          <a:fontRef idx="minor">
+            <a:schemeClr val="lt1"/>
+          </a:fontRef>
+        </p:style>
+        <p:txBody>
+          <a:bodyPr rtlCol="0" anchor="ctr"/>
+          <a:p>
+            <a:pPr algn="ctr"/>
+            <a:endParaRPr lang="zh-CN" altLang="en-US"/>
+          </a:p>
+        </p:txBody>
+      </p:sp>
+      <p:sp>
+        <p:nvSpPr>
+          <p:cNvPr id="9" name="矩形 8"/>
+          <p:cNvSpPr/>
+          <p:nvPr/>
+        </p:nvSpPr>
+        <p:spPr>
+          <a:xfrm>
+            <a:off x="1483995" y="4766310"/>
+            <a:ext cx="872490" cy="384175"/>
+          </a:xfrm>
+          <a:prstGeom prst="rect">
+            <a:avLst/>
+          </a:prstGeom>
+        </p:spPr>
+        <p:style>
+          <a:lnRef idx="2">
+            <a:schemeClr val="accent1">
+              <a:shade val="50000"/>
+            </a:schemeClr>
+          </a:lnRef>
+          <a:fillRef idx="1">
+            <a:schemeClr val="accent1"/>
+          </a:fillRef>
+          <a:effectRef idx="0">
+            <a:schemeClr val="accent1"/>
+          </a:effectRef>
+          <a:fontRef idx="minor">
+            <a:schemeClr val="lt1"/>
+          </a:fontRef>
+        </p:style>
+        <p:txBody>
+          <a:bodyPr rtlCol="0" anchor="ctr"/>
+          <a:p>
+            <a:pPr algn="ctr"/>
+            <a:r>
+              <a:rPr lang="en-US" altLang="zh-CN" sz="1200"/>
+              <a:t>container</a:t>
+            </a:r>
+            <a:endParaRPr lang="en-US" altLang="zh-CN" sz="1200"/>
+          </a:p>
+        </p:txBody>
+      </p:sp>
+      <p:sp>
+        <p:nvSpPr>
+          <p:cNvPr id="11" name="矩形 10"/>
+          <p:cNvSpPr/>
+          <p:nvPr/>
+        </p:nvSpPr>
+        <p:spPr>
+          <a:xfrm>
+            <a:off x="2876550" y="4766310"/>
+            <a:ext cx="872490" cy="384175"/>
+          </a:xfrm>
+          <a:prstGeom prst="rect">
+            <a:avLst/>
+          </a:prstGeom>
+        </p:spPr>
+        <p:style>
+          <a:lnRef idx="2">
+            <a:schemeClr val="accent1">
+              <a:shade val="50000"/>
+            </a:schemeClr>
+          </a:lnRef>
+          <a:fillRef idx="1">
+            <a:schemeClr val="accent1"/>
+          </a:fillRef>
+          <a:effectRef idx="0">
+            <a:schemeClr val="accent1"/>
+          </a:effectRef>
+          <a:fontRef idx="minor">
+            <a:schemeClr val="lt1"/>
+          </a:fontRef>
+        </p:style>
+        <p:txBody>
+          <a:bodyPr rtlCol="0" anchor="ctr"/>
+          <a:p>
+            <a:pPr algn="ctr"/>
+            <a:r>
+              <a:rPr lang="en-US" altLang="zh-CN" sz="1200"/>
+              <a:t>container</a:t>
+            </a:r>
+            <a:endParaRPr lang="en-US" altLang="zh-CN" sz="1200"/>
+          </a:p>
+        </p:txBody>
+      </p:sp>
+      <p:sp>
+        <p:nvSpPr>
+          <p:cNvPr id="12" name="矩形 11"/>
+          <p:cNvSpPr/>
+          <p:nvPr/>
+        </p:nvSpPr>
+        <p:spPr>
+          <a:xfrm>
+            <a:off x="2216785" y="5312410"/>
+            <a:ext cx="872490" cy="384175"/>
+          </a:xfrm>
+          <a:prstGeom prst="rect">
+            <a:avLst/>
+          </a:prstGeom>
+        </p:spPr>
+        <p:style>
+          <a:lnRef idx="2">
+            <a:schemeClr val="accent1">
+              <a:shade val="50000"/>
+            </a:schemeClr>
+          </a:lnRef>
+          <a:fillRef idx="1">
+            <a:schemeClr val="accent1"/>
+          </a:fillRef>
+          <a:effectRef idx="0">
+            <a:schemeClr val="accent1"/>
+          </a:effectRef>
+          <a:fontRef idx="minor">
+            <a:schemeClr val="lt1"/>
+          </a:fontRef>
+        </p:style>
+        <p:txBody>
+          <a:bodyPr rtlCol="0" anchor="ctr"/>
+          <a:p>
+            <a:pPr algn="ctr"/>
+            <a:r>
+              <a:rPr lang="en-US" altLang="zh-CN" sz="1200"/>
+              <a:t>localhost</a:t>
+            </a:r>
+            <a:endParaRPr lang="en-US" altLang="zh-CN" sz="1200"/>
+          </a:p>
+        </p:txBody>
+      </p:sp>
+      <p:sp>
+        <p:nvSpPr>
+          <p:cNvPr id="13" name="圆角矩形 12"/>
+          <p:cNvSpPr/>
+          <p:nvPr/>
+        </p:nvSpPr>
+        <p:spPr>
+          <a:xfrm>
+            <a:off x="2183765" y="5791835"/>
+            <a:ext cx="1035685" cy="641985"/>
+          </a:xfrm>
+          <a:prstGeom prst="roundRect">
+            <a:avLst/>
+          </a:prstGeom>
+        </p:spPr>
+        <p:style>
+          <a:lnRef idx="2">
+            <a:schemeClr val="accent1">
+              <a:shade val="50000"/>
+            </a:schemeClr>
+          </a:lnRef>
+          <a:fillRef idx="1">
+            <a:schemeClr val="accent1"/>
+          </a:fillRef>
+          <a:effectRef idx="0">
+            <a:schemeClr val="accent1"/>
+          </a:effectRef>
+          <a:fontRef idx="minor">
+            <a:schemeClr val="lt1"/>
+          </a:fontRef>
+        </p:style>
+        <p:txBody>
+          <a:bodyPr rtlCol="0" anchor="ctr"/>
+          <a:p>
+            <a:pPr algn="ctr"/>
+            <a:r>
+              <a:rPr lang="en-US" altLang="zh-CN" sz="1400"/>
+              <a:t>Pause</a:t>
+            </a:r>
+            <a:endParaRPr lang="en-US" altLang="zh-CN" sz="1400"/>
+          </a:p>
+          <a:p>
+            <a:pPr algn="ctr"/>
+            <a:endParaRPr lang="en-US" altLang="zh-CN" sz="1400"/>
+          </a:p>
+          <a:p>
+            <a:pPr algn="ctr"/>
+            <a:endParaRPr lang="en-US" altLang="zh-CN" sz="1400"/>
+          </a:p>
+        </p:txBody>
+      </p:sp>
+      <p:sp>
+        <p:nvSpPr>
+          <p:cNvPr id="14" name="矩形 13"/>
+          <p:cNvSpPr/>
+          <p:nvPr/>
+        </p:nvSpPr>
+        <p:spPr>
+          <a:xfrm>
+            <a:off x="2423795" y="6194425"/>
+            <a:ext cx="613410" cy="239395"/>
+          </a:xfrm>
+          <a:prstGeom prst="rect">
+            <a:avLst/>
+          </a:prstGeom>
+        </p:spPr>
+        <p:style>
+          <a:lnRef idx="2">
+            <a:schemeClr val="accent1">
+              <a:shade val="50000"/>
+            </a:schemeClr>
+          </a:lnRef>
+          <a:fillRef idx="1">
+            <a:schemeClr val="accent1"/>
+          </a:fillRef>
+          <a:effectRef idx="0">
+            <a:schemeClr val="accent1"/>
+          </a:effectRef>
+          <a:fontRef idx="minor">
+            <a:schemeClr val="lt1"/>
+          </a:fontRef>
+        </p:style>
+        <p:txBody>
+          <a:bodyPr rtlCol="0" anchor="ctr"/>
+          <a:p>
+            <a:pPr algn="ctr"/>
+            <a:r>
+              <a:rPr lang="en-US" altLang="zh-CN"/>
+              <a:t>eth0</a:t>
+            </a:r>
+            <a:endParaRPr lang="en-US" altLang="zh-CN"/>
+          </a:p>
+        </p:txBody>
+      </p:sp>
+      <p:sp>
+        <p:nvSpPr>
+          <p:cNvPr id="15" name="圆柱形 14"/>
+          <p:cNvSpPr/>
+          <p:nvPr/>
+        </p:nvSpPr>
+        <p:spPr>
+          <a:xfrm>
+            <a:off x="3506470" y="6041390"/>
+            <a:ext cx="1236980" cy="382905"/>
+          </a:xfrm>
+          <a:prstGeom prst="can">
+            <a:avLst/>
+          </a:prstGeom>
+        </p:spPr>
+        <p:style>
+          <a:lnRef idx="2">
+            <a:schemeClr val="accent1">
+              <a:shade val="50000"/>
+            </a:schemeClr>
+          </a:lnRef>
+          <a:fillRef idx="1">
+            <a:schemeClr val="accent1"/>
+          </a:fillRef>
+          <a:effectRef idx="0">
+            <a:schemeClr val="accent1"/>
+          </a:effectRef>
+          <a:fontRef idx="minor">
+            <a:schemeClr val="lt1"/>
+          </a:fontRef>
+        </p:style>
+        <p:txBody>
+          <a:bodyPr rtlCol="0" anchor="ctr"/>
+          <a:p>
+            <a:pPr algn="ctr"/>
+            <a:r>
+              <a:rPr lang="en-US" altLang="zh-CN"/>
+              <a:t>volume</a:t>
+            </a:r>
+            <a:endParaRPr lang="en-US" altLang="zh-CN"/>
+          </a:p>
+        </p:txBody>
+      </p:sp>
+      <p:sp>
+        <p:nvSpPr>
+          <p:cNvPr id="16" name="圆角矩形 15"/>
+          <p:cNvSpPr/>
+          <p:nvPr/>
+        </p:nvSpPr>
+        <p:spPr>
+          <a:xfrm>
+            <a:off x="8242300" y="3859530"/>
+            <a:ext cx="1140460" cy="499110"/>
+          </a:xfrm>
+          <a:prstGeom prst="roundRect">
+            <a:avLst/>
+          </a:prstGeom>
+        </p:spPr>
+        <p:style>
+          <a:lnRef idx="2">
+            <a:schemeClr val="accent1">
+              <a:shade val="50000"/>
+            </a:schemeClr>
+          </a:lnRef>
+          <a:fillRef idx="1">
+            <a:schemeClr val="accent1"/>
+          </a:fillRef>
+          <a:effectRef idx="0">
+            <a:schemeClr val="accent1"/>
+          </a:effectRef>
+          <a:fontRef idx="minor">
+            <a:schemeClr val="lt1"/>
+          </a:fontRef>
+        </p:style>
+        <p:txBody>
+          <a:bodyPr rtlCol="0" anchor="ctr"/>
+          <a:p>
+            <a:pPr algn="ctr"/>
+            <a:r>
+              <a:rPr lang="en-US" altLang="zh-CN" sz="1400"/>
+              <a:t>replicas=N</a:t>
+            </a:r>
+            <a:endParaRPr lang="en-US" altLang="zh-CN" sz="1400"/>
+          </a:p>
+        </p:txBody>
+      </p:sp>
+      <p:sp>
+        <p:nvSpPr>
+          <p:cNvPr id="17" name="圆角矩形 16"/>
+          <p:cNvSpPr/>
+          <p:nvPr/>
+        </p:nvSpPr>
+        <p:spPr>
+          <a:xfrm>
+            <a:off x="10610850" y="3859530"/>
+            <a:ext cx="1140460" cy="499110"/>
+          </a:xfrm>
+          <a:prstGeom prst="roundRect">
+            <a:avLst/>
+          </a:prstGeom>
+        </p:spPr>
+        <p:style>
+          <a:lnRef idx="2">
+            <a:schemeClr val="accent1">
+              <a:shade val="50000"/>
+            </a:schemeClr>
+          </a:lnRef>
+          <a:fillRef idx="1">
+            <a:schemeClr val="accent1"/>
+          </a:fillRef>
+          <a:effectRef idx="0">
+            <a:schemeClr val="accent1"/>
+          </a:effectRef>
+          <a:fontRef idx="minor">
+            <a:schemeClr val="lt1"/>
+          </a:fontRef>
+        </p:style>
+        <p:txBody>
+          <a:bodyPr rtlCol="0" anchor="ctr"/>
+          <a:p>
+            <a:pPr algn="ctr"/>
+            <a:r>
+              <a:rPr lang="en-US" altLang="zh-CN" sz="1400"/>
               <a:t>Pod</a:t>
             </a:r>
             <a:r>
-              <a:rPr lang="zh-CN" altLang="en-US">
-                <a:latin typeface="宋体" panose="02010600030101010101" pitchFamily="2" charset="-122"/>
-                <a:ea typeface="宋体" panose="02010600030101010101" pitchFamily="2" charset="-122"/>
-                <a:cs typeface="宋体" panose="02010600030101010101" pitchFamily="2" charset="-122"/>
-              </a:rPr>
-              <a:t>创建请求，并在集群种为其</a:t>
-            </a:r>
-            <a:r>
-              <a:rPr lang="zh-CN" altLang="en-US">
-                <a:solidFill>
-                  <a:srgbClr val="FF0000"/>
-                </a:solidFill>
-                <a:latin typeface="宋体" panose="02010600030101010101" pitchFamily="2" charset="-122"/>
-                <a:ea typeface="宋体" panose="02010600030101010101" pitchFamily="2" charset="-122"/>
-                <a:cs typeface="宋体" panose="02010600030101010101" pitchFamily="2" charset="-122"/>
-              </a:rPr>
-              <a:t>匹配出</a:t>
-            </a:r>
-            <a:r>
-              <a:rPr lang="zh-CN" altLang="en-US">
-                <a:latin typeface="宋体" panose="02010600030101010101" pitchFamily="2" charset="-122"/>
-                <a:ea typeface="宋体" panose="02010600030101010101" pitchFamily="2" charset="-122"/>
-                <a:cs typeface="宋体" panose="02010600030101010101" pitchFamily="2" charset="-122"/>
-              </a:rPr>
-              <a:t>一个最佳的</a:t>
-            </a:r>
-            <a:r>
-              <a:rPr lang="zh-CN" altLang="en-US">
-                <a:solidFill>
-                  <a:srgbClr val="FF0000"/>
-                </a:solidFill>
-                <a:latin typeface="宋体" panose="02010600030101010101" pitchFamily="2" charset="-122"/>
-                <a:ea typeface="宋体" panose="02010600030101010101" pitchFamily="2" charset="-122"/>
-                <a:cs typeface="宋体" panose="02010600030101010101" pitchFamily="2" charset="-122"/>
-              </a:rPr>
-              <a:t>工作节点；</a:t>
-            </a:r>
-            <a:endParaRPr lang="zh-CN" altLang="en-US">
-              <a:latin typeface="宋体" panose="02010600030101010101" pitchFamily="2" charset="-122"/>
-              <a:ea typeface="宋体" panose="02010600030101010101" pitchFamily="2" charset="-122"/>
-              <a:cs typeface="宋体" panose="02010600030101010101" pitchFamily="2" charset="-122"/>
-            </a:endParaRPr>
-          </a:p>
-          <a:p>
-            <a:r>
-              <a:rPr lang="zh-CN" altLang="en-US">
-                <a:latin typeface="宋体" panose="02010600030101010101" pitchFamily="2" charset="-122"/>
-                <a:ea typeface="宋体" panose="02010600030101010101" pitchFamily="2" charset="-122"/>
-                <a:cs typeface="宋体" panose="02010600030101010101" pitchFamily="2" charset="-122"/>
-              </a:rPr>
-              <a:t>匹配工作节点考量的因素：硬件、软件、策略约束，亲和力与反亲和力和力规范以及数据的局部性等</a:t>
-            </a:r>
-            <a:r>
-              <a:rPr lang="zh-CN" altLang="en-US">
-                <a:latin typeface="宋体" panose="02010600030101010101" pitchFamily="2" charset="-122"/>
-                <a:ea typeface="宋体" panose="02010600030101010101" pitchFamily="2" charset="-122"/>
-                <a:cs typeface="宋体" panose="02010600030101010101" pitchFamily="2" charset="-122"/>
-              </a:rPr>
-              <a:t>特征。</a:t>
-            </a:r>
-            <a:endParaRPr lang="zh-CN" altLang="en-US">
-              <a:latin typeface="宋体" panose="02010600030101010101" pitchFamily="2" charset="-122"/>
-              <a:ea typeface="宋体" panose="02010600030101010101" pitchFamily="2" charset="-122"/>
-              <a:cs typeface="宋体" panose="02010600030101010101" pitchFamily="2" charset="-122"/>
-            </a:endParaRPr>
-          </a:p>
-          <a:p>
-            <a:r>
-              <a:rPr lang="zh-CN" altLang="en-US">
-                <a:solidFill>
-                  <a:srgbClr val="FF0000"/>
-                </a:solidFill>
-                <a:latin typeface="宋体" panose="02010600030101010101" pitchFamily="2" charset="-122"/>
-                <a:ea typeface="宋体" panose="02010600030101010101" pitchFamily="2" charset="-122"/>
-                <a:cs typeface="宋体" panose="02010600030101010101" pitchFamily="2" charset="-122"/>
-              </a:rPr>
-              <a:t>（</a:t>
-            </a:r>
-            <a:r>
-              <a:rPr lang="en-US" altLang="zh-CN">
-                <a:solidFill>
-                  <a:srgbClr val="FF0000"/>
-                </a:solidFill>
-                <a:latin typeface="宋体" panose="02010600030101010101" pitchFamily="2" charset="-122"/>
-                <a:ea typeface="宋体" panose="02010600030101010101" pitchFamily="2" charset="-122"/>
-                <a:cs typeface="宋体" panose="02010600030101010101" pitchFamily="2" charset="-122"/>
-              </a:rPr>
-              <a:t>4</a:t>
-            </a:r>
-            <a:r>
-              <a:rPr lang="zh-CN" altLang="en-US">
-                <a:solidFill>
-                  <a:srgbClr val="FF0000"/>
-                </a:solidFill>
-                <a:latin typeface="宋体" panose="02010600030101010101" pitchFamily="2" charset="-122"/>
-                <a:ea typeface="宋体" panose="02010600030101010101" pitchFamily="2" charset="-122"/>
-                <a:cs typeface="宋体" panose="02010600030101010101" pitchFamily="2" charset="-122"/>
-              </a:rPr>
-              <a:t>）</a:t>
-            </a:r>
-            <a:r>
-              <a:rPr lang="en-US" altLang="zh-CN">
-                <a:solidFill>
-                  <a:srgbClr val="FF0000"/>
-                </a:solidFill>
-                <a:latin typeface="宋体" panose="02010600030101010101" pitchFamily="2" charset="-122"/>
-                <a:ea typeface="宋体" panose="02010600030101010101" pitchFamily="2" charset="-122"/>
-                <a:cs typeface="宋体" panose="02010600030101010101" pitchFamily="2" charset="-122"/>
-              </a:rPr>
-              <a:t>etcd</a:t>
-            </a:r>
-            <a:r>
-              <a:rPr lang="zh-CN" altLang="en-US">
-                <a:latin typeface="宋体" panose="02010600030101010101" pitchFamily="2" charset="-122"/>
-                <a:ea typeface="宋体" panose="02010600030101010101" pitchFamily="2" charset="-122"/>
-                <a:cs typeface="宋体" panose="02010600030101010101" pitchFamily="2" charset="-122"/>
-              </a:rPr>
-              <a:t>：</a:t>
-            </a:r>
-            <a:endParaRPr lang="zh-CN" altLang="en-US">
-              <a:latin typeface="宋体" panose="02010600030101010101" pitchFamily="2" charset="-122"/>
-              <a:ea typeface="宋体" panose="02010600030101010101" pitchFamily="2" charset="-122"/>
-              <a:cs typeface="宋体" panose="02010600030101010101" pitchFamily="2" charset="-122"/>
-            </a:endParaRPr>
-          </a:p>
-          <a:p>
-            <a:r>
-              <a:rPr lang="en-US" altLang="zh-CN">
-                <a:latin typeface="宋体" panose="02010600030101010101" pitchFamily="2" charset="-122"/>
-                <a:ea typeface="宋体" panose="02010600030101010101" pitchFamily="2" charset="-122"/>
-                <a:cs typeface="宋体" panose="02010600030101010101" pitchFamily="2" charset="-122"/>
-              </a:rPr>
-              <a:t>Kubernetes</a:t>
-            </a:r>
-            <a:r>
-              <a:rPr lang="zh-CN" altLang="en-US">
-                <a:latin typeface="宋体" panose="02010600030101010101" pitchFamily="2" charset="-122"/>
-                <a:ea typeface="宋体" panose="02010600030101010101" pitchFamily="2" charset="-122"/>
-                <a:cs typeface="宋体" panose="02010600030101010101" pitchFamily="2" charset="-122"/>
-              </a:rPr>
-              <a:t>集群的所有</a:t>
-            </a:r>
-            <a:r>
-              <a:rPr lang="zh-CN" altLang="en-US">
-                <a:solidFill>
-                  <a:srgbClr val="FF0000"/>
-                </a:solidFill>
-                <a:latin typeface="宋体" panose="02010600030101010101" pitchFamily="2" charset="-122"/>
-                <a:ea typeface="宋体" panose="02010600030101010101" pitchFamily="2" charset="-122"/>
-                <a:cs typeface="宋体" panose="02010600030101010101" pitchFamily="2" charset="-122"/>
-              </a:rPr>
-              <a:t>状态信息持久存储在存储系统</a:t>
-            </a:r>
-            <a:r>
-              <a:rPr lang="en-US" altLang="zh-CN">
-                <a:solidFill>
-                  <a:srgbClr val="FF0000"/>
-                </a:solidFill>
-                <a:latin typeface="宋体" panose="02010600030101010101" pitchFamily="2" charset="-122"/>
-                <a:ea typeface="宋体" panose="02010600030101010101" pitchFamily="2" charset="-122"/>
-                <a:cs typeface="宋体" panose="02010600030101010101" pitchFamily="2" charset="-122"/>
-              </a:rPr>
-              <a:t>etcd</a:t>
-            </a:r>
-            <a:r>
-              <a:rPr lang="zh-CN" altLang="en-US">
-                <a:solidFill>
-                  <a:srgbClr val="FF0000"/>
-                </a:solidFill>
-                <a:latin typeface="宋体" panose="02010600030101010101" pitchFamily="2" charset="-122"/>
-                <a:ea typeface="宋体" panose="02010600030101010101" pitchFamily="2" charset="-122"/>
-                <a:cs typeface="宋体" panose="02010600030101010101" pitchFamily="2" charset="-122"/>
-              </a:rPr>
-              <a:t>中；</a:t>
-            </a:r>
-            <a:endParaRPr lang="zh-CN" altLang="en-US">
-              <a:latin typeface="宋体" panose="02010600030101010101" pitchFamily="2" charset="-122"/>
-              <a:ea typeface="宋体" panose="02010600030101010101" pitchFamily="2" charset="-122"/>
-              <a:cs typeface="宋体" panose="02010600030101010101" pitchFamily="2" charset="-122"/>
-            </a:endParaRPr>
-          </a:p>
-          <a:p>
-            <a:r>
-              <a:rPr lang="en-US" altLang="zh-CN">
-                <a:latin typeface="宋体" panose="02010600030101010101" pitchFamily="2" charset="-122"/>
-                <a:ea typeface="宋体" panose="02010600030101010101" pitchFamily="2" charset="-122"/>
-                <a:cs typeface="宋体" panose="02010600030101010101" pitchFamily="2" charset="-122"/>
-              </a:rPr>
-              <a:t>CoreOS</a:t>
-            </a:r>
-            <a:r>
-              <a:rPr lang="zh-CN" altLang="en-US">
-                <a:latin typeface="宋体" panose="02010600030101010101" pitchFamily="2" charset="-122"/>
-                <a:ea typeface="宋体" panose="02010600030101010101" pitchFamily="2" charset="-122"/>
-                <a:cs typeface="宋体" panose="02010600030101010101" pitchFamily="2" charset="-122"/>
-              </a:rPr>
-              <a:t>发开的分布式键值存储，可以用于服务发现、共享配置以及一致性保障；</a:t>
-            </a:r>
-            <a:endParaRPr lang="zh-CN" altLang="en-US">
-              <a:latin typeface="宋体" panose="02010600030101010101" pitchFamily="2" charset="-122"/>
-              <a:ea typeface="宋体" panose="02010600030101010101" pitchFamily="2" charset="-122"/>
-              <a:cs typeface="宋体" panose="02010600030101010101" pitchFamily="2" charset="-122"/>
-            </a:endParaRPr>
-          </a:p>
-          <a:p>
-            <a:r>
-              <a:rPr lang="zh-CN" altLang="en-US">
-                <a:latin typeface="宋体" panose="02010600030101010101" pitchFamily="2" charset="-122"/>
-                <a:ea typeface="宋体" panose="02010600030101010101" pitchFamily="2" charset="-122"/>
-                <a:cs typeface="宋体" panose="02010600030101010101" pitchFamily="2" charset="-122"/>
-              </a:rPr>
-              <a:t>为其存储的数据提供监听机制，用于监视和推送</a:t>
-            </a:r>
-            <a:r>
-              <a:rPr lang="zh-CN" altLang="en-US">
-                <a:latin typeface="宋体" panose="02010600030101010101" pitchFamily="2" charset="-122"/>
-                <a:ea typeface="宋体" panose="02010600030101010101" pitchFamily="2" charset="-122"/>
-                <a:cs typeface="宋体" panose="02010600030101010101" pitchFamily="2" charset="-122"/>
-              </a:rPr>
-              <a:t>变更。</a:t>
-            </a:r>
-            <a:endParaRPr lang="zh-CN" altLang="en-US">
-              <a:latin typeface="宋体" panose="02010600030101010101" pitchFamily="2" charset="-122"/>
-              <a:ea typeface="宋体" panose="02010600030101010101" pitchFamily="2" charset="-122"/>
-              <a:cs typeface="宋体" panose="02010600030101010101" pitchFamily="2" charset="-122"/>
-            </a:endParaRPr>
-          </a:p>
-          <a:p>
-            <a:endParaRPr lang="zh-CN" altLang="en-US">
-              <a:latin typeface="宋体" panose="02010600030101010101" pitchFamily="2" charset="-122"/>
-              <a:ea typeface="宋体" panose="02010600030101010101" pitchFamily="2" charset="-122"/>
-              <a:cs typeface="宋体" panose="02010600030101010101" pitchFamily="2" charset="-122"/>
-            </a:endParaRPr>
-          </a:p>
-          <a:p>
-            <a:endParaRPr lang="zh-CN" altLang="en-US">
-              <a:latin typeface="宋体" panose="02010600030101010101" pitchFamily="2" charset="-122"/>
-              <a:ea typeface="宋体" panose="02010600030101010101" pitchFamily="2" charset="-122"/>
-              <a:cs typeface="宋体" panose="02010600030101010101" pitchFamily="2" charset="-122"/>
-            </a:endParaRPr>
-          </a:p>
+              <a:rPr lang="zh-CN" altLang="en-US" sz="1400"/>
+              <a:t>模板</a:t>
+            </a:r>
+            <a:endParaRPr lang="zh-CN" altLang="en-US" sz="1400"/>
+          </a:p>
+        </p:txBody>
+      </p:sp>
+      <p:sp>
+        <p:nvSpPr>
+          <p:cNvPr id="18" name="矩形 17"/>
+          <p:cNvSpPr/>
+          <p:nvPr/>
+        </p:nvSpPr>
+        <p:spPr>
+          <a:xfrm>
+            <a:off x="8846185" y="4358640"/>
+            <a:ext cx="2463165" cy="513080"/>
+          </a:xfrm>
+          <a:prstGeom prst="rect">
+            <a:avLst/>
+          </a:prstGeom>
+        </p:spPr>
+        <p:style>
+          <a:lnRef idx="2">
+            <a:schemeClr val="accent1">
+              <a:shade val="50000"/>
+            </a:schemeClr>
+          </a:lnRef>
+          <a:fillRef idx="1">
+            <a:schemeClr val="accent1"/>
+          </a:fillRef>
+          <a:effectRef idx="0">
+            <a:schemeClr val="accent1"/>
+          </a:effectRef>
+          <a:fontRef idx="minor">
+            <a:schemeClr val="lt1"/>
+          </a:fontRef>
+        </p:style>
+        <p:txBody>
+          <a:bodyPr rtlCol="0" anchor="ctr"/>
           <a:p>
             <a:pPr algn="ctr"/>
             <a:r>
-              <a:rPr lang="zh-CN" altLang="en-US">
-                <a:latin typeface="宋体" panose="02010600030101010101" pitchFamily="2" charset="-122"/>
-                <a:ea typeface="宋体" panose="02010600030101010101" pitchFamily="2" charset="-122"/>
-                <a:cs typeface="宋体" panose="02010600030101010101" pitchFamily="2" charset="-122"/>
-              </a:rPr>
-              <a:t>这</a:t>
-            </a:r>
-            <a:r>
-              <a:rPr lang="en-US" altLang="zh-CN">
-                <a:latin typeface="宋体" panose="02010600030101010101" pitchFamily="2" charset="-122"/>
-                <a:ea typeface="宋体" panose="02010600030101010101" pitchFamily="2" charset="-122"/>
-                <a:cs typeface="宋体" panose="02010600030101010101" pitchFamily="2" charset="-122"/>
-              </a:rPr>
-              <a:t>4</a:t>
-            </a:r>
-            <a:r>
-              <a:rPr lang="zh-CN" altLang="en-US">
-                <a:latin typeface="宋体" panose="02010600030101010101" pitchFamily="2" charset="-122"/>
-                <a:ea typeface="宋体" panose="02010600030101010101" pitchFamily="2" charset="-122"/>
-                <a:cs typeface="宋体" panose="02010600030101010101" pitchFamily="2" charset="-122"/>
-              </a:rPr>
-              <a:t>个</a:t>
-            </a:r>
-            <a:r>
-              <a:rPr lang="zh-CN" altLang="en-US">
-                <a:latin typeface="宋体" panose="02010600030101010101" pitchFamily="2" charset="-122"/>
-                <a:ea typeface="宋体" panose="02010600030101010101" pitchFamily="2" charset="-122"/>
-                <a:cs typeface="宋体" panose="02010600030101010101" pitchFamily="2" charset="-122"/>
-              </a:rPr>
-              <a:t>组件构成整个集群</a:t>
-            </a:r>
-            <a:r>
-              <a:rPr lang="zh-CN" altLang="en-US">
-                <a:latin typeface="宋体" panose="02010600030101010101" pitchFamily="2" charset="-122"/>
-                <a:ea typeface="宋体" panose="02010600030101010101" pitchFamily="2" charset="-122"/>
-                <a:cs typeface="宋体" panose="02010600030101010101" pitchFamily="2" charset="-122"/>
-              </a:rPr>
-              <a:t>的控制平面。</a:t>
+              <a:rPr lang="en-US" altLang="zh-CN" sz="1400"/>
+              <a:t>Deployment</a:t>
+            </a:r>
+            <a:r>
+              <a:rPr lang="zh-CN" altLang="en-US" sz="1400"/>
+              <a:t>控制器</a:t>
+            </a:r>
+            <a:endParaRPr lang="zh-CN" altLang="en-US" sz="1400"/>
+          </a:p>
+        </p:txBody>
+      </p:sp>
+      <p:sp>
+        <p:nvSpPr>
+          <p:cNvPr id="19" name="梯形 18"/>
+          <p:cNvSpPr/>
+          <p:nvPr/>
+        </p:nvSpPr>
+        <p:spPr>
+          <a:xfrm>
+            <a:off x="9397365" y="4770755"/>
+            <a:ext cx="1361440" cy="384175"/>
+          </a:xfrm>
+          <a:prstGeom prst="trapezoid">
+            <a:avLst/>
+          </a:prstGeom>
+        </p:spPr>
+        <p:style>
+          <a:lnRef idx="2">
+            <a:schemeClr val="accent1">
+              <a:shade val="50000"/>
+            </a:schemeClr>
+          </a:lnRef>
+          <a:fillRef idx="1">
+            <a:schemeClr val="accent1"/>
+          </a:fillRef>
+          <a:effectRef idx="0">
+            <a:schemeClr val="accent1"/>
+          </a:effectRef>
+          <a:fontRef idx="minor">
+            <a:schemeClr val="lt1"/>
+          </a:fontRef>
+        </p:style>
+        <p:txBody>
+          <a:bodyPr rtlCol="0" anchor="ctr"/>
+          <a:p>
+            <a:pPr algn="ctr"/>
+            <a:r>
+              <a:rPr lang="zh-CN" altLang="en-US" sz="1400"/>
+              <a:t>标签</a:t>
+            </a:r>
+            <a:r>
+              <a:rPr lang="zh-CN" altLang="en-US" sz="1400"/>
+              <a:t>选择器</a:t>
+            </a:r>
+            <a:endParaRPr lang="zh-CN" altLang="en-US" sz="1400"/>
+          </a:p>
+        </p:txBody>
+      </p:sp>
+      <p:sp>
+        <p:nvSpPr>
+          <p:cNvPr id="20" name="椭圆 19"/>
+          <p:cNvSpPr/>
+          <p:nvPr/>
+        </p:nvSpPr>
+        <p:spPr>
+          <a:xfrm>
+            <a:off x="8242300" y="5680710"/>
+            <a:ext cx="833755" cy="748030"/>
+          </a:xfrm>
+          <a:prstGeom prst="ellipse">
+            <a:avLst/>
+          </a:prstGeom>
+        </p:spPr>
+        <p:style>
+          <a:lnRef idx="2">
+            <a:schemeClr val="accent1">
+              <a:shade val="50000"/>
+            </a:schemeClr>
+          </a:lnRef>
+          <a:fillRef idx="1">
+            <a:schemeClr val="accent1"/>
+          </a:fillRef>
+          <a:effectRef idx="0">
+            <a:schemeClr val="accent1"/>
+          </a:effectRef>
+          <a:fontRef idx="minor">
+            <a:schemeClr val="lt1"/>
+          </a:fontRef>
+        </p:style>
+        <p:txBody>
+          <a:bodyPr rtlCol="0" anchor="ctr"/>
+          <a:p>
+            <a:pPr algn="ctr"/>
+            <a:r>
+              <a:rPr lang="en-US" altLang="zh-CN"/>
+              <a:t>Pod</a:t>
+            </a:r>
+            <a:endParaRPr lang="en-US" altLang="zh-CN"/>
+          </a:p>
+        </p:txBody>
+      </p:sp>
+      <p:sp>
+        <p:nvSpPr>
+          <p:cNvPr id="21" name="椭圆 20"/>
+          <p:cNvSpPr/>
+          <p:nvPr/>
+        </p:nvSpPr>
+        <p:spPr>
+          <a:xfrm>
+            <a:off x="9661525" y="5680710"/>
+            <a:ext cx="833755" cy="748030"/>
+          </a:xfrm>
+          <a:prstGeom prst="ellipse">
+            <a:avLst/>
+          </a:prstGeom>
+        </p:spPr>
+        <p:style>
+          <a:lnRef idx="2">
+            <a:schemeClr val="accent1">
+              <a:shade val="50000"/>
+            </a:schemeClr>
+          </a:lnRef>
+          <a:fillRef idx="1">
+            <a:schemeClr val="accent1"/>
+          </a:fillRef>
+          <a:effectRef idx="0">
+            <a:schemeClr val="accent1"/>
+          </a:effectRef>
+          <a:fontRef idx="minor">
+            <a:schemeClr val="lt1"/>
+          </a:fontRef>
+        </p:style>
+        <p:txBody>
+          <a:bodyPr rtlCol="0" anchor="ctr"/>
+          <a:p>
+            <a:pPr algn="ctr"/>
+            <a:r>
+              <a:rPr lang="en-US" altLang="zh-CN"/>
+              <a:t>Pod</a:t>
+            </a:r>
+            <a:endParaRPr lang="en-US" altLang="zh-CN"/>
+          </a:p>
+        </p:txBody>
+      </p:sp>
+      <p:sp>
+        <p:nvSpPr>
+          <p:cNvPr id="22" name="椭圆 21"/>
+          <p:cNvSpPr/>
+          <p:nvPr/>
+        </p:nvSpPr>
+        <p:spPr>
+          <a:xfrm>
+            <a:off x="11080750" y="5680710"/>
+            <a:ext cx="833755" cy="748030"/>
+          </a:xfrm>
+          <a:prstGeom prst="ellipse">
+            <a:avLst/>
+          </a:prstGeom>
+        </p:spPr>
+        <p:style>
+          <a:lnRef idx="2">
+            <a:schemeClr val="accent1">
+              <a:shade val="50000"/>
+            </a:schemeClr>
+          </a:lnRef>
+          <a:fillRef idx="1">
+            <a:schemeClr val="accent1"/>
+          </a:fillRef>
+          <a:effectRef idx="0">
+            <a:schemeClr val="accent1"/>
+          </a:effectRef>
+          <a:fontRef idx="minor">
+            <a:schemeClr val="lt1"/>
+          </a:fontRef>
+        </p:style>
+        <p:txBody>
+          <a:bodyPr rtlCol="0" anchor="ctr"/>
+          <a:p>
+            <a:pPr algn="ctr"/>
+            <a:r>
+              <a:rPr lang="en-US" altLang="zh-CN"/>
+              <a:t>Pod</a:t>
+            </a:r>
+            <a:endParaRPr lang="en-US" altLang="zh-CN"/>
+          </a:p>
+        </p:txBody>
+      </p:sp>
+      <p:sp>
+        <p:nvSpPr>
+          <p:cNvPr id="23" name="下箭头 22"/>
+          <p:cNvSpPr/>
+          <p:nvPr/>
+        </p:nvSpPr>
+        <p:spPr>
+          <a:xfrm>
+            <a:off x="9963150" y="5240020"/>
+            <a:ext cx="230505" cy="354965"/>
+          </a:xfrm>
+          <a:prstGeom prst="downArrow">
+            <a:avLst/>
+          </a:prstGeom>
+        </p:spPr>
+        <p:style>
+          <a:lnRef idx="2">
+            <a:schemeClr val="accent1">
+              <a:shade val="50000"/>
+            </a:schemeClr>
+          </a:lnRef>
+          <a:fillRef idx="1">
+            <a:schemeClr val="accent1"/>
+          </a:fillRef>
+          <a:effectRef idx="0">
+            <a:schemeClr val="accent1"/>
+          </a:effectRef>
+          <a:fontRef idx="minor">
+            <a:schemeClr val="lt1"/>
+          </a:fontRef>
+        </p:style>
+        <p:txBody>
+          <a:bodyPr rtlCol="0" anchor="ctr"/>
+          <a:p>
+            <a:pPr algn="ctr"/>
+            <a:endParaRPr lang="zh-CN" altLang="en-US"/>
+          </a:p>
+        </p:txBody>
+      </p:sp>
+      <p:sp>
+        <p:nvSpPr>
+          <p:cNvPr id="24" name="五边形 23"/>
+          <p:cNvSpPr/>
+          <p:nvPr/>
+        </p:nvSpPr>
+        <p:spPr>
+          <a:xfrm>
+            <a:off x="7858125" y="5680710"/>
+            <a:ext cx="690880" cy="248920"/>
+          </a:xfrm>
+          <a:prstGeom prst="homePlate">
+            <a:avLst/>
+          </a:prstGeom>
+        </p:spPr>
+        <p:style>
+          <a:lnRef idx="2">
+            <a:schemeClr val="accent1">
+              <a:shade val="50000"/>
+            </a:schemeClr>
+          </a:lnRef>
+          <a:fillRef idx="1">
+            <a:schemeClr val="accent1"/>
+          </a:fillRef>
+          <a:effectRef idx="0">
+            <a:schemeClr val="accent1"/>
+          </a:effectRef>
+          <a:fontRef idx="minor">
+            <a:schemeClr val="lt1"/>
+          </a:fontRef>
+        </p:style>
+        <p:txBody>
+          <a:bodyPr rtlCol="0" anchor="ctr"/>
+          <a:p>
+            <a:pPr algn="ctr"/>
+            <a:r>
+              <a:rPr lang="zh-CN" altLang="en-US" sz="1400"/>
+              <a:t>标签</a:t>
+            </a:r>
+            <a:endParaRPr lang="zh-CN" altLang="en-US" sz="1400"/>
+          </a:p>
+        </p:txBody>
+      </p:sp>
+      <p:sp>
+        <p:nvSpPr>
+          <p:cNvPr id="25" name="五边形 24"/>
+          <p:cNvSpPr/>
+          <p:nvPr/>
+        </p:nvSpPr>
+        <p:spPr>
+          <a:xfrm>
+            <a:off x="9272270" y="5680710"/>
+            <a:ext cx="690880" cy="248920"/>
+          </a:xfrm>
+          <a:prstGeom prst="homePlate">
+            <a:avLst/>
+          </a:prstGeom>
+        </p:spPr>
+        <p:style>
+          <a:lnRef idx="2">
+            <a:schemeClr val="accent1">
+              <a:shade val="50000"/>
+            </a:schemeClr>
+          </a:lnRef>
+          <a:fillRef idx="1">
+            <a:schemeClr val="accent1"/>
+          </a:fillRef>
+          <a:effectRef idx="0">
+            <a:schemeClr val="accent1"/>
+          </a:effectRef>
+          <a:fontRef idx="minor">
+            <a:schemeClr val="lt1"/>
+          </a:fontRef>
+        </p:style>
+        <p:txBody>
+          <a:bodyPr rtlCol="0" anchor="ctr"/>
+          <a:p>
+            <a:pPr algn="ctr"/>
+            <a:r>
+              <a:rPr lang="zh-CN" altLang="en-US" sz="1400"/>
+              <a:t>标签</a:t>
+            </a:r>
+            <a:endParaRPr lang="zh-CN" altLang="en-US" sz="1400"/>
+          </a:p>
+        </p:txBody>
+      </p:sp>
+      <p:sp>
+        <p:nvSpPr>
+          <p:cNvPr id="26" name="五边形 25"/>
+          <p:cNvSpPr/>
+          <p:nvPr/>
+        </p:nvSpPr>
+        <p:spPr>
+          <a:xfrm>
+            <a:off x="10758805" y="5680710"/>
+            <a:ext cx="690880" cy="248920"/>
+          </a:xfrm>
+          <a:prstGeom prst="homePlate">
+            <a:avLst/>
+          </a:prstGeom>
+        </p:spPr>
+        <p:style>
+          <a:lnRef idx="2">
+            <a:schemeClr val="accent1">
+              <a:shade val="50000"/>
+            </a:schemeClr>
+          </a:lnRef>
+          <a:fillRef idx="1">
+            <a:schemeClr val="accent1"/>
+          </a:fillRef>
+          <a:effectRef idx="0">
+            <a:schemeClr val="accent1"/>
+          </a:effectRef>
+          <a:fontRef idx="minor">
+            <a:schemeClr val="lt1"/>
+          </a:fontRef>
+        </p:style>
+        <p:txBody>
+          <a:bodyPr rtlCol="0" anchor="ctr"/>
+          <a:p>
+            <a:pPr algn="ctr"/>
+            <a:r>
+              <a:rPr lang="zh-CN" altLang="en-US" sz="1400"/>
+              <a:t>标签</a:t>
+            </a:r>
+            <a:endParaRPr lang="zh-CN" altLang="en-US" sz="1400"/>
+          </a:p>
+        </p:txBody>
+      </p:sp>
+      <p:sp>
+        <p:nvSpPr>
+          <p:cNvPr id="27" name="文本框 26"/>
+          <p:cNvSpPr txBox="1"/>
+          <p:nvPr/>
+        </p:nvSpPr>
+        <p:spPr>
+          <a:xfrm>
+            <a:off x="5438775" y="4559300"/>
+            <a:ext cx="2646680" cy="922020"/>
+          </a:xfrm>
+          <a:prstGeom prst="rect">
+            <a:avLst/>
+          </a:prstGeom>
+          <a:noFill/>
+        </p:spPr>
+        <p:txBody>
+          <a:bodyPr wrap="square" rtlCol="0" anchor="t">
+            <a:spAutoFit/>
+          </a:bodyPr>
+          <a:p>
+            <a:r>
+              <a:rPr lang="zh-CN" altLang="en-US">
+                <a:latin typeface="宋体" panose="02010600030101010101" pitchFamily="2" charset="-122"/>
+                <a:ea typeface="宋体" panose="02010600030101010101" pitchFamily="2" charset="-122"/>
+                <a:cs typeface="宋体" panose="02010600030101010101" pitchFamily="2" charset="-122"/>
+              </a:rPr>
+              <a:t>K8s一般不直接创建Pod。 而是通过控制器和模版配置来管理和调度</a:t>
             </a:r>
             <a:endParaRPr lang="zh-CN" altLang="en-US">
               <a:latin typeface="宋体" panose="02010600030101010101" pitchFamily="2" charset="-122"/>
@@ -15884,32 +16099,33 @@
       <p:grpSpPr/>
       <p:sp>
         <p:nvSpPr>
-          <p:cNvPr id="2" name="标题 1"/>
-          <p:cNvSpPr>
-            <a:spLocks noGrp="1"/>
-          </p:cNvSpPr>
-          <p:nvPr>
-            <p:ph type="ctrTitle"/>
-          </p:nvPr>
-        </p:nvSpPr>
-        <p:spPr>
-          <a:xfrm>
-            <a:off x="1256030" y="336550"/>
-            <a:ext cx="9267825" cy="557530"/>
-          </a:xfrm>
-        </p:spPr>
-        <p:txBody>
-          <a:bodyPr>
-            <a:normAutofit/>
+          <p:cNvPr id="4" name="文本框 3"/>
+          <p:cNvSpPr txBox="1"/>
+          <p:nvPr/>
+        </p:nvSpPr>
+        <p:spPr>
+          <a:xfrm>
+            <a:off x="142875" y="202565"/>
+            <a:ext cx="11827510" cy="521970"/>
+          </a:xfrm>
+          <a:prstGeom prst="rect">
+            <a:avLst/>
+          </a:prstGeom>
+          <a:noFill/>
+        </p:spPr>
+        <p:txBody>
+          <a:bodyPr wrap="square" rtlCol="0">
+            <a:spAutoFit/>
           </a:bodyPr>
           <a:p>
+            <a:pPr algn="ctr"/>
             <a:r>
               <a:rPr lang="en-US" altLang="zh-CN" sz="2800">
                 <a:latin typeface="宋体" panose="02010600030101010101" pitchFamily="2" charset="-122"/>
                 <a:ea typeface="宋体" panose="02010600030101010101" pitchFamily="2" charset="-122"/>
                 <a:cs typeface="宋体" panose="02010600030101010101" pitchFamily="2" charset="-122"/>
               </a:rPr>
-              <a:t>Node</a:t>
+              <a:t>Master</a:t>
             </a:r>
             <a:r>
               <a:rPr lang="zh-CN" altLang="en-US" sz="2800">
@@ -15929,14 +16145,14 @@
       </p:sp>
       <p:sp>
         <p:nvSpPr>
-          <p:cNvPr id="3" name="文本框 2"/>
+          <p:cNvPr id="2" name="文本框 1"/>
           <p:cNvSpPr txBox="1"/>
           <p:nvPr/>
         </p:nvSpPr>
         <p:spPr>
           <a:xfrm>
-            <a:off x="190500" y="1122680"/>
-            <a:ext cx="11885295" cy="4523105"/>
+            <a:off x="340360" y="835660"/>
+            <a:ext cx="11511280" cy="5908040"/>
           </a:xfrm>
           <a:prstGeom prst="rect">
             <a:avLst/>
@@ -15990,7 +16206,15 @@
                 <a:ea typeface="宋体" panose="02010600030101010101" pitchFamily="2" charset="-122"/>
                 <a:cs typeface="宋体" panose="02010600030101010101" pitchFamily="2" charset="-122"/>
               </a:rPr>
-              <a:t>kubelet</a:t>
+              <a:t>API Server</a:t>
+            </a:r>
+            <a:r>
+              <a:rPr lang="en-US" altLang="zh-CN">
+                <a:latin typeface="宋体" panose="02010600030101010101" pitchFamily="2" charset="-122"/>
+                <a:ea typeface="宋体" panose="02010600030101010101" pitchFamily="2" charset="-122"/>
+                <a:cs typeface="宋体" panose="02010600030101010101" pitchFamily="2" charset="-122"/>
+              </a:rPr>
+              <a:t>(kube-apiserver)</a:t>
             </a:r>
             <a:r>
               <a:rPr lang="zh-CN" altLang="en-US">
@@ -16013,82 +16237,15 @@
                 <a:ea typeface="宋体" panose="02010600030101010101" pitchFamily="2" charset="-122"/>
                 <a:cs typeface="宋体" panose="02010600030101010101" pitchFamily="2" charset="-122"/>
               </a:rPr>
-              <a:t>最重要的组件之一，运作在每个</a:t>
-            </a:r>
-            <a:r>
-              <a:rPr lang="en-US" altLang="zh-CN">
-                <a:latin typeface="宋体" panose="02010600030101010101" pitchFamily="2" charset="-122"/>
-                <a:ea typeface="宋体" panose="02010600030101010101" pitchFamily="2" charset="-122"/>
-                <a:cs typeface="宋体" panose="02010600030101010101" pitchFamily="2" charset="-122"/>
-              </a:rPr>
-              <a:t>Node</a:t>
-            </a:r>
-            <a:r>
-              <a:rPr lang="zh-CN" altLang="en-US">
-                <a:latin typeface="宋体" panose="02010600030101010101" pitchFamily="2" charset="-122"/>
-                <a:ea typeface="宋体" panose="02010600030101010101" pitchFamily="2" charset="-122"/>
-                <a:cs typeface="宋体" panose="02010600030101010101" pitchFamily="2" charset="-122"/>
-              </a:rPr>
-              <a:t>之上的</a:t>
-            </a:r>
-            <a:r>
-              <a:rPr lang="en-US" altLang="zh-CN">
-                <a:latin typeface="宋体" panose="02010600030101010101" pitchFamily="2" charset="-122"/>
-                <a:ea typeface="宋体" panose="02010600030101010101" pitchFamily="2" charset="-122"/>
-                <a:cs typeface="宋体" panose="02010600030101010101" pitchFamily="2" charset="-122"/>
-              </a:rPr>
-              <a:t>“</a:t>
-            </a:r>
-            <a:r>
-              <a:rPr lang="zh-CN" altLang="en-US">
-                <a:latin typeface="宋体" panose="02010600030101010101" pitchFamily="2" charset="-122"/>
-                <a:ea typeface="宋体" panose="02010600030101010101" pitchFamily="2" charset="-122"/>
-                <a:cs typeface="宋体" panose="02010600030101010101" pitchFamily="2" charset="-122"/>
-              </a:rPr>
-              <a:t>节点代理</a:t>
-            </a:r>
-            <a:r>
-              <a:rPr lang="en-US" altLang="zh-CN">
-                <a:latin typeface="宋体" panose="02010600030101010101" pitchFamily="2" charset="-122"/>
-                <a:ea typeface="宋体" panose="02010600030101010101" pitchFamily="2" charset="-122"/>
-                <a:cs typeface="宋体" panose="02010600030101010101" pitchFamily="2" charset="-122"/>
-              </a:rPr>
-              <a:t>”</a:t>
-            </a:r>
-            <a:r>
-              <a:rPr lang="zh-CN" altLang="en-US">
-                <a:latin typeface="宋体" panose="02010600030101010101" pitchFamily="2" charset="-122"/>
-                <a:ea typeface="宋体" panose="02010600030101010101" pitchFamily="2" charset="-122"/>
-                <a:cs typeface="宋体" panose="02010600030101010101" pitchFamily="2" charset="-122"/>
-              </a:rPr>
-              <a:t>服务，负责</a:t>
-            </a:r>
-            <a:r>
-              <a:rPr lang="zh-CN" altLang="en-US">
-                <a:solidFill>
-                  <a:srgbClr val="FF0000"/>
-                </a:solidFill>
-                <a:latin typeface="宋体" panose="02010600030101010101" pitchFamily="2" charset="-122"/>
-                <a:ea typeface="宋体" panose="02010600030101010101" pitchFamily="2" charset="-122"/>
-                <a:cs typeface="宋体" panose="02010600030101010101" pitchFamily="2" charset="-122"/>
-              </a:rPr>
-              <a:t>接收并执行</a:t>
-            </a:r>
-            <a:r>
-              <a:rPr lang="en-US" altLang="zh-CN">
-                <a:latin typeface="宋体" panose="02010600030101010101" pitchFamily="2" charset="-122"/>
-                <a:ea typeface="宋体" panose="02010600030101010101" pitchFamily="2" charset="-122"/>
-                <a:cs typeface="宋体" panose="02010600030101010101" pitchFamily="2" charset="-122"/>
-              </a:rPr>
-              <a:t>Master</a:t>
-            </a:r>
-            <a:r>
-              <a:rPr lang="zh-CN" altLang="en-US">
-                <a:latin typeface="宋体" panose="02010600030101010101" pitchFamily="2" charset="-122"/>
-                <a:ea typeface="宋体" panose="02010600030101010101" pitchFamily="2" charset="-122"/>
-                <a:cs typeface="宋体" panose="02010600030101010101" pitchFamily="2" charset="-122"/>
-              </a:rPr>
-              <a:t>发来的指令；</a:t>
+              <a:t>控制平面前端，编排不同类型应用</a:t>
+            </a:r>
+            <a:r>
+              <a:rPr lang="zh-CN" altLang="en-US">
+                <a:latin typeface="宋体" panose="02010600030101010101" pitchFamily="2" charset="-122"/>
+                <a:ea typeface="宋体" panose="02010600030101010101" pitchFamily="2" charset="-122"/>
+                <a:cs typeface="宋体" panose="02010600030101010101" pitchFamily="2" charset="-122"/>
+              </a:rPr>
+              <a:t>；</a:t>
             </a:r>
             <a:endParaRPr lang="zh-CN" altLang="en-US">
               <a:latin typeface="宋体" panose="02010600030101010101" pitchFamily="2" charset="-122"/>
@@ -16099,6 +16256,53 @@
           <a:p>
             <a:r>
               <a:rPr lang="zh-CN" altLang="en-US">
+                <a:latin typeface="宋体" panose="02010600030101010101" pitchFamily="2" charset="-122"/>
+                <a:ea typeface="宋体" panose="02010600030101010101" pitchFamily="2" charset="-122"/>
+                <a:cs typeface="宋体" panose="02010600030101010101" pitchFamily="2" charset="-122"/>
+              </a:rPr>
+              <a:t>集群网关接口，接收、校验以及响应所有</a:t>
+            </a:r>
+            <a:r>
+              <a:rPr lang="en-US" altLang="zh-CN">
+                <a:latin typeface="宋体" panose="02010600030101010101" pitchFamily="2" charset="-122"/>
+                <a:ea typeface="宋体" panose="02010600030101010101" pitchFamily="2" charset="-122"/>
+                <a:cs typeface="宋体" panose="02010600030101010101" pitchFamily="2" charset="-122"/>
+              </a:rPr>
+              <a:t>REST</a:t>
+            </a:r>
+            <a:r>
+              <a:rPr lang="zh-CN" altLang="en-US">
+                <a:latin typeface="宋体" panose="02010600030101010101" pitchFamily="2" charset="-122"/>
+                <a:ea typeface="宋体" panose="02010600030101010101" pitchFamily="2" charset="-122"/>
+                <a:cs typeface="宋体" panose="02010600030101010101" pitchFamily="2" charset="-122"/>
+              </a:rPr>
+              <a:t>请求，并将结果状态存储</a:t>
+            </a:r>
+            <a:r>
+              <a:rPr lang="en-US" altLang="zh-CN">
+                <a:latin typeface="宋体" panose="02010600030101010101" pitchFamily="2" charset="-122"/>
+                <a:ea typeface="宋体" panose="02010600030101010101" pitchFamily="2" charset="-122"/>
+                <a:cs typeface="宋体" panose="02010600030101010101" pitchFamily="2" charset="-122"/>
+              </a:rPr>
+              <a:t>etcd</a:t>
+            </a:r>
+            <a:r>
+              <a:rPr lang="zh-CN" altLang="en-US">
+                <a:latin typeface="宋体" panose="02010600030101010101" pitchFamily="2" charset="-122"/>
+                <a:ea typeface="宋体" panose="02010600030101010101" pitchFamily="2" charset="-122"/>
+                <a:cs typeface="宋体" panose="02010600030101010101" pitchFamily="2" charset="-122"/>
+              </a:rPr>
+              <a:t>中。</a:t>
+            </a:r>
+            <a:endParaRPr lang="en-US" altLang="zh-CN">
+              <a:latin typeface="宋体" panose="02010600030101010101" pitchFamily="2" charset="-122"/>
+              <a:ea typeface="宋体" panose="02010600030101010101" pitchFamily="2" charset="-122"/>
+              <a:cs typeface="宋体" panose="02010600030101010101" pitchFamily="2" charset="-122"/>
+            </a:endParaRPr>
+          </a:p>
+          <a:p>
+            <a:r>
+              <a:rPr lang="zh-CN" altLang="en-US">
                 <a:solidFill>
                   <a:srgbClr val="FF0000"/>
                 </a:solidFill>
@@ -16106,50 +16310,32 @@
                 <a:ea typeface="宋体" panose="02010600030101010101" pitchFamily="2" charset="-122"/>
                 <a:cs typeface="宋体" panose="02010600030101010101" pitchFamily="2" charset="-122"/>
               </a:rPr>
-              <a:t>管理</a:t>
-            </a:r>
-            <a:r>
-              <a:rPr lang="zh-CN" altLang="en-US">
-                <a:latin typeface="宋体" panose="02010600030101010101" pitchFamily="2" charset="-122"/>
-                <a:ea typeface="宋体" panose="02010600030101010101" pitchFamily="2" charset="-122"/>
-                <a:cs typeface="宋体" panose="02010600030101010101" pitchFamily="2" charset="-122"/>
-              </a:rPr>
-              <a:t>当前</a:t>
+              <a:t>（</a:t>
             </a:r>
             <a:r>
               <a:rPr lang="en-US" altLang="zh-CN">
-                <a:latin typeface="宋体" panose="02010600030101010101" pitchFamily="2" charset="-122"/>
-                <a:ea typeface="宋体" panose="02010600030101010101" pitchFamily="2" charset="-122"/>
-                <a:cs typeface="宋体" panose="02010600030101010101" pitchFamily="2" charset="-122"/>
-              </a:rPr>
-              <a:t>Node</a:t>
-            </a:r>
-            <a:r>
-              <a:rPr lang="zh-CN" altLang="en-US">
-                <a:latin typeface="宋体" panose="02010600030101010101" pitchFamily="2" charset="-122"/>
-                <a:ea typeface="宋体" panose="02010600030101010101" pitchFamily="2" charset="-122"/>
-                <a:cs typeface="宋体" panose="02010600030101010101" pitchFamily="2" charset="-122"/>
-              </a:rPr>
-              <a:t>上</a:t>
+                <a:solidFill>
+                  <a:srgbClr val="FF0000"/>
+                </a:solidFill>
+                <a:latin typeface="宋体" panose="02010600030101010101" pitchFamily="2" charset="-122"/>
+                <a:ea typeface="宋体" panose="02010600030101010101" pitchFamily="2" charset="-122"/>
+                <a:cs typeface="宋体" panose="02010600030101010101" pitchFamily="2" charset="-122"/>
+              </a:rPr>
+              <a:t>2</a:t>
+            </a:r>
+            <a:r>
+              <a:rPr lang="zh-CN" altLang="en-US">
+                <a:solidFill>
+                  <a:srgbClr val="FF0000"/>
+                </a:solidFill>
+                <a:latin typeface="宋体" panose="02010600030101010101" pitchFamily="2" charset="-122"/>
+                <a:ea typeface="宋体" panose="02010600030101010101" pitchFamily="2" charset="-122"/>
+                <a:cs typeface="宋体" panose="02010600030101010101" pitchFamily="2" charset="-122"/>
+              </a:rPr>
+              <a:t>）</a:t>
             </a:r>
             <a:r>
               <a:rPr lang="en-US" altLang="zh-CN">
-                <a:latin typeface="宋体" panose="02010600030101010101" pitchFamily="2" charset="-122"/>
-                <a:ea typeface="宋体" panose="02010600030101010101" pitchFamily="2" charset="-122"/>
-                <a:cs typeface="宋体" panose="02010600030101010101" pitchFamily="2" charset="-122"/>
-              </a:rPr>
-              <a:t>Pod</a:t>
-            </a:r>
-            <a:r>
-              <a:rPr lang="zh-CN" altLang="en-US">
-                <a:latin typeface="宋体" panose="02010600030101010101" pitchFamily="2" charset="-122"/>
-                <a:ea typeface="宋体" panose="02010600030101010101" pitchFamily="2" charset="-122"/>
-                <a:cs typeface="宋体" panose="02010600030101010101" pitchFamily="2" charset="-122"/>
-              </a:rPr>
-              <a:t>对象的</a:t>
-            </a:r>
-            <a:r>
-              <a:rPr lang="zh-CN" altLang="en-US">
                 <a:solidFill>
                   <a:srgbClr val="FF0000"/>
                 </a:solidFill>
@@ -16157,26 +16343,7 @@
                 <a:ea typeface="宋体" panose="02010600030101010101" pitchFamily="2" charset="-122"/>
                 <a:cs typeface="宋体" panose="02010600030101010101" pitchFamily="2" charset="-122"/>
               </a:rPr>
-              <a:t>容器</a:t>
-            </a:r>
-            <a:r>
-              <a:rPr lang="zh-CN" altLang="en-US">
-                <a:latin typeface="宋体" panose="02010600030101010101" pitchFamily="2" charset="-122"/>
-                <a:ea typeface="宋体" panose="02010600030101010101" pitchFamily="2" charset="-122"/>
-                <a:cs typeface="宋体" panose="02010600030101010101" pitchFamily="2" charset="-122"/>
-              </a:rPr>
-              <a:t>等任务，</a:t>
-            </a:r>
-            <a:r>
-              <a:rPr lang="zh-CN" altLang="en-US">
-                <a:solidFill>
-                  <a:srgbClr val="FF0000"/>
-                </a:solidFill>
-                <a:latin typeface="宋体" panose="02010600030101010101" pitchFamily="2" charset="-122"/>
-                <a:ea typeface="宋体" panose="02010600030101010101" pitchFamily="2" charset="-122"/>
-                <a:cs typeface="宋体" panose="02010600030101010101" pitchFamily="2" charset="-122"/>
-              </a:rPr>
-              <a:t>监视</a:t>
+              <a:t>Controller-Manager</a:t>
             </a:r>
             <a:r>
               <a:rPr lang="en-US" altLang="zh-CN">
@@ -16184,23 +16351,15 @@
                 <a:ea typeface="宋体" panose="02010600030101010101" pitchFamily="2" charset="-122"/>
                 <a:cs typeface="宋体" panose="02010600030101010101" pitchFamily="2" charset="-122"/>
               </a:rPr>
-              <a:t>Pod</a:t>
-            </a:r>
-            <a:r>
-              <a:rPr lang="zh-CN" altLang="en-US">
-                <a:latin typeface="宋体" panose="02010600030101010101" pitchFamily="2" charset="-122"/>
-                <a:ea typeface="宋体" panose="02010600030101010101" pitchFamily="2" charset="-122"/>
-                <a:cs typeface="宋体" panose="02010600030101010101" pitchFamily="2" charset="-122"/>
-              </a:rPr>
-              <a:t>的监控状态，探针</a:t>
-            </a:r>
-            <a:r>
-              <a:rPr lang="zh-CN" altLang="en-US">
-                <a:latin typeface="宋体" panose="02010600030101010101" pitchFamily="2" charset="-122"/>
-                <a:ea typeface="宋体" panose="02010600030101010101" pitchFamily="2" charset="-122"/>
-                <a:cs typeface="宋体" panose="02010600030101010101" pitchFamily="2" charset="-122"/>
-              </a:rPr>
-              <a:t>等；</a:t>
+              <a:t>(Kube-controller-manager)</a:t>
+            </a:r>
+            <a:r>
+              <a:rPr lang="zh-CN" altLang="en-US">
+                <a:latin typeface="宋体" panose="02010600030101010101" pitchFamily="2" charset="-122"/>
+                <a:ea typeface="宋体" panose="02010600030101010101" pitchFamily="2" charset="-122"/>
+                <a:cs typeface="宋体" panose="02010600030101010101" pitchFamily="2" charset="-122"/>
+              </a:rPr>
+              <a:t>：</a:t>
             </a:r>
             <a:endParaRPr lang="zh-CN" altLang="en-US">
               <a:latin typeface="宋体" panose="02010600030101010101" pitchFamily="2" charset="-122"/>
@@ -16211,6 +16370,14 @@
           <a:p>
             <a:r>
               <a:rPr lang="zh-CN" altLang="en-US">
+                <a:latin typeface="宋体" panose="02010600030101010101" pitchFamily="2" charset="-122"/>
+                <a:ea typeface="宋体" panose="02010600030101010101" pitchFamily="2" charset="-122"/>
+                <a:cs typeface="宋体" panose="02010600030101010101" pitchFamily="2" charset="-122"/>
+              </a:rPr>
+              <a:t>Controller Manager作为集群内部的</a:t>
+            </a:r>
+            <a:r>
+              <a:rPr lang="zh-CN" altLang="en-US">
                 <a:solidFill>
                   <a:srgbClr val="FF0000"/>
                 </a:solidFill>
@@ -16218,45 +16385,34 @@
                 <a:ea typeface="宋体" panose="02010600030101010101" pitchFamily="2" charset="-122"/>
                 <a:cs typeface="宋体" panose="02010600030101010101" pitchFamily="2" charset="-122"/>
               </a:rPr>
-              <a:t>（</a:t>
-            </a:r>
-            <a:r>
-              <a:rPr lang="en-US" altLang="zh-CN">
-                <a:solidFill>
-                  <a:srgbClr val="FF0000"/>
-                </a:solidFill>
-                <a:latin typeface="宋体" panose="02010600030101010101" pitchFamily="2" charset="-122"/>
-                <a:ea typeface="宋体" panose="02010600030101010101" pitchFamily="2" charset="-122"/>
-                <a:cs typeface="宋体" panose="02010600030101010101" pitchFamily="2" charset="-122"/>
-              </a:rPr>
-              <a:t>2</a:t>
-            </a:r>
-            <a:r>
-              <a:rPr lang="zh-CN" altLang="en-US">
-                <a:solidFill>
-                  <a:srgbClr val="FF0000"/>
-                </a:solidFill>
-                <a:latin typeface="宋体" panose="02010600030101010101" pitchFamily="2" charset="-122"/>
-                <a:ea typeface="宋体" panose="02010600030101010101" pitchFamily="2" charset="-122"/>
-                <a:cs typeface="宋体" panose="02010600030101010101" pitchFamily="2" charset="-122"/>
-              </a:rPr>
-              <a:t>）容器运行时环境</a:t>
-            </a:r>
-            <a:r>
-              <a:rPr lang="en-US" altLang="zh-CN">
-                <a:solidFill>
-                  <a:srgbClr val="FF0000"/>
-                </a:solidFill>
-                <a:latin typeface="宋体" panose="02010600030101010101" pitchFamily="2" charset="-122"/>
-                <a:ea typeface="宋体" panose="02010600030101010101" pitchFamily="2" charset="-122"/>
-                <a:cs typeface="宋体" panose="02010600030101010101" pitchFamily="2" charset="-122"/>
-              </a:rPr>
-              <a:t>:</a:t>
+              <a:t>管理控制中心</a:t>
+            </a:r>
+            <a:r>
+              <a:rPr lang="zh-CN" altLang="en-US">
+                <a:latin typeface="宋体" panose="02010600030101010101" pitchFamily="2" charset="-122"/>
+                <a:ea typeface="宋体" panose="02010600030101010101" pitchFamily="2" charset="-122"/>
+                <a:cs typeface="宋体" panose="02010600030101010101" pitchFamily="2" charset="-122"/>
+              </a:rPr>
+              <a:t>，负责集群内的Node、Pod副本、服务端点（Endpoint）、命名空间（Namespace）、服务账号（ServiceAccount）、资源定额（ResourceQuota）</a:t>
+            </a:r>
+            <a:r>
+              <a:rPr lang="zh-CN" altLang="en-US">
+                <a:latin typeface="宋体" panose="02010600030101010101" pitchFamily="2" charset="-122"/>
+                <a:ea typeface="宋体" panose="02010600030101010101" pitchFamily="2" charset="-122"/>
+                <a:cs typeface="宋体" panose="02010600030101010101" pitchFamily="2" charset="-122"/>
+                <a:sym typeface="+mn-ea"/>
+              </a:rPr>
+              <a:t>等</a:t>
+            </a:r>
+            <a:r>
+              <a:rPr lang="zh-CN" altLang="en-US">
+                <a:latin typeface="宋体" panose="02010600030101010101" pitchFamily="2" charset="-122"/>
+                <a:ea typeface="宋体" panose="02010600030101010101" pitchFamily="2" charset="-122"/>
+                <a:cs typeface="宋体" panose="02010600030101010101" pitchFamily="2" charset="-122"/>
+              </a:rPr>
+              <a:t>的管理；</a:t>
             </a:r>
             <a:endParaRPr lang="zh-CN" altLang="en-US">
-              <a:solidFill>
-                <a:srgbClr val="FF0000"/>
-              </a:solidFill>
               <a:latin typeface="宋体" panose="02010600030101010101" pitchFamily="2" charset="-122"/>
               <a:ea typeface="宋体" panose="02010600030101010101" pitchFamily="2" charset="-122"/>
               <a:cs typeface="宋体" panose="02010600030101010101" pitchFamily="2" charset="-122"/>
@@ -16264,7 +16420,15 @@
           </a:p>
           <a:p>
             <a:r>
-              <a:rPr lang="zh-CN" altLang="en-US">
+              <a:rPr>
+                <a:latin typeface="宋体" panose="02010600030101010101" pitchFamily="2" charset="-122"/>
+                <a:ea typeface="宋体" panose="02010600030101010101" pitchFamily="2" charset="-122"/>
+                <a:cs typeface="宋体" panose="02010600030101010101" pitchFamily="2" charset="-122"/>
+              </a:rPr>
+              <a:t>每个Controller通过API Server提供的接口实时监控整个集群的每个资源对象的当前状态，</a:t>
+            </a:r>
+            <a:r>
+              <a:rPr>
                 <a:solidFill>
                   <a:srgbClr val="FF0000"/>
                 </a:solidFill>
@@ -16272,155 +16436,96 @@
                 <a:ea typeface="宋体" panose="02010600030101010101" pitchFamily="2" charset="-122"/>
                 <a:cs typeface="宋体" panose="02010600030101010101" pitchFamily="2" charset="-122"/>
               </a:rPr>
-              <a:t>负责运行容器</a:t>
-            </a:r>
-            <a:r>
-              <a:rPr lang="zh-CN" altLang="en-US">
-                <a:solidFill>
-                  <a:schemeClr val="tx1"/>
-                </a:solidFill>
-                <a:latin typeface="宋体" panose="02010600030101010101" pitchFamily="2" charset="-122"/>
-                <a:ea typeface="宋体" panose="02010600030101010101" pitchFamily="2" charset="-122"/>
-                <a:cs typeface="宋体" panose="02010600030101010101" pitchFamily="2" charset="-122"/>
-              </a:rPr>
-              <a:t>的依然是底层的容器运行时，</a:t>
+              <a:t>当发生各种故障导致系统状态发生变化时，会尝试将系统状态修复到“期望状态”</a:t>
+            </a:r>
+            <a:r>
+              <a:rPr>
+                <a:latin typeface="宋体" panose="02010600030101010101" pitchFamily="2" charset="-122"/>
+                <a:ea typeface="宋体" panose="02010600030101010101" pitchFamily="2" charset="-122"/>
+                <a:cs typeface="宋体" panose="02010600030101010101" pitchFamily="2" charset="-122"/>
+              </a:rPr>
+              <a:t>。</a:t>
+            </a:r>
+            <a:r>
+              <a:rPr lang="en-US">
+                <a:latin typeface="宋体" panose="02010600030101010101" pitchFamily="2" charset="-122"/>
+                <a:ea typeface="宋体" panose="02010600030101010101" pitchFamily="2" charset="-122"/>
+                <a:cs typeface="宋体" panose="02010600030101010101" pitchFamily="2" charset="-122"/>
+              </a:rPr>
+              <a:t> </a:t>
             </a:r>
             <a:r>
               <a:rPr lang="en-US" altLang="zh-CN">
-                <a:solidFill>
-                  <a:schemeClr val="tx1"/>
-                </a:solidFill>
-                <a:latin typeface="宋体" panose="02010600030101010101" pitchFamily="2" charset="-122"/>
-                <a:ea typeface="宋体" panose="02010600030101010101" pitchFamily="2" charset="-122"/>
-                <a:cs typeface="宋体" panose="02010600030101010101" pitchFamily="2" charset="-122"/>
-              </a:rPr>
-              <a:t>kubelet</a:t>
-            </a:r>
-            <a:r>
-              <a:rPr lang="zh-CN" altLang="en-US">
-                <a:solidFill>
-                  <a:schemeClr val="tx1"/>
-                </a:solidFill>
-                <a:latin typeface="宋体" panose="02010600030101010101" pitchFamily="2" charset="-122"/>
-                <a:ea typeface="宋体" panose="02010600030101010101" pitchFamily="2" charset="-122"/>
-                <a:cs typeface="宋体" panose="02010600030101010101" pitchFamily="2" charset="-122"/>
-              </a:rPr>
-              <a:t>通过</a:t>
+                <a:latin typeface="宋体" panose="02010600030101010101" pitchFamily="2" charset="-122"/>
+                <a:ea typeface="宋体" panose="02010600030101010101" pitchFamily="2" charset="-122"/>
+                <a:cs typeface="宋体" panose="02010600030101010101" pitchFamily="2" charset="-122"/>
+                <a:sym typeface="+mn-ea"/>
+              </a:rPr>
+              <a:t>10</a:t>
+            </a:r>
+            <a:r>
+              <a:rPr lang="zh-CN" altLang="en-US">
+                <a:latin typeface="宋体" panose="02010600030101010101" pitchFamily="2" charset="-122"/>
+                <a:ea typeface="宋体" panose="02010600030101010101" pitchFamily="2" charset="-122"/>
+                <a:cs typeface="宋体" panose="02010600030101010101" pitchFamily="2" charset="-122"/>
+                <a:sym typeface="+mn-ea"/>
+              </a:rPr>
+              <a:t>种类型的</a:t>
             </a:r>
             <a:r>
               <a:rPr lang="en-US" altLang="zh-CN">
-                <a:solidFill>
-                  <a:schemeClr val="tx1"/>
-                </a:solidFill>
-                <a:latin typeface="宋体" panose="02010600030101010101" pitchFamily="2" charset="-122"/>
-                <a:ea typeface="宋体" panose="02010600030101010101" pitchFamily="2" charset="-122"/>
-                <a:cs typeface="宋体" panose="02010600030101010101" pitchFamily="2" charset="-122"/>
-              </a:rPr>
-              <a:t>CRI</a:t>
-            </a:r>
-            <a:r>
-              <a:rPr lang="zh-CN" altLang="en-US">
-                <a:solidFill>
-                  <a:schemeClr val="tx1"/>
-                </a:solidFill>
-                <a:latin typeface="宋体" panose="02010600030101010101" pitchFamily="2" charset="-122"/>
-                <a:ea typeface="宋体" panose="02010600030101010101" pitchFamily="2" charset="-122"/>
-                <a:cs typeface="宋体" panose="02010600030101010101" pitchFamily="2" charset="-122"/>
-              </a:rPr>
-              <a:t>可支持多种类型的</a:t>
+                <a:latin typeface="宋体" panose="02010600030101010101" pitchFamily="2" charset="-122"/>
+                <a:ea typeface="宋体" panose="02010600030101010101" pitchFamily="2" charset="-122"/>
+                <a:cs typeface="宋体" panose="02010600030101010101" pitchFamily="2" charset="-122"/>
+                <a:sym typeface="+mn-ea"/>
+              </a:rPr>
+              <a:t>API</a:t>
+            </a:r>
+            <a:r>
+              <a:rPr lang="zh-CN" altLang="en-US">
+                <a:latin typeface="宋体" panose="02010600030101010101" pitchFamily="2" charset="-122"/>
+                <a:ea typeface="宋体" panose="02010600030101010101" pitchFamily="2" charset="-122"/>
+                <a:cs typeface="宋体" panose="02010600030101010101" pitchFamily="2" charset="-122"/>
+                <a:sym typeface="+mn-ea"/>
+              </a:rPr>
+              <a:t>对象控制器；</a:t>
+            </a:r>
+            <a:endParaRPr lang="zh-CN" altLang="en-US">
+              <a:latin typeface="宋体" panose="02010600030101010101" pitchFamily="2" charset="-122"/>
+              <a:ea typeface="宋体" panose="02010600030101010101" pitchFamily="2" charset="-122"/>
+              <a:cs typeface="宋体" panose="02010600030101010101" pitchFamily="2" charset="-122"/>
+              <a:sym typeface="+mn-ea"/>
+            </a:endParaRPr>
+          </a:p>
+          <a:p>
+            <a:r>
+              <a:rPr lang="zh-CN" altLang="en-US">
+                <a:latin typeface="宋体" panose="02010600030101010101" pitchFamily="2" charset="-122"/>
+                <a:ea typeface="宋体" panose="02010600030101010101" pitchFamily="2" charset="-122"/>
+                <a:cs typeface="宋体" panose="02010600030101010101" pitchFamily="2" charset="-122"/>
+                <a:sym typeface="+mn-ea"/>
+              </a:rPr>
+              <a:t>例如：当某个</a:t>
             </a:r>
             <a:r>
               <a:rPr lang="en-US" altLang="zh-CN">
-                <a:solidFill>
-                  <a:schemeClr val="tx1"/>
-                </a:solidFill>
-                <a:latin typeface="宋体" panose="02010600030101010101" pitchFamily="2" charset="-122"/>
-                <a:ea typeface="宋体" panose="02010600030101010101" pitchFamily="2" charset="-122"/>
-                <a:cs typeface="宋体" panose="02010600030101010101" pitchFamily="2" charset="-122"/>
-              </a:rPr>
-              <a:t>OCI</a:t>
-            </a:r>
-            <a:r>
-              <a:rPr lang="zh-CN" altLang="en-US">
-                <a:solidFill>
-                  <a:schemeClr val="tx1"/>
-                </a:solidFill>
-                <a:latin typeface="宋体" panose="02010600030101010101" pitchFamily="2" charset="-122"/>
-                <a:ea typeface="宋体" panose="02010600030101010101" pitchFamily="2" charset="-122"/>
-                <a:cs typeface="宋体" panose="02010600030101010101" pitchFamily="2" charset="-122"/>
-              </a:rPr>
-              <a:t>容器运行时，例如：</a:t>
-            </a:r>
-            <a:r>
-              <a:rPr lang="en-US" altLang="zh-CN">
-                <a:solidFill>
-                  <a:schemeClr val="tx1"/>
-                </a:solidFill>
-                <a:latin typeface="宋体" panose="02010600030101010101" pitchFamily="2" charset="-122"/>
-                <a:ea typeface="宋体" panose="02010600030101010101" pitchFamily="2" charset="-122"/>
-                <a:cs typeface="宋体" panose="02010600030101010101" pitchFamily="2" charset="-122"/>
-              </a:rPr>
-              <a:t>docker</a:t>
-            </a:r>
-            <a:r>
-              <a:rPr lang="zh-CN" altLang="en-US">
-                <a:solidFill>
-                  <a:schemeClr val="tx1"/>
-                </a:solidFill>
-                <a:latin typeface="宋体" panose="02010600030101010101" pitchFamily="2" charset="-122"/>
-                <a:ea typeface="宋体" panose="02010600030101010101" pitchFamily="2" charset="-122"/>
-                <a:cs typeface="宋体" panose="02010600030101010101" pitchFamily="2" charset="-122"/>
-              </a:rPr>
-              <a:t>、</a:t>
-            </a:r>
-            <a:r>
-              <a:rPr lang="en-US" altLang="zh-CN">
-                <a:solidFill>
-                  <a:schemeClr val="tx1"/>
-                </a:solidFill>
-                <a:latin typeface="宋体" panose="02010600030101010101" pitchFamily="2" charset="-122"/>
-                <a:ea typeface="宋体" panose="02010600030101010101" pitchFamily="2" charset="-122"/>
-                <a:cs typeface="宋体" panose="02010600030101010101" pitchFamily="2" charset="-122"/>
-              </a:rPr>
-              <a:t>containerd</a:t>
-            </a:r>
-            <a:r>
-              <a:rPr lang="zh-CN" altLang="en-US">
-                <a:solidFill>
-                  <a:schemeClr val="tx1"/>
-                </a:solidFill>
-                <a:latin typeface="宋体" panose="02010600030101010101" pitchFamily="2" charset="-122"/>
-                <a:ea typeface="宋体" panose="02010600030101010101" pitchFamily="2" charset="-122"/>
-                <a:cs typeface="宋体" panose="02010600030101010101" pitchFamily="2" charset="-122"/>
-              </a:rPr>
-              <a:t>、</a:t>
-            </a:r>
-            <a:r>
-              <a:rPr lang="en-US" altLang="zh-CN">
-                <a:solidFill>
-                  <a:schemeClr val="tx1"/>
-                </a:solidFill>
-                <a:latin typeface="宋体" panose="02010600030101010101" pitchFamily="2" charset="-122"/>
-                <a:ea typeface="宋体" panose="02010600030101010101" pitchFamily="2" charset="-122"/>
-                <a:cs typeface="宋体" panose="02010600030101010101" pitchFamily="2" charset="-122"/>
-              </a:rPr>
-              <a:t>CRI-O</a:t>
-            </a:r>
-            <a:r>
-              <a:rPr lang="zh-CN" altLang="en-US">
-                <a:solidFill>
-                  <a:schemeClr val="tx1"/>
-                </a:solidFill>
-                <a:latin typeface="宋体" panose="02010600030101010101" pitchFamily="2" charset="-122"/>
-                <a:ea typeface="宋体" panose="02010600030101010101" pitchFamily="2" charset="-122"/>
-                <a:cs typeface="宋体" panose="02010600030101010101" pitchFamily="2" charset="-122"/>
-              </a:rPr>
-              <a:t>等。</a:t>
-            </a:r>
-            <a:endParaRPr lang="zh-CN" altLang="en-US">
-              <a:solidFill>
-                <a:schemeClr val="tx1"/>
-              </a:solidFill>
+                <a:latin typeface="宋体" panose="02010600030101010101" pitchFamily="2" charset="-122"/>
+                <a:ea typeface="宋体" panose="02010600030101010101" pitchFamily="2" charset="-122"/>
+                <a:cs typeface="宋体" panose="02010600030101010101" pitchFamily="2" charset="-122"/>
+                <a:sym typeface="+mn-ea"/>
+              </a:rPr>
+              <a:t>Pod</a:t>
+            </a:r>
+            <a:r>
+              <a:rPr lang="zh-CN" altLang="en-US">
+                <a:latin typeface="宋体" panose="02010600030101010101" pitchFamily="2" charset="-122"/>
+                <a:ea typeface="宋体" panose="02010600030101010101" pitchFamily="2" charset="-122"/>
+                <a:cs typeface="宋体" panose="02010600030101010101" pitchFamily="2" charset="-122"/>
+                <a:sym typeface="+mn-ea"/>
+              </a:rPr>
+              <a:t>意外宕机时，Controller Manager会及时发现并执行自动化修复流程，确保集群始终处于预期的工作状态。</a:t>
+            </a:r>
+            <a:endParaRPr>
               <a:latin typeface="宋体" panose="02010600030101010101" pitchFamily="2" charset="-122"/>
               <a:ea typeface="宋体" panose="02010600030101010101" pitchFamily="2" charset="-122"/>
               <a:cs typeface="宋体" panose="02010600030101010101" pitchFamily="2" charset="-122"/>
@@ -16430,18 +16535,72 @@
             <a:r>
               <a:rPr lang="zh-CN" altLang="en-US">
                 <a:solidFill>
-                  <a:schemeClr val="tx1"/>
-                </a:solidFill>
-                <a:latin typeface="宋体" panose="02010600030101010101" pitchFamily="2" charset="-122"/>
-                <a:ea typeface="宋体" panose="02010600030101010101" pitchFamily="2" charset="-122"/>
-                <a:cs typeface="宋体" panose="02010600030101010101" pitchFamily="2" charset="-122"/>
-              </a:rPr>
-              <a:t>近日 K8s 官方称最早将在 1.23版本弃用 docker 作为容器运行时，并在博客中强调可以使用如 containerd 等 CRI 运行时来代替 docker。</a:t>
+                  <a:srgbClr val="FF0000"/>
+                </a:solidFill>
+                <a:latin typeface="宋体" panose="02010600030101010101" pitchFamily="2" charset="-122"/>
+                <a:ea typeface="宋体" panose="02010600030101010101" pitchFamily="2" charset="-122"/>
+                <a:cs typeface="宋体" panose="02010600030101010101" pitchFamily="2" charset="-122"/>
+              </a:rPr>
+              <a:t>（</a:t>
+            </a:r>
+            <a:r>
+              <a:rPr lang="en-US" altLang="zh-CN">
+                <a:solidFill>
+                  <a:srgbClr val="FF0000"/>
+                </a:solidFill>
+                <a:latin typeface="宋体" panose="02010600030101010101" pitchFamily="2" charset="-122"/>
+                <a:ea typeface="宋体" panose="02010600030101010101" pitchFamily="2" charset="-122"/>
+                <a:cs typeface="宋体" panose="02010600030101010101" pitchFamily="2" charset="-122"/>
+              </a:rPr>
+              <a:t>3</a:t>
+            </a:r>
+            <a:r>
+              <a:rPr lang="zh-CN" altLang="en-US">
+                <a:solidFill>
+                  <a:srgbClr val="FF0000"/>
+                </a:solidFill>
+                <a:latin typeface="宋体" panose="02010600030101010101" pitchFamily="2" charset="-122"/>
+                <a:ea typeface="宋体" panose="02010600030101010101" pitchFamily="2" charset="-122"/>
+                <a:cs typeface="宋体" panose="02010600030101010101" pitchFamily="2" charset="-122"/>
+              </a:rPr>
+              <a:t>）</a:t>
+            </a:r>
+            <a:r>
+              <a:rPr lang="en-US" altLang="zh-CN">
+                <a:solidFill>
+                  <a:srgbClr val="FF0000"/>
+                </a:solidFill>
+                <a:latin typeface="宋体" panose="02010600030101010101" pitchFamily="2" charset="-122"/>
+                <a:ea typeface="宋体" panose="02010600030101010101" pitchFamily="2" charset="-122"/>
+                <a:cs typeface="宋体" panose="02010600030101010101" pitchFamily="2" charset="-122"/>
+              </a:rPr>
+              <a:t>Scheduler</a:t>
+            </a:r>
+            <a:r>
+              <a:rPr lang="zh-CN" altLang="en-US">
+                <a:latin typeface="宋体" panose="02010600030101010101" pitchFamily="2" charset="-122"/>
+                <a:ea typeface="宋体" panose="02010600030101010101" pitchFamily="2" charset="-122"/>
+                <a:cs typeface="宋体" panose="02010600030101010101" pitchFamily="2" charset="-122"/>
+              </a:rPr>
+              <a:t>（</a:t>
+            </a:r>
+            <a:r>
+              <a:rPr lang="en-US" altLang="zh-CN">
+                <a:latin typeface="宋体" panose="02010600030101010101" pitchFamily="2" charset="-122"/>
+                <a:ea typeface="宋体" panose="02010600030101010101" pitchFamily="2" charset="-122"/>
+                <a:cs typeface="宋体" panose="02010600030101010101" pitchFamily="2" charset="-122"/>
+              </a:rPr>
+              <a:t>kube-scheduler</a:t>
+            </a:r>
+            <a:r>
+              <a:rPr lang="zh-CN" altLang="en-US">
+                <a:latin typeface="宋体" panose="02010600030101010101" pitchFamily="2" charset="-122"/>
+                <a:ea typeface="宋体" panose="02010600030101010101" pitchFamily="2" charset="-122"/>
+                <a:cs typeface="宋体" panose="02010600030101010101" pitchFamily="2" charset="-122"/>
+              </a:rPr>
+              <a:t>）：</a:t>
             </a:r>
             <a:endParaRPr lang="zh-CN" altLang="en-US">
-              <a:solidFill>
-                <a:schemeClr val="tx1"/>
-              </a:solidFill>
               <a:latin typeface="宋体" panose="02010600030101010101" pitchFamily="2" charset="-122"/>
               <a:ea typeface="宋体" panose="02010600030101010101" pitchFamily="2" charset="-122"/>
               <a:cs typeface="宋体" panose="02010600030101010101" pitchFamily="2" charset="-122"/>
@@ -16449,21 +16608,103 @@
           </a:p>
           <a:p>
             <a:r>
-              <a:rPr lang="zh-CN" altLang="en-US">
-                <a:solidFill>
-                  <a:schemeClr val="tx1"/>
-                </a:solidFill>
-                <a:latin typeface="宋体" panose="02010600030101010101" pitchFamily="2" charset="-122"/>
-                <a:ea typeface="宋体" panose="02010600030101010101" pitchFamily="2" charset="-122"/>
-                <a:cs typeface="宋体" panose="02010600030101010101" pitchFamily="2" charset="-122"/>
-                <a:hlinkClick r:id="rId1" action="ppaction://hlinkfile"/>
-              </a:rPr>
-              <a:t>https://kubernetes.io/zh/blog/2020/12/02/dockershim-faq/</a:t>
+              <a:rPr lang="en-US" altLang="zh-CN">
+                <a:latin typeface="宋体" panose="02010600030101010101" pitchFamily="2" charset="-122"/>
+                <a:ea typeface="宋体" panose="02010600030101010101" pitchFamily="2" charset="-122"/>
+                <a:cs typeface="宋体" panose="02010600030101010101" pitchFamily="2" charset="-122"/>
+              </a:rPr>
+              <a:t>Kubernetes</a:t>
+            </a:r>
+            <a:r>
+              <a:rPr lang="zh-CN" altLang="en-US">
+                <a:latin typeface="宋体" panose="02010600030101010101" pitchFamily="2" charset="-122"/>
+                <a:ea typeface="宋体" panose="02010600030101010101" pitchFamily="2" charset="-122"/>
+                <a:cs typeface="宋体" panose="02010600030101010101" pitchFamily="2" charset="-122"/>
+              </a:rPr>
+              <a:t>系统上的</a:t>
+            </a:r>
+            <a:r>
+              <a:rPr lang="zh-CN" altLang="en-US">
+                <a:solidFill>
+                  <a:srgbClr val="FF0000"/>
+                </a:solidFill>
+                <a:latin typeface="宋体" panose="02010600030101010101" pitchFamily="2" charset="-122"/>
+                <a:ea typeface="宋体" panose="02010600030101010101" pitchFamily="2" charset="-122"/>
+                <a:cs typeface="宋体" panose="02010600030101010101" pitchFamily="2" charset="-122"/>
+              </a:rPr>
+              <a:t>调度</a:t>
+            </a:r>
+            <a:r>
+              <a:rPr lang="zh-CN" altLang="en-US">
+                <a:latin typeface="宋体" panose="02010600030101010101" pitchFamily="2" charset="-122"/>
+                <a:ea typeface="宋体" panose="02010600030101010101" pitchFamily="2" charset="-122"/>
+                <a:cs typeface="宋体" panose="02010600030101010101" pitchFamily="2" charset="-122"/>
+              </a:rPr>
+              <a:t>是指为</a:t>
+            </a:r>
+            <a:r>
+              <a:rPr lang="en-US" altLang="zh-CN">
+                <a:latin typeface="宋体" panose="02010600030101010101" pitchFamily="2" charset="-122"/>
+                <a:ea typeface="宋体" panose="02010600030101010101" pitchFamily="2" charset="-122"/>
+                <a:cs typeface="宋体" panose="02010600030101010101" pitchFamily="2" charset="-122"/>
+              </a:rPr>
+              <a:t>API Server</a:t>
+            </a:r>
+            <a:r>
+              <a:rPr lang="zh-CN" altLang="en-US">
+                <a:latin typeface="宋体" panose="02010600030101010101" pitchFamily="2" charset="-122"/>
+                <a:ea typeface="宋体" panose="02010600030101010101" pitchFamily="2" charset="-122"/>
+                <a:cs typeface="宋体" panose="02010600030101010101" pitchFamily="2" charset="-122"/>
+              </a:rPr>
+              <a:t>接收到的每一个</a:t>
+            </a:r>
+            <a:r>
+              <a:rPr lang="en-US" altLang="zh-CN">
+                <a:latin typeface="宋体" panose="02010600030101010101" pitchFamily="2" charset="-122"/>
+                <a:ea typeface="宋体" panose="02010600030101010101" pitchFamily="2" charset="-122"/>
+                <a:cs typeface="宋体" panose="02010600030101010101" pitchFamily="2" charset="-122"/>
+              </a:rPr>
+              <a:t>Pod</a:t>
+            </a:r>
+            <a:r>
+              <a:rPr lang="zh-CN" altLang="en-US">
+                <a:latin typeface="宋体" panose="02010600030101010101" pitchFamily="2" charset="-122"/>
+                <a:ea typeface="宋体" panose="02010600030101010101" pitchFamily="2" charset="-122"/>
+                <a:cs typeface="宋体" panose="02010600030101010101" pitchFamily="2" charset="-122"/>
+              </a:rPr>
+              <a:t>创建请求，并在集群种为其</a:t>
+            </a:r>
+            <a:r>
+              <a:rPr lang="zh-CN" altLang="en-US">
+                <a:solidFill>
+                  <a:srgbClr val="FF0000"/>
+                </a:solidFill>
+                <a:latin typeface="宋体" panose="02010600030101010101" pitchFamily="2" charset="-122"/>
+                <a:ea typeface="宋体" panose="02010600030101010101" pitchFamily="2" charset="-122"/>
+                <a:cs typeface="宋体" panose="02010600030101010101" pitchFamily="2" charset="-122"/>
+              </a:rPr>
+              <a:t>匹配出</a:t>
+            </a:r>
+            <a:r>
+              <a:rPr lang="zh-CN" altLang="en-US">
+                <a:latin typeface="宋体" panose="02010600030101010101" pitchFamily="2" charset="-122"/>
+                <a:ea typeface="宋体" panose="02010600030101010101" pitchFamily="2" charset="-122"/>
+                <a:cs typeface="宋体" panose="02010600030101010101" pitchFamily="2" charset="-122"/>
+              </a:rPr>
+              <a:t>一个最佳的</a:t>
+            </a:r>
+            <a:r>
+              <a:rPr lang="zh-CN" altLang="en-US">
+                <a:solidFill>
+                  <a:srgbClr val="FF0000"/>
+                </a:solidFill>
+                <a:latin typeface="宋体" panose="02010600030101010101" pitchFamily="2" charset="-122"/>
+                <a:ea typeface="宋体" panose="02010600030101010101" pitchFamily="2" charset="-122"/>
+                <a:cs typeface="宋体" panose="02010600030101010101" pitchFamily="2" charset="-122"/>
+              </a:rPr>
+              <a:t>工作节点；</a:t>
             </a:r>
             <a:endParaRPr lang="zh-CN" altLang="en-US">
-              <a:solidFill>
-                <a:schemeClr val="tx1"/>
-              </a:solidFill>
               <a:latin typeface="宋体" panose="02010600030101010101" pitchFamily="2" charset="-122"/>
               <a:ea typeface="宋体" panose="02010600030101010101" pitchFamily="2" charset="-122"/>
               <a:cs typeface="宋体" panose="02010600030101010101" pitchFamily="2" charset="-122"/>
@@ -16472,20 +16713,21 @@
           <a:p>
             <a:r>
               <a:rPr lang="zh-CN" altLang="en-US">
-                <a:solidFill>
-                  <a:schemeClr val="tx1"/>
-                </a:solidFill>
-                <a:latin typeface="宋体" panose="02010600030101010101" pitchFamily="2" charset="-122"/>
-                <a:ea typeface="宋体" panose="02010600030101010101" pitchFamily="2" charset="-122"/>
-                <a:cs typeface="宋体" panose="02010600030101010101" pitchFamily="2" charset="-122"/>
-                <a:hlinkClick r:id="rId2" action="ppaction://hlinkfile"/>
-              </a:rPr>
-              <a:t>https://www.cnblogs.com/tencent-cloud-native/p/14134164.html</a:t>
+                <a:latin typeface="宋体" panose="02010600030101010101" pitchFamily="2" charset="-122"/>
+                <a:ea typeface="宋体" panose="02010600030101010101" pitchFamily="2" charset="-122"/>
+                <a:cs typeface="宋体" panose="02010600030101010101" pitchFamily="2" charset="-122"/>
+              </a:rPr>
+              <a:t>匹配工作节点考量的因素：硬件、软件、策略约束，亲和力与反亲和力和力规范以及数据的局部性等</a:t>
+            </a:r>
+            <a:r>
+              <a:rPr lang="zh-CN" altLang="en-US">
+                <a:latin typeface="宋体" panose="02010600030101010101" pitchFamily="2" charset="-122"/>
+                <a:ea typeface="宋体" panose="02010600030101010101" pitchFamily="2" charset="-122"/>
+                <a:cs typeface="宋体" panose="02010600030101010101" pitchFamily="2" charset="-122"/>
+              </a:rPr>
+              <a:t>特征。</a:t>
             </a:r>
             <a:endParaRPr lang="zh-CN" altLang="en-US">
-              <a:solidFill>
-                <a:schemeClr val="tx1"/>
-              </a:solidFill>
               <a:latin typeface="宋体" panose="02010600030101010101" pitchFamily="2" charset="-122"/>
               <a:ea typeface="宋体" panose="02010600030101010101" pitchFamily="2" charset="-122"/>
               <a:cs typeface="宋体" panose="02010600030101010101" pitchFamily="2" charset="-122"/>
@@ -16512,7 +16754,7 @@
                 <a:ea typeface="宋体" panose="02010600030101010101" pitchFamily="2" charset="-122"/>
                 <a:cs typeface="宋体" panose="02010600030101010101" pitchFamily="2" charset="-122"/>
               </a:rPr>
-              <a:t>3</a:t>
+              <a:t>4</a:t>
             </a:r>
             <a:r>
               <a:rPr lang="zh-CN" altLang="en-US">
@@ -16534,13 +16776,10 @@
                 <a:ea typeface="宋体" panose="02010600030101010101" pitchFamily="2" charset="-122"/>
                 <a:cs typeface="宋体" panose="02010600030101010101" pitchFamily="2" charset="-122"/>
               </a:rPr>
-              <a:t>kube-proxy</a:t>
-            </a:r>
-            <a:r>
-              <a:rPr lang="zh-CN" altLang="en-US">
-                <a:solidFill>
-                  <a:srgbClr val="FF0000"/>
-                </a:solidFill>
+              <a:t>etcd</a:t>
+            </a:r>
+            <a:r>
+              <a:rPr lang="zh-CN" altLang="en-US">
                 <a:latin typeface="宋体" panose="02010600030101010101" pitchFamily="2" charset="-122"/>
                 <a:ea typeface="宋体" panose="02010600030101010101" pitchFamily="2" charset="-122"/>
                 <a:cs typeface="宋体" panose="02010600030101010101" pitchFamily="2" charset="-122"/>
@@ -16548,9 +16787,6 @@
               <a:t>：</a:t>
             </a:r>
             <a:endParaRPr lang="zh-CN" altLang="en-US">
-              <a:solidFill>
-                <a:srgbClr val="FF0000"/>
-              </a:solidFill>
               <a:latin typeface="宋体" panose="02010600030101010101" pitchFamily="2" charset="-122"/>
               <a:ea typeface="宋体" panose="02010600030101010101" pitchFamily="2" charset="-122"/>
               <a:cs typeface="宋体" panose="02010600030101010101" pitchFamily="2" charset="-122"/>
@@ -16558,119 +16794,55 @@
           </a:p>
           <a:p>
             <a:r>
-              <a:rPr lang="zh-CN" altLang="en-US">
-                <a:solidFill>
-                  <a:schemeClr val="tx1"/>
-                </a:solidFill>
-                <a:latin typeface="宋体" panose="02010600030101010101" pitchFamily="2" charset="-122"/>
-                <a:ea typeface="宋体" panose="02010600030101010101" pitchFamily="2" charset="-122"/>
-                <a:cs typeface="宋体" panose="02010600030101010101" pitchFamily="2" charset="-122"/>
-              </a:rPr>
-              <a:t>把</a:t>
-            </a:r>
-            <a:r>
               <a:rPr lang="en-US" altLang="zh-CN">
-                <a:solidFill>
-                  <a:schemeClr val="tx1"/>
-                </a:solidFill>
-                <a:latin typeface="宋体" panose="02010600030101010101" pitchFamily="2" charset="-122"/>
-                <a:ea typeface="宋体" panose="02010600030101010101" pitchFamily="2" charset="-122"/>
-                <a:cs typeface="宋体" panose="02010600030101010101" pitchFamily="2" charset="-122"/>
-              </a:rPr>
-              <a:t>API Server</a:t>
-            </a:r>
-            <a:r>
-              <a:rPr lang="zh-CN" altLang="en-US">
-                <a:solidFill>
-                  <a:schemeClr val="tx1"/>
-                </a:solidFill>
-                <a:latin typeface="宋体" panose="02010600030101010101" pitchFamily="2" charset="-122"/>
-                <a:ea typeface="宋体" panose="02010600030101010101" pitchFamily="2" charset="-122"/>
-                <a:cs typeface="宋体" panose="02010600030101010101" pitchFamily="2" charset="-122"/>
-              </a:rPr>
-              <a:t>上的</a:t>
+                <a:latin typeface="宋体" panose="02010600030101010101" pitchFamily="2" charset="-122"/>
+                <a:ea typeface="宋体" panose="02010600030101010101" pitchFamily="2" charset="-122"/>
+                <a:cs typeface="宋体" panose="02010600030101010101" pitchFamily="2" charset="-122"/>
+              </a:rPr>
+              <a:t>Kubernetes</a:t>
+            </a:r>
+            <a:r>
+              <a:rPr lang="zh-CN" altLang="en-US">
+                <a:latin typeface="宋体" panose="02010600030101010101" pitchFamily="2" charset="-122"/>
+                <a:ea typeface="宋体" panose="02010600030101010101" pitchFamily="2" charset="-122"/>
+                <a:cs typeface="宋体" panose="02010600030101010101" pitchFamily="2" charset="-122"/>
+              </a:rPr>
+              <a:t>集群的所有</a:t>
+            </a:r>
+            <a:r>
+              <a:rPr lang="zh-CN" altLang="en-US">
+                <a:solidFill>
+                  <a:srgbClr val="FF0000"/>
+                </a:solidFill>
+                <a:latin typeface="宋体" panose="02010600030101010101" pitchFamily="2" charset="-122"/>
+                <a:ea typeface="宋体" panose="02010600030101010101" pitchFamily="2" charset="-122"/>
+                <a:cs typeface="宋体" panose="02010600030101010101" pitchFamily="2" charset="-122"/>
+              </a:rPr>
+              <a:t>状态信息持久存储在存储系统</a:t>
             </a:r>
             <a:r>
               <a:rPr lang="en-US" altLang="zh-CN">
                 <a:solidFill>
-                  <a:schemeClr val="tx1"/>
-                </a:solidFill>
-                <a:latin typeface="宋体" panose="02010600030101010101" pitchFamily="2" charset="-122"/>
-                <a:ea typeface="宋体" panose="02010600030101010101" pitchFamily="2" charset="-122"/>
-                <a:cs typeface="宋体" panose="02010600030101010101" pitchFamily="2" charset="-122"/>
-              </a:rPr>
-              <a:t>Service</a:t>
-            </a:r>
-            <a:r>
-              <a:rPr lang="zh-CN" altLang="en-US">
-                <a:solidFill>
-                  <a:schemeClr val="tx1"/>
-                </a:solidFill>
-                <a:latin typeface="宋体" panose="02010600030101010101" pitchFamily="2" charset="-122"/>
-                <a:ea typeface="宋体" panose="02010600030101010101" pitchFamily="2" charset="-122"/>
-                <a:cs typeface="宋体" panose="02010600030101010101" pitchFamily="2" charset="-122"/>
-              </a:rPr>
-              <a:t>资源对象转换为当前节点上的</a:t>
-            </a:r>
-            <a:r>
-              <a:rPr lang="en-US" altLang="zh-CN">
-                <a:solidFill>
-                  <a:schemeClr val="tx1"/>
-                </a:solidFill>
-                <a:latin typeface="宋体" panose="02010600030101010101" pitchFamily="2" charset="-122"/>
-                <a:ea typeface="宋体" panose="02010600030101010101" pitchFamily="2" charset="-122"/>
-                <a:cs typeface="宋体" panose="02010600030101010101" pitchFamily="2" charset="-122"/>
-              </a:rPr>
-              <a:t>iptables</a:t>
-            </a:r>
-            <a:r>
-              <a:rPr lang="zh-CN" altLang="en-US">
-                <a:solidFill>
-                  <a:schemeClr val="tx1"/>
-                </a:solidFill>
-                <a:latin typeface="宋体" panose="02010600030101010101" pitchFamily="2" charset="-122"/>
-                <a:ea typeface="宋体" panose="02010600030101010101" pitchFamily="2" charset="-122"/>
-                <a:cs typeface="宋体" panose="02010600030101010101" pitchFamily="2" charset="-122"/>
-              </a:rPr>
-              <a:t>或</a:t>
-            </a:r>
-            <a:r>
-              <a:rPr lang="en-US" altLang="zh-CN">
-                <a:solidFill>
-                  <a:schemeClr val="tx1"/>
-                </a:solidFill>
-                <a:latin typeface="宋体" panose="02010600030101010101" pitchFamily="2" charset="-122"/>
-                <a:ea typeface="宋体" panose="02010600030101010101" pitchFamily="2" charset="-122"/>
-                <a:cs typeface="宋体" panose="02010600030101010101" pitchFamily="2" charset="-122"/>
-              </a:rPr>
-              <a:t>ipvs</a:t>
-            </a:r>
-            <a:r>
-              <a:rPr lang="zh-CN" altLang="en-US">
-                <a:solidFill>
-                  <a:schemeClr val="tx1"/>
-                </a:solidFill>
-                <a:latin typeface="宋体" panose="02010600030101010101" pitchFamily="2" charset="-122"/>
-                <a:ea typeface="宋体" panose="02010600030101010101" pitchFamily="2" charset="-122"/>
-                <a:cs typeface="宋体" panose="02010600030101010101" pitchFamily="2" charset="-122"/>
-              </a:rPr>
-              <a:t>规则，</a:t>
-            </a:r>
-            <a:r>
-              <a:rPr>
-                <a:solidFill>
-                  <a:schemeClr val="tx1"/>
-                </a:solidFill>
-                <a:latin typeface="宋体" panose="02010600030101010101" pitchFamily="2" charset="-122"/>
-                <a:ea typeface="宋体" panose="02010600030101010101" pitchFamily="2" charset="-122"/>
-                <a:cs typeface="宋体" panose="02010600030101010101" pitchFamily="2" charset="-122"/>
-              </a:rPr>
-              <a:t>它的作用是使发往 Service 的流量（通过ClusterIP和端口）负载均衡到正确的后端Pod。</a:t>
-            </a:r>
-            <a:endParaRPr>
-              <a:solidFill>
-                <a:schemeClr val="tx1"/>
-              </a:solidFill>
+                  <a:srgbClr val="FF0000"/>
+                </a:solidFill>
+                <a:latin typeface="宋体" panose="02010600030101010101" pitchFamily="2" charset="-122"/>
+                <a:ea typeface="宋体" panose="02010600030101010101" pitchFamily="2" charset="-122"/>
+                <a:cs typeface="宋体" panose="02010600030101010101" pitchFamily="2" charset="-122"/>
+              </a:rPr>
+              <a:t>etcd</a:t>
+            </a:r>
+            <a:r>
+              <a:rPr lang="zh-CN" altLang="en-US">
+                <a:solidFill>
+                  <a:srgbClr val="FF0000"/>
+                </a:solidFill>
+                <a:latin typeface="宋体" panose="02010600030101010101" pitchFamily="2" charset="-122"/>
+                <a:ea typeface="宋体" panose="02010600030101010101" pitchFamily="2" charset="-122"/>
+                <a:cs typeface="宋体" panose="02010600030101010101" pitchFamily="2" charset="-122"/>
+              </a:rPr>
+              <a:t>中；</a:t>
+            </a:r>
+            <a:endParaRPr lang="zh-CN" altLang="en-US">
               <a:latin typeface="宋体" panose="02010600030101010101" pitchFamily="2" charset="-122"/>
               <a:ea typeface="宋体" panose="02010600030101010101" pitchFamily="2" charset="-122"/>
               <a:cs typeface="宋体" panose="02010600030101010101" pitchFamily="2" charset="-122"/>
@@ -16678,42 +16850,41 @@
           </a:p>
           <a:p>
             <a:r>
-              <a:rPr lang="zh-CN" altLang="en-US">
-                <a:solidFill>
-                  <a:schemeClr val="tx1"/>
-                </a:solidFill>
-                <a:latin typeface="宋体" panose="02010600030101010101" pitchFamily="2" charset="-122"/>
-                <a:ea typeface="宋体" panose="02010600030101010101" pitchFamily="2" charset="-122"/>
-                <a:cs typeface="宋体" panose="02010600030101010101" pitchFamily="2" charset="-122"/>
-              </a:rPr>
-              <a:t>是</a:t>
-            </a:r>
-            <a:r>
               <a:rPr lang="en-US" altLang="zh-CN">
-                <a:solidFill>
-                  <a:schemeClr val="tx1"/>
-                </a:solidFill>
-                <a:latin typeface="宋体" panose="02010600030101010101" pitchFamily="2" charset="-122"/>
-                <a:ea typeface="宋体" panose="02010600030101010101" pitchFamily="2" charset="-122"/>
-                <a:cs typeface="宋体" panose="02010600030101010101" pitchFamily="2" charset="-122"/>
-              </a:rPr>
-              <a:t>Kubernetes</a:t>
-            </a:r>
-            <a:r>
-              <a:rPr lang="zh-CN" altLang="en-US">
-                <a:solidFill>
-                  <a:schemeClr val="tx1"/>
-                </a:solidFill>
-                <a:latin typeface="宋体" panose="02010600030101010101" pitchFamily="2" charset="-122"/>
-                <a:ea typeface="宋体" panose="02010600030101010101" pitchFamily="2" charset="-122"/>
-                <a:cs typeface="宋体" panose="02010600030101010101" pitchFamily="2" charset="-122"/>
-              </a:rPr>
-              <a:t>的核心网络组件；</a:t>
-            </a:r>
-            <a:endParaRPr lang="en-US" altLang="zh-CN">
-              <a:solidFill>
-                <a:schemeClr val="tx1"/>
-              </a:solidFill>
+                <a:latin typeface="宋体" panose="02010600030101010101" pitchFamily="2" charset="-122"/>
+                <a:ea typeface="宋体" panose="02010600030101010101" pitchFamily="2" charset="-122"/>
+                <a:cs typeface="宋体" panose="02010600030101010101" pitchFamily="2" charset="-122"/>
+              </a:rPr>
+              <a:t>CoreOS</a:t>
+            </a:r>
+            <a:r>
+              <a:rPr lang="zh-CN" altLang="en-US">
+                <a:latin typeface="宋体" panose="02010600030101010101" pitchFamily="2" charset="-122"/>
+                <a:ea typeface="宋体" panose="02010600030101010101" pitchFamily="2" charset="-122"/>
+                <a:cs typeface="宋体" panose="02010600030101010101" pitchFamily="2" charset="-122"/>
+              </a:rPr>
+              <a:t>发开的分布式键值存储，可以用于</a:t>
+            </a:r>
+            <a:r>
+              <a:rPr lang="zh-CN" altLang="en-US">
+                <a:solidFill>
+                  <a:srgbClr val="FF0000"/>
+                </a:solidFill>
+                <a:latin typeface="宋体" panose="02010600030101010101" pitchFamily="2" charset="-122"/>
+                <a:ea typeface="宋体" panose="02010600030101010101" pitchFamily="2" charset="-122"/>
+                <a:cs typeface="宋体" panose="02010600030101010101" pitchFamily="2" charset="-122"/>
+              </a:rPr>
+              <a:t>服务发现、共享配置</a:t>
+            </a:r>
+            <a:r>
+              <a:rPr lang="zh-CN" altLang="en-US">
+                <a:latin typeface="宋体" panose="02010600030101010101" pitchFamily="2" charset="-122"/>
+                <a:ea typeface="宋体" panose="02010600030101010101" pitchFamily="2" charset="-122"/>
+                <a:cs typeface="宋体" panose="02010600030101010101" pitchFamily="2" charset="-122"/>
+              </a:rPr>
+              <a:t>以及一致性保障；</a:t>
+            </a:r>
+            <a:endParaRPr lang="zh-CN" altLang="en-US">
               <a:latin typeface="宋体" panose="02010600030101010101" pitchFamily="2" charset="-122"/>
               <a:ea typeface="宋体" panose="02010600030101010101" pitchFamily="2" charset="-122"/>
               <a:cs typeface="宋体" panose="02010600030101010101" pitchFamily="2" charset="-122"/>
@@ -16722,85 +16893,21 @@
           <a:p>
             <a:r>
               <a:rPr lang="zh-CN" altLang="en-US">
-                <a:solidFill>
-                  <a:srgbClr val="FF0000"/>
-                </a:solidFill>
-                <a:latin typeface="宋体" panose="02010600030101010101" pitchFamily="2" charset="-122"/>
-                <a:ea typeface="宋体" panose="02010600030101010101" pitchFamily="2" charset="-122"/>
-                <a:cs typeface="宋体" panose="02010600030101010101" pitchFamily="2" charset="-122"/>
-              </a:rPr>
-              <a:t>负责集群中</a:t>
-            </a:r>
-            <a:r>
-              <a:rPr lang="en-US" altLang="zh-CN">
-                <a:solidFill>
-                  <a:srgbClr val="FF0000"/>
-                </a:solidFill>
-                <a:latin typeface="宋体" panose="02010600030101010101" pitchFamily="2" charset="-122"/>
-                <a:ea typeface="宋体" panose="02010600030101010101" pitchFamily="2" charset="-122"/>
-                <a:cs typeface="宋体" panose="02010600030101010101" pitchFamily="2" charset="-122"/>
-              </a:rPr>
-              <a:t>Node</a:t>
-            </a:r>
-            <a:r>
-              <a:rPr lang="zh-CN" altLang="en-US">
-                <a:solidFill>
-                  <a:srgbClr val="FF0000"/>
-                </a:solidFill>
-                <a:latin typeface="宋体" panose="02010600030101010101" pitchFamily="2" charset="-122"/>
-                <a:ea typeface="宋体" panose="02010600030101010101" pitchFamily="2" charset="-122"/>
-                <a:cs typeface="宋体" panose="02010600030101010101" pitchFamily="2" charset="-122"/>
-              </a:rPr>
-              <a:t>、</a:t>
-            </a:r>
-            <a:r>
-              <a:rPr lang="en-US" altLang="zh-CN">
-                <a:solidFill>
-                  <a:srgbClr val="FF0000"/>
-                </a:solidFill>
-                <a:latin typeface="宋体" panose="02010600030101010101" pitchFamily="2" charset="-122"/>
-                <a:ea typeface="宋体" panose="02010600030101010101" pitchFamily="2" charset="-122"/>
-                <a:cs typeface="宋体" panose="02010600030101010101" pitchFamily="2" charset="-122"/>
-              </a:rPr>
-              <a:t>Service</a:t>
-            </a:r>
-            <a:r>
-              <a:rPr lang="zh-CN" altLang="en-US">
-                <a:solidFill>
-                  <a:srgbClr val="FF0000"/>
-                </a:solidFill>
-                <a:latin typeface="宋体" panose="02010600030101010101" pitchFamily="2" charset="-122"/>
-                <a:ea typeface="宋体" panose="02010600030101010101" pitchFamily="2" charset="-122"/>
-                <a:cs typeface="宋体" panose="02010600030101010101" pitchFamily="2" charset="-122"/>
-              </a:rPr>
-              <a:t>和</a:t>
-            </a:r>
-            <a:r>
-              <a:rPr lang="en-US" altLang="zh-CN">
-                <a:solidFill>
-                  <a:srgbClr val="FF0000"/>
-                </a:solidFill>
-                <a:latin typeface="宋体" panose="02010600030101010101" pitchFamily="2" charset="-122"/>
-                <a:ea typeface="宋体" panose="02010600030101010101" pitchFamily="2" charset="-122"/>
-                <a:cs typeface="宋体" panose="02010600030101010101" pitchFamily="2" charset="-122"/>
-              </a:rPr>
-              <a:t>Pod</a:t>
-            </a:r>
-            <a:r>
-              <a:rPr lang="zh-CN" altLang="en-US">
-                <a:solidFill>
-                  <a:srgbClr val="FF0000"/>
-                </a:solidFill>
-                <a:latin typeface="宋体" panose="02010600030101010101" pitchFamily="2" charset="-122"/>
-                <a:ea typeface="宋体" panose="02010600030101010101" pitchFamily="2" charset="-122"/>
-                <a:cs typeface="宋体" panose="02010600030101010101" pitchFamily="2" charset="-122"/>
-              </a:rPr>
-              <a:t>对象之间的通信；</a:t>
+                <a:latin typeface="宋体" panose="02010600030101010101" pitchFamily="2" charset="-122"/>
+                <a:ea typeface="宋体" panose="02010600030101010101" pitchFamily="2" charset="-122"/>
+                <a:cs typeface="宋体" panose="02010600030101010101" pitchFamily="2" charset="-122"/>
+              </a:rPr>
+              <a:t>为其存储的数据提供监听机制，用于监视和推送</a:t>
+            </a:r>
+            <a:r>
+              <a:rPr lang="zh-CN" altLang="en-US">
+                <a:latin typeface="宋体" panose="02010600030101010101" pitchFamily="2" charset="-122"/>
+                <a:ea typeface="宋体" panose="02010600030101010101" pitchFamily="2" charset="-122"/>
+                <a:cs typeface="宋体" panose="02010600030101010101" pitchFamily="2" charset="-122"/>
+              </a:rPr>
+              <a:t>变更。</a:t>
             </a:r>
             <a:endParaRPr lang="zh-CN" altLang="en-US">
-              <a:solidFill>
-                <a:srgbClr val="FF0000"/>
-              </a:solidFill>
               <a:latin typeface="宋体" panose="02010600030101010101" pitchFamily="2" charset="-122"/>
               <a:ea typeface="宋体" panose="02010600030101010101" pitchFamily="2" charset="-122"/>
               <a:cs typeface="宋体" panose="02010600030101010101" pitchFamily="2" charset="-122"/>
@@ -16808,9 +16915,64 @@
           </a:p>
           <a:p>
             <a:endParaRPr lang="zh-CN" altLang="en-US">
-              <a:solidFill>
-                <a:srgbClr val="FF0000"/>
-              </a:solidFill>
+              <a:latin typeface="宋体" panose="02010600030101010101" pitchFamily="2" charset="-122"/>
+              <a:ea typeface="宋体" panose="02010600030101010101" pitchFamily="2" charset="-122"/>
+              <a:cs typeface="宋体" panose="02010600030101010101" pitchFamily="2" charset="-122"/>
+            </a:endParaRPr>
+          </a:p>
+          <a:p>
+            <a:endParaRPr lang="zh-CN" altLang="en-US">
+              <a:latin typeface="宋体" panose="02010600030101010101" pitchFamily="2" charset="-122"/>
+              <a:ea typeface="宋体" panose="02010600030101010101" pitchFamily="2" charset="-122"/>
+              <a:cs typeface="宋体" panose="02010600030101010101" pitchFamily="2" charset="-122"/>
+            </a:endParaRPr>
+          </a:p>
+          <a:p>
+            <a:pPr algn="ctr"/>
+            <a:r>
+              <a:rPr lang="zh-CN" altLang="en-US">
+                <a:latin typeface="宋体" panose="02010600030101010101" pitchFamily="2" charset="-122"/>
+                <a:ea typeface="宋体" panose="02010600030101010101" pitchFamily="2" charset="-122"/>
+                <a:cs typeface="宋体" panose="02010600030101010101" pitchFamily="2" charset="-122"/>
+              </a:rPr>
+              <a:t>这</a:t>
+            </a:r>
+            <a:r>
+              <a:rPr lang="en-US" altLang="zh-CN">
+                <a:latin typeface="宋体" panose="02010600030101010101" pitchFamily="2" charset="-122"/>
+                <a:ea typeface="宋体" panose="02010600030101010101" pitchFamily="2" charset="-122"/>
+                <a:cs typeface="宋体" panose="02010600030101010101" pitchFamily="2" charset="-122"/>
+              </a:rPr>
+              <a:t>4</a:t>
+            </a:r>
+            <a:r>
+              <a:rPr lang="zh-CN" altLang="en-US">
+                <a:latin typeface="宋体" panose="02010600030101010101" pitchFamily="2" charset="-122"/>
+                <a:ea typeface="宋体" panose="02010600030101010101" pitchFamily="2" charset="-122"/>
+                <a:cs typeface="宋体" panose="02010600030101010101" pitchFamily="2" charset="-122"/>
+              </a:rPr>
+              <a:t>个组件构成整个集群的</a:t>
+            </a:r>
+            <a:r>
+              <a:rPr lang="zh-CN" altLang="en-US" b="1">
+                <a:solidFill>
+                  <a:srgbClr val="FF0000"/>
+                </a:solidFill>
+                <a:latin typeface="宋体" panose="02010600030101010101" pitchFamily="2" charset="-122"/>
+                <a:ea typeface="宋体" panose="02010600030101010101" pitchFamily="2" charset="-122"/>
+                <a:cs typeface="宋体" panose="02010600030101010101" pitchFamily="2" charset="-122"/>
+              </a:rPr>
+              <a:t>控制平面</a:t>
+            </a:r>
+            <a:r>
+              <a:rPr lang="zh-CN" altLang="en-US">
+                <a:latin typeface="宋体" panose="02010600030101010101" pitchFamily="2" charset="-122"/>
+                <a:ea typeface="宋体" panose="02010600030101010101" pitchFamily="2" charset="-122"/>
+                <a:cs typeface="宋体" panose="02010600030101010101" pitchFamily="2" charset="-122"/>
+              </a:rPr>
+              <a:t>。</a:t>
+            </a:r>
+            <a:endParaRPr lang="zh-CN" altLang="en-US">
               <a:latin typeface="宋体" panose="02010600030101010101" pitchFamily="2" charset="-122"/>
               <a:ea typeface="宋体" panose="02010600030101010101" pitchFamily="2" charset="-122"/>
               <a:cs typeface="宋体" panose="02010600030101010101" pitchFamily="2" charset="-122"/>
